--- a/AI Empowered Automated Employee Expense Reimbursement Process.pptx
+++ b/AI Empowered Automated Employee Expense Reimbursement Process.pptx
@@ -2,16 +2,21 @@
 <file path=ppt/presentation.xml><?xml version="1.0" encoding="utf-8"?>
 <p:presentation xmlns:a="http://schemas.openxmlformats.org/drawingml/2006/main" xmlns:r="http://schemas.openxmlformats.org/officeDocument/2006/relationships" xmlns:p="http://schemas.openxmlformats.org/presentationml/2006/main" saveSubsetFonts="1">
   <p:sldMasterIdLst>
-    <p:sldMasterId id="2147483648" r:id="rId1"/>
+    <p:sldMasterId id="2147483727" r:id="rId1"/>
   </p:sldMasterIdLst>
   <p:sldIdLst>
     <p:sldId id="256" r:id="rId2"/>
     <p:sldId id="263" r:id="rId3"/>
     <p:sldId id="258" r:id="rId4"/>
     <p:sldId id="259" r:id="rId5"/>
-    <p:sldId id="260" r:id="rId6"/>
-    <p:sldId id="261" r:id="rId7"/>
-    <p:sldId id="262" r:id="rId8"/>
+    <p:sldId id="265" r:id="rId6"/>
+    <p:sldId id="267" r:id="rId7"/>
+    <p:sldId id="268" r:id="rId8"/>
+    <p:sldId id="266" r:id="rId9"/>
+    <p:sldId id="264" r:id="rId10"/>
+    <p:sldId id="260" r:id="rId11"/>
+    <p:sldId id="261" r:id="rId12"/>
+    <p:sldId id="262" r:id="rId13"/>
   </p:sldIdLst>
   <p:sldSz cx="12192000" cy="6858000"/>
   <p:notesSz cx="6858000" cy="9144000"/>
@@ -19,7 +24,7 @@
     <a:defPPr>
       <a:defRPr lang="en-US"/>
     </a:defPPr>
-    <a:lvl1pPr marL="0" algn="l" defTabSz="914400" rtl="0" eaLnBrk="1" latinLnBrk="0" hangingPunct="1">
+    <a:lvl1pPr marL="0" algn="l" defTabSz="457200" rtl="0" eaLnBrk="1" latinLnBrk="0" hangingPunct="1">
       <a:defRPr sz="1800" kern="1200">
         <a:solidFill>
           <a:schemeClr val="tx1"/>
@@ -29,7 +34,7 @@
         <a:cs typeface="+mn-cs"/>
       </a:defRPr>
     </a:lvl1pPr>
-    <a:lvl2pPr marL="457200" algn="l" defTabSz="914400" rtl="0" eaLnBrk="1" latinLnBrk="0" hangingPunct="1">
+    <a:lvl2pPr marL="457200" algn="l" defTabSz="457200" rtl="0" eaLnBrk="1" latinLnBrk="0" hangingPunct="1">
       <a:defRPr sz="1800" kern="1200">
         <a:solidFill>
           <a:schemeClr val="tx1"/>
@@ -39,7 +44,7 @@
         <a:cs typeface="+mn-cs"/>
       </a:defRPr>
     </a:lvl2pPr>
-    <a:lvl3pPr marL="914400" algn="l" defTabSz="914400" rtl="0" eaLnBrk="1" latinLnBrk="0" hangingPunct="1">
+    <a:lvl3pPr marL="914400" algn="l" defTabSz="457200" rtl="0" eaLnBrk="1" latinLnBrk="0" hangingPunct="1">
       <a:defRPr sz="1800" kern="1200">
         <a:solidFill>
           <a:schemeClr val="tx1"/>
@@ -49,7 +54,7 @@
         <a:cs typeface="+mn-cs"/>
       </a:defRPr>
     </a:lvl3pPr>
-    <a:lvl4pPr marL="1371600" algn="l" defTabSz="914400" rtl="0" eaLnBrk="1" latinLnBrk="0" hangingPunct="1">
+    <a:lvl4pPr marL="1371600" algn="l" defTabSz="457200" rtl="0" eaLnBrk="1" latinLnBrk="0" hangingPunct="1">
       <a:defRPr sz="1800" kern="1200">
         <a:solidFill>
           <a:schemeClr val="tx1"/>
@@ -59,7 +64,7 @@
         <a:cs typeface="+mn-cs"/>
       </a:defRPr>
     </a:lvl4pPr>
-    <a:lvl5pPr marL="1828800" algn="l" defTabSz="914400" rtl="0" eaLnBrk="1" latinLnBrk="0" hangingPunct="1">
+    <a:lvl5pPr marL="1828800" algn="l" defTabSz="457200" rtl="0" eaLnBrk="1" latinLnBrk="0" hangingPunct="1">
       <a:defRPr sz="1800" kern="1200">
         <a:solidFill>
           <a:schemeClr val="tx1"/>
@@ -69,7 +74,7 @@
         <a:cs typeface="+mn-cs"/>
       </a:defRPr>
     </a:lvl5pPr>
-    <a:lvl6pPr marL="2286000" algn="l" defTabSz="914400" rtl="0" eaLnBrk="1" latinLnBrk="0" hangingPunct="1">
+    <a:lvl6pPr marL="2286000" algn="l" defTabSz="457200" rtl="0" eaLnBrk="1" latinLnBrk="0" hangingPunct="1">
       <a:defRPr sz="1800" kern="1200">
         <a:solidFill>
           <a:schemeClr val="tx1"/>
@@ -79,7 +84,7 @@
         <a:cs typeface="+mn-cs"/>
       </a:defRPr>
     </a:lvl6pPr>
-    <a:lvl7pPr marL="2743200" algn="l" defTabSz="914400" rtl="0" eaLnBrk="1" latinLnBrk="0" hangingPunct="1">
+    <a:lvl7pPr marL="2743200" algn="l" defTabSz="457200" rtl="0" eaLnBrk="1" latinLnBrk="0" hangingPunct="1">
       <a:defRPr sz="1800" kern="1200">
         <a:solidFill>
           <a:schemeClr val="tx1"/>
@@ -89,7 +94,7 @@
         <a:cs typeface="+mn-cs"/>
       </a:defRPr>
     </a:lvl7pPr>
-    <a:lvl8pPr marL="3200400" algn="l" defTabSz="914400" rtl="0" eaLnBrk="1" latinLnBrk="0" hangingPunct="1">
+    <a:lvl8pPr marL="3200400" algn="l" defTabSz="457200" rtl="0" eaLnBrk="1" latinLnBrk="0" hangingPunct="1">
       <a:defRPr sz="1800" kern="1200">
         <a:solidFill>
           <a:schemeClr val="tx1"/>
@@ -99,7 +104,7 @@
         <a:cs typeface="+mn-cs"/>
       </a:defRPr>
     </a:lvl8pPr>
-    <a:lvl9pPr marL="3657600" algn="l" defTabSz="914400" rtl="0" eaLnBrk="1" latinLnBrk="0" hangingPunct="1">
+    <a:lvl9pPr marL="3657600" algn="l" defTabSz="457200" rtl="0" eaLnBrk="1" latinLnBrk="0" hangingPunct="1">
       <a:defRPr sz="1800" kern="1200">
         <a:solidFill>
           <a:schemeClr val="tx1"/>
@@ -110,12 +115,25 @@
       </a:defRPr>
     </a:lvl9pPr>
   </p:defaultTextStyle>
+  <p:extLst>
+    <p:ext uri="{EFAFB233-063F-42B5-8137-9DF3F51BA10A}">
+      <p15:sldGuideLst xmlns:p15="http://schemas.microsoft.com/office/powerpoint/2012/main"/>
+    </p:ext>
+  </p:extLst>
 </p:presentation>
 </file>
 
 <file path=ppt/slideLayouts/slideLayout1.xml><?xml version="1.0" encoding="utf-8"?>
 <p:sldLayout xmlns:a="http://schemas.openxmlformats.org/drawingml/2006/main" xmlns:r="http://schemas.openxmlformats.org/officeDocument/2006/relationships" xmlns:p="http://schemas.openxmlformats.org/presentationml/2006/main" type="title" preserve="1">
   <p:cSld name="Title Slide">
+    <p:bg>
+      <p:bgPr>
+        <a:solidFill>
+          <a:schemeClr val="accent2"/>
+        </a:solidFill>
+        <a:effectLst/>
+      </p:bgPr>
+    </p:bg>
     <p:spTree>
       <p:nvGrpSpPr>
         <p:cNvPr id="1" name=""/>
@@ -132,13 +150,7 @@
       </p:grpSpPr>
       <p:sp>
         <p:nvSpPr>
-          <p:cNvPr id="2" name="Title 1">
-            <a:extLst>
-              <a:ext uri="{FF2B5EF4-FFF2-40B4-BE49-F238E27FC236}">
-                <a16:creationId xmlns:a16="http://schemas.microsoft.com/office/drawing/2014/main" id="{EC0A9BFC-4ACF-4B64-90FA-5B302943AD39}"/>
-              </a:ext>
-            </a:extLst>
-          </p:cNvPr>
+          <p:cNvPr id="2" name="Title 1"/>
           <p:cNvSpPr>
             <a:spLocks noGrp="1"/>
           </p:cNvSpPr>
@@ -146,17 +158,31 @@
             <p:ph type="ctrTitle"/>
           </p:nvPr>
         </p:nvSpPr>
-        <p:spPr>
-          <a:xfrm>
-            <a:off x="1524000" y="1122363"/>
-            <a:ext cx="9144000" cy="2387600"/>
-          </a:xfrm>
-        </p:spPr>
-        <p:txBody>
-          <a:bodyPr anchor="b"/>
+        <p:spPr bwMode="blackWhite">
+          <a:xfrm>
+            <a:off x="1600200" y="2386744"/>
+            <a:ext cx="8991600" cy="1645920"/>
+          </a:xfrm>
+          <a:solidFill>
+            <a:srgbClr val="FFFFFF"/>
+          </a:solidFill>
+          <a:ln w="38100">
+            <a:solidFill>
+              <a:srgbClr val="404040"/>
+            </a:solidFill>
+          </a:ln>
+        </p:spPr>
+        <p:txBody>
+          <a:bodyPr lIns="274320" rIns="274320" anchor="ctr" anchorCtr="1">
+            <a:normAutofit/>
+          </a:bodyPr>
           <a:lstStyle>
             <a:lvl1pPr algn="ctr">
-              <a:defRPr sz="6000"/>
+              <a:defRPr sz="3800">
+                <a:solidFill>
+                  <a:srgbClr val="262626"/>
+                </a:solidFill>
+              </a:defRPr>
             </a:lvl1pPr>
           </a:lstStyle>
           <a:p>
@@ -164,18 +190,13 @@
               <a:rPr lang="en-US"/>
               <a:t>Click to edit Master title style</a:t>
             </a:r>
-          </a:p>
-        </p:txBody>
-      </p:sp>
-      <p:sp>
-        <p:nvSpPr>
-          <p:cNvPr id="3" name="Subtitle 2">
-            <a:extLst>
-              <a:ext uri="{FF2B5EF4-FFF2-40B4-BE49-F238E27FC236}">
-                <a16:creationId xmlns:a16="http://schemas.microsoft.com/office/drawing/2014/main" id="{DD8718C9-1FF9-F350-5FC1-4D6B050165AC}"/>
-              </a:ext>
-            </a:extLst>
-          </p:cNvPr>
+            <a:endParaRPr lang="en-US" dirty="0"/>
+          </a:p>
+        </p:txBody>
+      </p:sp>
+      <p:sp>
+        <p:nvSpPr>
+          <p:cNvPr id="3" name="Subtitle 2"/>
           <p:cNvSpPr>
             <a:spLocks noGrp="1"/>
           </p:cNvSpPr>
@@ -185,16 +206,26 @@
         </p:nvSpPr>
         <p:spPr>
           <a:xfrm>
-            <a:off x="1524000" y="3602038"/>
-            <a:ext cx="9144000" cy="1655762"/>
-          </a:xfrm>
-        </p:spPr>
-        <p:txBody>
-          <a:bodyPr/>
+            <a:off x="2695194" y="4352544"/>
+            <a:ext cx="6801612" cy="1239894"/>
+          </a:xfrm>
+          <a:noFill/>
+        </p:spPr>
+        <p:txBody>
+          <a:bodyPr>
+            <a:normAutofit/>
+          </a:bodyPr>
           <a:lstStyle>
             <a:lvl1pPr marL="0" indent="0" algn="ctr">
               <a:buNone/>
-              <a:defRPr sz="2400"/>
+              <a:defRPr sz="2000">
+                <a:solidFill>
+                  <a:schemeClr val="tx1">
+                    <a:lumMod val="75000"/>
+                    <a:lumOff val="25000"/>
+                  </a:schemeClr>
+                </a:solidFill>
+              </a:defRPr>
             </a:lvl1pPr>
             <a:lvl2pPr marL="457200" indent="0" algn="ctr">
               <a:buNone/>
@@ -234,18 +265,13 @@
               <a:rPr lang="en-US"/>
               <a:t>Click to edit Master subtitle style</a:t>
             </a:r>
-          </a:p>
-        </p:txBody>
-      </p:sp>
-      <p:sp>
-        <p:nvSpPr>
-          <p:cNvPr id="4" name="Date Placeholder 3">
-            <a:extLst>
-              <a:ext uri="{FF2B5EF4-FFF2-40B4-BE49-F238E27FC236}">
-                <a16:creationId xmlns:a16="http://schemas.microsoft.com/office/drawing/2014/main" id="{00F2850A-8849-87CC-2631-B7F14AE8C2BE}"/>
-              </a:ext>
-            </a:extLst>
-          </p:cNvPr>
+            <a:endParaRPr lang="en-US" dirty="0"/>
+          </a:p>
+        </p:txBody>
+      </p:sp>
+      <p:sp>
+        <p:nvSpPr>
+          <p:cNvPr id="7" name="Date Placeholder 6"/>
           <p:cNvSpPr>
             <a:spLocks noGrp="1"/>
           </p:cNvSpPr>
@@ -260,7 +286,7 @@
           <a:p>
             <a:fld id="{48C94CA2-74DA-4280-AF68-7BD807AD46B3}" type="datetimeFigureOut">
               <a:rPr lang="en-US" smtClean="0"/>
-              <a:t>12/2/2023</a:t>
+              <a:t>12/4/2023</a:t>
             </a:fld>
             <a:endParaRPr lang="en-US"/>
           </a:p>
@@ -268,13 +294,7 @@
       </p:sp>
       <p:sp>
         <p:nvSpPr>
-          <p:cNvPr id="5" name="Footer Placeholder 4">
-            <a:extLst>
-              <a:ext uri="{FF2B5EF4-FFF2-40B4-BE49-F238E27FC236}">
-                <a16:creationId xmlns:a16="http://schemas.microsoft.com/office/drawing/2014/main" id="{5909C35A-7D4B-0585-CA4B-EDC0A8BD7779}"/>
-              </a:ext>
-            </a:extLst>
-          </p:cNvPr>
+          <p:cNvPr id="8" name="Footer Placeholder 7"/>
           <p:cNvSpPr>
             <a:spLocks noGrp="1"/>
           </p:cNvSpPr>
@@ -293,13 +313,7 @@
       </p:sp>
       <p:sp>
         <p:nvSpPr>
-          <p:cNvPr id="6" name="Slide Number Placeholder 5">
-            <a:extLst>
-              <a:ext uri="{FF2B5EF4-FFF2-40B4-BE49-F238E27FC236}">
-                <a16:creationId xmlns:a16="http://schemas.microsoft.com/office/drawing/2014/main" id="{915F7945-F7C5-C906-BB36-A18C5CCD254B}"/>
-              </a:ext>
-            </a:extLst>
-          </p:cNvPr>
+          <p:cNvPr id="9" name="Slide Number Placeholder 8"/>
           <p:cNvSpPr>
             <a:spLocks noGrp="1"/>
           </p:cNvSpPr>
@@ -323,12 +337,12 @@
     </p:spTree>
     <p:extLst>
       <p:ext uri="{BB962C8B-B14F-4D97-AF65-F5344CB8AC3E}">
-        <p14:creationId xmlns:p14="http://schemas.microsoft.com/office/powerpoint/2010/main" val="400771420"/>
+        <p14:creationId xmlns:p14="http://schemas.microsoft.com/office/powerpoint/2010/main" val="2852463986"/>
       </p:ext>
     </p:extLst>
   </p:cSld>
   <p:clrMapOvr>
-    <a:masterClrMapping/>
+    <a:overrideClrMapping bg1="dk1" tx1="lt1" bg2="dk2" tx2="lt2" accent1="accent1" accent2="accent2" accent3="accent3" accent4="accent4" accent5="accent5" accent6="accent6" hlink="hlink" folHlink="folHlink"/>
   </p:clrMapOvr>
 </p:sldLayout>
 </file>
@@ -352,13 +366,7 @@
       </p:grpSpPr>
       <p:sp>
         <p:nvSpPr>
-          <p:cNvPr id="2" name="Title 1">
-            <a:extLst>
-              <a:ext uri="{FF2B5EF4-FFF2-40B4-BE49-F238E27FC236}">
-                <a16:creationId xmlns:a16="http://schemas.microsoft.com/office/drawing/2014/main" id="{0F358511-04E3-19B3-46EF-8746267392C7}"/>
-              </a:ext>
-            </a:extLst>
-          </p:cNvPr>
+          <p:cNvPr id="2" name="Title 1"/>
           <p:cNvSpPr>
             <a:spLocks noGrp="1"/>
           </p:cNvSpPr>
@@ -375,18 +383,13 @@
               <a:rPr lang="en-US"/>
               <a:t>Click to edit Master title style</a:t>
             </a:r>
-          </a:p>
-        </p:txBody>
-      </p:sp>
-      <p:sp>
-        <p:nvSpPr>
-          <p:cNvPr id="3" name="Vertical Text Placeholder 2">
-            <a:extLst>
-              <a:ext uri="{FF2B5EF4-FFF2-40B4-BE49-F238E27FC236}">
-                <a16:creationId xmlns:a16="http://schemas.microsoft.com/office/drawing/2014/main" id="{44CAB441-01A3-7602-7F77-82A8D874AC7A}"/>
-              </a:ext>
-            </a:extLst>
-          </p:cNvPr>
+            <a:endParaRPr lang="en-US" dirty="0"/>
+          </a:p>
+        </p:txBody>
+      </p:sp>
+      <p:sp>
+        <p:nvSpPr>
+          <p:cNvPr id="3" name="Vertical Text Placeholder 2"/>
           <p:cNvSpPr>
             <a:spLocks noGrp="1"/>
           </p:cNvSpPr>
@@ -432,18 +435,13 @@
               <a:rPr lang="en-US"/>
               <a:t>Fifth level</a:t>
             </a:r>
-          </a:p>
-        </p:txBody>
-      </p:sp>
-      <p:sp>
-        <p:nvSpPr>
-          <p:cNvPr id="4" name="Date Placeholder 3">
-            <a:extLst>
-              <a:ext uri="{FF2B5EF4-FFF2-40B4-BE49-F238E27FC236}">
-                <a16:creationId xmlns:a16="http://schemas.microsoft.com/office/drawing/2014/main" id="{932D28C9-3930-3086-D36F-A8F6E670EB4D}"/>
-              </a:ext>
-            </a:extLst>
-          </p:cNvPr>
+            <a:endParaRPr lang="en-US" dirty="0"/>
+          </a:p>
+        </p:txBody>
+      </p:sp>
+      <p:sp>
+        <p:nvSpPr>
+          <p:cNvPr id="4" name="Date Placeholder 3"/>
           <p:cNvSpPr>
             <a:spLocks noGrp="1"/>
           </p:cNvSpPr>
@@ -458,7 +456,7 @@
           <a:p>
             <a:fld id="{48C94CA2-74DA-4280-AF68-7BD807AD46B3}" type="datetimeFigureOut">
               <a:rPr lang="en-US" smtClean="0"/>
-              <a:t>12/2/2023</a:t>
+              <a:t>12/4/2023</a:t>
             </a:fld>
             <a:endParaRPr lang="en-US"/>
           </a:p>
@@ -466,13 +464,7 @@
       </p:sp>
       <p:sp>
         <p:nvSpPr>
-          <p:cNvPr id="5" name="Footer Placeholder 4">
-            <a:extLst>
-              <a:ext uri="{FF2B5EF4-FFF2-40B4-BE49-F238E27FC236}">
-                <a16:creationId xmlns:a16="http://schemas.microsoft.com/office/drawing/2014/main" id="{6C947F35-4FDB-4127-5377-483321DAB472}"/>
-              </a:ext>
-            </a:extLst>
-          </p:cNvPr>
+          <p:cNvPr id="5" name="Footer Placeholder 4"/>
           <p:cNvSpPr>
             <a:spLocks noGrp="1"/>
           </p:cNvSpPr>
@@ -491,13 +483,7 @@
       </p:sp>
       <p:sp>
         <p:nvSpPr>
-          <p:cNvPr id="6" name="Slide Number Placeholder 5">
-            <a:extLst>
-              <a:ext uri="{FF2B5EF4-FFF2-40B4-BE49-F238E27FC236}">
-                <a16:creationId xmlns:a16="http://schemas.microsoft.com/office/drawing/2014/main" id="{E784ED83-953A-A1A5-27E0-393140BCB35D}"/>
-              </a:ext>
-            </a:extLst>
-          </p:cNvPr>
+          <p:cNvPr id="6" name="Slide Number Placeholder 5"/>
           <p:cNvSpPr>
             <a:spLocks noGrp="1"/>
           </p:cNvSpPr>
@@ -521,7 +507,7 @@
     </p:spTree>
     <p:extLst>
       <p:ext uri="{BB962C8B-B14F-4D97-AF65-F5344CB8AC3E}">
-        <p14:creationId xmlns:p14="http://schemas.microsoft.com/office/powerpoint/2010/main" val="432697003"/>
+        <p14:creationId xmlns:p14="http://schemas.microsoft.com/office/powerpoint/2010/main" val="1670302917"/>
       </p:ext>
     </p:extLst>
   </p:cSld>
@@ -550,13 +536,7 @@
       </p:grpSpPr>
       <p:sp>
         <p:nvSpPr>
-          <p:cNvPr id="2" name="Vertical Title 1">
-            <a:extLst>
-              <a:ext uri="{FF2B5EF4-FFF2-40B4-BE49-F238E27FC236}">
-                <a16:creationId xmlns:a16="http://schemas.microsoft.com/office/drawing/2014/main" id="{BB16AD44-0F4A-3F58-1D94-CB920ED58F42}"/>
-              </a:ext>
-            </a:extLst>
-          </p:cNvPr>
+          <p:cNvPr id="2" name="Vertical Title 1"/>
           <p:cNvSpPr>
             <a:spLocks noGrp="1"/>
           </p:cNvSpPr>
@@ -566,8 +546,8 @@
         </p:nvSpPr>
         <p:spPr>
           <a:xfrm>
-            <a:off x="8724900" y="365125"/>
-            <a:ext cx="2628900" cy="5811838"/>
+            <a:off x="8653112" y="937260"/>
+            <a:ext cx="1298608" cy="4983480"/>
           </a:xfrm>
         </p:spPr>
         <p:txBody>
@@ -578,18 +558,13 @@
               <a:rPr lang="en-US"/>
               <a:t>Click to edit Master title style</a:t>
             </a:r>
-          </a:p>
-        </p:txBody>
-      </p:sp>
-      <p:sp>
-        <p:nvSpPr>
-          <p:cNvPr id="3" name="Vertical Text Placeholder 2">
-            <a:extLst>
-              <a:ext uri="{FF2B5EF4-FFF2-40B4-BE49-F238E27FC236}">
-                <a16:creationId xmlns:a16="http://schemas.microsoft.com/office/drawing/2014/main" id="{23786B4A-4A9F-710C-237F-180E791C1D6A}"/>
-              </a:ext>
-            </a:extLst>
-          </p:cNvPr>
+            <a:endParaRPr lang="en-US" dirty="0"/>
+          </a:p>
+        </p:txBody>
+      </p:sp>
+      <p:sp>
+        <p:nvSpPr>
+          <p:cNvPr id="3" name="Vertical Text Placeholder 2"/>
           <p:cNvSpPr>
             <a:spLocks noGrp="1"/>
           </p:cNvSpPr>
@@ -599,8 +574,8 @@
         </p:nvSpPr>
         <p:spPr>
           <a:xfrm>
-            <a:off x="838200" y="365125"/>
-            <a:ext cx="7734300" cy="5811838"/>
+            <a:off x="2231136" y="937260"/>
+            <a:ext cx="6198489" cy="4983480"/>
           </a:xfrm>
         </p:spPr>
         <p:txBody>
@@ -640,18 +615,13 @@
               <a:rPr lang="en-US"/>
               <a:t>Fifth level</a:t>
             </a:r>
-          </a:p>
-        </p:txBody>
-      </p:sp>
-      <p:sp>
-        <p:nvSpPr>
-          <p:cNvPr id="4" name="Date Placeholder 3">
-            <a:extLst>
-              <a:ext uri="{FF2B5EF4-FFF2-40B4-BE49-F238E27FC236}">
-                <a16:creationId xmlns:a16="http://schemas.microsoft.com/office/drawing/2014/main" id="{383CC47A-5D1E-F23F-720B-7271B9F58FFC}"/>
-              </a:ext>
-            </a:extLst>
-          </p:cNvPr>
+            <a:endParaRPr lang="en-US" dirty="0"/>
+          </a:p>
+        </p:txBody>
+      </p:sp>
+      <p:sp>
+        <p:nvSpPr>
+          <p:cNvPr id="4" name="Date Placeholder 3"/>
           <p:cNvSpPr>
             <a:spLocks noGrp="1"/>
           </p:cNvSpPr>
@@ -666,7 +636,7 @@
           <a:p>
             <a:fld id="{48C94CA2-74DA-4280-AF68-7BD807AD46B3}" type="datetimeFigureOut">
               <a:rPr lang="en-US" smtClean="0"/>
-              <a:t>12/2/2023</a:t>
+              <a:t>12/4/2023</a:t>
             </a:fld>
             <a:endParaRPr lang="en-US"/>
           </a:p>
@@ -674,13 +644,7 @@
       </p:sp>
       <p:sp>
         <p:nvSpPr>
-          <p:cNvPr id="5" name="Footer Placeholder 4">
-            <a:extLst>
-              <a:ext uri="{FF2B5EF4-FFF2-40B4-BE49-F238E27FC236}">
-                <a16:creationId xmlns:a16="http://schemas.microsoft.com/office/drawing/2014/main" id="{71579D04-5F8F-038C-2EAD-EDBA3CCA6757}"/>
-              </a:ext>
-            </a:extLst>
-          </p:cNvPr>
+          <p:cNvPr id="5" name="Footer Placeholder 4"/>
           <p:cNvSpPr>
             <a:spLocks noGrp="1"/>
           </p:cNvSpPr>
@@ -699,13 +663,7 @@
       </p:sp>
       <p:sp>
         <p:nvSpPr>
-          <p:cNvPr id="6" name="Slide Number Placeholder 5">
-            <a:extLst>
-              <a:ext uri="{FF2B5EF4-FFF2-40B4-BE49-F238E27FC236}">
-                <a16:creationId xmlns:a16="http://schemas.microsoft.com/office/drawing/2014/main" id="{1ED632A6-65EF-8D4C-E52D-870A65ADAB0E}"/>
-              </a:ext>
-            </a:extLst>
-          </p:cNvPr>
+          <p:cNvPr id="6" name="Slide Number Placeholder 5"/>
           <p:cNvSpPr>
             <a:spLocks noGrp="1"/>
           </p:cNvSpPr>
@@ -729,7 +687,7 @@
     </p:spTree>
     <p:extLst>
       <p:ext uri="{BB962C8B-B14F-4D97-AF65-F5344CB8AC3E}">
-        <p14:creationId xmlns:p14="http://schemas.microsoft.com/office/powerpoint/2010/main" val="613171891"/>
+        <p14:creationId xmlns:p14="http://schemas.microsoft.com/office/powerpoint/2010/main" val="2956820270"/>
       </p:ext>
     </p:extLst>
   </p:cSld>
@@ -758,13 +716,7 @@
       </p:grpSpPr>
       <p:sp>
         <p:nvSpPr>
-          <p:cNvPr id="2" name="Title 1">
-            <a:extLst>
-              <a:ext uri="{FF2B5EF4-FFF2-40B4-BE49-F238E27FC236}">
-                <a16:creationId xmlns:a16="http://schemas.microsoft.com/office/drawing/2014/main" id="{91D3DC95-DBB2-4FBB-0F08-370521DC6C33}"/>
-              </a:ext>
-            </a:extLst>
-          </p:cNvPr>
+          <p:cNvPr id="2" name="Title 1"/>
           <p:cNvSpPr>
             <a:spLocks noGrp="1"/>
           </p:cNvSpPr>
@@ -781,18 +733,13 @@
               <a:rPr lang="en-US"/>
               <a:t>Click to edit Master title style</a:t>
             </a:r>
-          </a:p>
-        </p:txBody>
-      </p:sp>
-      <p:sp>
-        <p:nvSpPr>
-          <p:cNvPr id="3" name="Content Placeholder 2">
-            <a:extLst>
-              <a:ext uri="{FF2B5EF4-FFF2-40B4-BE49-F238E27FC236}">
-                <a16:creationId xmlns:a16="http://schemas.microsoft.com/office/drawing/2014/main" id="{5B201EAE-22C0-2FE2-57C5-B0E4777DC62C}"/>
-              </a:ext>
-            </a:extLst>
-          </p:cNvPr>
+            <a:endParaRPr lang="en-US" dirty="0"/>
+          </a:p>
+        </p:txBody>
+      </p:sp>
+      <p:sp>
+        <p:nvSpPr>
+          <p:cNvPr id="3" name="Content Placeholder 2"/>
           <p:cNvSpPr>
             <a:spLocks noGrp="1"/>
           </p:cNvSpPr>
@@ -838,18 +785,13 @@
               <a:rPr lang="en-US"/>
               <a:t>Fifth level</a:t>
             </a:r>
-          </a:p>
-        </p:txBody>
-      </p:sp>
-      <p:sp>
-        <p:nvSpPr>
-          <p:cNvPr id="4" name="Date Placeholder 3">
-            <a:extLst>
-              <a:ext uri="{FF2B5EF4-FFF2-40B4-BE49-F238E27FC236}">
-                <a16:creationId xmlns:a16="http://schemas.microsoft.com/office/drawing/2014/main" id="{F090607B-0173-8707-B120-1A091D7B90E5}"/>
-              </a:ext>
-            </a:extLst>
-          </p:cNvPr>
+            <a:endParaRPr lang="en-US" dirty="0"/>
+          </a:p>
+        </p:txBody>
+      </p:sp>
+      <p:sp>
+        <p:nvSpPr>
+          <p:cNvPr id="7" name="Date Placeholder 6"/>
           <p:cNvSpPr>
             <a:spLocks noGrp="1"/>
           </p:cNvSpPr>
@@ -864,7 +806,7 @@
           <a:p>
             <a:fld id="{48C94CA2-74DA-4280-AF68-7BD807AD46B3}" type="datetimeFigureOut">
               <a:rPr lang="en-US" smtClean="0"/>
-              <a:t>12/2/2023</a:t>
+              <a:t>12/4/2023</a:t>
             </a:fld>
             <a:endParaRPr lang="en-US"/>
           </a:p>
@@ -872,13 +814,7 @@
       </p:sp>
       <p:sp>
         <p:nvSpPr>
-          <p:cNvPr id="5" name="Footer Placeholder 4">
-            <a:extLst>
-              <a:ext uri="{FF2B5EF4-FFF2-40B4-BE49-F238E27FC236}">
-                <a16:creationId xmlns:a16="http://schemas.microsoft.com/office/drawing/2014/main" id="{E083D4E2-EC07-D4A6-DCE6-B03F9574F02E}"/>
-              </a:ext>
-            </a:extLst>
-          </p:cNvPr>
+          <p:cNvPr id="8" name="Footer Placeholder 7"/>
           <p:cNvSpPr>
             <a:spLocks noGrp="1"/>
           </p:cNvSpPr>
@@ -897,13 +833,7 @@
       </p:sp>
       <p:sp>
         <p:nvSpPr>
-          <p:cNvPr id="6" name="Slide Number Placeholder 5">
-            <a:extLst>
-              <a:ext uri="{FF2B5EF4-FFF2-40B4-BE49-F238E27FC236}">
-                <a16:creationId xmlns:a16="http://schemas.microsoft.com/office/drawing/2014/main" id="{DBCD940B-DC60-0124-27CE-61263B9ADC99}"/>
-              </a:ext>
-            </a:extLst>
-          </p:cNvPr>
+          <p:cNvPr id="9" name="Slide Number Placeholder 8"/>
           <p:cNvSpPr>
             <a:spLocks noGrp="1"/>
           </p:cNvSpPr>
@@ -927,7 +857,7 @@
     </p:spTree>
     <p:extLst>
       <p:ext uri="{BB962C8B-B14F-4D97-AF65-F5344CB8AC3E}">
-        <p14:creationId xmlns:p14="http://schemas.microsoft.com/office/powerpoint/2010/main" val="1717653586"/>
+        <p14:creationId xmlns:p14="http://schemas.microsoft.com/office/powerpoint/2010/main" val="2345457853"/>
       </p:ext>
     </p:extLst>
   </p:cSld>
@@ -940,6 +870,14 @@
 <file path=ppt/slideLayouts/slideLayout3.xml><?xml version="1.0" encoding="utf-8"?>
 <p:sldLayout xmlns:a="http://schemas.openxmlformats.org/drawingml/2006/main" xmlns:r="http://schemas.openxmlformats.org/officeDocument/2006/relationships" xmlns:p="http://schemas.openxmlformats.org/presentationml/2006/main" type="secHead" preserve="1">
   <p:cSld name="Section Header">
+    <p:bg>
+      <p:bgPr>
+        <a:solidFill>
+          <a:schemeClr val="accent1"/>
+        </a:solidFill>
+        <a:effectLst/>
+      </p:bgPr>
+    </p:bg>
     <p:spTree>
       <p:nvGrpSpPr>
         <p:cNvPr id="1" name=""/>
@@ -956,13 +894,7 @@
       </p:grpSpPr>
       <p:sp>
         <p:nvSpPr>
-          <p:cNvPr id="2" name="Title 1">
-            <a:extLst>
-              <a:ext uri="{FF2B5EF4-FFF2-40B4-BE49-F238E27FC236}">
-                <a16:creationId xmlns:a16="http://schemas.microsoft.com/office/drawing/2014/main" id="{6FC825BB-26CA-E59F-A91E-AD380BCF2FEC}"/>
-              </a:ext>
-            </a:extLst>
-          </p:cNvPr>
+          <p:cNvPr id="2" name="Title 1"/>
           <p:cNvSpPr>
             <a:spLocks noGrp="1"/>
           </p:cNvSpPr>
@@ -970,17 +902,31 @@
             <p:ph type="title"/>
           </p:nvPr>
         </p:nvSpPr>
-        <p:spPr>
-          <a:xfrm>
-            <a:off x="831850" y="1709738"/>
-            <a:ext cx="10515600" cy="2852737"/>
-          </a:xfrm>
-        </p:spPr>
-        <p:txBody>
-          <a:bodyPr anchor="b"/>
+        <p:spPr bwMode="blackWhite">
+          <a:xfrm>
+            <a:off x="1600200" y="2386744"/>
+            <a:ext cx="8991600" cy="1645920"/>
+          </a:xfrm>
+          <a:solidFill>
+            <a:srgbClr val="FFFFFF"/>
+          </a:solidFill>
+          <a:ln w="38100">
+            <a:solidFill>
+              <a:srgbClr val="404040"/>
+            </a:solidFill>
+          </a:ln>
+        </p:spPr>
+        <p:txBody>
+          <a:bodyPr lIns="274320" rIns="274320" anchor="ctr" anchorCtr="1">
+            <a:normAutofit/>
+          </a:bodyPr>
           <a:lstStyle>
             <a:lvl1pPr>
-              <a:defRPr sz="6000"/>
+              <a:defRPr sz="3800">
+                <a:solidFill>
+                  <a:srgbClr val="262626"/>
+                </a:solidFill>
+              </a:defRPr>
             </a:lvl1pPr>
           </a:lstStyle>
           <a:p>
@@ -988,18 +934,13 @@
               <a:rPr lang="en-US"/>
               <a:t>Click to edit Master title style</a:t>
             </a:r>
-          </a:p>
-        </p:txBody>
-      </p:sp>
-      <p:sp>
-        <p:nvSpPr>
-          <p:cNvPr id="3" name="Text Placeholder 2">
-            <a:extLst>
-              <a:ext uri="{FF2B5EF4-FFF2-40B4-BE49-F238E27FC236}">
-                <a16:creationId xmlns:a16="http://schemas.microsoft.com/office/drawing/2014/main" id="{88B6BEF1-1A0D-DA9D-64E1-64E200AE484E}"/>
-              </a:ext>
-            </a:extLst>
-          </p:cNvPr>
+            <a:endParaRPr lang="en-US" dirty="0"/>
+          </a:p>
+        </p:txBody>
+      </p:sp>
+      <p:sp>
+        <p:nvSpPr>
+          <p:cNvPr id="3" name="Text Placeholder 2"/>
           <p:cNvSpPr>
             <a:spLocks noGrp="1"/>
           </p:cNvSpPr>
@@ -1009,20 +950,20 @@
         </p:nvSpPr>
         <p:spPr>
           <a:xfrm>
-            <a:off x="831850" y="4589463"/>
-            <a:ext cx="10515600" cy="1500187"/>
-          </a:xfrm>
-        </p:spPr>
-        <p:txBody>
-          <a:bodyPr/>
+            <a:off x="2695194" y="4352465"/>
+            <a:ext cx="6801612" cy="1265082"/>
+          </a:xfrm>
+        </p:spPr>
+        <p:txBody>
+          <a:bodyPr anchor="t" anchorCtr="1">
+            <a:normAutofit/>
+          </a:bodyPr>
           <a:lstStyle>
             <a:lvl1pPr marL="0" indent="0">
               <a:buNone/>
-              <a:defRPr sz="2400">
+              <a:defRPr sz="2000">
                 <a:solidFill>
-                  <a:schemeClr val="tx1">
-                    <a:tint val="75000"/>
-                  </a:schemeClr>
+                  <a:schemeClr val="tx1"/>
                 </a:solidFill>
               </a:defRPr>
             </a:lvl1pPr>
@@ -1118,13 +1059,7 @@
       </p:sp>
       <p:sp>
         <p:nvSpPr>
-          <p:cNvPr id="4" name="Date Placeholder 3">
-            <a:extLst>
-              <a:ext uri="{FF2B5EF4-FFF2-40B4-BE49-F238E27FC236}">
-                <a16:creationId xmlns:a16="http://schemas.microsoft.com/office/drawing/2014/main" id="{0C92E7F5-A502-68AD-157F-B5246D248DC0}"/>
-              </a:ext>
-            </a:extLst>
-          </p:cNvPr>
+          <p:cNvPr id="7" name="Date Placeholder 6"/>
           <p:cNvSpPr>
             <a:spLocks noGrp="1"/>
           </p:cNvSpPr>
@@ -1139,7 +1074,7 @@
           <a:p>
             <a:fld id="{48C94CA2-74DA-4280-AF68-7BD807AD46B3}" type="datetimeFigureOut">
               <a:rPr lang="en-US" smtClean="0"/>
-              <a:t>12/2/2023</a:t>
+              <a:t>12/4/2023</a:t>
             </a:fld>
             <a:endParaRPr lang="en-US"/>
           </a:p>
@@ -1147,13 +1082,7 @@
       </p:sp>
       <p:sp>
         <p:nvSpPr>
-          <p:cNvPr id="5" name="Footer Placeholder 4">
-            <a:extLst>
-              <a:ext uri="{FF2B5EF4-FFF2-40B4-BE49-F238E27FC236}">
-                <a16:creationId xmlns:a16="http://schemas.microsoft.com/office/drawing/2014/main" id="{EB92F7EC-2317-0ED2-42E3-ABCB82ADA68B}"/>
-              </a:ext>
-            </a:extLst>
-          </p:cNvPr>
+          <p:cNvPr id="8" name="Footer Placeholder 7"/>
           <p:cNvSpPr>
             <a:spLocks noGrp="1"/>
           </p:cNvSpPr>
@@ -1172,13 +1101,7 @@
       </p:sp>
       <p:sp>
         <p:nvSpPr>
-          <p:cNvPr id="6" name="Slide Number Placeholder 5">
-            <a:extLst>
-              <a:ext uri="{FF2B5EF4-FFF2-40B4-BE49-F238E27FC236}">
-                <a16:creationId xmlns:a16="http://schemas.microsoft.com/office/drawing/2014/main" id="{CE1BD89C-6EF8-7EC4-D1EE-EB93122D7861}"/>
-              </a:ext>
-            </a:extLst>
-          </p:cNvPr>
+          <p:cNvPr id="9" name="Slide Number Placeholder 8"/>
           <p:cNvSpPr>
             <a:spLocks noGrp="1"/>
           </p:cNvSpPr>
@@ -1202,12 +1125,12 @@
     </p:spTree>
     <p:extLst>
       <p:ext uri="{BB962C8B-B14F-4D97-AF65-F5344CB8AC3E}">
-        <p14:creationId xmlns:p14="http://schemas.microsoft.com/office/powerpoint/2010/main" val="4249923640"/>
+        <p14:creationId xmlns:p14="http://schemas.microsoft.com/office/powerpoint/2010/main" val="4079307657"/>
       </p:ext>
     </p:extLst>
   </p:cSld>
   <p:clrMapOvr>
-    <a:masterClrMapping/>
+    <a:overrideClrMapping bg1="dk1" tx1="lt1" bg2="dk2" tx2="lt2" accent1="accent1" accent2="accent2" accent3="accent3" accent4="accent4" accent5="accent5" accent6="accent6" hlink="hlink" folHlink="folHlink"/>
   </p:clrMapOvr>
 </p:sldLayout>
 </file>
@@ -1231,13 +1154,7 @@
       </p:grpSpPr>
       <p:sp>
         <p:nvSpPr>
-          <p:cNvPr id="2" name="Title 1">
-            <a:extLst>
-              <a:ext uri="{FF2B5EF4-FFF2-40B4-BE49-F238E27FC236}">
-                <a16:creationId xmlns:a16="http://schemas.microsoft.com/office/drawing/2014/main" id="{7A3592B0-4176-0474-B28F-92C10852EB9B}"/>
-              </a:ext>
-            </a:extLst>
-          </p:cNvPr>
+          <p:cNvPr id="2" name="Title 1"/>
           <p:cNvSpPr>
             <a:spLocks noGrp="1"/>
           </p:cNvSpPr>
@@ -1254,18 +1171,13 @@
               <a:rPr lang="en-US"/>
               <a:t>Click to edit Master title style</a:t>
             </a:r>
-          </a:p>
-        </p:txBody>
-      </p:sp>
-      <p:sp>
-        <p:nvSpPr>
-          <p:cNvPr id="3" name="Content Placeholder 2">
-            <a:extLst>
-              <a:ext uri="{FF2B5EF4-FFF2-40B4-BE49-F238E27FC236}">
-                <a16:creationId xmlns:a16="http://schemas.microsoft.com/office/drawing/2014/main" id="{C44BB57F-5D04-F303-4FD9-7FADC9902884}"/>
-              </a:ext>
-            </a:extLst>
-          </p:cNvPr>
+            <a:endParaRPr lang="en-US" dirty="0"/>
+          </a:p>
+        </p:txBody>
+      </p:sp>
+      <p:sp>
+        <p:nvSpPr>
+          <p:cNvPr id="3" name="Content Placeholder 2"/>
           <p:cNvSpPr>
             <a:spLocks noGrp="1"/>
           </p:cNvSpPr>
@@ -1275,8 +1187,8 @@
         </p:nvSpPr>
         <p:spPr>
           <a:xfrm>
-            <a:off x="838200" y="1825625"/>
-            <a:ext cx="5181600" cy="4351338"/>
+            <a:off x="1581912" y="2638044"/>
+            <a:ext cx="4271771" cy="3101982"/>
           </a:xfrm>
         </p:spPr>
         <p:txBody>
@@ -1316,18 +1228,13 @@
               <a:rPr lang="en-US"/>
               <a:t>Fifth level</a:t>
             </a:r>
-          </a:p>
-        </p:txBody>
-      </p:sp>
-      <p:sp>
-        <p:nvSpPr>
-          <p:cNvPr id="4" name="Content Placeholder 3">
-            <a:extLst>
-              <a:ext uri="{FF2B5EF4-FFF2-40B4-BE49-F238E27FC236}">
-                <a16:creationId xmlns:a16="http://schemas.microsoft.com/office/drawing/2014/main" id="{C2BE3C66-726E-5A52-0F76-FAEF9F71FBE1}"/>
-              </a:ext>
-            </a:extLst>
-          </p:cNvPr>
+            <a:endParaRPr lang="en-US" dirty="0"/>
+          </a:p>
+        </p:txBody>
+      </p:sp>
+      <p:sp>
+        <p:nvSpPr>
+          <p:cNvPr id="4" name="Content Placeholder 3"/>
           <p:cNvSpPr>
             <a:spLocks noGrp="1"/>
           </p:cNvSpPr>
@@ -1337,8 +1244,8 @@
         </p:nvSpPr>
         <p:spPr>
           <a:xfrm>
-            <a:off x="6172200" y="1825625"/>
-            <a:ext cx="5181600" cy="4351338"/>
+            <a:off x="6338315" y="2638044"/>
+            <a:ext cx="4270247" cy="3101982"/>
           </a:xfrm>
         </p:spPr>
         <p:txBody>
@@ -1378,18 +1285,13 @@
               <a:rPr lang="en-US"/>
               <a:t>Fifth level</a:t>
             </a:r>
-          </a:p>
-        </p:txBody>
-      </p:sp>
-      <p:sp>
-        <p:nvSpPr>
-          <p:cNvPr id="5" name="Date Placeholder 4">
-            <a:extLst>
-              <a:ext uri="{FF2B5EF4-FFF2-40B4-BE49-F238E27FC236}">
-                <a16:creationId xmlns:a16="http://schemas.microsoft.com/office/drawing/2014/main" id="{7B0DAE79-43BA-5955-5BE4-BFD66B1278F7}"/>
-              </a:ext>
-            </a:extLst>
-          </p:cNvPr>
+            <a:endParaRPr lang="en-US" dirty="0"/>
+          </a:p>
+        </p:txBody>
+      </p:sp>
+      <p:sp>
+        <p:nvSpPr>
+          <p:cNvPr id="8" name="Date Placeholder 7"/>
           <p:cNvSpPr>
             <a:spLocks noGrp="1"/>
           </p:cNvSpPr>
@@ -1404,7 +1306,7 @@
           <a:p>
             <a:fld id="{48C94CA2-74DA-4280-AF68-7BD807AD46B3}" type="datetimeFigureOut">
               <a:rPr lang="en-US" smtClean="0"/>
-              <a:t>12/2/2023</a:t>
+              <a:t>12/4/2023</a:t>
             </a:fld>
             <a:endParaRPr lang="en-US"/>
           </a:p>
@@ -1412,13 +1314,7 @@
       </p:sp>
       <p:sp>
         <p:nvSpPr>
-          <p:cNvPr id="6" name="Footer Placeholder 5">
-            <a:extLst>
-              <a:ext uri="{FF2B5EF4-FFF2-40B4-BE49-F238E27FC236}">
-                <a16:creationId xmlns:a16="http://schemas.microsoft.com/office/drawing/2014/main" id="{760F2415-0F69-2DE4-8CF5-E0753E2E460B}"/>
-              </a:ext>
-            </a:extLst>
-          </p:cNvPr>
+          <p:cNvPr id="9" name="Footer Placeholder 8"/>
           <p:cNvSpPr>
             <a:spLocks noGrp="1"/>
           </p:cNvSpPr>
@@ -1437,13 +1333,7 @@
       </p:sp>
       <p:sp>
         <p:nvSpPr>
-          <p:cNvPr id="7" name="Slide Number Placeholder 6">
-            <a:extLst>
-              <a:ext uri="{FF2B5EF4-FFF2-40B4-BE49-F238E27FC236}">
-                <a16:creationId xmlns:a16="http://schemas.microsoft.com/office/drawing/2014/main" id="{E485092F-87F1-A7E4-FD1D-8EDE4D3DECCD}"/>
-              </a:ext>
-            </a:extLst>
-          </p:cNvPr>
+          <p:cNvPr id="10" name="Slide Number Placeholder 9"/>
           <p:cNvSpPr>
             <a:spLocks noGrp="1"/>
           </p:cNvSpPr>
@@ -1467,7 +1357,7 @@
     </p:spTree>
     <p:extLst>
       <p:ext uri="{BB962C8B-B14F-4D97-AF65-F5344CB8AC3E}">
-        <p14:creationId xmlns:p14="http://schemas.microsoft.com/office/powerpoint/2010/main" val="3787695044"/>
+        <p14:creationId xmlns:p14="http://schemas.microsoft.com/office/powerpoint/2010/main" val="142253021"/>
       </p:ext>
     </p:extLst>
   </p:cSld>
@@ -1496,46 +1386,7 @@
       </p:grpSpPr>
       <p:sp>
         <p:nvSpPr>
-          <p:cNvPr id="2" name="Title 1">
-            <a:extLst>
-              <a:ext uri="{FF2B5EF4-FFF2-40B4-BE49-F238E27FC236}">
-                <a16:creationId xmlns:a16="http://schemas.microsoft.com/office/drawing/2014/main" id="{1106E29B-BF6F-DED6-6A2C-62DB8AC477C5}"/>
-              </a:ext>
-            </a:extLst>
-          </p:cNvPr>
-          <p:cNvSpPr>
-            <a:spLocks noGrp="1"/>
-          </p:cNvSpPr>
-          <p:nvPr>
-            <p:ph type="title"/>
-          </p:nvPr>
-        </p:nvSpPr>
-        <p:spPr>
-          <a:xfrm>
-            <a:off x="839788" y="365125"/>
-            <a:ext cx="10515600" cy="1325563"/>
-          </a:xfrm>
-        </p:spPr>
-        <p:txBody>
-          <a:bodyPr/>
-          <a:lstStyle/>
-          <a:p>
-            <a:r>
-              <a:rPr lang="en-US"/>
-              <a:t>Click to edit Master title style</a:t>
-            </a:r>
-          </a:p>
-        </p:txBody>
-      </p:sp>
-      <p:sp>
-        <p:nvSpPr>
-          <p:cNvPr id="3" name="Text Placeholder 2">
-            <a:extLst>
-              <a:ext uri="{FF2B5EF4-FFF2-40B4-BE49-F238E27FC236}">
-                <a16:creationId xmlns:a16="http://schemas.microsoft.com/office/drawing/2014/main" id="{4660815F-AE28-06BC-0241-6B7D5E915CBE}"/>
-              </a:ext>
-            </a:extLst>
-          </p:cNvPr>
+          <p:cNvPr id="3" name="Text Placeholder 2"/>
           <p:cNvSpPr>
             <a:spLocks noGrp="1"/>
           </p:cNvSpPr>
@@ -1545,20 +1396,28 @@
         </p:nvSpPr>
         <p:spPr>
           <a:xfrm>
-            <a:off x="839788" y="1681163"/>
-            <a:ext cx="5157787" cy="823912"/>
-          </a:xfrm>
-        </p:spPr>
-        <p:txBody>
-          <a:bodyPr anchor="b"/>
+            <a:off x="1583436" y="2313433"/>
+            <a:ext cx="4270248" cy="704087"/>
+          </a:xfrm>
+        </p:spPr>
+        <p:txBody>
+          <a:bodyPr anchor="b" anchorCtr="1">
+            <a:normAutofit/>
+          </a:bodyPr>
           <a:lstStyle>
-            <a:lvl1pPr marL="0" indent="0">
+            <a:lvl1pPr marL="0" indent="0" algn="ctr">
               <a:buNone/>
-              <a:defRPr sz="2400" b="1"/>
+              <a:defRPr sz="1900" b="0" cap="all" spc="100" baseline="0">
+                <a:solidFill>
+                  <a:schemeClr val="accent2">
+                    <a:lumMod val="75000"/>
+                  </a:schemeClr>
+                </a:solidFill>
+              </a:defRPr>
             </a:lvl1pPr>
             <a:lvl2pPr marL="457200" indent="0">
               <a:buNone/>
-              <a:defRPr sz="2000" b="1"/>
+              <a:defRPr sz="1900" b="1"/>
             </a:lvl2pPr>
             <a:lvl3pPr marL="914400" indent="0">
               <a:buNone/>
@@ -1600,13 +1459,7 @@
       </p:sp>
       <p:sp>
         <p:nvSpPr>
-          <p:cNvPr id="4" name="Content Placeholder 3">
-            <a:extLst>
-              <a:ext uri="{FF2B5EF4-FFF2-40B4-BE49-F238E27FC236}">
-                <a16:creationId xmlns:a16="http://schemas.microsoft.com/office/drawing/2014/main" id="{3B9340D6-6A94-A46B-6A3B-4D4C40F014D1}"/>
-              </a:ext>
-            </a:extLst>
-          </p:cNvPr>
+          <p:cNvPr id="4" name="Content Placeholder 3"/>
           <p:cNvSpPr>
             <a:spLocks noGrp="1"/>
           </p:cNvSpPr>
@@ -1616,8 +1469,8 @@
         </p:nvSpPr>
         <p:spPr>
           <a:xfrm>
-            <a:off x="839788" y="2505075"/>
-            <a:ext cx="5157787" cy="3684588"/>
+            <a:off x="1583436" y="3143250"/>
+            <a:ext cx="4270248" cy="2596776"/>
           </a:xfrm>
         </p:spPr>
         <p:txBody>
@@ -1657,41 +1510,105 @@
               <a:rPr lang="en-US"/>
               <a:t>Fifth level</a:t>
             </a:r>
-          </a:p>
-        </p:txBody>
-      </p:sp>
-      <p:sp>
-        <p:nvSpPr>
-          <p:cNvPr id="5" name="Text Placeholder 4">
-            <a:extLst>
-              <a:ext uri="{FF2B5EF4-FFF2-40B4-BE49-F238E27FC236}">
-                <a16:creationId xmlns:a16="http://schemas.microsoft.com/office/drawing/2014/main" id="{B32F6445-610A-C780-A21A-4FB282C88F1D}"/>
-              </a:ext>
-            </a:extLst>
-          </p:cNvPr>
+            <a:endParaRPr lang="en-US" dirty="0"/>
+          </a:p>
+        </p:txBody>
+      </p:sp>
+      <p:sp>
+        <p:nvSpPr>
+          <p:cNvPr id="6" name="Content Placeholder 5"/>
           <p:cNvSpPr>
             <a:spLocks noGrp="1"/>
           </p:cNvSpPr>
           <p:nvPr>
-            <p:ph type="body" sz="quarter" idx="3"/>
+            <p:ph sz="quarter" idx="4"/>
           </p:nvPr>
         </p:nvSpPr>
         <p:spPr>
           <a:xfrm>
-            <a:off x="6172200" y="1681163"/>
-            <a:ext cx="5183188" cy="823912"/>
-          </a:xfrm>
-        </p:spPr>
-        <p:txBody>
-          <a:bodyPr anchor="b"/>
+            <a:off x="6338316" y="3143250"/>
+            <a:ext cx="4253484" cy="2596776"/>
+          </a:xfrm>
+        </p:spPr>
+        <p:txBody>
+          <a:bodyPr/>
           <a:lstStyle>
-            <a:lvl1pPr marL="0" indent="0">
+            <a:lvl5pPr>
+              <a:defRPr/>
+            </a:lvl5pPr>
+          </a:lstStyle>
+          <a:p>
+            <a:pPr lvl="0"/>
+            <a:r>
+              <a:rPr lang="en-US"/>
+              <a:t>Click to edit Master text styles</a:t>
+            </a:r>
+          </a:p>
+          <a:p>
+            <a:pPr lvl="1"/>
+            <a:r>
+              <a:rPr lang="en-US"/>
+              <a:t>Second level</a:t>
+            </a:r>
+          </a:p>
+          <a:p>
+            <a:pPr lvl="2"/>
+            <a:r>
+              <a:rPr lang="en-US"/>
+              <a:t>Third level</a:t>
+            </a:r>
+          </a:p>
+          <a:p>
+            <a:pPr lvl="3"/>
+            <a:r>
+              <a:rPr lang="en-US"/>
+              <a:t>Fourth level</a:t>
+            </a:r>
+          </a:p>
+          <a:p>
+            <a:pPr lvl="4"/>
+            <a:r>
+              <a:rPr lang="en-US"/>
+              <a:t>Fifth level</a:t>
+            </a:r>
+            <a:endParaRPr lang="en-US" dirty="0"/>
+          </a:p>
+        </p:txBody>
+      </p:sp>
+      <p:sp>
+        <p:nvSpPr>
+          <p:cNvPr id="11" name="Text Placeholder 4"/>
+          <p:cNvSpPr>
+            <a:spLocks noGrp="1"/>
+          </p:cNvSpPr>
+          <p:nvPr>
+            <p:ph type="body" sz="quarter" idx="13"/>
+          </p:nvPr>
+        </p:nvSpPr>
+        <p:spPr>
+          <a:xfrm>
+            <a:off x="6338316" y="2313433"/>
+            <a:ext cx="4270248" cy="704087"/>
+          </a:xfrm>
+        </p:spPr>
+        <p:txBody>
+          <a:bodyPr anchor="b" anchorCtr="1">
+            <a:normAutofit/>
+          </a:bodyPr>
+          <a:lstStyle>
+            <a:lvl1pPr marL="0" indent="0" algn="ctr">
               <a:buNone/>
-              <a:defRPr sz="2400" b="1"/>
+              <a:defRPr sz="1900" b="0" cap="all" spc="100" baseline="0">
+                <a:solidFill>
+                  <a:schemeClr val="accent2">
+                    <a:lumMod val="75000"/>
+                  </a:schemeClr>
+                </a:solidFill>
+              </a:defRPr>
             </a:lvl1pPr>
             <a:lvl2pPr marL="457200" indent="0">
               <a:buNone/>
-              <a:defRPr sz="2000" b="1"/>
+              <a:defRPr sz="1900" b="1"/>
             </a:lvl2pPr>
             <a:lvl3pPr marL="914400" indent="0">
               <a:buNone/>
@@ -1733,75 +1650,7 @@
       </p:sp>
       <p:sp>
         <p:nvSpPr>
-          <p:cNvPr id="6" name="Content Placeholder 5">
-            <a:extLst>
-              <a:ext uri="{FF2B5EF4-FFF2-40B4-BE49-F238E27FC236}">
-                <a16:creationId xmlns:a16="http://schemas.microsoft.com/office/drawing/2014/main" id="{6ABE60CA-49EC-421D-ED59-BC29BB16AD06}"/>
-              </a:ext>
-            </a:extLst>
-          </p:cNvPr>
-          <p:cNvSpPr>
-            <a:spLocks noGrp="1"/>
-          </p:cNvSpPr>
-          <p:nvPr>
-            <p:ph sz="quarter" idx="4"/>
-          </p:nvPr>
-        </p:nvSpPr>
-        <p:spPr>
-          <a:xfrm>
-            <a:off x="6172200" y="2505075"/>
-            <a:ext cx="5183188" cy="3684588"/>
-          </a:xfrm>
-        </p:spPr>
-        <p:txBody>
-          <a:bodyPr/>
-          <a:lstStyle/>
-          <a:p>
-            <a:pPr lvl="0"/>
-            <a:r>
-              <a:rPr lang="en-US"/>
-              <a:t>Click to edit Master text styles</a:t>
-            </a:r>
-          </a:p>
-          <a:p>
-            <a:pPr lvl="1"/>
-            <a:r>
-              <a:rPr lang="en-US"/>
-              <a:t>Second level</a:t>
-            </a:r>
-          </a:p>
-          <a:p>
-            <a:pPr lvl="2"/>
-            <a:r>
-              <a:rPr lang="en-US"/>
-              <a:t>Third level</a:t>
-            </a:r>
-          </a:p>
-          <a:p>
-            <a:pPr lvl="3"/>
-            <a:r>
-              <a:rPr lang="en-US"/>
-              <a:t>Fourth level</a:t>
-            </a:r>
-          </a:p>
-          <a:p>
-            <a:pPr lvl="4"/>
-            <a:r>
-              <a:rPr lang="en-US"/>
-              <a:t>Fifth level</a:t>
-            </a:r>
-          </a:p>
-        </p:txBody>
-      </p:sp>
-      <p:sp>
-        <p:nvSpPr>
-          <p:cNvPr id="7" name="Date Placeholder 6">
-            <a:extLst>
-              <a:ext uri="{FF2B5EF4-FFF2-40B4-BE49-F238E27FC236}">
-                <a16:creationId xmlns:a16="http://schemas.microsoft.com/office/drawing/2014/main" id="{0388C9F3-8BF8-434B-3336-55AB94663F39}"/>
-              </a:ext>
-            </a:extLst>
-          </p:cNvPr>
+          <p:cNvPr id="7" name="Date Placeholder 6"/>
           <p:cNvSpPr>
             <a:spLocks noGrp="1"/>
           </p:cNvSpPr>
@@ -1816,7 +1665,7 @@
           <a:p>
             <a:fld id="{48C94CA2-74DA-4280-AF68-7BD807AD46B3}" type="datetimeFigureOut">
               <a:rPr lang="en-US" smtClean="0"/>
-              <a:t>12/2/2023</a:t>
+              <a:t>12/4/2023</a:t>
             </a:fld>
             <a:endParaRPr lang="en-US"/>
           </a:p>
@@ -1824,13 +1673,7 @@
       </p:sp>
       <p:sp>
         <p:nvSpPr>
-          <p:cNvPr id="8" name="Footer Placeholder 7">
-            <a:extLst>
-              <a:ext uri="{FF2B5EF4-FFF2-40B4-BE49-F238E27FC236}">
-                <a16:creationId xmlns:a16="http://schemas.microsoft.com/office/drawing/2014/main" id="{5E37AB7E-A84B-D936-16AD-40CD5A0A49F2}"/>
-              </a:ext>
-            </a:extLst>
-          </p:cNvPr>
+          <p:cNvPr id="8" name="Footer Placeholder 7"/>
           <p:cNvSpPr>
             <a:spLocks noGrp="1"/>
           </p:cNvSpPr>
@@ -1849,13 +1692,7 @@
       </p:sp>
       <p:sp>
         <p:nvSpPr>
-          <p:cNvPr id="9" name="Slide Number Placeholder 8">
-            <a:extLst>
-              <a:ext uri="{FF2B5EF4-FFF2-40B4-BE49-F238E27FC236}">
-                <a16:creationId xmlns:a16="http://schemas.microsoft.com/office/drawing/2014/main" id="{50ABCFF3-4478-9741-53BE-69DB6202EE04}"/>
-              </a:ext>
-            </a:extLst>
-          </p:cNvPr>
+          <p:cNvPr id="9" name="Slide Number Placeholder 8"/>
           <p:cNvSpPr>
             <a:spLocks noGrp="1"/>
           </p:cNvSpPr>
@@ -1876,10 +1713,33 @@
           </a:p>
         </p:txBody>
       </p:sp>
+      <p:sp>
+        <p:nvSpPr>
+          <p:cNvPr id="10" name="Title 9"/>
+          <p:cNvSpPr>
+            <a:spLocks noGrp="1"/>
+          </p:cNvSpPr>
+          <p:nvPr>
+            <p:ph type="title"/>
+          </p:nvPr>
+        </p:nvSpPr>
+        <p:spPr/>
+        <p:txBody>
+          <a:bodyPr/>
+          <a:lstStyle/>
+          <a:p>
+            <a:r>
+              <a:rPr lang="en-US"/>
+              <a:t>Click to edit Master title style</a:t>
+            </a:r>
+            <a:endParaRPr lang="en-US" dirty="0"/>
+          </a:p>
+        </p:txBody>
+      </p:sp>
     </p:spTree>
     <p:extLst>
       <p:ext uri="{BB962C8B-B14F-4D97-AF65-F5344CB8AC3E}">
-        <p14:creationId xmlns:p14="http://schemas.microsoft.com/office/powerpoint/2010/main" val="3011004244"/>
+        <p14:creationId xmlns:p14="http://schemas.microsoft.com/office/powerpoint/2010/main" val="4003734835"/>
       </p:ext>
     </p:extLst>
   </p:cSld>
@@ -1908,13 +1768,7 @@
       </p:grpSpPr>
       <p:sp>
         <p:nvSpPr>
-          <p:cNvPr id="2" name="Title 1">
-            <a:extLst>
-              <a:ext uri="{FF2B5EF4-FFF2-40B4-BE49-F238E27FC236}">
-                <a16:creationId xmlns:a16="http://schemas.microsoft.com/office/drawing/2014/main" id="{CA1140F4-EE35-A553-6ECC-3253BA2654D5}"/>
-              </a:ext>
-            </a:extLst>
-          </p:cNvPr>
+          <p:cNvPr id="2" name="Title 1"/>
           <p:cNvSpPr>
             <a:spLocks noGrp="1"/>
           </p:cNvSpPr>
@@ -1931,18 +1785,13 @@
               <a:rPr lang="en-US"/>
               <a:t>Click to edit Master title style</a:t>
             </a:r>
-          </a:p>
-        </p:txBody>
-      </p:sp>
-      <p:sp>
-        <p:nvSpPr>
-          <p:cNvPr id="3" name="Date Placeholder 2">
-            <a:extLst>
-              <a:ext uri="{FF2B5EF4-FFF2-40B4-BE49-F238E27FC236}">
-                <a16:creationId xmlns:a16="http://schemas.microsoft.com/office/drawing/2014/main" id="{17A8A24E-6CAB-045F-F737-906B41042F4B}"/>
-              </a:ext>
-            </a:extLst>
-          </p:cNvPr>
+            <a:endParaRPr lang="en-US" dirty="0"/>
+          </a:p>
+        </p:txBody>
+      </p:sp>
+      <p:sp>
+        <p:nvSpPr>
+          <p:cNvPr id="3" name="Date Placeholder 2"/>
           <p:cNvSpPr>
             <a:spLocks noGrp="1"/>
           </p:cNvSpPr>
@@ -1957,7 +1806,7 @@
           <a:p>
             <a:fld id="{48C94CA2-74DA-4280-AF68-7BD807AD46B3}" type="datetimeFigureOut">
               <a:rPr lang="en-US" smtClean="0"/>
-              <a:t>12/2/2023</a:t>
+              <a:t>12/4/2023</a:t>
             </a:fld>
             <a:endParaRPr lang="en-US"/>
           </a:p>
@@ -1965,13 +1814,7 @@
       </p:sp>
       <p:sp>
         <p:nvSpPr>
-          <p:cNvPr id="4" name="Footer Placeholder 3">
-            <a:extLst>
-              <a:ext uri="{FF2B5EF4-FFF2-40B4-BE49-F238E27FC236}">
-                <a16:creationId xmlns:a16="http://schemas.microsoft.com/office/drawing/2014/main" id="{674A1F8D-ED11-2CFA-66CE-CC80945B551E}"/>
-              </a:ext>
-            </a:extLst>
-          </p:cNvPr>
+          <p:cNvPr id="4" name="Footer Placeholder 3"/>
           <p:cNvSpPr>
             <a:spLocks noGrp="1"/>
           </p:cNvSpPr>
@@ -1990,13 +1833,7 @@
       </p:sp>
       <p:sp>
         <p:nvSpPr>
-          <p:cNvPr id="5" name="Slide Number Placeholder 4">
-            <a:extLst>
-              <a:ext uri="{FF2B5EF4-FFF2-40B4-BE49-F238E27FC236}">
-                <a16:creationId xmlns:a16="http://schemas.microsoft.com/office/drawing/2014/main" id="{762C3515-2BE5-9832-263E-A4A07B4BD4CD}"/>
-              </a:ext>
-            </a:extLst>
-          </p:cNvPr>
+          <p:cNvPr id="5" name="Slide Number Placeholder 4"/>
           <p:cNvSpPr>
             <a:spLocks noGrp="1"/>
           </p:cNvSpPr>
@@ -2020,7 +1857,7 @@
     </p:spTree>
     <p:extLst>
       <p:ext uri="{BB962C8B-B14F-4D97-AF65-F5344CB8AC3E}">
-        <p14:creationId xmlns:p14="http://schemas.microsoft.com/office/powerpoint/2010/main" val="932140224"/>
+        <p14:creationId xmlns:p14="http://schemas.microsoft.com/office/powerpoint/2010/main" val="3156650036"/>
       </p:ext>
     </p:extLst>
   </p:cSld>
@@ -2049,13 +1886,7 @@
       </p:grpSpPr>
       <p:sp>
         <p:nvSpPr>
-          <p:cNvPr id="2" name="Date Placeholder 1">
-            <a:extLst>
-              <a:ext uri="{FF2B5EF4-FFF2-40B4-BE49-F238E27FC236}">
-                <a16:creationId xmlns:a16="http://schemas.microsoft.com/office/drawing/2014/main" id="{0E5A84FA-465C-054B-3839-3AFC7FBEF9CB}"/>
-              </a:ext>
-            </a:extLst>
-          </p:cNvPr>
+          <p:cNvPr id="2" name="Date Placeholder 1"/>
           <p:cNvSpPr>
             <a:spLocks noGrp="1"/>
           </p:cNvSpPr>
@@ -2070,7 +1901,7 @@
           <a:p>
             <a:fld id="{48C94CA2-74DA-4280-AF68-7BD807AD46B3}" type="datetimeFigureOut">
               <a:rPr lang="en-US" smtClean="0"/>
-              <a:t>12/2/2023</a:t>
+              <a:t>12/4/2023</a:t>
             </a:fld>
             <a:endParaRPr lang="en-US"/>
           </a:p>
@@ -2078,13 +1909,7 @@
       </p:sp>
       <p:sp>
         <p:nvSpPr>
-          <p:cNvPr id="3" name="Footer Placeholder 2">
-            <a:extLst>
-              <a:ext uri="{FF2B5EF4-FFF2-40B4-BE49-F238E27FC236}">
-                <a16:creationId xmlns:a16="http://schemas.microsoft.com/office/drawing/2014/main" id="{02649AD8-E3C9-997E-8329-83D8731B2B72}"/>
-              </a:ext>
-            </a:extLst>
-          </p:cNvPr>
+          <p:cNvPr id="3" name="Footer Placeholder 2"/>
           <p:cNvSpPr>
             <a:spLocks noGrp="1"/>
           </p:cNvSpPr>
@@ -2103,13 +1928,7 @@
       </p:sp>
       <p:sp>
         <p:nvSpPr>
-          <p:cNvPr id="4" name="Slide Number Placeholder 3">
-            <a:extLst>
-              <a:ext uri="{FF2B5EF4-FFF2-40B4-BE49-F238E27FC236}">
-                <a16:creationId xmlns:a16="http://schemas.microsoft.com/office/drawing/2014/main" id="{39359551-EE57-27EB-EA51-212C9D60ECA4}"/>
-              </a:ext>
-            </a:extLst>
-          </p:cNvPr>
+          <p:cNvPr id="4" name="Slide Number Placeholder 3"/>
           <p:cNvSpPr>
             <a:spLocks noGrp="1"/>
           </p:cNvSpPr>
@@ -2133,7 +1952,7 @@
     </p:spTree>
     <p:extLst>
       <p:ext uri="{BB962C8B-B14F-4D97-AF65-F5344CB8AC3E}">
-        <p14:creationId xmlns:p14="http://schemas.microsoft.com/office/powerpoint/2010/main" val="2908256297"/>
+        <p14:creationId xmlns:p14="http://schemas.microsoft.com/office/powerpoint/2010/main" val="3245174132"/>
       </p:ext>
     </p:extLst>
   </p:cSld>
@@ -2162,13 +1981,45 @@
       </p:grpSpPr>
       <p:sp>
         <p:nvSpPr>
-          <p:cNvPr id="2" name="Title 1">
-            <a:extLst>
-              <a:ext uri="{FF2B5EF4-FFF2-40B4-BE49-F238E27FC236}">
-                <a16:creationId xmlns:a16="http://schemas.microsoft.com/office/drawing/2014/main" id="{AE5EABD3-31BA-F4FC-CACC-57D98E2A8597}"/>
-              </a:ext>
-            </a:extLst>
-          </p:cNvPr>
+          <p:cNvPr id="26" name="Rectangle 25"/>
+          <p:cNvSpPr/>
+          <p:nvPr/>
+        </p:nvSpPr>
+        <p:spPr>
+          <a:xfrm>
+            <a:off x="0" y="0"/>
+            <a:ext cx="6096000" cy="6858000"/>
+          </a:xfrm>
+          <a:prstGeom prst="rect">
+            <a:avLst/>
+          </a:prstGeom>
+          <a:solidFill>
+            <a:schemeClr val="accent2"/>
+          </a:solidFill>
+          <a:ln>
+            <a:noFill/>
+          </a:ln>
+        </p:spPr>
+        <p:style>
+          <a:lnRef idx="2">
+            <a:schemeClr val="accent1">
+              <a:shade val="50000"/>
+            </a:schemeClr>
+          </a:lnRef>
+          <a:fillRef idx="1">
+            <a:schemeClr val="accent1"/>
+          </a:fillRef>
+          <a:effectRef idx="0">
+            <a:schemeClr val="accent1"/>
+          </a:effectRef>
+          <a:fontRef idx="minor">
+            <a:schemeClr val="lt1"/>
+          </a:fontRef>
+        </p:style>
+      </p:sp>
+      <p:sp>
+        <p:nvSpPr>
+          <p:cNvPr id="2" name="Title 1"/>
           <p:cNvSpPr>
             <a:spLocks noGrp="1"/>
           </p:cNvSpPr>
@@ -2176,17 +2027,31 @@
             <p:ph type="title"/>
           </p:nvPr>
         </p:nvSpPr>
-        <p:spPr>
-          <a:xfrm>
-            <a:off x="839788" y="457200"/>
-            <a:ext cx="3932237" cy="1600200"/>
-          </a:xfrm>
-        </p:spPr>
-        <p:txBody>
-          <a:bodyPr anchor="b"/>
+        <p:spPr bwMode="blackWhite">
+          <a:xfrm>
+            <a:off x="804672" y="2243828"/>
+            <a:ext cx="4486656" cy="1141497"/>
+          </a:xfrm>
+          <a:solidFill>
+            <a:srgbClr val="FFFFFF"/>
+          </a:solidFill>
+          <a:ln>
+            <a:solidFill>
+              <a:srgbClr val="404040"/>
+            </a:solidFill>
+          </a:ln>
+        </p:spPr>
+        <p:txBody>
+          <a:bodyPr anchor="ctr" anchorCtr="1">
+            <a:normAutofit/>
+          </a:bodyPr>
           <a:lstStyle>
             <a:lvl1pPr>
-              <a:defRPr sz="3200"/>
+              <a:defRPr sz="2200">
+                <a:solidFill>
+                  <a:srgbClr val="262626"/>
+                </a:solidFill>
+              </a:defRPr>
             </a:lvl1pPr>
           </a:lstStyle>
           <a:p>
@@ -2194,18 +2059,13 @@
               <a:rPr lang="en-US"/>
               <a:t>Click to edit Master title style</a:t>
             </a:r>
-          </a:p>
-        </p:txBody>
-      </p:sp>
-      <p:sp>
-        <p:nvSpPr>
-          <p:cNvPr id="3" name="Content Placeholder 2">
-            <a:extLst>
-              <a:ext uri="{FF2B5EF4-FFF2-40B4-BE49-F238E27FC236}">
-                <a16:creationId xmlns:a16="http://schemas.microsoft.com/office/drawing/2014/main" id="{D7551CBA-B580-2C7C-3AAC-2EAD409C0B64}"/>
-              </a:ext>
-            </a:extLst>
-          </p:cNvPr>
+            <a:endParaRPr lang="en-US" dirty="0"/>
+          </a:p>
+        </p:txBody>
+      </p:sp>
+      <p:sp>
+        <p:nvSpPr>
+          <p:cNvPr id="3" name="Content Placeholder 2"/>
           <p:cNvSpPr>
             <a:spLocks noGrp="1"/>
           </p:cNvSpPr>
@@ -2215,39 +2075,61 @@
         </p:nvSpPr>
         <p:spPr>
           <a:xfrm>
-            <a:off x="5183188" y="987425"/>
-            <a:ext cx="6172200" cy="4873625"/>
-          </a:xfrm>
-        </p:spPr>
-        <p:txBody>
-          <a:bodyPr/>
+            <a:off x="6736080" y="804672"/>
+            <a:ext cx="4815840" cy="5248656"/>
+          </a:xfrm>
+        </p:spPr>
+        <p:txBody>
+          <a:bodyPr>
+            <a:normAutofit/>
+          </a:bodyPr>
           <a:lstStyle>
             <a:lvl1pPr>
-              <a:defRPr sz="3200"/>
+              <a:defRPr sz="1900">
+                <a:solidFill>
+                  <a:schemeClr val="tx1"/>
+                </a:solidFill>
+              </a:defRPr>
             </a:lvl1pPr>
             <a:lvl2pPr>
-              <a:defRPr sz="2800"/>
+              <a:defRPr sz="1600">
+                <a:solidFill>
+                  <a:schemeClr val="tx1"/>
+                </a:solidFill>
+              </a:defRPr>
             </a:lvl2pPr>
             <a:lvl3pPr>
-              <a:defRPr sz="2400"/>
+              <a:defRPr sz="1600">
+                <a:solidFill>
+                  <a:schemeClr val="tx1"/>
+                </a:solidFill>
+              </a:defRPr>
             </a:lvl3pPr>
             <a:lvl4pPr>
-              <a:defRPr sz="2000"/>
+              <a:defRPr sz="1600">
+                <a:solidFill>
+                  <a:schemeClr val="tx1"/>
+                </a:solidFill>
+              </a:defRPr>
             </a:lvl4pPr>
             <a:lvl5pPr>
-              <a:defRPr sz="2000"/>
+              <a:defRPr sz="1600">
+                <a:solidFill>
+                  <a:schemeClr val="tx1"/>
+                </a:solidFill>
+              </a:defRPr>
             </a:lvl5pPr>
             <a:lvl6pPr>
-              <a:defRPr sz="2000"/>
+              <a:defRPr sz="1600"/>
             </a:lvl6pPr>
             <a:lvl7pPr>
-              <a:defRPr sz="2000"/>
+              <a:defRPr sz="1600"/>
             </a:lvl7pPr>
             <a:lvl8pPr>
-              <a:defRPr sz="2000"/>
+              <a:defRPr sz="1600"/>
             </a:lvl8pPr>
             <a:lvl9pPr>
-              <a:defRPr sz="2000"/>
+              <a:defRPr sz="1600"/>
             </a:lvl9pPr>
           </a:lstStyle>
           <a:p>
@@ -2284,18 +2166,13 @@
               <a:rPr lang="en-US"/>
               <a:t>Fifth level</a:t>
             </a:r>
-          </a:p>
-        </p:txBody>
-      </p:sp>
-      <p:sp>
-        <p:nvSpPr>
-          <p:cNvPr id="4" name="Text Placeholder 3">
-            <a:extLst>
-              <a:ext uri="{FF2B5EF4-FFF2-40B4-BE49-F238E27FC236}">
-                <a16:creationId xmlns:a16="http://schemas.microsoft.com/office/drawing/2014/main" id="{A25D3126-27B9-CD04-612F-096566A991A1}"/>
-              </a:ext>
-            </a:extLst>
-          </p:cNvPr>
+            <a:endParaRPr lang="en-US" dirty="0"/>
+          </a:p>
+        </p:txBody>
+      </p:sp>
+      <p:sp>
+        <p:nvSpPr>
+          <p:cNvPr id="4" name="Text Placeholder 3"/>
           <p:cNvSpPr>
             <a:spLocks noGrp="1"/>
           </p:cNvSpPr>
@@ -2305,16 +2182,22 @@
         </p:nvSpPr>
         <p:spPr>
           <a:xfrm>
-            <a:off x="839788" y="2057400"/>
-            <a:ext cx="3932237" cy="3811588"/>
-          </a:xfrm>
-        </p:spPr>
-        <p:txBody>
-          <a:bodyPr/>
+            <a:off x="1115568" y="3549918"/>
+            <a:ext cx="3794760" cy="2194036"/>
+          </a:xfrm>
+        </p:spPr>
+        <p:txBody>
+          <a:bodyPr anchor="t" anchorCtr="1">
+            <a:normAutofit/>
+          </a:bodyPr>
           <a:lstStyle>
-            <a:lvl1pPr marL="0" indent="0">
+            <a:lvl1pPr marL="0" indent="0" algn="ctr">
               <a:buNone/>
-              <a:defRPr sz="1600"/>
+              <a:defRPr sz="1500">
+                <a:solidFill>
+                  <a:srgbClr val="FFFFFF"/>
+                </a:solidFill>
+              </a:defRPr>
             </a:lvl1pPr>
             <a:lvl2pPr marL="457200" indent="0">
               <a:buNone/>
@@ -2360,13 +2243,7 @@
       </p:sp>
       <p:sp>
         <p:nvSpPr>
-          <p:cNvPr id="5" name="Date Placeholder 4">
-            <a:extLst>
-              <a:ext uri="{FF2B5EF4-FFF2-40B4-BE49-F238E27FC236}">
-                <a16:creationId xmlns:a16="http://schemas.microsoft.com/office/drawing/2014/main" id="{F871A8F9-3006-A54F-B492-DF8B7AA9638F}"/>
-              </a:ext>
-            </a:extLst>
-          </p:cNvPr>
+          <p:cNvPr id="9" name="Date Placeholder 8"/>
           <p:cNvSpPr>
             <a:spLocks noGrp="1"/>
           </p:cNvSpPr>
@@ -2381,7 +2258,7 @@
           <a:p>
             <a:fld id="{48C94CA2-74DA-4280-AF68-7BD807AD46B3}" type="datetimeFigureOut">
               <a:rPr lang="en-US" smtClean="0"/>
-              <a:t>12/2/2023</a:t>
+              <a:t>12/4/2023</a:t>
             </a:fld>
             <a:endParaRPr lang="en-US"/>
           </a:p>
@@ -2389,13 +2266,7 @@
       </p:sp>
       <p:sp>
         <p:nvSpPr>
-          <p:cNvPr id="6" name="Footer Placeholder 5">
-            <a:extLst>
-              <a:ext uri="{FF2B5EF4-FFF2-40B4-BE49-F238E27FC236}">
-                <a16:creationId xmlns:a16="http://schemas.microsoft.com/office/drawing/2014/main" id="{4691F592-9059-78AF-9577-D6E710877CF6}"/>
-              </a:ext>
-            </a:extLst>
-          </p:cNvPr>
+          <p:cNvPr id="10" name="Footer Placeholder 9"/>
           <p:cNvSpPr>
             <a:spLocks noGrp="1"/>
           </p:cNvSpPr>
@@ -2403,10 +2274,25 @@
             <p:ph type="ftr" sz="quarter" idx="11"/>
           </p:nvPr>
         </p:nvSpPr>
-        <p:spPr/>
+        <p:spPr>
+          <a:xfrm>
+            <a:off x="804672" y="6236208"/>
+            <a:ext cx="5124797" cy="320040"/>
+          </a:xfrm>
+        </p:spPr>
         <p:txBody>
           <a:bodyPr/>
-          <a:lstStyle/>
+          <a:lstStyle>
+            <a:lvl1pPr>
+              <a:defRPr>
+                <a:solidFill>
+                  <a:srgbClr val="FFFFFF">
+                    <a:alpha val="70000"/>
+                  </a:srgbClr>
+                </a:solidFill>
+              </a:defRPr>
+            </a:lvl1pPr>
+          </a:lstStyle>
           <a:p>
             <a:endParaRPr lang="en-US"/>
           </a:p>
@@ -2414,13 +2300,7 @@
       </p:sp>
       <p:sp>
         <p:nvSpPr>
-          <p:cNvPr id="7" name="Slide Number Placeholder 6">
-            <a:extLst>
-              <a:ext uri="{FF2B5EF4-FFF2-40B4-BE49-F238E27FC236}">
-                <a16:creationId xmlns:a16="http://schemas.microsoft.com/office/drawing/2014/main" id="{4A1E7198-4602-5A01-1C42-CF0AEF0A69F5}"/>
-              </a:ext>
-            </a:extLst>
-          </p:cNvPr>
+          <p:cNvPr id="11" name="Slide Number Placeholder 10"/>
           <p:cNvSpPr>
             <a:spLocks noGrp="1"/>
           </p:cNvSpPr>
@@ -2444,7 +2324,7 @@
     </p:spTree>
     <p:extLst>
       <p:ext uri="{BB962C8B-B14F-4D97-AF65-F5344CB8AC3E}">
-        <p14:creationId xmlns:p14="http://schemas.microsoft.com/office/powerpoint/2010/main" val="1949154586"/>
+        <p14:creationId xmlns:p14="http://schemas.microsoft.com/office/powerpoint/2010/main" val="2869257348"/>
       </p:ext>
     </p:extLst>
   </p:cSld>
@@ -2473,13 +2353,45 @@
       </p:grpSpPr>
       <p:sp>
         <p:nvSpPr>
-          <p:cNvPr id="2" name="Title 1">
-            <a:extLst>
-              <a:ext uri="{FF2B5EF4-FFF2-40B4-BE49-F238E27FC236}">
-                <a16:creationId xmlns:a16="http://schemas.microsoft.com/office/drawing/2014/main" id="{27148C96-B8CF-ACE9-AFE8-0312F05480E0}"/>
-              </a:ext>
-            </a:extLst>
-          </p:cNvPr>
+          <p:cNvPr id="18" name="Rectangle 17"/>
+          <p:cNvSpPr/>
+          <p:nvPr/>
+        </p:nvSpPr>
+        <p:spPr>
+          <a:xfrm>
+            <a:off x="0" y="0"/>
+            <a:ext cx="6095999" cy="6858000"/>
+          </a:xfrm>
+          <a:prstGeom prst="rect">
+            <a:avLst/>
+          </a:prstGeom>
+          <a:solidFill>
+            <a:schemeClr val="accent2"/>
+          </a:solidFill>
+          <a:ln>
+            <a:noFill/>
+          </a:ln>
+        </p:spPr>
+        <p:style>
+          <a:lnRef idx="2">
+            <a:schemeClr val="accent1">
+              <a:shade val="50000"/>
+            </a:schemeClr>
+          </a:lnRef>
+          <a:fillRef idx="1">
+            <a:schemeClr val="accent1"/>
+          </a:fillRef>
+          <a:effectRef idx="0">
+            <a:schemeClr val="accent1"/>
+          </a:effectRef>
+          <a:fontRef idx="minor">
+            <a:schemeClr val="lt1"/>
+          </a:fontRef>
+        </p:style>
+      </p:sp>
+      <p:sp>
+        <p:nvSpPr>
+          <p:cNvPr id="2" name="Title 1"/>
           <p:cNvSpPr>
             <a:spLocks noGrp="1"/>
           </p:cNvSpPr>
@@ -2487,17 +2399,31 @@
             <p:ph type="title"/>
           </p:nvPr>
         </p:nvSpPr>
-        <p:spPr>
-          <a:xfrm>
-            <a:off x="839788" y="457200"/>
-            <a:ext cx="3932237" cy="1600200"/>
-          </a:xfrm>
-        </p:spPr>
-        <p:txBody>
-          <a:bodyPr anchor="b"/>
+        <p:spPr bwMode="blackWhite">
+          <a:xfrm>
+            <a:off x="808523" y="2243828"/>
+            <a:ext cx="4494998" cy="1134640"/>
+          </a:xfrm>
+          <a:solidFill>
+            <a:srgbClr val="FFFFFF"/>
+          </a:solidFill>
+          <a:ln>
+            <a:solidFill>
+              <a:srgbClr val="404040"/>
+            </a:solidFill>
+          </a:ln>
+        </p:spPr>
+        <p:txBody>
+          <a:bodyPr anchor="ctr" anchorCtr="1">
+            <a:noAutofit/>
+          </a:bodyPr>
           <a:lstStyle>
             <a:lvl1pPr>
-              <a:defRPr sz="3200"/>
+              <a:defRPr sz="2200">
+                <a:solidFill>
+                  <a:srgbClr val="262626"/>
+                </a:solidFill>
+              </a:defRPr>
             </a:lvl1pPr>
           </a:lstStyle>
           <a:p>
@@ -2505,20 +2431,15 @@
               <a:rPr lang="en-US"/>
               <a:t>Click to edit Master title style</a:t>
             </a:r>
-          </a:p>
-        </p:txBody>
-      </p:sp>
-      <p:sp>
-        <p:nvSpPr>
-          <p:cNvPr id="3" name="Picture Placeholder 2">
-            <a:extLst>
-              <a:ext uri="{FF2B5EF4-FFF2-40B4-BE49-F238E27FC236}">
-                <a16:creationId xmlns:a16="http://schemas.microsoft.com/office/drawing/2014/main" id="{CF9CD9D8-644D-AAB8-5713-287BAEC8A851}"/>
-              </a:ext>
-            </a:extLst>
-          </p:cNvPr>
+            <a:endParaRPr lang="en-US" dirty="0"/>
+          </a:p>
+        </p:txBody>
+      </p:sp>
+      <p:sp>
+        <p:nvSpPr>
+          <p:cNvPr id="3" name="Picture Placeholder 2"/>
           <p:cNvSpPr>
-            <a:spLocks noGrp="1"/>
+            <a:spLocks noGrp="1" noChangeAspect="1"/>
           </p:cNvSpPr>
           <p:nvPr>
             <p:ph type="pic" idx="1"/>
@@ -2526,16 +2447,28 @@
         </p:nvSpPr>
         <p:spPr>
           <a:xfrm>
-            <a:off x="5183188" y="987425"/>
-            <a:ext cx="6172200" cy="4873625"/>
-          </a:xfrm>
-        </p:spPr>
-        <p:txBody>
-          <a:bodyPr/>
+            <a:off x="6095999" y="0"/>
+            <a:ext cx="6102097" cy="6858000"/>
+          </a:xfrm>
+          <a:solidFill>
+            <a:schemeClr val="bg1">
+              <a:lumMod val="75000"/>
+            </a:schemeClr>
+          </a:solidFill>
+        </p:spPr>
+        <p:txBody>
+          <a:bodyPr anchor="t"/>
           <a:lstStyle>
             <a:lvl1pPr marL="0" indent="0">
               <a:buNone/>
-              <a:defRPr sz="3200"/>
+              <a:defRPr sz="3200">
+                <a:solidFill>
+                  <a:schemeClr val="bg1">
+                    <a:lumMod val="85000"/>
+                    <a:lumOff val="15000"/>
+                  </a:schemeClr>
+                </a:solidFill>
+              </a:defRPr>
             </a:lvl1pPr>
             <a:lvl2pPr marL="457200" indent="0">
               <a:buNone/>
@@ -2571,19 +2504,17 @@
             </a:lvl9pPr>
           </a:lstStyle>
           <a:p>
-            <a:endParaRPr lang="en-US"/>
-          </a:p>
-        </p:txBody>
-      </p:sp>
-      <p:sp>
-        <p:nvSpPr>
-          <p:cNvPr id="4" name="Text Placeholder 3">
-            <a:extLst>
-              <a:ext uri="{FF2B5EF4-FFF2-40B4-BE49-F238E27FC236}">
-                <a16:creationId xmlns:a16="http://schemas.microsoft.com/office/drawing/2014/main" id="{07D989D5-CB81-CF7E-9672-B8F99AA126B3}"/>
-              </a:ext>
-            </a:extLst>
-          </p:cNvPr>
+            <a:r>
+              <a:rPr lang="en-US"/>
+              <a:t>Click icon to add picture</a:t>
+            </a:r>
+            <a:endParaRPr lang="en-US" dirty="0"/>
+          </a:p>
+        </p:txBody>
+      </p:sp>
+      <p:sp>
+        <p:nvSpPr>
+          <p:cNvPr id="4" name="Text Placeholder 3"/>
           <p:cNvSpPr>
             <a:spLocks noGrp="1"/>
           </p:cNvSpPr>
@@ -2593,16 +2524,22 @@
         </p:nvSpPr>
         <p:spPr>
           <a:xfrm>
-            <a:off x="839788" y="2057400"/>
-            <a:ext cx="3932237" cy="3811588"/>
-          </a:xfrm>
-        </p:spPr>
-        <p:txBody>
-          <a:bodyPr/>
+            <a:off x="1115568" y="3549918"/>
+            <a:ext cx="3794760" cy="2194037"/>
+          </a:xfrm>
+        </p:spPr>
+        <p:txBody>
+          <a:bodyPr anchor="t" anchorCtr="1">
+            <a:normAutofit/>
+          </a:bodyPr>
           <a:lstStyle>
-            <a:lvl1pPr marL="0" indent="0">
+            <a:lvl1pPr marL="0" indent="0" algn="ctr">
               <a:buNone/>
-              <a:defRPr sz="1600"/>
+              <a:defRPr sz="1500">
+                <a:solidFill>
+                  <a:srgbClr val="FFFFFF"/>
+                </a:solidFill>
+              </a:defRPr>
             </a:lvl1pPr>
             <a:lvl2pPr marL="457200" indent="0">
               <a:buNone/>
@@ -2648,13 +2585,7 @@
       </p:sp>
       <p:sp>
         <p:nvSpPr>
-          <p:cNvPr id="5" name="Date Placeholder 4">
-            <a:extLst>
-              <a:ext uri="{FF2B5EF4-FFF2-40B4-BE49-F238E27FC236}">
-                <a16:creationId xmlns:a16="http://schemas.microsoft.com/office/drawing/2014/main" id="{E9BA1E15-062E-B548-4442-052129D78F30}"/>
-              </a:ext>
-            </a:extLst>
-          </p:cNvPr>
+          <p:cNvPr id="8" name="Date Placeholder 7"/>
           <p:cNvSpPr>
             <a:spLocks noGrp="1"/>
           </p:cNvSpPr>
@@ -2665,11 +2596,26 @@
         <p:spPr/>
         <p:txBody>
           <a:bodyPr/>
-          <a:lstStyle/>
+          <a:lstStyle>
+            <a:lvl1pPr>
+              <a:defRPr>
+                <a:solidFill>
+                  <a:srgbClr val="FFFFFF"/>
+                </a:solidFill>
+                <a:effectLst>
+                  <a:outerShdw blurRad="50800" dist="38100" dir="2700000" algn="tl" rotWithShape="0">
+                    <a:prstClr val="black">
+                      <a:alpha val="43000"/>
+                    </a:prstClr>
+                  </a:outerShdw>
+                </a:effectLst>
+              </a:defRPr>
+            </a:lvl1pPr>
+          </a:lstStyle>
           <a:p>
             <a:fld id="{48C94CA2-74DA-4280-AF68-7BD807AD46B3}" type="datetimeFigureOut">
               <a:rPr lang="en-US" smtClean="0"/>
-              <a:t>12/2/2023</a:t>
+              <a:t>12/4/2023</a:t>
             </a:fld>
             <a:endParaRPr lang="en-US"/>
           </a:p>
@@ -2677,13 +2623,7 @@
       </p:sp>
       <p:sp>
         <p:nvSpPr>
-          <p:cNvPr id="6" name="Footer Placeholder 5">
-            <a:extLst>
-              <a:ext uri="{FF2B5EF4-FFF2-40B4-BE49-F238E27FC236}">
-                <a16:creationId xmlns:a16="http://schemas.microsoft.com/office/drawing/2014/main" id="{2751C654-048F-C18E-2785-65B7F4BC8BF2}"/>
-              </a:ext>
-            </a:extLst>
-          </p:cNvPr>
+          <p:cNvPr id="9" name="Footer Placeholder 8"/>
           <p:cNvSpPr>
             <a:spLocks noGrp="1"/>
           </p:cNvSpPr>
@@ -2691,24 +2631,33 @@
             <p:ph type="ftr" sz="quarter" idx="11"/>
           </p:nvPr>
         </p:nvSpPr>
-        <p:spPr/>
+        <p:spPr>
+          <a:xfrm>
+            <a:off x="804672" y="6236208"/>
+            <a:ext cx="5124797" cy="320040"/>
+          </a:xfrm>
+        </p:spPr>
         <p:txBody>
           <a:bodyPr/>
-          <a:lstStyle/>
-          <a:p>
-            <a:endParaRPr lang="en-US"/>
-          </a:p>
-        </p:txBody>
-      </p:sp>
-      <p:sp>
-        <p:nvSpPr>
-          <p:cNvPr id="7" name="Slide Number Placeholder 6">
-            <a:extLst>
-              <a:ext uri="{FF2B5EF4-FFF2-40B4-BE49-F238E27FC236}">
-                <a16:creationId xmlns:a16="http://schemas.microsoft.com/office/drawing/2014/main" id="{1E61E807-D715-FC86-E635-7E72902F7201}"/>
-              </a:ext>
-            </a:extLst>
-          </p:cNvPr>
+          <a:lstStyle>
+            <a:lvl1pPr>
+              <a:defRPr>
+                <a:solidFill>
+                  <a:srgbClr val="FFFFFF">
+                    <a:alpha val="70000"/>
+                  </a:srgbClr>
+                </a:solidFill>
+              </a:defRPr>
+            </a:lvl1pPr>
+          </a:lstStyle>
+          <a:p>
+            <a:endParaRPr lang="en-US" dirty="0"/>
+          </a:p>
+        </p:txBody>
+      </p:sp>
+      <p:sp>
+        <p:nvSpPr>
+          <p:cNvPr id="10" name="Slide Number Placeholder 9"/>
           <p:cNvSpPr>
             <a:spLocks noGrp="1"/>
           </p:cNvSpPr>
@@ -2732,7 +2681,7 @@
     </p:spTree>
     <p:extLst>
       <p:ext uri="{BB962C8B-B14F-4D97-AF65-F5344CB8AC3E}">
-        <p14:creationId xmlns:p14="http://schemas.microsoft.com/office/powerpoint/2010/main" val="4291230708"/>
+        <p14:creationId xmlns:p14="http://schemas.microsoft.com/office/powerpoint/2010/main" val="2716628430"/>
       </p:ext>
     </p:extLst>
   </p:cSld>
@@ -2746,9 +2695,14 @@
 <p:sldMaster xmlns:a="http://schemas.openxmlformats.org/drawingml/2006/main" xmlns:r="http://schemas.openxmlformats.org/officeDocument/2006/relationships" xmlns:p="http://schemas.openxmlformats.org/presentationml/2006/main">
   <p:cSld>
     <p:bg>
-      <p:bgRef idx="1001">
-        <a:schemeClr val="bg1"/>
-      </p:bgRef>
+      <p:bgPr>
+        <a:solidFill>
+          <a:schemeClr val="bg1">
+            <a:lumMod val="95000"/>
+          </a:schemeClr>
+        </a:solidFill>
+        <a:effectLst/>
+      </p:bgPr>
     </p:bg>
     <p:spTree>
       <p:nvGrpSpPr>
@@ -2766,13 +2720,7 @@
       </p:grpSpPr>
       <p:sp>
         <p:nvSpPr>
-          <p:cNvPr id="2" name="Title Placeholder 1">
-            <a:extLst>
-              <a:ext uri="{FF2B5EF4-FFF2-40B4-BE49-F238E27FC236}">
-                <a16:creationId xmlns:a16="http://schemas.microsoft.com/office/drawing/2014/main" id="{B028FA9D-900F-DDB0-EB70-98D934ECE088}"/>
-              </a:ext>
-            </a:extLst>
-          </p:cNvPr>
+          <p:cNvPr id="2" name="Title Placeholder 1"/>
           <p:cNvSpPr>
             <a:spLocks noGrp="1"/>
           </p:cNvSpPr>
@@ -2780,17 +2728,26 @@
             <p:ph type="title"/>
           </p:nvPr>
         </p:nvSpPr>
-        <p:spPr>
-          <a:xfrm>
-            <a:off x="838200" y="365125"/>
-            <a:ext cx="10515600" cy="1325563"/>
+        <p:spPr bwMode="black">
+          <a:xfrm>
+            <a:off x="2231136" y="964692"/>
+            <a:ext cx="7729728" cy="1188720"/>
           </a:xfrm>
           <a:prstGeom prst="rect">
             <a:avLst/>
           </a:prstGeom>
-        </p:spPr>
-        <p:txBody>
-          <a:bodyPr vert="horz" lIns="91440" tIns="45720" rIns="91440" bIns="45720" rtlCol="0" anchor="ctr">
+          <a:solidFill>
+            <a:srgbClr val="FFFFFF"/>
+          </a:solidFill>
+          <a:ln w="31750" cap="sq">
+            <a:solidFill>
+              <a:srgbClr val="404040"/>
+            </a:solidFill>
+            <a:miter lim="800000"/>
+          </a:ln>
+        </p:spPr>
+        <p:txBody>
+          <a:bodyPr vert="horz" lIns="182880" tIns="182880" rIns="182880" bIns="182880" rtlCol="0" anchor="ctr">
             <a:normAutofit/>
           </a:bodyPr>
           <a:lstStyle/>
@@ -2799,18 +2756,13 @@
               <a:rPr lang="en-US"/>
               <a:t>Click to edit Master title style</a:t>
             </a:r>
-          </a:p>
-        </p:txBody>
-      </p:sp>
-      <p:sp>
-        <p:nvSpPr>
-          <p:cNvPr id="3" name="Text Placeholder 2">
-            <a:extLst>
-              <a:ext uri="{FF2B5EF4-FFF2-40B4-BE49-F238E27FC236}">
-                <a16:creationId xmlns:a16="http://schemas.microsoft.com/office/drawing/2014/main" id="{B9FADFB0-7FED-8F3E-69BD-5F9ABB569AC6}"/>
-              </a:ext>
-            </a:extLst>
-          </p:cNvPr>
+            <a:endParaRPr lang="en-US" dirty="0"/>
+          </a:p>
+        </p:txBody>
+      </p:sp>
+      <p:sp>
+        <p:nvSpPr>
+          <p:cNvPr id="3" name="Text Placeholder 2"/>
           <p:cNvSpPr>
             <a:spLocks noGrp="1"/>
           </p:cNvSpPr>
@@ -2820,8 +2772,8 @@
         </p:nvSpPr>
         <p:spPr>
           <a:xfrm>
-            <a:off x="838200" y="1825625"/>
-            <a:ext cx="10515600" cy="4351338"/>
+            <a:off x="2231136" y="2638044"/>
+            <a:ext cx="7729728" cy="3101983"/>
           </a:xfrm>
           <a:prstGeom prst="rect">
             <a:avLst/>
@@ -2866,18 +2818,13 @@
               <a:rPr lang="en-US"/>
               <a:t>Fifth level</a:t>
             </a:r>
-          </a:p>
-        </p:txBody>
-      </p:sp>
-      <p:sp>
-        <p:nvSpPr>
-          <p:cNvPr id="4" name="Date Placeholder 3">
-            <a:extLst>
-              <a:ext uri="{FF2B5EF4-FFF2-40B4-BE49-F238E27FC236}">
-                <a16:creationId xmlns:a16="http://schemas.microsoft.com/office/drawing/2014/main" id="{FD96A7E7-6685-7408-D46C-36C74B99A4D8}"/>
-              </a:ext>
-            </a:extLst>
-          </p:cNvPr>
+            <a:endParaRPr lang="en-US" dirty="0"/>
+          </a:p>
+        </p:txBody>
+      </p:sp>
+      <p:sp>
+        <p:nvSpPr>
+          <p:cNvPr id="4" name="Date Placeholder 3"/>
           <p:cNvSpPr>
             <a:spLocks noGrp="1"/>
           </p:cNvSpPr>
@@ -2887,8 +2834,8 @@
         </p:nvSpPr>
         <p:spPr>
           <a:xfrm>
-            <a:off x="838200" y="6356350"/>
-            <a:ext cx="2743200" cy="365125"/>
+            <a:off x="7821429" y="6238816"/>
+            <a:ext cx="2753746" cy="323968"/>
           </a:xfrm>
           <a:prstGeom prst="rect">
             <a:avLst/>
@@ -2897,11 +2844,11 @@
         <p:txBody>
           <a:bodyPr vert="horz" lIns="91440" tIns="45720" rIns="91440" bIns="45720" rtlCol="0" anchor="ctr"/>
           <a:lstStyle>
-            <a:lvl1pPr algn="l">
-              <a:defRPr sz="1200">
+            <a:lvl1pPr algn="r">
+              <a:defRPr sz="1050">
                 <a:solidFill>
                   <a:schemeClr val="tx1">
-                    <a:tint val="75000"/>
+                    <a:alpha val="70000"/>
                   </a:schemeClr>
                 </a:solidFill>
               </a:defRPr>
@@ -2910,7 +2857,7 @@
           <a:p>
             <a:fld id="{48C94CA2-74DA-4280-AF68-7BD807AD46B3}" type="datetimeFigureOut">
               <a:rPr lang="en-US" smtClean="0"/>
-              <a:t>12/2/2023</a:t>
+              <a:t>12/4/2023</a:t>
             </a:fld>
             <a:endParaRPr lang="en-US"/>
           </a:p>
@@ -2918,13 +2865,7 @@
       </p:sp>
       <p:sp>
         <p:nvSpPr>
-          <p:cNvPr id="5" name="Footer Placeholder 4">
-            <a:extLst>
-              <a:ext uri="{FF2B5EF4-FFF2-40B4-BE49-F238E27FC236}">
-                <a16:creationId xmlns:a16="http://schemas.microsoft.com/office/drawing/2014/main" id="{FDB59D72-F07E-1D18-B51C-3083AC5A2853}"/>
-              </a:ext>
-            </a:extLst>
-          </p:cNvPr>
+          <p:cNvPr id="5" name="Footer Placeholder 4"/>
           <p:cNvSpPr>
             <a:spLocks noGrp="1"/>
           </p:cNvSpPr>
@@ -2934,8 +2875,8 @@
         </p:nvSpPr>
         <p:spPr>
           <a:xfrm>
-            <a:off x="4038600" y="6356350"/>
-            <a:ext cx="4114800" cy="365125"/>
+            <a:off x="1600200" y="6236208"/>
+            <a:ext cx="5901189" cy="320040"/>
           </a:xfrm>
           <a:prstGeom prst="rect">
             <a:avLst/>
@@ -2944,11 +2885,11 @@
         <p:txBody>
           <a:bodyPr vert="horz" lIns="91440" tIns="45720" rIns="91440" bIns="45720" rtlCol="0" anchor="ctr"/>
           <a:lstStyle>
-            <a:lvl1pPr algn="ctr">
-              <a:defRPr sz="1200">
+            <a:lvl1pPr algn="l">
+              <a:defRPr sz="1050">
                 <a:solidFill>
                   <a:schemeClr val="tx1">
-                    <a:tint val="75000"/>
+                    <a:alpha val="70000"/>
                   </a:schemeClr>
                 </a:solidFill>
               </a:defRPr>
@@ -2961,13 +2902,7 @@
       </p:sp>
       <p:sp>
         <p:nvSpPr>
-          <p:cNvPr id="6" name="Slide Number Placeholder 5">
-            <a:extLst>
-              <a:ext uri="{FF2B5EF4-FFF2-40B4-BE49-F238E27FC236}">
-                <a16:creationId xmlns:a16="http://schemas.microsoft.com/office/drawing/2014/main" id="{40E29D26-C20A-48DB-7E69-F6BFC97EB99D}"/>
-              </a:ext>
-            </a:extLst>
-          </p:cNvPr>
+          <p:cNvPr id="6" name="Slide Number Placeholder 5"/>
           <p:cNvSpPr>
             <a:spLocks noGrp="1"/>
           </p:cNvSpPr>
@@ -2977,22 +2912,27 @@
         </p:nvSpPr>
         <p:spPr>
           <a:xfrm>
-            <a:off x="8610600" y="6356350"/>
-            <a:ext cx="2743200" cy="365125"/>
-          </a:xfrm>
-          <a:prstGeom prst="rect">
+            <a:off x="10758922" y="6217920"/>
+            <a:ext cx="365760" cy="365760"/>
+          </a:xfrm>
+          <a:prstGeom prst="ellipse">
             <a:avLst/>
           </a:prstGeom>
-        </p:spPr>
-        <p:txBody>
-          <a:bodyPr vert="horz" lIns="91440" tIns="45720" rIns="91440" bIns="45720" rtlCol="0" anchor="ctr"/>
+          <a:solidFill>
+            <a:srgbClr val="1D1D1D">
+              <a:alpha val="70000"/>
+            </a:srgbClr>
+          </a:solidFill>
+        </p:spPr>
+        <p:txBody>
+          <a:bodyPr vert="horz" lIns="18288" tIns="45720" rIns="18288" bIns="45720" rtlCol="0" anchor="ctr">
+            <a:noAutofit/>
+          </a:bodyPr>
           <a:lstStyle>
-            <a:lvl1pPr algn="r">
-              <a:defRPr sz="1200">
+            <a:lvl1pPr algn="ctr">
+              <a:defRPr sz="1100" spc="0" baseline="0">
                 <a:solidFill>
-                  <a:schemeClr val="tx1">
-                    <a:tint val="75000"/>
-                  </a:schemeClr>
+                  <a:srgbClr val="FFFFFF"/>
                 </a:solidFill>
               </a:defRPr>
             </a:lvl1pPr>
@@ -3009,27 +2949,27 @@
     </p:spTree>
     <p:extLst>
       <p:ext uri="{BB962C8B-B14F-4D97-AF65-F5344CB8AC3E}">
-        <p14:creationId xmlns:p14="http://schemas.microsoft.com/office/powerpoint/2010/main" val="2566025740"/>
+        <p14:creationId xmlns:p14="http://schemas.microsoft.com/office/powerpoint/2010/main" val="2606379152"/>
       </p:ext>
     </p:extLst>
   </p:cSld>
   <p:clrMap bg1="lt1" tx1="dk1" bg2="lt2" tx2="dk2" accent1="accent1" accent2="accent2" accent3="accent3" accent4="accent4" accent5="accent5" accent6="accent6" hlink="hlink" folHlink="folHlink"/>
   <p:sldLayoutIdLst>
-    <p:sldLayoutId id="2147483649" r:id="rId1"/>
-    <p:sldLayoutId id="2147483650" r:id="rId2"/>
-    <p:sldLayoutId id="2147483651" r:id="rId3"/>
-    <p:sldLayoutId id="2147483652" r:id="rId4"/>
-    <p:sldLayoutId id="2147483653" r:id="rId5"/>
-    <p:sldLayoutId id="2147483654" r:id="rId6"/>
-    <p:sldLayoutId id="2147483655" r:id="rId7"/>
-    <p:sldLayoutId id="2147483656" r:id="rId8"/>
-    <p:sldLayoutId id="2147483657" r:id="rId9"/>
-    <p:sldLayoutId id="2147483658" r:id="rId10"/>
-    <p:sldLayoutId id="2147483659" r:id="rId11"/>
+    <p:sldLayoutId id="2147483728" r:id="rId1"/>
+    <p:sldLayoutId id="2147483729" r:id="rId2"/>
+    <p:sldLayoutId id="2147483730" r:id="rId3"/>
+    <p:sldLayoutId id="2147483731" r:id="rId4"/>
+    <p:sldLayoutId id="2147483732" r:id="rId5"/>
+    <p:sldLayoutId id="2147483733" r:id="rId6"/>
+    <p:sldLayoutId id="2147483734" r:id="rId7"/>
+    <p:sldLayoutId id="2147483735" r:id="rId8"/>
+    <p:sldLayoutId id="2147483736" r:id="rId9"/>
+    <p:sldLayoutId id="2147483737" r:id="rId10"/>
+    <p:sldLayoutId id="2147483738" r:id="rId11"/>
   </p:sldLayoutIdLst>
   <p:txStyles>
     <p:titleStyle>
-      <a:lvl1pPr algn="l" defTabSz="914400" rtl="0" eaLnBrk="1" latinLnBrk="0" hangingPunct="1">
+      <a:lvl1pPr algn="ctr" defTabSz="914400" rtl="0" eaLnBrk="1" latinLnBrk="0" hangingPunct="1">
         <a:lnSpc>
           <a:spcPct val="90000"/>
         </a:lnSpc>
@@ -3037,9 +2977,9 @@
           <a:spcPct val="0"/>
         </a:spcBef>
         <a:buNone/>
-        <a:defRPr sz="4400" kern="1200">
+        <a:defRPr sz="2800" kern="1200" cap="all" spc="200" baseline="0">
           <a:solidFill>
-            <a:schemeClr val="tx1"/>
+            <a:srgbClr val="262626"/>
           </a:solidFill>
           <a:latin typeface="+mj-lt"/>
           <a:ea typeface="+mj-ea"/>
@@ -3050,104 +2990,137 @@
     <p:bodyStyle>
       <a:lvl1pPr marL="228600" indent="-228600" algn="l" defTabSz="914400" rtl="0" eaLnBrk="1" latinLnBrk="0" hangingPunct="1">
         <a:lnSpc>
-          <a:spcPct val="90000"/>
+          <a:spcPct val="100000"/>
         </a:lnSpc>
         <a:spcBef>
           <a:spcPts val="1000"/>
         </a:spcBef>
+        <a:buClr>
+          <a:schemeClr val="accent2"/>
+        </a:buClr>
         <a:buFont typeface="Arial" panose="020B0604020202020204" pitchFamily="34" charset="0"/>
         <a:buChar char="•"/>
-        <a:defRPr sz="2800" kern="1200">
+        <a:defRPr sz="1800" kern="1200">
           <a:solidFill>
-            <a:schemeClr val="tx1"/>
+            <a:schemeClr val="tx1">
+              <a:lumMod val="85000"/>
+              <a:lumOff val="15000"/>
+            </a:schemeClr>
           </a:solidFill>
           <a:latin typeface="+mn-lt"/>
           <a:ea typeface="+mn-ea"/>
           <a:cs typeface="+mn-cs"/>
         </a:defRPr>
       </a:lvl1pPr>
-      <a:lvl2pPr marL="685800" indent="-228600" algn="l" defTabSz="914400" rtl="0" eaLnBrk="1" latinLnBrk="0" hangingPunct="1">
+      <a:lvl2pPr marL="457200" indent="-228600" algn="l" defTabSz="914400" rtl="0" eaLnBrk="1" latinLnBrk="0" hangingPunct="1">
         <a:lnSpc>
-          <a:spcPct val="90000"/>
+          <a:spcPct val="100000"/>
         </a:lnSpc>
         <a:spcBef>
-          <a:spcPts val="500"/>
+          <a:spcPts val="1000"/>
         </a:spcBef>
+        <a:buClr>
+          <a:schemeClr val="accent2"/>
+        </a:buClr>
         <a:buFont typeface="Arial" panose="020B0604020202020204" pitchFamily="34" charset="0"/>
         <a:buChar char="•"/>
-        <a:defRPr sz="2400" kern="1200">
+        <a:defRPr sz="1600" kern="1200">
           <a:solidFill>
-            <a:schemeClr val="tx1"/>
+            <a:schemeClr val="tx1">
+              <a:lumMod val="85000"/>
+              <a:lumOff val="15000"/>
+            </a:schemeClr>
           </a:solidFill>
           <a:latin typeface="+mn-lt"/>
           <a:ea typeface="+mn-ea"/>
           <a:cs typeface="+mn-cs"/>
         </a:defRPr>
       </a:lvl2pPr>
-      <a:lvl3pPr marL="1143000" indent="-228600" algn="l" defTabSz="914400" rtl="0" eaLnBrk="1" latinLnBrk="0" hangingPunct="1">
+      <a:lvl3pPr marL="685800" indent="-228600" algn="l" defTabSz="914400" rtl="0" eaLnBrk="1" latinLnBrk="0" hangingPunct="1">
         <a:lnSpc>
-          <a:spcPct val="90000"/>
+          <a:spcPct val="100000"/>
         </a:lnSpc>
         <a:spcBef>
-          <a:spcPts val="500"/>
+          <a:spcPts val="1000"/>
         </a:spcBef>
+        <a:buClr>
+          <a:schemeClr val="accent2"/>
+        </a:buClr>
         <a:buFont typeface="Arial" panose="020B0604020202020204" pitchFamily="34" charset="0"/>
         <a:buChar char="•"/>
-        <a:defRPr sz="2000" kern="1200">
+        <a:defRPr sz="1600" kern="1200">
           <a:solidFill>
-            <a:schemeClr val="tx1"/>
+            <a:schemeClr val="tx1">
+              <a:lumMod val="85000"/>
+              <a:lumOff val="15000"/>
+            </a:schemeClr>
           </a:solidFill>
           <a:latin typeface="+mn-lt"/>
           <a:ea typeface="+mn-ea"/>
           <a:cs typeface="+mn-cs"/>
         </a:defRPr>
       </a:lvl3pPr>
-      <a:lvl4pPr marL="1600200" indent="-228600" algn="l" defTabSz="914400" rtl="0" eaLnBrk="1" latinLnBrk="0" hangingPunct="1">
+      <a:lvl4pPr marL="914400" indent="-228600" algn="l" defTabSz="914400" rtl="0" eaLnBrk="1" latinLnBrk="0" hangingPunct="1">
         <a:lnSpc>
-          <a:spcPct val="90000"/>
+          <a:spcPct val="100000"/>
         </a:lnSpc>
         <a:spcBef>
-          <a:spcPts val="500"/>
+          <a:spcPts val="1000"/>
         </a:spcBef>
+        <a:buClr>
+          <a:schemeClr val="accent2"/>
+        </a:buClr>
         <a:buFont typeface="Arial" panose="020B0604020202020204" pitchFamily="34" charset="0"/>
         <a:buChar char="•"/>
-        <a:defRPr sz="1800" kern="1200">
+        <a:defRPr sz="1600" kern="1200">
           <a:solidFill>
-            <a:schemeClr val="tx1"/>
+            <a:schemeClr val="tx1">
+              <a:lumMod val="85000"/>
+              <a:lumOff val="15000"/>
+            </a:schemeClr>
           </a:solidFill>
           <a:latin typeface="+mn-lt"/>
           <a:ea typeface="+mn-ea"/>
           <a:cs typeface="+mn-cs"/>
         </a:defRPr>
       </a:lvl4pPr>
-      <a:lvl5pPr marL="2057400" indent="-228600" algn="l" defTabSz="914400" rtl="0" eaLnBrk="1" latinLnBrk="0" hangingPunct="1">
+      <a:lvl5pPr marL="1143000" indent="-228600" algn="l" defTabSz="914400" rtl="0" eaLnBrk="1" latinLnBrk="0" hangingPunct="1">
         <a:lnSpc>
-          <a:spcPct val="90000"/>
+          <a:spcPct val="100000"/>
         </a:lnSpc>
         <a:spcBef>
-          <a:spcPts val="500"/>
+          <a:spcPts val="1000"/>
         </a:spcBef>
+        <a:buClr>
+          <a:schemeClr val="accent2"/>
+        </a:buClr>
         <a:buFont typeface="Arial" panose="020B0604020202020204" pitchFamily="34" charset="0"/>
         <a:buChar char="•"/>
-        <a:defRPr sz="1800" kern="1200">
+        <a:defRPr sz="1600" kern="1200">
           <a:solidFill>
-            <a:schemeClr val="tx1"/>
+            <a:schemeClr val="tx1">
+              <a:lumMod val="85000"/>
+              <a:lumOff val="15000"/>
+            </a:schemeClr>
           </a:solidFill>
           <a:latin typeface="+mn-lt"/>
           <a:ea typeface="+mn-ea"/>
           <a:cs typeface="+mn-cs"/>
         </a:defRPr>
       </a:lvl5pPr>
-      <a:lvl6pPr marL="2514600" indent="-228600" algn="l" defTabSz="914400" rtl="0" eaLnBrk="1" latinLnBrk="0" hangingPunct="1">
+      <a:lvl6pPr marL="1312863" indent="-228600" algn="l" defTabSz="914400" rtl="0" eaLnBrk="1" latinLnBrk="0" hangingPunct="1">
         <a:lnSpc>
-          <a:spcPct val="90000"/>
+          <a:spcPct val="100000"/>
         </a:lnSpc>
         <a:spcBef>
-          <a:spcPts val="500"/>
+          <a:spcPts val="1000"/>
         </a:spcBef>
+        <a:buClr>
+          <a:schemeClr val="accent2"/>
+        </a:buClr>
         <a:buFont typeface="Arial" panose="020B0604020202020204" pitchFamily="34" charset="0"/>
         <a:buChar char="•"/>
-        <a:defRPr sz="1800" kern="1200">
+        <a:defRPr sz="1600" kern="1200">
           <a:solidFill>
             <a:schemeClr val="tx1"/>
           </a:solidFill>
@@ -3156,16 +3129,19 @@
           <a:cs typeface="+mn-cs"/>
         </a:defRPr>
       </a:lvl6pPr>
-      <a:lvl7pPr marL="2971800" indent="-228600" algn="l" defTabSz="914400" rtl="0" eaLnBrk="1" latinLnBrk="0" hangingPunct="1">
+      <a:lvl7pPr marL="1484313" indent="-228600" algn="l" defTabSz="914400" rtl="0" eaLnBrk="1" latinLnBrk="0" hangingPunct="1">
         <a:lnSpc>
-          <a:spcPct val="90000"/>
+          <a:spcPct val="100000"/>
         </a:lnSpc>
         <a:spcBef>
-          <a:spcPts val="500"/>
+          <a:spcPts val="1000"/>
         </a:spcBef>
+        <a:buClr>
+          <a:schemeClr val="accent2"/>
+        </a:buClr>
         <a:buFont typeface="Arial" panose="020B0604020202020204" pitchFamily="34" charset="0"/>
         <a:buChar char="•"/>
-        <a:defRPr sz="1800" kern="1200">
+        <a:defRPr sz="1600" kern="1200">
           <a:solidFill>
             <a:schemeClr val="tx1"/>
           </a:solidFill>
@@ -3174,16 +3150,19 @@
           <a:cs typeface="+mn-cs"/>
         </a:defRPr>
       </a:lvl7pPr>
-      <a:lvl8pPr marL="3429000" indent="-228600" algn="l" defTabSz="914400" rtl="0" eaLnBrk="1" latinLnBrk="0" hangingPunct="1">
+      <a:lvl8pPr marL="1657350" indent="-228600" algn="l" defTabSz="914400" rtl="0" eaLnBrk="1" latinLnBrk="0" hangingPunct="1">
         <a:lnSpc>
-          <a:spcPct val="90000"/>
+          <a:spcPct val="100000"/>
         </a:lnSpc>
         <a:spcBef>
-          <a:spcPts val="500"/>
+          <a:spcPts val="1000"/>
         </a:spcBef>
+        <a:buClr>
+          <a:schemeClr val="accent2"/>
+        </a:buClr>
         <a:buFont typeface="Arial" panose="020B0604020202020204" pitchFamily="34" charset="0"/>
         <a:buChar char="•"/>
-        <a:defRPr sz="1800" kern="1200">
+        <a:defRPr sz="1600" kern="1200" baseline="0">
           <a:solidFill>
             <a:schemeClr val="tx1"/>
           </a:solidFill>
@@ -3192,16 +3171,19 @@
           <a:cs typeface="+mn-cs"/>
         </a:defRPr>
       </a:lvl8pPr>
-      <a:lvl9pPr marL="3886200" indent="-228600" algn="l" defTabSz="914400" rtl="0" eaLnBrk="1" latinLnBrk="0" hangingPunct="1">
+      <a:lvl9pPr marL="1882775" indent="-228600" algn="l" defTabSz="914400" rtl="0" eaLnBrk="1" latinLnBrk="0" hangingPunct="1">
         <a:lnSpc>
-          <a:spcPct val="90000"/>
+          <a:spcPct val="100000"/>
         </a:lnSpc>
         <a:spcBef>
-          <a:spcPts val="500"/>
+          <a:spcPts val="1000"/>
         </a:spcBef>
+        <a:buClr>
+          <a:schemeClr val="accent2"/>
+        </a:buClr>
         <a:buFont typeface="Arial" panose="020B0604020202020204" pitchFamily="34" charset="0"/>
         <a:buChar char="•"/>
-        <a:defRPr sz="1800" kern="1200">
+        <a:defRPr sz="1600" kern="1200" baseline="0">
           <a:solidFill>
             <a:schemeClr val="tx1"/>
           </a:solidFill>
@@ -3329,59 +3311,6 @@
       </p:grpSpPr>
       <p:sp>
         <p:nvSpPr>
-          <p:cNvPr id="2" name="Title 1">
-            <a:extLst>
-              <a:ext uri="{FF2B5EF4-FFF2-40B4-BE49-F238E27FC236}">
-                <a16:creationId xmlns:a16="http://schemas.microsoft.com/office/drawing/2014/main" id="{9AE34704-BB71-A5B7-07B6-BAD61785F3CF}"/>
-              </a:ext>
-            </a:extLst>
-          </p:cNvPr>
-          <p:cNvSpPr>
-            <a:spLocks noGrp="1"/>
-          </p:cNvSpPr>
-          <p:nvPr>
-            <p:ph type="ctrTitle"/>
-          </p:nvPr>
-        </p:nvSpPr>
-        <p:spPr>
-          <a:xfrm>
-            <a:off x="1524000" y="1041400"/>
-            <a:ext cx="9144000" cy="2387600"/>
-          </a:xfrm>
-        </p:spPr>
-        <p:txBody>
-          <a:bodyPr>
-            <a:noAutofit/>
-          </a:bodyPr>
-          <a:lstStyle/>
-          <a:p>
-            <a:pPr rtl="0">
-              <a:spcBef>
-                <a:spcPts val="0"/>
-              </a:spcBef>
-              <a:spcAft>
-                <a:spcPts val="0"/>
-              </a:spcAft>
-            </a:pPr>
-            <a:r>
-              <a:rPr lang="en-US" sz="4800" b="0" i="0" u="none" strike="noStrike" dirty="0">
-                <a:solidFill>
-                  <a:srgbClr val="000000"/>
-                </a:solidFill>
-                <a:effectLst/>
-                <a:latin typeface="Arial" panose="020B0604020202020204" pitchFamily="34" charset="0"/>
-              </a:rPr>
-              <a:t>AI Empowered Automated Employee Expense Reimbursement Process</a:t>
-            </a:r>
-            <a:br>
-              <a:rPr lang="en-US" sz="4800" dirty="0"/>
-            </a:br>
-            <a:endParaRPr lang="en-US" sz="4800" dirty="0"/>
-          </a:p>
-        </p:txBody>
-      </p:sp>
-      <p:sp>
-        <p:nvSpPr>
           <p:cNvPr id="3" name="Subtitle 2">
             <a:extLst>
               <a:ext uri="{FF2B5EF4-FFF2-40B4-BE49-F238E27FC236}">
@@ -3393,24 +3322,129 @@
             <a:spLocks noGrp="1"/>
           </p:cNvSpPr>
           <p:nvPr>
-            <p:ph type="subTitle" idx="1"/>
+            <p:ph type="subTitle" idx="4294967295"/>
           </p:nvPr>
         </p:nvSpPr>
-        <p:spPr/>
-        <p:txBody>
-          <a:bodyPr/>
-          <a:lstStyle/>
-          <a:p>
+        <p:spPr>
+          <a:xfrm>
+            <a:off x="1673439" y="3837700"/>
+            <a:ext cx="8664607" cy="2521257"/>
+          </a:xfrm>
+        </p:spPr>
+        <p:txBody>
+          <a:bodyPr>
+            <a:normAutofit/>
+          </a:bodyPr>
+          <a:lstStyle/>
+          <a:p>
+            <a:pPr marL="0" indent="0" algn="ctr">
+              <a:buNone/>
+            </a:pPr>
+            <a:r>
+              <a:rPr lang="en-US" sz="3200" dirty="0"/>
+              <a:t>Team 13</a:t>
+            </a:r>
+          </a:p>
+          <a:p>
+            <a:pPr marL="0" indent="0" algn="ctr">
+              <a:buNone/>
+            </a:pPr>
+            <a:r>
+              <a:rPr lang="en-US" dirty="0" err="1"/>
+              <a:t>Yiwei</a:t>
+            </a:r>
             <a:r>
               <a:rPr lang="en-US" dirty="0"/>
-              <a:t>Team 13</a:t>
-            </a:r>
-          </a:p>
-          <a:p>
+              <a:t> Wang</a:t>
+            </a:r>
+          </a:p>
+          <a:p>
+            <a:pPr marL="0" indent="0" algn="ctr">
+              <a:buNone/>
+            </a:pPr>
+            <a:r>
+              <a:rPr lang="en-US" dirty="0" err="1"/>
+              <a:t>Bingyang</a:t>
+            </a:r>
+            <a:r>
+              <a:rPr lang="en-US" dirty="0"/>
+              <a:t> Ke</a:t>
+            </a:r>
+          </a:p>
+          <a:p>
+            <a:pPr marL="0" indent="0" algn="ctr">
+              <a:buNone/>
+            </a:pPr>
+            <a:r>
+              <a:rPr lang="en-US" dirty="0" err="1"/>
+              <a:t>Pengkun</a:t>
+            </a:r>
+            <a:r>
+              <a:rPr lang="en-US" dirty="0"/>
+              <a:t> Ma</a:t>
+            </a:r>
+          </a:p>
+          <a:p>
+            <a:pPr marL="0" indent="0" algn="ctr">
+              <a:buNone/>
+            </a:pPr>
+            <a:r>
+              <a:rPr lang="en-US" dirty="0" err="1"/>
+              <a:t>Nanxiang</a:t>
+            </a:r>
+            <a:r>
+              <a:rPr lang="en-US" dirty="0"/>
+              <a:t> Zhao</a:t>
+            </a:r>
+          </a:p>
+          <a:p>
+            <a:pPr algn="ctr"/>
             <a:endParaRPr lang="en-US" dirty="0"/>
           </a:p>
-          <a:p>
-            <a:endParaRPr lang="en-US" dirty="0"/>
+        </p:txBody>
+      </p:sp>
+      <p:sp>
+        <p:nvSpPr>
+          <p:cNvPr id="8" name="TextBox 7">
+            <a:extLst>
+              <a:ext uri="{FF2B5EF4-FFF2-40B4-BE49-F238E27FC236}">
+                <a16:creationId xmlns:a16="http://schemas.microsoft.com/office/drawing/2014/main" id="{26612E41-9057-0341-54FB-3C2B76A4ACF9}"/>
+              </a:ext>
+            </a:extLst>
+          </p:cNvPr>
+          <p:cNvSpPr txBox="1"/>
+          <p:nvPr/>
+        </p:nvSpPr>
+        <p:spPr>
+          <a:xfrm>
+            <a:off x="1597980" y="843677"/>
+            <a:ext cx="8815526" cy="2585323"/>
+          </a:xfrm>
+          <a:prstGeom prst="rect">
+            <a:avLst/>
+          </a:prstGeom>
+          <a:noFill/>
+        </p:spPr>
+        <p:txBody>
+          <a:bodyPr wrap="square">
+            <a:spAutoFit/>
+          </a:bodyPr>
+          <a:lstStyle/>
+          <a:p>
+            <a:pPr algn="ctr"/>
+            <a:r>
+              <a:rPr lang="en-US" sz="5400" b="0" i="0" u="none" strike="noStrike" dirty="0">
+                <a:solidFill>
+                  <a:srgbClr val="000000"/>
+                </a:solidFill>
+                <a:effectLst/>
+                <a:latin typeface="Rockwell" panose="02060603020205020403" pitchFamily="18" charset="0"/>
+              </a:rPr>
+              <a:t>AI Empowered Automated Employee Expense Reimbursement Process</a:t>
+            </a:r>
+            <a:endParaRPr lang="en-US" sz="5400" dirty="0">
+              <a:latin typeface="Rockwell" panose="02060603020205020403" pitchFamily="18" charset="0"/>
+            </a:endParaRPr>
           </a:p>
         </p:txBody>
       </p:sp>
@@ -3418,6 +3452,186 @@
     <p:extLst>
       <p:ext uri="{BB962C8B-B14F-4D97-AF65-F5344CB8AC3E}">
         <p14:creationId xmlns:p14="http://schemas.microsoft.com/office/powerpoint/2010/main" val="1177034170"/>
+      </p:ext>
+    </p:extLst>
+  </p:cSld>
+  <p:clrMapOvr>
+    <a:masterClrMapping/>
+  </p:clrMapOvr>
+</p:sld>
+</file>
+
+<file path=ppt/slides/slide10.xml><?xml version="1.0" encoding="utf-8"?>
+<p:sld xmlns:a="http://schemas.openxmlformats.org/drawingml/2006/main" xmlns:r="http://schemas.openxmlformats.org/officeDocument/2006/relationships" xmlns:p="http://schemas.openxmlformats.org/presentationml/2006/main">
+  <p:cSld>
+    <p:spTree>
+      <p:nvGrpSpPr>
+        <p:cNvPr id="1" name=""/>
+        <p:cNvGrpSpPr/>
+        <p:nvPr/>
+      </p:nvGrpSpPr>
+      <p:grpSpPr>
+        <a:xfrm>
+          <a:off x="0" y="0"/>
+          <a:ext cx="0" cy="0"/>
+          <a:chOff x="0" y="0"/>
+          <a:chExt cx="0" cy="0"/>
+        </a:xfrm>
+      </p:grpSpPr>
+      <p:sp>
+        <p:nvSpPr>
+          <p:cNvPr id="2" name="Title 1">
+            <a:extLst>
+              <a:ext uri="{FF2B5EF4-FFF2-40B4-BE49-F238E27FC236}">
+                <a16:creationId xmlns:a16="http://schemas.microsoft.com/office/drawing/2014/main" id="{7B230317-815C-CA00-0A4E-4E21E5FAFD98}"/>
+              </a:ext>
+            </a:extLst>
+          </p:cNvPr>
+          <p:cNvSpPr>
+            <a:spLocks noGrp="1"/>
+          </p:cNvSpPr>
+          <p:nvPr>
+            <p:ph type="title"/>
+          </p:nvPr>
+        </p:nvSpPr>
+        <p:spPr/>
+        <p:txBody>
+          <a:bodyPr/>
+          <a:lstStyle/>
+          <a:p>
+            <a:r>
+              <a:rPr lang="en-US" altLang="zh-CN" dirty="0"/>
+              <a:t>Demo</a:t>
+            </a:r>
+            <a:endParaRPr lang="en-US" dirty="0"/>
+          </a:p>
+        </p:txBody>
+      </p:sp>
+    </p:spTree>
+    <p:extLst>
+      <p:ext uri="{BB962C8B-B14F-4D97-AF65-F5344CB8AC3E}">
+        <p14:creationId xmlns:p14="http://schemas.microsoft.com/office/powerpoint/2010/main" val="274022295"/>
+      </p:ext>
+    </p:extLst>
+  </p:cSld>
+  <p:clrMapOvr>
+    <a:masterClrMapping/>
+  </p:clrMapOvr>
+</p:sld>
+</file>
+
+<file path=ppt/slides/slide11.xml><?xml version="1.0" encoding="utf-8"?>
+<p:sld xmlns:a="http://schemas.openxmlformats.org/drawingml/2006/main" xmlns:r="http://schemas.openxmlformats.org/officeDocument/2006/relationships" xmlns:p="http://schemas.openxmlformats.org/presentationml/2006/main">
+  <p:cSld>
+    <p:spTree>
+      <p:nvGrpSpPr>
+        <p:cNvPr id="1" name=""/>
+        <p:cNvGrpSpPr/>
+        <p:nvPr/>
+      </p:nvGrpSpPr>
+      <p:grpSpPr>
+        <a:xfrm>
+          <a:off x="0" y="0"/>
+          <a:ext cx="0" cy="0"/>
+          <a:chOff x="0" y="0"/>
+          <a:chExt cx="0" cy="0"/>
+        </a:xfrm>
+      </p:grpSpPr>
+      <p:sp>
+        <p:nvSpPr>
+          <p:cNvPr id="2" name="Title 1">
+            <a:extLst>
+              <a:ext uri="{FF2B5EF4-FFF2-40B4-BE49-F238E27FC236}">
+                <a16:creationId xmlns:a16="http://schemas.microsoft.com/office/drawing/2014/main" id="{65227450-8B75-7118-73F3-27C1203AD7AD}"/>
+              </a:ext>
+            </a:extLst>
+          </p:cNvPr>
+          <p:cNvSpPr>
+            <a:spLocks noGrp="1"/>
+          </p:cNvSpPr>
+          <p:nvPr>
+            <p:ph type="ctrTitle" idx="4294967295"/>
+          </p:nvPr>
+        </p:nvSpPr>
+        <p:spPr>
+          <a:xfrm>
+            <a:off x="1331650" y="2605881"/>
+            <a:ext cx="8991600" cy="1646237"/>
+          </a:xfrm>
+        </p:spPr>
+        <p:txBody>
+          <a:bodyPr/>
+          <a:lstStyle/>
+          <a:p>
+            <a:r>
+              <a:rPr lang="en-US" dirty="0"/>
+              <a:t>Questions?</a:t>
+            </a:r>
+          </a:p>
+        </p:txBody>
+      </p:sp>
+    </p:spTree>
+    <p:extLst>
+      <p:ext uri="{BB962C8B-B14F-4D97-AF65-F5344CB8AC3E}">
+        <p14:creationId xmlns:p14="http://schemas.microsoft.com/office/powerpoint/2010/main" val="3085860992"/>
+      </p:ext>
+    </p:extLst>
+  </p:cSld>
+  <p:clrMapOvr>
+    <a:masterClrMapping/>
+  </p:clrMapOvr>
+</p:sld>
+</file>
+
+<file path=ppt/slides/slide12.xml><?xml version="1.0" encoding="utf-8"?>
+<p:sld xmlns:a="http://schemas.openxmlformats.org/drawingml/2006/main" xmlns:r="http://schemas.openxmlformats.org/officeDocument/2006/relationships" xmlns:p="http://schemas.openxmlformats.org/presentationml/2006/main">
+  <p:cSld>
+    <p:spTree>
+      <p:nvGrpSpPr>
+        <p:cNvPr id="1" name=""/>
+        <p:cNvGrpSpPr/>
+        <p:nvPr/>
+      </p:nvGrpSpPr>
+      <p:grpSpPr>
+        <a:xfrm>
+          <a:off x="0" y="0"/>
+          <a:ext cx="0" cy="0"/>
+          <a:chOff x="0" y="0"/>
+          <a:chExt cx="0" cy="0"/>
+        </a:xfrm>
+      </p:grpSpPr>
+      <p:sp>
+        <p:nvSpPr>
+          <p:cNvPr id="4" name="Title 3">
+            <a:extLst>
+              <a:ext uri="{FF2B5EF4-FFF2-40B4-BE49-F238E27FC236}">
+                <a16:creationId xmlns:a16="http://schemas.microsoft.com/office/drawing/2014/main" id="{353278C8-9AB8-A130-31EF-11B5C6420AE3}"/>
+              </a:ext>
+            </a:extLst>
+          </p:cNvPr>
+          <p:cNvSpPr>
+            <a:spLocks noGrp="1"/>
+          </p:cNvSpPr>
+          <p:nvPr>
+            <p:ph type="title"/>
+          </p:nvPr>
+        </p:nvSpPr>
+        <p:spPr/>
+        <p:txBody>
+          <a:bodyPr/>
+          <a:lstStyle/>
+          <a:p>
+            <a:r>
+              <a:rPr lang="en-US" dirty="0"/>
+              <a:t>Thank you!</a:t>
+            </a:r>
+          </a:p>
+        </p:txBody>
+      </p:sp>
+    </p:spTree>
+    <p:extLst>
+      <p:ext uri="{BB962C8B-B14F-4D97-AF65-F5344CB8AC3E}">
+        <p14:creationId xmlns:p14="http://schemas.microsoft.com/office/powerpoint/2010/main" val="3646716428"/>
       </p:ext>
     </p:extLst>
   </p:cSld>
@@ -3446,34 +3660,6 @@
       </p:grpSpPr>
       <p:sp>
         <p:nvSpPr>
-          <p:cNvPr id="2" name="Title 1">
-            <a:extLst>
-              <a:ext uri="{FF2B5EF4-FFF2-40B4-BE49-F238E27FC236}">
-                <a16:creationId xmlns:a16="http://schemas.microsoft.com/office/drawing/2014/main" id="{F9F3B213-7541-A254-B574-DBCB6B439A62}"/>
-              </a:ext>
-            </a:extLst>
-          </p:cNvPr>
-          <p:cNvSpPr>
-            <a:spLocks noGrp="1"/>
-          </p:cNvSpPr>
-          <p:nvPr>
-            <p:ph type="title"/>
-          </p:nvPr>
-        </p:nvSpPr>
-        <p:spPr/>
-        <p:txBody>
-          <a:bodyPr/>
-          <a:lstStyle/>
-          <a:p>
-            <a:r>
-              <a:rPr lang="en-US" dirty="0"/>
-              <a:t>Background</a:t>
-            </a:r>
-          </a:p>
-        </p:txBody>
-      </p:sp>
-      <p:sp>
-        <p:nvSpPr>
           <p:cNvPr id="3" name="Content Placeholder 2">
             <a:extLst>
               <a:ext uri="{FF2B5EF4-FFF2-40B4-BE49-F238E27FC236}">
@@ -3490,12 +3676,51 @@
         </p:nvSpPr>
         <p:spPr/>
         <p:txBody>
-          <a:bodyPr/>
-          <a:lstStyle/>
-          <a:p>
-            <a:r>
-              <a:rPr lang="en-US" dirty="0"/>
+          <a:bodyPr>
+            <a:normAutofit/>
+          </a:bodyPr>
+          <a:lstStyle/>
+          <a:p>
+            <a:r>
+              <a:rPr lang="en-US" sz="3600" dirty="0"/>
               <a:t>Reimbursement takes time, so…..</a:t>
+            </a:r>
+          </a:p>
+        </p:txBody>
+      </p:sp>
+      <p:sp>
+        <p:nvSpPr>
+          <p:cNvPr id="7" name="TextBox 6">
+            <a:extLst>
+              <a:ext uri="{FF2B5EF4-FFF2-40B4-BE49-F238E27FC236}">
+                <a16:creationId xmlns:a16="http://schemas.microsoft.com/office/drawing/2014/main" id="{0E7F6493-914B-984D-565D-76E0626C2563}"/>
+              </a:ext>
+            </a:extLst>
+          </p:cNvPr>
+          <p:cNvSpPr txBox="1"/>
+          <p:nvPr/>
+        </p:nvSpPr>
+        <p:spPr>
+          <a:xfrm>
+            <a:off x="4071891" y="951582"/>
+            <a:ext cx="4048218" cy="923330"/>
+          </a:xfrm>
+          <a:prstGeom prst="rect">
+            <a:avLst/>
+          </a:prstGeom>
+          <a:noFill/>
+        </p:spPr>
+        <p:txBody>
+          <a:bodyPr wrap="square" rtlCol="0">
+            <a:spAutoFit/>
+          </a:bodyPr>
+          <a:lstStyle/>
+          <a:p>
+            <a:r>
+              <a:rPr lang="en-US" sz="5400" dirty="0">
+                <a:latin typeface="Rockwell" panose="02060603020205020403" pitchFamily="18" charset="0"/>
+              </a:rPr>
+              <a:t>Background</a:t>
             </a:r>
           </a:p>
         </p:txBody>
@@ -3532,41 +3757,6 @@
       </p:grpSpPr>
       <p:sp>
         <p:nvSpPr>
-          <p:cNvPr id="2" name="Title 1">
-            <a:extLst>
-              <a:ext uri="{FF2B5EF4-FFF2-40B4-BE49-F238E27FC236}">
-                <a16:creationId xmlns:a16="http://schemas.microsoft.com/office/drawing/2014/main" id="{3B86F008-72A0-F743-38D6-20D9B28F9C13}"/>
-              </a:ext>
-            </a:extLst>
-          </p:cNvPr>
-          <p:cNvSpPr>
-            <a:spLocks noGrp="1"/>
-          </p:cNvSpPr>
-          <p:nvPr>
-            <p:ph type="title"/>
-          </p:nvPr>
-        </p:nvSpPr>
-        <p:spPr/>
-        <p:txBody>
-          <a:bodyPr/>
-          <a:lstStyle/>
-          <a:p>
-            <a:r>
-              <a:rPr lang="en-US" sz="1800" b="0" i="0" u="none" strike="noStrike" dirty="0">
-                <a:solidFill>
-                  <a:srgbClr val="000000"/>
-                </a:solidFill>
-                <a:effectLst/>
-                <a:latin typeface="Arial" panose="020B0604020202020204" pitchFamily="34" charset="0"/>
-              </a:rPr>
-              <a:t>Technique</a:t>
-            </a:r>
-            <a:endParaRPr lang="en-US" dirty="0"/>
-          </a:p>
-        </p:txBody>
-      </p:sp>
-      <p:sp>
-        <p:nvSpPr>
           <p:cNvPr id="3" name="Content Placeholder 2">
             <a:extLst>
               <a:ext uri="{FF2B5EF4-FFF2-40B4-BE49-F238E27FC236}">
@@ -3587,19 +3777,19 @@
           <a:lstStyle/>
           <a:p>
             <a:r>
-              <a:rPr lang="en-US" dirty="0"/>
-              <a:t>Machine learning</a:t>
-            </a:r>
-          </a:p>
-          <a:p>
-            <a:r>
-              <a:rPr lang="en-US" dirty="0"/>
+              <a:rPr lang="en-US" sz="3600" dirty="0"/>
+              <a:t>Machine Learning</a:t>
+            </a:r>
+          </a:p>
+          <a:p>
+            <a:r>
+              <a:rPr lang="en-US" sz="3600" dirty="0"/>
               <a:t>NLP</a:t>
             </a:r>
           </a:p>
           <a:p>
             <a:r>
-              <a:rPr lang="en-US" dirty="0"/>
+              <a:rPr lang="en-US" sz="3600" dirty="0"/>
               <a:t>MDP</a:t>
             </a:r>
           </a:p>
@@ -3611,6 +3801,43 @@
           </a:p>
           <a:p>
             <a:endParaRPr lang="en-US" dirty="0"/>
+          </a:p>
+        </p:txBody>
+      </p:sp>
+      <p:sp>
+        <p:nvSpPr>
+          <p:cNvPr id="7" name="TextBox 6">
+            <a:extLst>
+              <a:ext uri="{FF2B5EF4-FFF2-40B4-BE49-F238E27FC236}">
+                <a16:creationId xmlns:a16="http://schemas.microsoft.com/office/drawing/2014/main" id="{2264D0C8-1DD4-BD53-D628-38CFBECCF429}"/>
+              </a:ext>
+            </a:extLst>
+          </p:cNvPr>
+          <p:cNvSpPr txBox="1"/>
+          <p:nvPr/>
+        </p:nvSpPr>
+        <p:spPr>
+          <a:xfrm>
+            <a:off x="3846250" y="790112"/>
+            <a:ext cx="4499499" cy="1015663"/>
+          </a:xfrm>
+          <a:prstGeom prst="rect">
+            <a:avLst/>
+          </a:prstGeom>
+          <a:noFill/>
+        </p:spPr>
+        <p:txBody>
+          <a:bodyPr wrap="square" rtlCol="0">
+            <a:spAutoFit/>
+          </a:bodyPr>
+          <a:lstStyle/>
+          <a:p>
+            <a:r>
+              <a:rPr lang="en-US" sz="6000" dirty="0">
+                <a:latin typeface="Rockwell" panose="02060603020205020403" pitchFamily="18" charset="0"/>
+              </a:rPr>
+              <a:t>Technique</a:t>
+            </a:r>
           </a:p>
         </p:txBody>
       </p:sp>
@@ -3658,12 +3885,25 @@
         </p:nvSpPr>
         <p:spPr>
           <a:xfrm>
-            <a:off x="3053919" y="477177"/>
-            <a:ext cx="1802167" cy="2032987"/>
+            <a:off x="2322990" y="804539"/>
+            <a:ext cx="2725444" cy="1216243"/>
           </a:xfrm>
           <a:prstGeom prst="roundRect">
             <a:avLst/>
           </a:prstGeom>
+          <a:solidFill>
+            <a:schemeClr val="accent1">
+              <a:lumMod val="75000"/>
+            </a:schemeClr>
+          </a:solidFill>
+          <a:ln>
+            <a:solidFill>
+              <a:schemeClr val="accent1">
+                <a:lumMod val="40000"/>
+                <a:lumOff val="60000"/>
+              </a:schemeClr>
+            </a:solidFill>
+          </a:ln>
         </p:spPr>
         <p:style>
           <a:lnRef idx="2">
@@ -3688,14 +3928,7 @@
             <a:pPr algn="ctr"/>
             <a:r>
               <a:rPr lang="en-US" dirty="0"/>
-              <a:t>Extraction</a:t>
-            </a:r>
-          </a:p>
-          <a:p>
-            <a:pPr algn="ctr"/>
-            <a:r>
-              <a:rPr lang="en-US" dirty="0"/>
-              <a:t>Elements and store</a:t>
+              <a:t>NLP Extract Elements</a:t>
             </a:r>
           </a:p>
         </p:txBody>
@@ -3714,12 +3947,18 @@
         </p:nvSpPr>
         <p:spPr>
           <a:xfrm>
-            <a:off x="816746" y="867795"/>
-            <a:ext cx="1944210" cy="1109709"/>
+            <a:off x="639194" y="901283"/>
+            <a:ext cx="1578744" cy="916620"/>
           </a:xfrm>
           <a:prstGeom prst="rightArrow">
             <a:avLst/>
           </a:prstGeom>
+          <a:solidFill>
+            <a:schemeClr val="tx2">
+              <a:lumMod val="60000"/>
+              <a:lumOff val="40000"/>
+            </a:schemeClr>
+          </a:solidFill>
         </p:spPr>
         <p:style>
           <a:lnRef idx="2">
@@ -3764,12 +4003,25 @@
         </p:nvSpPr>
         <p:spPr>
           <a:xfrm>
-            <a:off x="6208450" y="375083"/>
-            <a:ext cx="1967884" cy="1874305"/>
+            <a:off x="6270587" y="634761"/>
+            <a:ext cx="2725444" cy="1462598"/>
           </a:xfrm>
           <a:prstGeom prst="roundRect">
             <a:avLst/>
           </a:prstGeom>
+          <a:solidFill>
+            <a:schemeClr val="accent1">
+              <a:lumMod val="75000"/>
+            </a:schemeClr>
+          </a:solidFill>
+          <a:ln>
+            <a:solidFill>
+              <a:schemeClr val="accent1">
+                <a:lumMod val="40000"/>
+                <a:lumOff val="60000"/>
+              </a:schemeClr>
+            </a:solidFill>
+          </a:ln>
         </p:spPr>
         <p:style>
           <a:lnRef idx="2">
@@ -3794,7 +4046,14 @@
             <a:pPr algn="ctr"/>
             <a:r>
               <a:rPr lang="en-US" dirty="0"/>
-              <a:t>Functions of validation or prediction</a:t>
+              <a:t>ML </a:t>
+            </a:r>
+          </a:p>
+          <a:p>
+            <a:pPr algn="ctr"/>
+            <a:r>
+              <a:rPr lang="en-US" dirty="0"/>
+              <a:t>Data prediction training</a:t>
             </a:r>
           </a:p>
         </p:txBody>
@@ -3813,12 +4072,25 @@
         </p:nvSpPr>
         <p:spPr>
           <a:xfrm>
-            <a:off x="1578088" y="3331344"/>
-            <a:ext cx="1846556" cy="1518082"/>
+            <a:off x="1283784" y="4284582"/>
+            <a:ext cx="2181769" cy="1518082"/>
           </a:xfrm>
           <a:prstGeom prst="roundRect">
             <a:avLst/>
           </a:prstGeom>
+          <a:solidFill>
+            <a:schemeClr val="accent1">
+              <a:lumMod val="75000"/>
+            </a:schemeClr>
+          </a:solidFill>
+          <a:ln>
+            <a:solidFill>
+              <a:schemeClr val="accent1">
+                <a:lumMod val="40000"/>
+                <a:lumOff val="60000"/>
+              </a:schemeClr>
+            </a:solidFill>
+          </a:ln>
         </p:spPr>
         <p:style>
           <a:lnRef idx="2">
@@ -3843,7 +4115,14 @@
             <a:pPr algn="ctr"/>
             <a:r>
               <a:rPr lang="en-US" dirty="0"/>
-              <a:t>Neural network training</a:t>
+              <a:t>Neural Network</a:t>
+            </a:r>
+          </a:p>
+          <a:p>
+            <a:pPr algn="ctr"/>
+            <a:r>
+              <a:rPr lang="en-US" dirty="0"/>
+              <a:t>Fraud risk predict</a:t>
             </a:r>
           </a:p>
         </p:txBody>
@@ -3862,12 +4141,25 @@
         </p:nvSpPr>
         <p:spPr>
           <a:xfrm>
-            <a:off x="6569476" y="3341291"/>
-            <a:ext cx="1846556" cy="1874305"/>
+            <a:off x="6544678" y="4304360"/>
+            <a:ext cx="1846557" cy="1578045"/>
           </a:xfrm>
           <a:prstGeom prst="roundRect">
             <a:avLst/>
           </a:prstGeom>
+          <a:solidFill>
+            <a:schemeClr val="accent1">
+              <a:lumMod val="75000"/>
+            </a:schemeClr>
+          </a:solidFill>
+          <a:ln>
+            <a:solidFill>
+              <a:schemeClr val="accent1">
+                <a:lumMod val="40000"/>
+                <a:lumOff val="60000"/>
+              </a:schemeClr>
+            </a:solidFill>
+          </a:ln>
         </p:spPr>
         <p:style>
           <a:lnRef idx="2">
@@ -3918,12 +4210,18 @@
         </p:nvSpPr>
         <p:spPr>
           <a:xfrm>
-            <a:off x="4219851" y="3573260"/>
-            <a:ext cx="1846556" cy="1127464"/>
+            <a:off x="3914231" y="4456588"/>
+            <a:ext cx="2181769" cy="1127464"/>
           </a:xfrm>
           <a:prstGeom prst="rightArrow">
             <a:avLst/>
           </a:prstGeom>
+          <a:solidFill>
+            <a:schemeClr val="tx2">
+              <a:lumMod val="60000"/>
+              <a:lumOff val="40000"/>
+            </a:schemeClr>
+          </a:solidFill>
         </p:spPr>
         <p:style>
           <a:lnRef idx="2">
@@ -3967,12 +4265,18 @@
         </p:nvSpPr>
         <p:spPr>
           <a:xfrm>
-            <a:off x="5116496" y="1149660"/>
+            <a:off x="5153486" y="1035361"/>
             <a:ext cx="949911" cy="688020"/>
           </a:xfrm>
           <a:prstGeom prst="rightArrow">
             <a:avLst/>
           </a:prstGeom>
+          <a:solidFill>
+            <a:schemeClr val="tx2">
+              <a:lumMod val="60000"/>
+              <a:lumOff val="40000"/>
+            </a:schemeClr>
+          </a:solidFill>
         </p:spPr>
         <p:style>
           <a:lnRef idx="2">
@@ -4013,12 +4317,18 @@
         </p:nvSpPr>
         <p:spPr>
           <a:xfrm>
-            <a:off x="9102569" y="3862856"/>
+            <a:off x="8948694" y="4623561"/>
             <a:ext cx="1846556" cy="1076419"/>
           </a:xfrm>
           <a:prstGeom prst="rightArrow">
             <a:avLst/>
           </a:prstGeom>
+          <a:solidFill>
+            <a:schemeClr val="tx2">
+              <a:lumMod val="60000"/>
+              <a:lumOff val="40000"/>
+            </a:schemeClr>
+          </a:solidFill>
         </p:spPr>
         <p:style>
           <a:lnRef idx="2">
@@ -4050,10 +4360,10 @@
       </p:sp>
       <p:sp>
         <p:nvSpPr>
-          <p:cNvPr id="16" name="Arrow: Right 15">
+          <p:cNvPr id="19" name="Arrow: Down 18">
             <a:extLst>
               <a:ext uri="{FF2B5EF4-FFF2-40B4-BE49-F238E27FC236}">
-                <a16:creationId xmlns:a16="http://schemas.microsoft.com/office/drawing/2014/main" id="{69E0E979-746F-F593-A2D4-CC10CB8742FC}"/>
+                <a16:creationId xmlns:a16="http://schemas.microsoft.com/office/drawing/2014/main" id="{70E2AA67-09D3-F38E-801C-06DABB0F2170}"/>
               </a:ext>
             </a:extLst>
           </p:cNvPr>
@@ -4061,13 +4371,19 @@
           <p:nvPr/>
         </p:nvSpPr>
         <p:spPr>
-          <a:xfrm rot="20097000">
-            <a:off x="4411540" y="5594752"/>
-            <a:ext cx="2055850" cy="484632"/>
-          </a:xfrm>
-          <a:prstGeom prst="rightArrow">
+          <a:xfrm>
+            <a:off x="7025196" y="2269064"/>
+            <a:ext cx="852257" cy="1783850"/>
+          </a:xfrm>
+          <a:prstGeom prst="downArrow">
             <a:avLst/>
           </a:prstGeom>
+          <a:solidFill>
+            <a:schemeClr val="tx2">
+              <a:lumMod val="60000"/>
+              <a:lumOff val="40000"/>
+            </a:schemeClr>
+          </a:solidFill>
         </p:spPr>
         <p:style>
           <a:lnRef idx="2">
@@ -4096,10 +4412,10 @@
       </p:sp>
       <p:sp>
         <p:nvSpPr>
-          <p:cNvPr id="17" name="Rectangle: Rounded Corners 16">
+          <p:cNvPr id="5" name="Arrow: Down 4">
             <a:extLst>
               <a:ext uri="{FF2B5EF4-FFF2-40B4-BE49-F238E27FC236}">
-                <a16:creationId xmlns:a16="http://schemas.microsoft.com/office/drawing/2014/main" id="{4343CEA6-69D1-333C-FD99-B7FA9B9BCA96}"/>
+                <a16:creationId xmlns:a16="http://schemas.microsoft.com/office/drawing/2014/main" id="{09BF6243-982D-90C4-5776-A4B4FFA4D939}"/>
               </a:ext>
             </a:extLst>
           </p:cNvPr>
@@ -4107,80 +4423,19 @@
           <p:nvPr/>
         </p:nvSpPr>
         <p:spPr>
-          <a:xfrm>
-            <a:off x="1200792" y="5137947"/>
-            <a:ext cx="2829018" cy="1518082"/>
-          </a:xfrm>
-          <a:prstGeom prst="roundRect">
-            <a:avLst/>
-          </a:prstGeom>
-        </p:spPr>
-        <p:style>
-          <a:lnRef idx="2">
-            <a:schemeClr val="accent5">
-              <a:shade val="15000"/>
-            </a:schemeClr>
-          </a:lnRef>
-          <a:fillRef idx="1">
-            <a:schemeClr val="accent5"/>
-          </a:fillRef>
-          <a:effectRef idx="0">
-            <a:schemeClr val="accent5"/>
-          </a:effectRef>
-          <a:fontRef idx="minor">
-            <a:schemeClr val="lt1"/>
-          </a:fontRef>
-        </p:style>
-        <p:txBody>
-          <a:bodyPr rtlCol="0" anchor="ctr"/>
-          <a:lstStyle/>
-          <a:p>
-            <a:pPr algn="ctr"/>
-            <a:r>
-              <a:rPr lang="en-US" dirty="0"/>
-              <a:t>Personal Record</a:t>
-            </a:r>
-          </a:p>
-          <a:p>
-            <a:pPr algn="ctr"/>
-            <a:r>
-              <a:rPr lang="en-US" dirty="0"/>
-              <a:t>Reimbursement history</a:t>
-            </a:r>
-          </a:p>
-          <a:p>
-            <a:pPr algn="ctr"/>
-            <a:r>
-              <a:rPr lang="en-US" dirty="0"/>
-              <a:t>From DB</a:t>
-            </a:r>
-          </a:p>
-          <a:p>
-            <a:pPr algn="ctr"/>
-            <a:endParaRPr lang="en-US" dirty="0"/>
-          </a:p>
-        </p:txBody>
-      </p:sp>
-      <p:sp>
-        <p:nvSpPr>
-          <p:cNvPr id="19" name="Arrow: Down 18">
-            <a:extLst>
-              <a:ext uri="{FF2B5EF4-FFF2-40B4-BE49-F238E27FC236}">
-                <a16:creationId xmlns:a16="http://schemas.microsoft.com/office/drawing/2014/main" id="{70E2AA67-09D3-F38E-801C-06DABB0F2170}"/>
-              </a:ext>
-            </a:extLst>
-          </p:cNvPr>
-          <p:cNvSpPr/>
-          <p:nvPr/>
-        </p:nvSpPr>
-        <p:spPr>
-          <a:xfrm>
-            <a:off x="6909787" y="2362022"/>
-            <a:ext cx="852257" cy="866635"/>
+          <a:xfrm rot="3488828">
+            <a:off x="4250601" y="1177493"/>
+            <a:ext cx="586662" cy="3767277"/>
           </a:xfrm>
           <a:prstGeom prst="downArrow">
             <a:avLst/>
           </a:prstGeom>
+          <a:solidFill>
+            <a:schemeClr val="tx2">
+              <a:lumMod val="60000"/>
+              <a:lumOff val="40000"/>
+            </a:schemeClr>
+          </a:solidFill>
         </p:spPr>
         <p:style>
           <a:lnRef idx="2">
@@ -4237,10 +4492,618 @@
           <a:chExt cx="0" cy="0"/>
         </a:xfrm>
       </p:grpSpPr>
+      <p:sp>
+        <p:nvSpPr>
+          <p:cNvPr id="2" name="Rectangle: Rounded Corners 1">
+            <a:extLst>
+              <a:ext uri="{FF2B5EF4-FFF2-40B4-BE49-F238E27FC236}">
+                <a16:creationId xmlns:a16="http://schemas.microsoft.com/office/drawing/2014/main" id="{A25DD9E9-9ECA-887F-617E-44381FE453E5}"/>
+              </a:ext>
+            </a:extLst>
+          </p:cNvPr>
+          <p:cNvSpPr/>
+          <p:nvPr/>
+        </p:nvSpPr>
+        <p:spPr>
+          <a:xfrm>
+            <a:off x="1065320" y="1013529"/>
+            <a:ext cx="2016711" cy="3602855"/>
+          </a:xfrm>
+          <a:prstGeom prst="roundRect">
+            <a:avLst/>
+          </a:prstGeom>
+          <a:solidFill>
+            <a:srgbClr val="96AED2"/>
+          </a:solidFill>
+        </p:spPr>
+        <p:style>
+          <a:lnRef idx="2">
+            <a:schemeClr val="accent1">
+              <a:shade val="15000"/>
+            </a:schemeClr>
+          </a:lnRef>
+          <a:fillRef idx="1">
+            <a:schemeClr val="accent1"/>
+          </a:fillRef>
+          <a:effectRef idx="0">
+            <a:schemeClr val="accent1"/>
+          </a:effectRef>
+          <a:fontRef idx="minor">
+            <a:schemeClr val="lt1"/>
+          </a:fontRef>
+        </p:style>
+        <p:txBody>
+          <a:bodyPr rtlCol="0" anchor="ctr"/>
+          <a:lstStyle/>
+          <a:p>
+            <a:pPr algn="ctr"/>
+            <a:r>
+              <a:rPr lang="en-US" dirty="0">
+                <a:solidFill>
+                  <a:schemeClr val="tx1"/>
+                </a:solidFill>
+                <a:latin typeface="Rockwell" panose="02060603020205020403" pitchFamily="18" charset="0"/>
+              </a:rPr>
+              <a:t>NLP Model</a:t>
+            </a:r>
+          </a:p>
+          <a:p>
+            <a:pPr algn="ctr"/>
+            <a:r>
+              <a:rPr lang="en-US" dirty="0">
+                <a:solidFill>
+                  <a:schemeClr val="tx1"/>
+                </a:solidFill>
+                <a:latin typeface="Rockwell" panose="02060603020205020403" pitchFamily="18" charset="0"/>
+              </a:rPr>
+              <a:t>Extract Elements</a:t>
+            </a:r>
+          </a:p>
+        </p:txBody>
+      </p:sp>
+      <p:sp>
+        <p:nvSpPr>
+          <p:cNvPr id="3" name="Rectangle: Rounded Corners 2">
+            <a:extLst>
+              <a:ext uri="{FF2B5EF4-FFF2-40B4-BE49-F238E27FC236}">
+                <a16:creationId xmlns:a16="http://schemas.microsoft.com/office/drawing/2014/main" id="{AA648292-8AC9-0959-DE04-A2F24E20735B}"/>
+              </a:ext>
+            </a:extLst>
+          </p:cNvPr>
+          <p:cNvSpPr/>
+          <p:nvPr/>
+        </p:nvSpPr>
+        <p:spPr>
+          <a:xfrm>
+            <a:off x="3747067" y="1013529"/>
+            <a:ext cx="1864311" cy="3602855"/>
+          </a:xfrm>
+          <a:prstGeom prst="roundRect">
+            <a:avLst/>
+          </a:prstGeom>
+          <a:solidFill>
+            <a:srgbClr val="96AED2"/>
+          </a:solidFill>
+        </p:spPr>
+        <p:style>
+          <a:lnRef idx="2">
+            <a:schemeClr val="accent1">
+              <a:shade val="15000"/>
+            </a:schemeClr>
+          </a:lnRef>
+          <a:fillRef idx="1">
+            <a:schemeClr val="accent1"/>
+          </a:fillRef>
+          <a:effectRef idx="0">
+            <a:schemeClr val="accent1"/>
+          </a:effectRef>
+          <a:fontRef idx="minor">
+            <a:schemeClr val="lt1"/>
+          </a:fontRef>
+        </p:style>
+        <p:txBody>
+          <a:bodyPr rtlCol="0" anchor="ctr"/>
+          <a:lstStyle/>
+          <a:p>
+            <a:pPr algn="ctr"/>
+            <a:r>
+              <a:rPr lang="en-US" dirty="0">
+                <a:solidFill>
+                  <a:schemeClr val="tx1"/>
+                </a:solidFill>
+                <a:latin typeface="Rockwell" panose="02060603020205020403" pitchFamily="18" charset="0"/>
+              </a:rPr>
+              <a:t>ML</a:t>
+            </a:r>
+          </a:p>
+          <a:p>
+            <a:pPr algn="ctr"/>
+            <a:r>
+              <a:rPr lang="en-US" dirty="0">
+                <a:solidFill>
+                  <a:schemeClr val="tx1"/>
+                </a:solidFill>
+                <a:latin typeface="Rockwell" panose="02060603020205020403" pitchFamily="18" charset="0"/>
+              </a:rPr>
+              <a:t>Predict Future Data</a:t>
+            </a:r>
+          </a:p>
+        </p:txBody>
+      </p:sp>
+      <p:sp>
+        <p:nvSpPr>
+          <p:cNvPr id="4" name="Rectangle: Rounded Corners 3">
+            <a:extLst>
+              <a:ext uri="{FF2B5EF4-FFF2-40B4-BE49-F238E27FC236}">
+                <a16:creationId xmlns:a16="http://schemas.microsoft.com/office/drawing/2014/main" id="{1FF8347E-5CEB-9EF1-2C29-E6BA035E34B5}"/>
+              </a:ext>
+            </a:extLst>
+          </p:cNvPr>
+          <p:cNvSpPr/>
+          <p:nvPr/>
+        </p:nvSpPr>
+        <p:spPr>
+          <a:xfrm>
+            <a:off x="6307342" y="1013529"/>
+            <a:ext cx="1932370" cy="3602855"/>
+          </a:xfrm>
+          <a:prstGeom prst="roundRect">
+            <a:avLst/>
+          </a:prstGeom>
+          <a:solidFill>
+            <a:srgbClr val="96AED2"/>
+          </a:solidFill>
+        </p:spPr>
+        <p:style>
+          <a:lnRef idx="2">
+            <a:schemeClr val="accent1">
+              <a:shade val="15000"/>
+            </a:schemeClr>
+          </a:lnRef>
+          <a:fillRef idx="1">
+            <a:schemeClr val="accent1"/>
+          </a:fillRef>
+          <a:effectRef idx="0">
+            <a:schemeClr val="accent1"/>
+          </a:effectRef>
+          <a:fontRef idx="minor">
+            <a:schemeClr val="lt1"/>
+          </a:fontRef>
+        </p:style>
+        <p:txBody>
+          <a:bodyPr rtlCol="0" anchor="ctr"/>
+          <a:lstStyle/>
+          <a:p>
+            <a:pPr algn="ctr"/>
+            <a:r>
+              <a:rPr lang="en-US" dirty="0">
+                <a:solidFill>
+                  <a:schemeClr val="tx1"/>
+                </a:solidFill>
+                <a:latin typeface="Rockwell" panose="02060603020205020403" pitchFamily="18" charset="0"/>
+              </a:rPr>
+              <a:t>Neural Network</a:t>
+            </a:r>
+          </a:p>
+          <a:p>
+            <a:pPr algn="ctr"/>
+            <a:r>
+              <a:rPr lang="en-US" dirty="0">
+                <a:solidFill>
+                  <a:schemeClr val="tx1"/>
+                </a:solidFill>
+                <a:latin typeface="Rockwell" panose="02060603020205020403" pitchFamily="18" charset="0"/>
+              </a:rPr>
+              <a:t>Predict Fraud Risk</a:t>
+            </a:r>
+          </a:p>
+        </p:txBody>
+      </p:sp>
+      <p:sp>
+        <p:nvSpPr>
+          <p:cNvPr id="6" name="Rectangle: Rounded Corners 5">
+            <a:extLst>
+              <a:ext uri="{FF2B5EF4-FFF2-40B4-BE49-F238E27FC236}">
+                <a16:creationId xmlns:a16="http://schemas.microsoft.com/office/drawing/2014/main" id="{B96BD1D7-E704-ABEF-1035-5D703B8F6CE2}"/>
+              </a:ext>
+            </a:extLst>
+          </p:cNvPr>
+          <p:cNvSpPr/>
+          <p:nvPr/>
+        </p:nvSpPr>
+        <p:spPr>
+          <a:xfrm>
+            <a:off x="8941294" y="1013534"/>
+            <a:ext cx="1932370" cy="3602854"/>
+          </a:xfrm>
+          <a:prstGeom prst="roundRect">
+            <a:avLst/>
+          </a:prstGeom>
+          <a:solidFill>
+            <a:srgbClr val="96AED2"/>
+          </a:solidFill>
+        </p:spPr>
+        <p:style>
+          <a:lnRef idx="2">
+            <a:schemeClr val="accent1">
+              <a:shade val="15000"/>
+            </a:schemeClr>
+          </a:lnRef>
+          <a:fillRef idx="1">
+            <a:schemeClr val="accent1"/>
+          </a:fillRef>
+          <a:effectRef idx="0">
+            <a:schemeClr val="accent1"/>
+          </a:effectRef>
+          <a:fontRef idx="minor">
+            <a:schemeClr val="lt1"/>
+          </a:fontRef>
+        </p:style>
+        <p:txBody>
+          <a:bodyPr rtlCol="0" anchor="ctr"/>
+          <a:lstStyle/>
+          <a:p>
+            <a:pPr algn="ctr"/>
+            <a:r>
+              <a:rPr lang="en-US" dirty="0">
+                <a:solidFill>
+                  <a:schemeClr val="tx1"/>
+                </a:solidFill>
+                <a:latin typeface="Rockwell" panose="02060603020205020403" pitchFamily="18" charset="0"/>
+              </a:rPr>
+              <a:t>MDP</a:t>
+            </a:r>
+          </a:p>
+          <a:p>
+            <a:pPr algn="ctr"/>
+            <a:r>
+              <a:rPr lang="en-US" dirty="0">
+                <a:solidFill>
+                  <a:schemeClr val="tx1"/>
+                </a:solidFill>
+                <a:latin typeface="Rockwell" panose="02060603020205020403" pitchFamily="18" charset="0"/>
+              </a:rPr>
+              <a:t>Combine All Information</a:t>
+            </a:r>
+          </a:p>
+        </p:txBody>
+      </p:sp>
+      <p:sp>
+        <p:nvSpPr>
+          <p:cNvPr id="7" name="Arrow: Right 6">
+            <a:extLst>
+              <a:ext uri="{FF2B5EF4-FFF2-40B4-BE49-F238E27FC236}">
+                <a16:creationId xmlns:a16="http://schemas.microsoft.com/office/drawing/2014/main" id="{40D856B8-6687-13B1-42BC-DF961CC9991F}"/>
+              </a:ext>
+            </a:extLst>
+          </p:cNvPr>
+          <p:cNvSpPr/>
+          <p:nvPr/>
+        </p:nvSpPr>
+        <p:spPr>
+          <a:xfrm>
+            <a:off x="194981" y="2979571"/>
+            <a:ext cx="978023" cy="825623"/>
+          </a:xfrm>
+          <a:prstGeom prst="rightArrow">
+            <a:avLst/>
+          </a:prstGeom>
+          <a:solidFill>
+            <a:schemeClr val="tx1">
+              <a:lumMod val="95000"/>
+              <a:lumOff val="5000"/>
+            </a:schemeClr>
+          </a:solidFill>
+        </p:spPr>
+        <p:style>
+          <a:lnRef idx="2">
+            <a:schemeClr val="accent3">
+              <a:shade val="15000"/>
+            </a:schemeClr>
+          </a:lnRef>
+          <a:fillRef idx="1">
+            <a:schemeClr val="accent3"/>
+          </a:fillRef>
+          <a:effectRef idx="0">
+            <a:schemeClr val="accent3"/>
+          </a:effectRef>
+          <a:fontRef idx="minor">
+            <a:schemeClr val="lt1"/>
+          </a:fontRef>
+        </p:style>
+        <p:txBody>
+          <a:bodyPr rtlCol="0" anchor="ctr"/>
+          <a:lstStyle/>
+          <a:p>
+            <a:pPr algn="ctr"/>
+            <a:r>
+              <a:rPr lang="en-US" dirty="0"/>
+              <a:t>Inputs</a:t>
+            </a:r>
+          </a:p>
+        </p:txBody>
+      </p:sp>
+      <p:sp>
+        <p:nvSpPr>
+          <p:cNvPr id="8" name="Arrow: Right 7">
+            <a:extLst>
+              <a:ext uri="{FF2B5EF4-FFF2-40B4-BE49-F238E27FC236}">
+                <a16:creationId xmlns:a16="http://schemas.microsoft.com/office/drawing/2014/main" id="{C7127F4F-E2E8-1D7A-06CA-927E9B2E4585}"/>
+              </a:ext>
+            </a:extLst>
+          </p:cNvPr>
+          <p:cNvSpPr/>
+          <p:nvPr/>
+        </p:nvSpPr>
+        <p:spPr>
+          <a:xfrm>
+            <a:off x="3078374" y="3052806"/>
+            <a:ext cx="668693" cy="752388"/>
+          </a:xfrm>
+          <a:prstGeom prst="rightArrow">
+            <a:avLst/>
+          </a:prstGeom>
+          <a:solidFill>
+            <a:schemeClr val="tx1">
+              <a:lumMod val="85000"/>
+              <a:lumOff val="15000"/>
+            </a:schemeClr>
+          </a:solidFill>
+        </p:spPr>
+        <p:style>
+          <a:lnRef idx="2">
+            <a:schemeClr val="accent3">
+              <a:shade val="15000"/>
+            </a:schemeClr>
+          </a:lnRef>
+          <a:fillRef idx="1">
+            <a:schemeClr val="accent3"/>
+          </a:fillRef>
+          <a:effectRef idx="0">
+            <a:schemeClr val="accent3"/>
+          </a:effectRef>
+          <a:fontRef idx="minor">
+            <a:schemeClr val="lt1"/>
+          </a:fontRef>
+        </p:style>
+        <p:txBody>
+          <a:bodyPr rtlCol="0" anchor="ctr"/>
+          <a:lstStyle/>
+          <a:p>
+            <a:pPr algn="ctr"/>
+            <a:endParaRPr lang="en-US"/>
+          </a:p>
+        </p:txBody>
+      </p:sp>
+      <p:sp>
+        <p:nvSpPr>
+          <p:cNvPr id="10" name="Arrow: Right 9">
+            <a:extLst>
+              <a:ext uri="{FF2B5EF4-FFF2-40B4-BE49-F238E27FC236}">
+                <a16:creationId xmlns:a16="http://schemas.microsoft.com/office/drawing/2014/main" id="{C1250864-6922-3914-2A4D-FAEF756C0F54}"/>
+              </a:ext>
+            </a:extLst>
+          </p:cNvPr>
+          <p:cNvSpPr/>
+          <p:nvPr/>
+        </p:nvSpPr>
+        <p:spPr>
+          <a:xfrm>
+            <a:off x="5611378" y="3052806"/>
+            <a:ext cx="668693" cy="752388"/>
+          </a:xfrm>
+          <a:prstGeom prst="rightArrow">
+            <a:avLst/>
+          </a:prstGeom>
+          <a:solidFill>
+            <a:schemeClr val="tx1">
+              <a:lumMod val="85000"/>
+              <a:lumOff val="15000"/>
+            </a:schemeClr>
+          </a:solidFill>
+        </p:spPr>
+        <p:style>
+          <a:lnRef idx="2">
+            <a:schemeClr val="accent3">
+              <a:shade val="15000"/>
+            </a:schemeClr>
+          </a:lnRef>
+          <a:fillRef idx="1">
+            <a:schemeClr val="accent3"/>
+          </a:fillRef>
+          <a:effectRef idx="0">
+            <a:schemeClr val="accent3"/>
+          </a:effectRef>
+          <a:fontRef idx="minor">
+            <a:schemeClr val="lt1"/>
+          </a:fontRef>
+        </p:style>
+        <p:txBody>
+          <a:bodyPr rtlCol="0" anchor="ctr"/>
+          <a:lstStyle/>
+          <a:p>
+            <a:pPr algn="ctr"/>
+            <a:endParaRPr lang="en-US"/>
+          </a:p>
+        </p:txBody>
+      </p:sp>
+      <p:sp>
+        <p:nvSpPr>
+          <p:cNvPr id="11" name="Arrow: Right 10">
+            <a:extLst>
+              <a:ext uri="{FF2B5EF4-FFF2-40B4-BE49-F238E27FC236}">
+                <a16:creationId xmlns:a16="http://schemas.microsoft.com/office/drawing/2014/main" id="{821CB198-5B62-B551-0BB5-76ACA5162B76}"/>
+              </a:ext>
+            </a:extLst>
+          </p:cNvPr>
+          <p:cNvSpPr/>
+          <p:nvPr/>
+        </p:nvSpPr>
+        <p:spPr>
+          <a:xfrm>
+            <a:off x="8248000" y="3052806"/>
+            <a:ext cx="687676" cy="752388"/>
+          </a:xfrm>
+          <a:prstGeom prst="rightArrow">
+            <a:avLst/>
+          </a:prstGeom>
+          <a:solidFill>
+            <a:schemeClr val="tx1">
+              <a:lumMod val="85000"/>
+              <a:lumOff val="15000"/>
+            </a:schemeClr>
+          </a:solidFill>
+        </p:spPr>
+        <p:style>
+          <a:lnRef idx="2">
+            <a:schemeClr val="accent3">
+              <a:shade val="15000"/>
+            </a:schemeClr>
+          </a:lnRef>
+          <a:fillRef idx="1">
+            <a:schemeClr val="accent3"/>
+          </a:fillRef>
+          <a:effectRef idx="0">
+            <a:schemeClr val="accent3"/>
+          </a:effectRef>
+          <a:fontRef idx="minor">
+            <a:schemeClr val="lt1"/>
+          </a:fontRef>
+        </p:style>
+        <p:txBody>
+          <a:bodyPr rtlCol="0" anchor="ctr"/>
+          <a:lstStyle/>
+          <a:p>
+            <a:pPr algn="ctr"/>
+            <a:endParaRPr lang="en-US"/>
+          </a:p>
+        </p:txBody>
+      </p:sp>
+      <p:sp>
+        <p:nvSpPr>
+          <p:cNvPr id="12" name="Arrow: Right 11">
+            <a:extLst>
+              <a:ext uri="{FF2B5EF4-FFF2-40B4-BE49-F238E27FC236}">
+                <a16:creationId xmlns:a16="http://schemas.microsoft.com/office/drawing/2014/main" id="{45C6C739-3CF3-612F-6E1B-F7521F72ABDF}"/>
+              </a:ext>
+            </a:extLst>
+          </p:cNvPr>
+          <p:cNvSpPr/>
+          <p:nvPr/>
+        </p:nvSpPr>
+        <p:spPr>
+          <a:xfrm>
+            <a:off x="10759408" y="3016188"/>
+            <a:ext cx="1296140" cy="825623"/>
+          </a:xfrm>
+          <a:prstGeom prst="rightArrow">
+            <a:avLst/>
+          </a:prstGeom>
+          <a:solidFill>
+            <a:schemeClr val="tx1">
+              <a:lumMod val="85000"/>
+              <a:lumOff val="15000"/>
+            </a:schemeClr>
+          </a:solidFill>
+        </p:spPr>
+        <p:style>
+          <a:lnRef idx="2">
+            <a:schemeClr val="accent3">
+              <a:shade val="15000"/>
+            </a:schemeClr>
+          </a:lnRef>
+          <a:fillRef idx="1">
+            <a:schemeClr val="accent3"/>
+          </a:fillRef>
+          <a:effectRef idx="0">
+            <a:schemeClr val="accent3"/>
+          </a:effectRef>
+          <a:fontRef idx="minor">
+            <a:schemeClr val="lt1"/>
+          </a:fontRef>
+        </p:style>
+        <p:txBody>
+          <a:bodyPr rtlCol="0" anchor="ctr"/>
+          <a:lstStyle/>
+          <a:p>
+            <a:pPr algn="ctr"/>
+            <a:r>
+              <a:rPr lang="en-US" dirty="0"/>
+              <a:t>Decisions</a:t>
+            </a:r>
+          </a:p>
+        </p:txBody>
+      </p:sp>
+      <p:sp>
+        <p:nvSpPr>
+          <p:cNvPr id="13" name="Rectangle: Rounded Corners 12">
+            <a:extLst>
+              <a:ext uri="{FF2B5EF4-FFF2-40B4-BE49-F238E27FC236}">
+                <a16:creationId xmlns:a16="http://schemas.microsoft.com/office/drawing/2014/main" id="{8C663B83-4844-71D3-D67F-75D9CF2CD32C}"/>
+              </a:ext>
+            </a:extLst>
+          </p:cNvPr>
+          <p:cNvSpPr/>
+          <p:nvPr/>
+        </p:nvSpPr>
+        <p:spPr>
+          <a:xfrm>
+            <a:off x="1065320" y="5493794"/>
+            <a:ext cx="9808344" cy="774578"/>
+          </a:xfrm>
+          <a:prstGeom prst="roundRect">
+            <a:avLst/>
+          </a:prstGeom>
+          <a:solidFill>
+            <a:srgbClr val="96AED2"/>
+          </a:solidFill>
+        </p:spPr>
+        <p:style>
+          <a:lnRef idx="2">
+            <a:schemeClr val="accent1">
+              <a:shade val="15000"/>
+            </a:schemeClr>
+          </a:lnRef>
+          <a:fillRef idx="1">
+            <a:schemeClr val="accent1"/>
+          </a:fillRef>
+          <a:effectRef idx="0">
+            <a:schemeClr val="accent1"/>
+          </a:effectRef>
+          <a:fontRef idx="minor">
+            <a:schemeClr val="lt1"/>
+          </a:fontRef>
+        </p:style>
+        <p:txBody>
+          <a:bodyPr rtlCol="0" anchor="ctr"/>
+          <a:lstStyle/>
+          <a:p>
+            <a:pPr algn="ctr"/>
+            <a:r>
+              <a:rPr lang="en-US" altLang="zh-CN" dirty="0">
+                <a:solidFill>
+                  <a:schemeClr val="tx1"/>
+                </a:solidFill>
+                <a:latin typeface="Rockwell" panose="02060603020205020403" pitchFamily="18" charset="0"/>
+              </a:rPr>
+              <a:t>D</a:t>
+            </a:r>
+            <a:r>
+              <a:rPr lang="en-US" dirty="0">
+                <a:solidFill>
+                  <a:schemeClr val="tx1"/>
+                </a:solidFill>
+                <a:latin typeface="Rockwell" panose="02060603020205020403" pitchFamily="18" charset="0"/>
+              </a:rPr>
+              <a:t>atabase Stores Data </a:t>
+            </a:r>
+          </a:p>
+        </p:txBody>
+      </p:sp>
     </p:spTree>
     <p:extLst>
       <p:ext uri="{BB962C8B-B14F-4D97-AF65-F5344CB8AC3E}">
-        <p14:creationId xmlns:p14="http://schemas.microsoft.com/office/powerpoint/2010/main" val="274022295"/>
+        <p14:creationId xmlns:p14="http://schemas.microsoft.com/office/powerpoint/2010/main" val="4252444894"/>
       </p:ext>
     </p:extLst>
   </p:cSld>
@@ -4269,10 +5132,10 @@
       </p:grpSpPr>
       <p:sp>
         <p:nvSpPr>
-          <p:cNvPr id="2" name="Title 1">
+          <p:cNvPr id="3" name="Text Placeholder 2">
             <a:extLst>
               <a:ext uri="{FF2B5EF4-FFF2-40B4-BE49-F238E27FC236}">
-                <a16:creationId xmlns:a16="http://schemas.microsoft.com/office/drawing/2014/main" id="{65227450-8B75-7118-73F3-27C1203AD7AD}"/>
+                <a16:creationId xmlns:a16="http://schemas.microsoft.com/office/drawing/2014/main" id="{4CFC8E14-A862-13B3-F67A-7A075838215E}"/>
               </a:ext>
             </a:extLst>
           </p:cNvPr>
@@ -4280,27 +5143,38 @@
             <a:spLocks noGrp="1"/>
           </p:cNvSpPr>
           <p:nvPr>
-            <p:ph type="ctrTitle"/>
+            <p:ph type="body" idx="1"/>
           </p:nvPr>
         </p:nvSpPr>
-        <p:spPr/>
-        <p:txBody>
-          <a:bodyPr/>
-          <a:lstStyle/>
-          <a:p>
-            <a:r>
-              <a:rPr lang="en-US" dirty="0"/>
-              <a:t>Questions?</a:t>
-            </a:r>
-          </a:p>
-        </p:txBody>
-      </p:sp>
-      <p:sp>
-        <p:nvSpPr>
-          <p:cNvPr id="3" name="Subtitle 2">
+        <p:spPr>
+          <a:xfrm>
+            <a:off x="3459708" y="512155"/>
+            <a:ext cx="5582959" cy="704087"/>
+          </a:xfrm>
+        </p:spPr>
+        <p:txBody>
+          <a:bodyPr>
+            <a:noAutofit/>
+          </a:bodyPr>
+          <a:lstStyle/>
+          <a:p>
+            <a:r>
+              <a:rPr lang="en-US" sz="3600" dirty="0">
+                <a:solidFill>
+                  <a:schemeClr val="tx1"/>
+                </a:solidFill>
+              </a:rPr>
+              <a:t>Extraction elements</a:t>
+            </a:r>
+          </a:p>
+        </p:txBody>
+      </p:sp>
+      <p:sp>
+        <p:nvSpPr>
+          <p:cNvPr id="4" name="Content Placeholder 3">
             <a:extLst>
               <a:ext uri="{FF2B5EF4-FFF2-40B4-BE49-F238E27FC236}">
-                <a16:creationId xmlns:a16="http://schemas.microsoft.com/office/drawing/2014/main" id="{B20C68EB-99B1-75E5-492B-E07572BB52CB}"/>
+                <a16:creationId xmlns:a16="http://schemas.microsoft.com/office/drawing/2014/main" id="{2A67AF3E-ED01-9A19-2C5E-A6C2CB3DC3D0}"/>
               </a:ext>
             </a:extLst>
           </p:cNvPr>
@@ -4308,22 +5182,192 @@
             <a:spLocks noGrp="1"/>
           </p:cNvSpPr>
           <p:nvPr>
-            <p:ph type="subTitle" idx="1"/>
+            <p:ph sz="half" idx="2"/>
           </p:nvPr>
         </p:nvSpPr>
-        <p:spPr/>
-        <p:txBody>
-          <a:bodyPr/>
-          <a:lstStyle/>
-          <a:p>
-            <a:endParaRPr lang="en-US"/>
+        <p:spPr>
+          <a:xfrm>
+            <a:off x="1260629" y="1719132"/>
+            <a:ext cx="4680839" cy="2596776"/>
+          </a:xfrm>
+        </p:spPr>
+        <p:txBody>
+          <a:bodyPr>
+            <a:noAutofit/>
+          </a:bodyPr>
+          <a:lstStyle/>
+          <a:p>
+            <a:r>
+              <a:rPr lang="en-US" sz="2800" dirty="0"/>
+              <a:t>?300.00</a:t>
+            </a:r>
+          </a:p>
+          <a:p>
+            <a:r>
+              <a:rPr lang="en-US" sz="2800" dirty="0"/>
+              <a:t>$300.0</a:t>
+            </a:r>
+          </a:p>
+          <a:p>
+            <a:r>
+              <a:rPr lang="en-US" sz="2800" b="0" i="0" dirty="0">
+                <a:solidFill>
+                  <a:srgbClr val="202124"/>
+                </a:solidFill>
+                <a:effectLst/>
+                <a:latin typeface="Roboto" panose="02000000000000000000" pitchFamily="2" charset="0"/>
+              </a:rPr>
+              <a:t>€ 89.55</a:t>
+            </a:r>
+            <a:endParaRPr lang="en-US" altLang="zh-CN" sz="2800" dirty="0"/>
+          </a:p>
+          <a:p>
+            <a:r>
+              <a:rPr lang="en-US" sz="2800" dirty="0"/>
+              <a:t>Jan 20, 2023</a:t>
+            </a:r>
+          </a:p>
+          <a:p>
+            <a:r>
+              <a:rPr lang="en-US" sz="2800" dirty="0"/>
+              <a:t>20/02/2023</a:t>
+            </a:r>
+          </a:p>
+          <a:p>
+            <a:r>
+              <a:rPr lang="en-US" sz="2800" dirty="0"/>
+              <a:t>Ergonomic Chairs</a:t>
+            </a:r>
+          </a:p>
+          <a:p>
+            <a:r>
+              <a:rPr lang="en-US" altLang="zh-CN" sz="2800" dirty="0"/>
+              <a:t>S</a:t>
+            </a:r>
+            <a:r>
+              <a:rPr lang="en-US" sz="2800" dirty="0"/>
+              <a:t>kill Enhancement Programs</a:t>
+            </a:r>
+          </a:p>
+        </p:txBody>
+      </p:sp>
+      <p:sp>
+        <p:nvSpPr>
+          <p:cNvPr id="5" name="Content Placeholder 4">
+            <a:extLst>
+              <a:ext uri="{FF2B5EF4-FFF2-40B4-BE49-F238E27FC236}">
+                <a16:creationId xmlns:a16="http://schemas.microsoft.com/office/drawing/2014/main" id="{A5151B2E-FAD3-F077-31C1-D9A172123735}"/>
+              </a:ext>
+            </a:extLst>
+          </p:cNvPr>
+          <p:cNvSpPr>
+            <a:spLocks noGrp="1"/>
+          </p:cNvSpPr>
+          <p:nvPr>
+            <p:ph sz="quarter" idx="4"/>
+          </p:nvPr>
+        </p:nvSpPr>
+        <p:spPr>
+          <a:xfrm>
+            <a:off x="6990280" y="2362014"/>
+            <a:ext cx="4584168" cy="2596776"/>
+          </a:xfrm>
+        </p:spPr>
+        <p:txBody>
+          <a:bodyPr>
+            <a:normAutofit/>
+          </a:bodyPr>
+          <a:lstStyle/>
+          <a:p>
+            <a:r>
+              <a:rPr lang="en-US" sz="2800" dirty="0"/>
+              <a:t>$300 in dollars</a:t>
+            </a:r>
+          </a:p>
+          <a:p>
+            <a:r>
+              <a:rPr lang="en-US" sz="2800" dirty="0"/>
+              <a:t>2023-02-20 in </a:t>
+            </a:r>
+            <a:r>
+              <a:rPr lang="en-US" sz="2800" dirty="0" err="1"/>
+              <a:t>yyyy</a:t>
+            </a:r>
+            <a:r>
+              <a:rPr lang="en-US" sz="2800" dirty="0"/>
+              <a:t>-mm-dd</a:t>
+            </a:r>
+          </a:p>
+          <a:p>
+            <a:r>
+              <a:rPr lang="en-US" sz="2800" dirty="0"/>
+              <a:t>Office Equipment &amp; Supplies</a:t>
+            </a:r>
+          </a:p>
+          <a:p>
+            <a:r>
+              <a:rPr lang="en-US" sz="2800" dirty="0"/>
+              <a:t> Professional Development</a:t>
+            </a:r>
+          </a:p>
+          <a:p>
+            <a:endParaRPr lang="en-US" dirty="0"/>
+          </a:p>
+          <a:p>
+            <a:endParaRPr lang="en-US" dirty="0"/>
+          </a:p>
+        </p:txBody>
+      </p:sp>
+      <p:sp>
+        <p:nvSpPr>
+          <p:cNvPr id="7" name="Arrow: Right 6">
+            <a:extLst>
+              <a:ext uri="{FF2B5EF4-FFF2-40B4-BE49-F238E27FC236}">
+                <a16:creationId xmlns:a16="http://schemas.microsoft.com/office/drawing/2014/main" id="{E88D74B7-A0BC-0413-3FC6-32BEAEBC796B}"/>
+              </a:ext>
+            </a:extLst>
+          </p:cNvPr>
+          <p:cNvSpPr/>
+          <p:nvPr/>
+        </p:nvSpPr>
+        <p:spPr>
+          <a:xfrm>
+            <a:off x="5505805" y="3331345"/>
+            <a:ext cx="1180390" cy="849453"/>
+          </a:xfrm>
+          <a:prstGeom prst="rightArrow">
+            <a:avLst/>
+          </a:prstGeom>
+        </p:spPr>
+        <p:style>
+          <a:lnRef idx="2">
+            <a:schemeClr val="accent2">
+              <a:shade val="15000"/>
+            </a:schemeClr>
+          </a:lnRef>
+          <a:fillRef idx="1">
+            <a:schemeClr val="accent2"/>
+          </a:fillRef>
+          <a:effectRef idx="0">
+            <a:schemeClr val="accent2"/>
+          </a:effectRef>
+          <a:fontRef idx="minor">
+            <a:schemeClr val="lt1"/>
+          </a:fontRef>
+        </p:style>
+        <p:txBody>
+          <a:bodyPr rtlCol="0" anchor="ctr"/>
+          <a:lstStyle/>
+          <a:p>
+            <a:pPr algn="ctr"/>
+            <a:endParaRPr lang="en-US" dirty="0"/>
           </a:p>
         </p:txBody>
       </p:sp>
     </p:spTree>
     <p:extLst>
       <p:ext uri="{BB962C8B-B14F-4D97-AF65-F5344CB8AC3E}">
-        <p14:creationId xmlns:p14="http://schemas.microsoft.com/office/powerpoint/2010/main" val="3085860992"/>
+        <p14:creationId xmlns:p14="http://schemas.microsoft.com/office/powerpoint/2010/main" val="1660287710"/>
       </p:ext>
     </p:extLst>
   </p:cSld>
@@ -4352,10 +5396,10 @@
       </p:grpSpPr>
       <p:sp>
         <p:nvSpPr>
-          <p:cNvPr id="4" name="Title 3">
+          <p:cNvPr id="8" name="Text Placeholder 7">
             <a:extLst>
               <a:ext uri="{FF2B5EF4-FFF2-40B4-BE49-F238E27FC236}">
-                <a16:creationId xmlns:a16="http://schemas.microsoft.com/office/drawing/2014/main" id="{353278C8-9AB8-A130-31EF-11B5C6420AE3}"/>
+                <a16:creationId xmlns:a16="http://schemas.microsoft.com/office/drawing/2014/main" id="{4D2B0BF5-4149-1B58-5B95-C9A8A270905B}"/>
               </a:ext>
             </a:extLst>
           </p:cNvPr>
@@ -4363,7 +5407,7 @@
             <a:spLocks noGrp="1"/>
           </p:cNvSpPr>
           <p:nvPr>
-            <p:ph type="ctrTitle"/>
+            <p:ph type="body" idx="1"/>
           </p:nvPr>
         </p:nvSpPr>
         <p:spPr/>
@@ -4371,19 +5415,16 @@
           <a:bodyPr/>
           <a:lstStyle/>
           <a:p>
-            <a:r>
-              <a:rPr lang="en-US" dirty="0"/>
-              <a:t>Thank you!</a:t>
-            </a:r>
-          </a:p>
-        </p:txBody>
-      </p:sp>
-      <p:sp>
-        <p:nvSpPr>
-          <p:cNvPr id="5" name="Subtitle 4">
+            <a:endParaRPr lang="en-US" dirty="0"/>
+          </a:p>
+        </p:txBody>
+      </p:sp>
+      <p:sp>
+        <p:nvSpPr>
+          <p:cNvPr id="9" name="Content Placeholder 8">
             <a:extLst>
               <a:ext uri="{FF2B5EF4-FFF2-40B4-BE49-F238E27FC236}">
-                <a16:creationId xmlns:a16="http://schemas.microsoft.com/office/drawing/2014/main" id="{379C5D1E-5A4C-A1F8-24DB-26D597A7EA17}"/>
+                <a16:creationId xmlns:a16="http://schemas.microsoft.com/office/drawing/2014/main" id="{D88C1D3B-9467-88A1-B638-7FC8F43F90A1}"/>
               </a:ext>
             </a:extLst>
           </p:cNvPr>
@@ -4391,7 +5432,7 @@
             <a:spLocks noGrp="1"/>
           </p:cNvSpPr>
           <p:nvPr>
-            <p:ph type="subTitle" idx="1"/>
+            <p:ph sz="half" idx="2"/>
           </p:nvPr>
         </p:nvSpPr>
         <p:spPr/>
@@ -4399,14 +5440,1962 @@
           <a:bodyPr/>
           <a:lstStyle/>
           <a:p>
+            <a:endParaRPr lang="en-US" dirty="0"/>
+          </a:p>
+        </p:txBody>
+      </p:sp>
+      <p:sp>
+        <p:nvSpPr>
+          <p:cNvPr id="10" name="Content Placeholder 9">
+            <a:extLst>
+              <a:ext uri="{FF2B5EF4-FFF2-40B4-BE49-F238E27FC236}">
+                <a16:creationId xmlns:a16="http://schemas.microsoft.com/office/drawing/2014/main" id="{D193E1F4-CB06-8197-AA47-F1349553A775}"/>
+              </a:ext>
+            </a:extLst>
+          </p:cNvPr>
+          <p:cNvSpPr>
+            <a:spLocks noGrp="1"/>
+          </p:cNvSpPr>
+          <p:nvPr>
+            <p:ph sz="quarter" idx="4"/>
+          </p:nvPr>
+        </p:nvSpPr>
+        <p:spPr/>
+        <p:txBody>
+          <a:bodyPr/>
+          <a:lstStyle/>
+          <a:p>
             <a:endParaRPr lang="en-US"/>
+          </a:p>
+        </p:txBody>
+      </p:sp>
+      <p:sp>
+        <p:nvSpPr>
+          <p:cNvPr id="11" name="Text Placeholder 10">
+            <a:extLst>
+              <a:ext uri="{FF2B5EF4-FFF2-40B4-BE49-F238E27FC236}">
+                <a16:creationId xmlns:a16="http://schemas.microsoft.com/office/drawing/2014/main" id="{B0F76C65-F065-43C7-C4D8-F6960A1A5DE2}"/>
+              </a:ext>
+            </a:extLst>
+          </p:cNvPr>
+          <p:cNvSpPr>
+            <a:spLocks noGrp="1"/>
+          </p:cNvSpPr>
+          <p:nvPr>
+            <p:ph type="body" sz="quarter" idx="13"/>
+          </p:nvPr>
+        </p:nvSpPr>
+        <p:spPr/>
+        <p:txBody>
+          <a:bodyPr/>
+          <a:lstStyle/>
+          <a:p>
+            <a:endParaRPr lang="en-US"/>
+          </a:p>
+        </p:txBody>
+      </p:sp>
+      <p:sp>
+        <p:nvSpPr>
+          <p:cNvPr id="12" name="TextBox 11">
+            <a:extLst>
+              <a:ext uri="{FF2B5EF4-FFF2-40B4-BE49-F238E27FC236}">
+                <a16:creationId xmlns:a16="http://schemas.microsoft.com/office/drawing/2014/main" id="{EDB2B722-783E-6D70-056C-8F16C963FA56}"/>
+              </a:ext>
+            </a:extLst>
+          </p:cNvPr>
+          <p:cNvSpPr txBox="1"/>
+          <p:nvPr/>
+        </p:nvSpPr>
+        <p:spPr>
+          <a:xfrm>
+            <a:off x="3771100" y="967053"/>
+            <a:ext cx="4649799" cy="646331"/>
+          </a:xfrm>
+          <a:prstGeom prst="rect">
+            <a:avLst/>
+          </a:prstGeom>
+          <a:noFill/>
+        </p:spPr>
+        <p:txBody>
+          <a:bodyPr wrap="none" rtlCol="0">
+            <a:spAutoFit/>
+          </a:bodyPr>
+          <a:lstStyle/>
+          <a:p>
+            <a:r>
+              <a:rPr lang="en-US" sz="3600" dirty="0"/>
+              <a:t>Predict Future Spending</a:t>
+            </a:r>
           </a:p>
         </p:txBody>
       </p:sp>
     </p:spTree>
     <p:extLst>
       <p:ext uri="{BB962C8B-B14F-4D97-AF65-F5344CB8AC3E}">
-        <p14:creationId xmlns:p14="http://schemas.microsoft.com/office/powerpoint/2010/main" val="3646716428"/>
+        <p14:creationId xmlns:p14="http://schemas.microsoft.com/office/powerpoint/2010/main" val="283610973"/>
+      </p:ext>
+    </p:extLst>
+  </p:cSld>
+  <p:clrMapOvr>
+    <a:masterClrMapping/>
+  </p:clrMapOvr>
+</p:sld>
+</file>
+
+<file path=ppt/slides/slide8.xml><?xml version="1.0" encoding="utf-8"?>
+<p:sld xmlns:a="http://schemas.openxmlformats.org/drawingml/2006/main" xmlns:r="http://schemas.openxmlformats.org/officeDocument/2006/relationships" xmlns:p="http://schemas.openxmlformats.org/presentationml/2006/main">
+  <p:cSld>
+    <p:spTree>
+      <p:nvGrpSpPr>
+        <p:cNvPr id="1" name=""/>
+        <p:cNvGrpSpPr/>
+        <p:nvPr/>
+      </p:nvGrpSpPr>
+      <p:grpSpPr>
+        <a:xfrm>
+          <a:off x="0" y="0"/>
+          <a:ext cx="0" cy="0"/>
+          <a:chOff x="0" y="0"/>
+          <a:chExt cx="0" cy="0"/>
+        </a:xfrm>
+      </p:grpSpPr>
+      <p:sp>
+        <p:nvSpPr>
+          <p:cNvPr id="2" name="Oval 1">
+            <a:extLst>
+              <a:ext uri="{FF2B5EF4-FFF2-40B4-BE49-F238E27FC236}">
+                <a16:creationId xmlns:a16="http://schemas.microsoft.com/office/drawing/2014/main" id="{AFEA6ABB-6D5F-C69B-4B3D-D6AF0F06D70F}"/>
+              </a:ext>
+            </a:extLst>
+          </p:cNvPr>
+          <p:cNvSpPr/>
+          <p:nvPr/>
+        </p:nvSpPr>
+        <p:spPr>
+          <a:xfrm>
+            <a:off x="2775884" y="3832935"/>
+            <a:ext cx="772358" cy="719091"/>
+          </a:xfrm>
+          <a:prstGeom prst="ellipse">
+            <a:avLst/>
+          </a:prstGeom>
+          <a:solidFill>
+            <a:srgbClr val="96AED2"/>
+          </a:solidFill>
+        </p:spPr>
+        <p:style>
+          <a:lnRef idx="2">
+            <a:schemeClr val="accent1">
+              <a:shade val="15000"/>
+            </a:schemeClr>
+          </a:lnRef>
+          <a:fillRef idx="1">
+            <a:schemeClr val="accent1"/>
+          </a:fillRef>
+          <a:effectRef idx="0">
+            <a:schemeClr val="accent1"/>
+          </a:effectRef>
+          <a:fontRef idx="minor">
+            <a:schemeClr val="lt1"/>
+          </a:fontRef>
+        </p:style>
+        <p:txBody>
+          <a:bodyPr rtlCol="0" anchor="ctr"/>
+          <a:lstStyle/>
+          <a:p>
+            <a:pPr algn="ctr"/>
+            <a:endParaRPr lang="en-US"/>
+          </a:p>
+        </p:txBody>
+      </p:sp>
+      <p:sp>
+        <p:nvSpPr>
+          <p:cNvPr id="5" name="Oval 4">
+            <a:extLst>
+              <a:ext uri="{FF2B5EF4-FFF2-40B4-BE49-F238E27FC236}">
+                <a16:creationId xmlns:a16="http://schemas.microsoft.com/office/drawing/2014/main" id="{563BE5EF-8FE7-9350-8740-6B17BF31FA43}"/>
+              </a:ext>
+            </a:extLst>
+          </p:cNvPr>
+          <p:cNvSpPr/>
+          <p:nvPr/>
+        </p:nvSpPr>
+        <p:spPr>
+          <a:xfrm>
+            <a:off x="2775884" y="2675879"/>
+            <a:ext cx="772358" cy="719091"/>
+          </a:xfrm>
+          <a:prstGeom prst="ellipse">
+            <a:avLst/>
+          </a:prstGeom>
+          <a:solidFill>
+            <a:srgbClr val="96AED2"/>
+          </a:solidFill>
+        </p:spPr>
+        <p:style>
+          <a:lnRef idx="2">
+            <a:schemeClr val="accent1">
+              <a:shade val="15000"/>
+            </a:schemeClr>
+          </a:lnRef>
+          <a:fillRef idx="1">
+            <a:schemeClr val="accent1"/>
+          </a:fillRef>
+          <a:effectRef idx="0">
+            <a:schemeClr val="accent1"/>
+          </a:effectRef>
+          <a:fontRef idx="minor">
+            <a:schemeClr val="lt1"/>
+          </a:fontRef>
+        </p:style>
+        <p:txBody>
+          <a:bodyPr rtlCol="0" anchor="ctr"/>
+          <a:lstStyle/>
+          <a:p>
+            <a:pPr algn="ctr"/>
+            <a:endParaRPr lang="en-US"/>
+          </a:p>
+        </p:txBody>
+      </p:sp>
+      <p:sp>
+        <p:nvSpPr>
+          <p:cNvPr id="7" name="Oval 6">
+            <a:extLst>
+              <a:ext uri="{FF2B5EF4-FFF2-40B4-BE49-F238E27FC236}">
+                <a16:creationId xmlns:a16="http://schemas.microsoft.com/office/drawing/2014/main" id="{C035665D-9367-22D4-20D1-D5A9AD45C24E}"/>
+              </a:ext>
+            </a:extLst>
+          </p:cNvPr>
+          <p:cNvSpPr/>
+          <p:nvPr/>
+        </p:nvSpPr>
+        <p:spPr>
+          <a:xfrm>
+            <a:off x="4822186" y="1940512"/>
+            <a:ext cx="772358" cy="719091"/>
+          </a:xfrm>
+          <a:prstGeom prst="ellipse">
+            <a:avLst/>
+          </a:prstGeom>
+          <a:solidFill>
+            <a:srgbClr val="96AED2"/>
+          </a:solidFill>
+        </p:spPr>
+        <p:style>
+          <a:lnRef idx="2">
+            <a:schemeClr val="accent1">
+              <a:shade val="15000"/>
+            </a:schemeClr>
+          </a:lnRef>
+          <a:fillRef idx="1">
+            <a:schemeClr val="accent1"/>
+          </a:fillRef>
+          <a:effectRef idx="0">
+            <a:schemeClr val="accent1"/>
+          </a:effectRef>
+          <a:fontRef idx="minor">
+            <a:schemeClr val="lt1"/>
+          </a:fontRef>
+        </p:style>
+        <p:txBody>
+          <a:bodyPr rtlCol="0" anchor="ctr"/>
+          <a:lstStyle/>
+          <a:p>
+            <a:pPr algn="ctr"/>
+            <a:endParaRPr lang="en-US"/>
+          </a:p>
+        </p:txBody>
+      </p:sp>
+      <p:sp>
+        <p:nvSpPr>
+          <p:cNvPr id="8" name="Oval 7">
+            <a:extLst>
+              <a:ext uri="{FF2B5EF4-FFF2-40B4-BE49-F238E27FC236}">
+                <a16:creationId xmlns:a16="http://schemas.microsoft.com/office/drawing/2014/main" id="{CD0896F1-5689-DB02-E1A6-F84F44574309}"/>
+              </a:ext>
+            </a:extLst>
+          </p:cNvPr>
+          <p:cNvSpPr/>
+          <p:nvPr/>
+        </p:nvSpPr>
+        <p:spPr>
+          <a:xfrm>
+            <a:off x="4822186" y="3288439"/>
+            <a:ext cx="772358" cy="719091"/>
+          </a:xfrm>
+          <a:prstGeom prst="ellipse">
+            <a:avLst/>
+          </a:prstGeom>
+          <a:solidFill>
+            <a:srgbClr val="96AED2"/>
+          </a:solidFill>
+        </p:spPr>
+        <p:style>
+          <a:lnRef idx="2">
+            <a:schemeClr val="accent1">
+              <a:shade val="15000"/>
+            </a:schemeClr>
+          </a:lnRef>
+          <a:fillRef idx="1">
+            <a:schemeClr val="accent1"/>
+          </a:fillRef>
+          <a:effectRef idx="0">
+            <a:schemeClr val="accent1"/>
+          </a:effectRef>
+          <a:fontRef idx="minor">
+            <a:schemeClr val="lt1"/>
+          </a:fontRef>
+        </p:style>
+        <p:txBody>
+          <a:bodyPr rtlCol="0" anchor="ctr"/>
+          <a:lstStyle/>
+          <a:p>
+            <a:pPr algn="ctr"/>
+            <a:endParaRPr lang="en-US"/>
+          </a:p>
+        </p:txBody>
+      </p:sp>
+      <p:sp>
+        <p:nvSpPr>
+          <p:cNvPr id="9" name="Oval 8">
+            <a:extLst>
+              <a:ext uri="{FF2B5EF4-FFF2-40B4-BE49-F238E27FC236}">
+                <a16:creationId xmlns:a16="http://schemas.microsoft.com/office/drawing/2014/main" id="{35E1B97D-B4EF-3DB4-EAA6-8A11C0E61599}"/>
+              </a:ext>
+            </a:extLst>
+          </p:cNvPr>
+          <p:cNvSpPr/>
+          <p:nvPr/>
+        </p:nvSpPr>
+        <p:spPr>
+          <a:xfrm>
+            <a:off x="4822186" y="4472128"/>
+            <a:ext cx="772358" cy="719091"/>
+          </a:xfrm>
+          <a:prstGeom prst="ellipse">
+            <a:avLst/>
+          </a:prstGeom>
+          <a:solidFill>
+            <a:srgbClr val="96AED2"/>
+          </a:solidFill>
+        </p:spPr>
+        <p:style>
+          <a:lnRef idx="2">
+            <a:schemeClr val="accent1">
+              <a:shade val="15000"/>
+            </a:schemeClr>
+          </a:lnRef>
+          <a:fillRef idx="1">
+            <a:schemeClr val="accent1"/>
+          </a:fillRef>
+          <a:effectRef idx="0">
+            <a:schemeClr val="accent1"/>
+          </a:effectRef>
+          <a:fontRef idx="minor">
+            <a:schemeClr val="lt1"/>
+          </a:fontRef>
+        </p:style>
+        <p:txBody>
+          <a:bodyPr rtlCol="0" anchor="ctr"/>
+          <a:lstStyle/>
+          <a:p>
+            <a:pPr algn="ctr"/>
+            <a:endParaRPr lang="en-US"/>
+          </a:p>
+        </p:txBody>
+      </p:sp>
+      <p:sp>
+        <p:nvSpPr>
+          <p:cNvPr id="11" name="Oval 10">
+            <a:extLst>
+              <a:ext uri="{FF2B5EF4-FFF2-40B4-BE49-F238E27FC236}">
+                <a16:creationId xmlns:a16="http://schemas.microsoft.com/office/drawing/2014/main" id="{87EE65B7-3B4C-D236-3DD7-FC7ABD1A1242}"/>
+              </a:ext>
+            </a:extLst>
+          </p:cNvPr>
+          <p:cNvSpPr/>
+          <p:nvPr/>
+        </p:nvSpPr>
+        <p:spPr>
+          <a:xfrm>
+            <a:off x="6739024" y="2511641"/>
+            <a:ext cx="772358" cy="719091"/>
+          </a:xfrm>
+          <a:prstGeom prst="ellipse">
+            <a:avLst/>
+          </a:prstGeom>
+          <a:solidFill>
+            <a:srgbClr val="96AED2"/>
+          </a:solidFill>
+        </p:spPr>
+        <p:style>
+          <a:lnRef idx="2">
+            <a:schemeClr val="accent1">
+              <a:shade val="15000"/>
+            </a:schemeClr>
+          </a:lnRef>
+          <a:fillRef idx="1">
+            <a:schemeClr val="accent1"/>
+          </a:fillRef>
+          <a:effectRef idx="0">
+            <a:schemeClr val="accent1"/>
+          </a:effectRef>
+          <a:fontRef idx="minor">
+            <a:schemeClr val="lt1"/>
+          </a:fontRef>
+        </p:style>
+        <p:txBody>
+          <a:bodyPr rtlCol="0" anchor="ctr"/>
+          <a:lstStyle/>
+          <a:p>
+            <a:pPr algn="ctr"/>
+            <a:endParaRPr lang="en-US"/>
+          </a:p>
+        </p:txBody>
+      </p:sp>
+      <p:sp>
+        <p:nvSpPr>
+          <p:cNvPr id="12" name="Oval 11">
+            <a:extLst>
+              <a:ext uri="{FF2B5EF4-FFF2-40B4-BE49-F238E27FC236}">
+                <a16:creationId xmlns:a16="http://schemas.microsoft.com/office/drawing/2014/main" id="{51293DB7-D914-D9C8-384F-27FD3F42D232}"/>
+              </a:ext>
+            </a:extLst>
+          </p:cNvPr>
+          <p:cNvSpPr/>
+          <p:nvPr/>
+        </p:nvSpPr>
+        <p:spPr>
+          <a:xfrm>
+            <a:off x="6766394" y="3883241"/>
+            <a:ext cx="772358" cy="719091"/>
+          </a:xfrm>
+          <a:prstGeom prst="ellipse">
+            <a:avLst/>
+          </a:prstGeom>
+          <a:solidFill>
+            <a:srgbClr val="96AED2"/>
+          </a:solidFill>
+        </p:spPr>
+        <p:style>
+          <a:lnRef idx="2">
+            <a:schemeClr val="accent1">
+              <a:shade val="15000"/>
+            </a:schemeClr>
+          </a:lnRef>
+          <a:fillRef idx="1">
+            <a:schemeClr val="accent1"/>
+          </a:fillRef>
+          <a:effectRef idx="0">
+            <a:schemeClr val="accent1"/>
+          </a:effectRef>
+          <a:fontRef idx="minor">
+            <a:schemeClr val="lt1"/>
+          </a:fontRef>
+        </p:style>
+        <p:txBody>
+          <a:bodyPr rtlCol="0" anchor="ctr"/>
+          <a:lstStyle/>
+          <a:p>
+            <a:pPr algn="ctr"/>
+            <a:endParaRPr lang="en-US"/>
+          </a:p>
+        </p:txBody>
+      </p:sp>
+      <p:sp>
+        <p:nvSpPr>
+          <p:cNvPr id="15" name="Oval 14">
+            <a:extLst>
+              <a:ext uri="{FF2B5EF4-FFF2-40B4-BE49-F238E27FC236}">
+                <a16:creationId xmlns:a16="http://schemas.microsoft.com/office/drawing/2014/main" id="{0E266FF6-113D-713F-12D1-F4DDB756834C}"/>
+              </a:ext>
+            </a:extLst>
+          </p:cNvPr>
+          <p:cNvSpPr/>
+          <p:nvPr/>
+        </p:nvSpPr>
+        <p:spPr>
+          <a:xfrm>
+            <a:off x="8978652" y="2740862"/>
+            <a:ext cx="772358" cy="719091"/>
+          </a:xfrm>
+          <a:prstGeom prst="ellipse">
+            <a:avLst/>
+          </a:prstGeom>
+          <a:solidFill>
+            <a:srgbClr val="96AED2"/>
+          </a:solidFill>
+        </p:spPr>
+        <p:style>
+          <a:lnRef idx="2">
+            <a:schemeClr val="accent1">
+              <a:shade val="15000"/>
+            </a:schemeClr>
+          </a:lnRef>
+          <a:fillRef idx="1">
+            <a:schemeClr val="accent1"/>
+          </a:fillRef>
+          <a:effectRef idx="0">
+            <a:schemeClr val="accent1"/>
+          </a:effectRef>
+          <a:fontRef idx="minor">
+            <a:schemeClr val="lt1"/>
+          </a:fontRef>
+        </p:style>
+        <p:txBody>
+          <a:bodyPr rtlCol="0" anchor="ctr"/>
+          <a:lstStyle/>
+          <a:p>
+            <a:pPr algn="ctr"/>
+            <a:endParaRPr lang="en-US"/>
+          </a:p>
+        </p:txBody>
+      </p:sp>
+      <p:sp>
+        <p:nvSpPr>
+          <p:cNvPr id="16" name="Oval 15">
+            <a:extLst>
+              <a:ext uri="{FF2B5EF4-FFF2-40B4-BE49-F238E27FC236}">
+                <a16:creationId xmlns:a16="http://schemas.microsoft.com/office/drawing/2014/main" id="{22F1CD57-2241-3F22-E6FF-17C8BCABEEDF}"/>
+              </a:ext>
+            </a:extLst>
+          </p:cNvPr>
+          <p:cNvSpPr/>
+          <p:nvPr/>
+        </p:nvSpPr>
+        <p:spPr>
+          <a:xfrm>
+            <a:off x="8978652" y="3914194"/>
+            <a:ext cx="772358" cy="719091"/>
+          </a:xfrm>
+          <a:prstGeom prst="ellipse">
+            <a:avLst/>
+          </a:prstGeom>
+          <a:solidFill>
+            <a:srgbClr val="96AED2"/>
+          </a:solidFill>
+        </p:spPr>
+        <p:style>
+          <a:lnRef idx="2">
+            <a:schemeClr val="accent1">
+              <a:shade val="15000"/>
+            </a:schemeClr>
+          </a:lnRef>
+          <a:fillRef idx="1">
+            <a:schemeClr val="accent1"/>
+          </a:fillRef>
+          <a:effectRef idx="0">
+            <a:schemeClr val="accent1"/>
+          </a:effectRef>
+          <a:fontRef idx="minor">
+            <a:schemeClr val="lt1"/>
+          </a:fontRef>
+        </p:style>
+        <p:txBody>
+          <a:bodyPr rtlCol="0" anchor="ctr"/>
+          <a:lstStyle/>
+          <a:p>
+            <a:pPr algn="ctr"/>
+            <a:endParaRPr lang="en-US"/>
+          </a:p>
+        </p:txBody>
+      </p:sp>
+      <p:sp>
+        <p:nvSpPr>
+          <p:cNvPr id="17" name="Oval 16">
+            <a:extLst>
+              <a:ext uri="{FF2B5EF4-FFF2-40B4-BE49-F238E27FC236}">
+                <a16:creationId xmlns:a16="http://schemas.microsoft.com/office/drawing/2014/main" id="{A1F3AFE9-E9F0-C837-0667-671FD5F4C5E9}"/>
+              </a:ext>
+            </a:extLst>
+          </p:cNvPr>
+          <p:cNvSpPr/>
+          <p:nvPr/>
+        </p:nvSpPr>
+        <p:spPr>
+          <a:xfrm>
+            <a:off x="8978652" y="5074209"/>
+            <a:ext cx="772358" cy="719091"/>
+          </a:xfrm>
+          <a:prstGeom prst="ellipse">
+            <a:avLst/>
+          </a:prstGeom>
+          <a:solidFill>
+            <a:srgbClr val="96AED2"/>
+          </a:solidFill>
+        </p:spPr>
+        <p:style>
+          <a:lnRef idx="2">
+            <a:schemeClr val="accent1">
+              <a:shade val="15000"/>
+            </a:schemeClr>
+          </a:lnRef>
+          <a:fillRef idx="1">
+            <a:schemeClr val="accent1"/>
+          </a:fillRef>
+          <a:effectRef idx="0">
+            <a:schemeClr val="accent1"/>
+          </a:effectRef>
+          <a:fontRef idx="minor">
+            <a:schemeClr val="lt1"/>
+          </a:fontRef>
+        </p:style>
+        <p:txBody>
+          <a:bodyPr rtlCol="0" anchor="ctr"/>
+          <a:lstStyle/>
+          <a:p>
+            <a:pPr algn="ctr"/>
+            <a:endParaRPr lang="en-US"/>
+          </a:p>
+        </p:txBody>
+      </p:sp>
+      <p:sp>
+        <p:nvSpPr>
+          <p:cNvPr id="18" name="Oval 17">
+            <a:extLst>
+              <a:ext uri="{FF2B5EF4-FFF2-40B4-BE49-F238E27FC236}">
+                <a16:creationId xmlns:a16="http://schemas.microsoft.com/office/drawing/2014/main" id="{465F2296-F56F-5DBB-15A8-0EA0AD22F47E}"/>
+              </a:ext>
+            </a:extLst>
+          </p:cNvPr>
+          <p:cNvSpPr/>
+          <p:nvPr/>
+        </p:nvSpPr>
+        <p:spPr>
+          <a:xfrm>
+            <a:off x="8978652" y="1583806"/>
+            <a:ext cx="772358" cy="719091"/>
+          </a:xfrm>
+          <a:prstGeom prst="ellipse">
+            <a:avLst/>
+          </a:prstGeom>
+          <a:solidFill>
+            <a:srgbClr val="96AED2"/>
+          </a:solidFill>
+        </p:spPr>
+        <p:style>
+          <a:lnRef idx="2">
+            <a:schemeClr val="accent1">
+              <a:shade val="15000"/>
+            </a:schemeClr>
+          </a:lnRef>
+          <a:fillRef idx="1">
+            <a:schemeClr val="accent1"/>
+          </a:fillRef>
+          <a:effectRef idx="0">
+            <a:schemeClr val="accent1"/>
+          </a:effectRef>
+          <a:fontRef idx="minor">
+            <a:schemeClr val="lt1"/>
+          </a:fontRef>
+        </p:style>
+        <p:txBody>
+          <a:bodyPr rtlCol="0" anchor="ctr"/>
+          <a:lstStyle/>
+          <a:p>
+            <a:pPr algn="ctr"/>
+            <a:endParaRPr lang="en-US"/>
+          </a:p>
+        </p:txBody>
+      </p:sp>
+      <p:cxnSp>
+        <p:nvCxnSpPr>
+          <p:cNvPr id="20" name="Straight Arrow Connector 19">
+            <a:extLst>
+              <a:ext uri="{FF2B5EF4-FFF2-40B4-BE49-F238E27FC236}">
+                <a16:creationId xmlns:a16="http://schemas.microsoft.com/office/drawing/2014/main" id="{6BF00BF5-9791-9550-7B71-3D8EB1A18091}"/>
+              </a:ext>
+            </a:extLst>
+          </p:cNvPr>
+          <p:cNvCxnSpPr/>
+          <p:nvPr/>
+        </p:nvCxnSpPr>
+        <p:spPr>
+          <a:xfrm flipV="1">
+            <a:off x="3674748" y="2453937"/>
+            <a:ext cx="1020932" cy="443884"/>
+          </a:xfrm>
+          <a:prstGeom prst="straightConnector1">
+            <a:avLst/>
+          </a:prstGeom>
+          <a:ln>
+            <a:tailEnd type="triangle"/>
+          </a:ln>
+        </p:spPr>
+        <p:style>
+          <a:lnRef idx="3">
+            <a:schemeClr val="dk1"/>
+          </a:lnRef>
+          <a:fillRef idx="0">
+            <a:schemeClr val="dk1"/>
+          </a:fillRef>
+          <a:effectRef idx="2">
+            <a:schemeClr val="dk1"/>
+          </a:effectRef>
+          <a:fontRef idx="minor">
+            <a:schemeClr val="tx1"/>
+          </a:fontRef>
+        </p:style>
+      </p:cxnSp>
+      <p:cxnSp>
+        <p:nvCxnSpPr>
+          <p:cNvPr id="21" name="Straight Arrow Connector 20">
+            <a:extLst>
+              <a:ext uri="{FF2B5EF4-FFF2-40B4-BE49-F238E27FC236}">
+                <a16:creationId xmlns:a16="http://schemas.microsoft.com/office/drawing/2014/main" id="{D07FB22C-C0EC-D505-BB83-B5B2228732B7}"/>
+              </a:ext>
+            </a:extLst>
+          </p:cNvPr>
+          <p:cNvCxnSpPr/>
+          <p:nvPr/>
+        </p:nvCxnSpPr>
+        <p:spPr>
+          <a:xfrm flipV="1">
+            <a:off x="3659212" y="3704208"/>
+            <a:ext cx="1020932" cy="443884"/>
+          </a:xfrm>
+          <a:prstGeom prst="straightConnector1">
+            <a:avLst/>
+          </a:prstGeom>
+          <a:ln>
+            <a:tailEnd type="triangle"/>
+          </a:ln>
+        </p:spPr>
+        <p:style>
+          <a:lnRef idx="3">
+            <a:schemeClr val="dk1"/>
+          </a:lnRef>
+          <a:fillRef idx="0">
+            <a:schemeClr val="dk1"/>
+          </a:fillRef>
+          <a:effectRef idx="2">
+            <a:schemeClr val="dk1"/>
+          </a:effectRef>
+          <a:fontRef idx="minor">
+            <a:schemeClr val="tx1"/>
+          </a:fontRef>
+        </p:style>
+      </p:cxnSp>
+      <p:cxnSp>
+        <p:nvCxnSpPr>
+          <p:cNvPr id="22" name="Straight Arrow Connector 21">
+            <a:extLst>
+              <a:ext uri="{FF2B5EF4-FFF2-40B4-BE49-F238E27FC236}">
+                <a16:creationId xmlns:a16="http://schemas.microsoft.com/office/drawing/2014/main" id="{77AB4D8D-BCDD-D6C0-1E06-F703726976AA}"/>
+              </a:ext>
+            </a:extLst>
+          </p:cNvPr>
+          <p:cNvCxnSpPr>
+            <a:cxnSpLocks/>
+          </p:cNvCxnSpPr>
+          <p:nvPr/>
+        </p:nvCxnSpPr>
+        <p:spPr>
+          <a:xfrm>
+            <a:off x="3659212" y="3093130"/>
+            <a:ext cx="1036468" cy="372860"/>
+          </a:xfrm>
+          <a:prstGeom prst="straightConnector1">
+            <a:avLst/>
+          </a:prstGeom>
+          <a:ln>
+            <a:tailEnd type="triangle"/>
+          </a:ln>
+        </p:spPr>
+        <p:style>
+          <a:lnRef idx="3">
+            <a:schemeClr val="dk1"/>
+          </a:lnRef>
+          <a:fillRef idx="0">
+            <a:schemeClr val="dk1"/>
+          </a:fillRef>
+          <a:effectRef idx="2">
+            <a:schemeClr val="dk1"/>
+          </a:effectRef>
+          <a:fontRef idx="minor">
+            <a:schemeClr val="tx1"/>
+          </a:fontRef>
+        </p:style>
+      </p:cxnSp>
+      <p:cxnSp>
+        <p:nvCxnSpPr>
+          <p:cNvPr id="25" name="Straight Arrow Connector 24">
+            <a:extLst>
+              <a:ext uri="{FF2B5EF4-FFF2-40B4-BE49-F238E27FC236}">
+                <a16:creationId xmlns:a16="http://schemas.microsoft.com/office/drawing/2014/main" id="{3639C514-6929-16F5-48E9-799D35FA9E36}"/>
+              </a:ext>
+            </a:extLst>
+          </p:cNvPr>
+          <p:cNvCxnSpPr>
+            <a:cxnSpLocks/>
+          </p:cNvCxnSpPr>
+          <p:nvPr/>
+        </p:nvCxnSpPr>
+        <p:spPr>
+          <a:xfrm>
+            <a:off x="3666980" y="4353761"/>
+            <a:ext cx="1036468" cy="372860"/>
+          </a:xfrm>
+          <a:prstGeom prst="straightConnector1">
+            <a:avLst/>
+          </a:prstGeom>
+          <a:ln>
+            <a:tailEnd type="triangle"/>
+          </a:ln>
+        </p:spPr>
+        <p:style>
+          <a:lnRef idx="3">
+            <a:schemeClr val="dk1"/>
+          </a:lnRef>
+          <a:fillRef idx="0">
+            <a:schemeClr val="dk1"/>
+          </a:fillRef>
+          <a:effectRef idx="2">
+            <a:schemeClr val="dk1"/>
+          </a:effectRef>
+          <a:fontRef idx="minor">
+            <a:schemeClr val="tx1"/>
+          </a:fontRef>
+        </p:style>
+      </p:cxnSp>
+      <p:cxnSp>
+        <p:nvCxnSpPr>
+          <p:cNvPr id="26" name="Straight Arrow Connector 25">
+            <a:extLst>
+              <a:ext uri="{FF2B5EF4-FFF2-40B4-BE49-F238E27FC236}">
+                <a16:creationId xmlns:a16="http://schemas.microsoft.com/office/drawing/2014/main" id="{77448078-4F6A-506B-DF9B-04C41991D01B}"/>
+              </a:ext>
+            </a:extLst>
+          </p:cNvPr>
+          <p:cNvCxnSpPr/>
+          <p:nvPr/>
+        </p:nvCxnSpPr>
+        <p:spPr>
+          <a:xfrm flipV="1">
+            <a:off x="5670003" y="3095349"/>
+            <a:ext cx="1020932" cy="443884"/>
+          </a:xfrm>
+          <a:prstGeom prst="straightConnector1">
+            <a:avLst/>
+          </a:prstGeom>
+          <a:ln>
+            <a:tailEnd type="triangle"/>
+          </a:ln>
+        </p:spPr>
+        <p:style>
+          <a:lnRef idx="3">
+            <a:schemeClr val="dk1"/>
+          </a:lnRef>
+          <a:fillRef idx="0">
+            <a:schemeClr val="dk1"/>
+          </a:fillRef>
+          <a:effectRef idx="2">
+            <a:schemeClr val="dk1"/>
+          </a:effectRef>
+          <a:fontRef idx="minor">
+            <a:schemeClr val="tx1"/>
+          </a:fontRef>
+        </p:style>
+      </p:cxnSp>
+      <p:cxnSp>
+        <p:nvCxnSpPr>
+          <p:cNvPr id="27" name="Straight Arrow Connector 26">
+            <a:extLst>
+              <a:ext uri="{FF2B5EF4-FFF2-40B4-BE49-F238E27FC236}">
+                <a16:creationId xmlns:a16="http://schemas.microsoft.com/office/drawing/2014/main" id="{ED84A60C-461A-957F-84E6-8628188EEB91}"/>
+              </a:ext>
+            </a:extLst>
+          </p:cNvPr>
+          <p:cNvCxnSpPr>
+            <a:cxnSpLocks/>
+          </p:cNvCxnSpPr>
+          <p:nvPr/>
+        </p:nvCxnSpPr>
+        <p:spPr>
+          <a:xfrm>
+            <a:off x="5654467" y="3734542"/>
+            <a:ext cx="1036468" cy="372860"/>
+          </a:xfrm>
+          <a:prstGeom prst="straightConnector1">
+            <a:avLst/>
+          </a:prstGeom>
+          <a:ln>
+            <a:tailEnd type="triangle"/>
+          </a:ln>
+        </p:spPr>
+        <p:style>
+          <a:lnRef idx="3">
+            <a:schemeClr val="dk1"/>
+          </a:lnRef>
+          <a:fillRef idx="0">
+            <a:schemeClr val="dk1"/>
+          </a:fillRef>
+          <a:effectRef idx="2">
+            <a:schemeClr val="dk1"/>
+          </a:effectRef>
+          <a:fontRef idx="minor">
+            <a:schemeClr val="tx1"/>
+          </a:fontRef>
+        </p:style>
+      </p:cxnSp>
+      <p:cxnSp>
+        <p:nvCxnSpPr>
+          <p:cNvPr id="28" name="Straight Arrow Connector 27">
+            <a:extLst>
+              <a:ext uri="{FF2B5EF4-FFF2-40B4-BE49-F238E27FC236}">
+                <a16:creationId xmlns:a16="http://schemas.microsoft.com/office/drawing/2014/main" id="{3B0C1E89-3129-65B0-C726-C380C72C70B2}"/>
+              </a:ext>
+            </a:extLst>
+          </p:cNvPr>
+          <p:cNvCxnSpPr>
+            <a:cxnSpLocks/>
+          </p:cNvCxnSpPr>
+          <p:nvPr/>
+        </p:nvCxnSpPr>
+        <p:spPr>
+          <a:xfrm>
+            <a:off x="5670003" y="2366641"/>
+            <a:ext cx="1036468" cy="372860"/>
+          </a:xfrm>
+          <a:prstGeom prst="straightConnector1">
+            <a:avLst/>
+          </a:prstGeom>
+          <a:ln>
+            <a:tailEnd type="triangle"/>
+          </a:ln>
+        </p:spPr>
+        <p:style>
+          <a:lnRef idx="3">
+            <a:schemeClr val="dk1"/>
+          </a:lnRef>
+          <a:fillRef idx="0">
+            <a:schemeClr val="dk1"/>
+          </a:fillRef>
+          <a:effectRef idx="2">
+            <a:schemeClr val="dk1"/>
+          </a:effectRef>
+          <a:fontRef idx="minor">
+            <a:schemeClr val="tx1"/>
+          </a:fontRef>
+        </p:style>
+      </p:cxnSp>
+      <p:cxnSp>
+        <p:nvCxnSpPr>
+          <p:cNvPr id="29" name="Straight Arrow Connector 28">
+            <a:extLst>
+              <a:ext uri="{FF2B5EF4-FFF2-40B4-BE49-F238E27FC236}">
+                <a16:creationId xmlns:a16="http://schemas.microsoft.com/office/drawing/2014/main" id="{2CEA7466-C5CC-1852-37F5-C7152B87CBF2}"/>
+              </a:ext>
+            </a:extLst>
+          </p:cNvPr>
+          <p:cNvCxnSpPr/>
+          <p:nvPr/>
+        </p:nvCxnSpPr>
+        <p:spPr>
+          <a:xfrm flipV="1">
+            <a:off x="5670003" y="4380390"/>
+            <a:ext cx="1020932" cy="443884"/>
+          </a:xfrm>
+          <a:prstGeom prst="straightConnector1">
+            <a:avLst/>
+          </a:prstGeom>
+          <a:ln>
+            <a:tailEnd type="triangle"/>
+          </a:ln>
+        </p:spPr>
+        <p:style>
+          <a:lnRef idx="3">
+            <a:schemeClr val="dk1"/>
+          </a:lnRef>
+          <a:fillRef idx="0">
+            <a:schemeClr val="dk1"/>
+          </a:fillRef>
+          <a:effectRef idx="2">
+            <a:schemeClr val="dk1"/>
+          </a:effectRef>
+          <a:fontRef idx="minor">
+            <a:schemeClr val="tx1"/>
+          </a:fontRef>
+        </p:style>
+      </p:cxnSp>
+      <p:sp>
+        <p:nvSpPr>
+          <p:cNvPr id="30" name="TextBox 29">
+            <a:extLst>
+              <a:ext uri="{FF2B5EF4-FFF2-40B4-BE49-F238E27FC236}">
+                <a16:creationId xmlns:a16="http://schemas.microsoft.com/office/drawing/2014/main" id="{9478C2E9-EA37-650E-9DE8-529973AAB963}"/>
+              </a:ext>
+            </a:extLst>
+          </p:cNvPr>
+          <p:cNvSpPr txBox="1"/>
+          <p:nvPr/>
+        </p:nvSpPr>
+        <p:spPr>
+          <a:xfrm>
+            <a:off x="7550087" y="2793623"/>
+            <a:ext cx="1031051" cy="1107996"/>
+          </a:xfrm>
+          <a:prstGeom prst="rect">
+            <a:avLst/>
+          </a:prstGeom>
+          <a:noFill/>
+        </p:spPr>
+        <p:txBody>
+          <a:bodyPr wrap="none" rtlCol="0">
+            <a:spAutoFit/>
+          </a:bodyPr>
+          <a:lstStyle/>
+          <a:p>
+            <a:r>
+              <a:rPr lang="en-US" sz="6600" dirty="0"/>
+              <a:t>…</a:t>
+            </a:r>
+          </a:p>
+        </p:txBody>
+      </p:sp>
+      <p:sp>
+        <p:nvSpPr>
+          <p:cNvPr id="31" name="Arrow: Right 30">
+            <a:extLst>
+              <a:ext uri="{FF2B5EF4-FFF2-40B4-BE49-F238E27FC236}">
+                <a16:creationId xmlns:a16="http://schemas.microsoft.com/office/drawing/2014/main" id="{C2DE4C8F-66DE-E0EE-D5E3-9BD69D74B383}"/>
+              </a:ext>
+            </a:extLst>
+          </p:cNvPr>
+          <p:cNvSpPr/>
+          <p:nvPr/>
+        </p:nvSpPr>
+        <p:spPr>
+          <a:xfrm>
+            <a:off x="1166319" y="2595977"/>
+            <a:ext cx="1255819" cy="798993"/>
+          </a:xfrm>
+          <a:prstGeom prst="rightArrow">
+            <a:avLst/>
+          </a:prstGeom>
+          <a:solidFill>
+            <a:schemeClr val="accent2">
+              <a:lumMod val="75000"/>
+            </a:schemeClr>
+          </a:solidFill>
+        </p:spPr>
+        <p:style>
+          <a:lnRef idx="2">
+            <a:schemeClr val="accent1">
+              <a:shade val="15000"/>
+            </a:schemeClr>
+          </a:lnRef>
+          <a:fillRef idx="1">
+            <a:schemeClr val="accent1"/>
+          </a:fillRef>
+          <a:effectRef idx="0">
+            <a:schemeClr val="accent1"/>
+          </a:effectRef>
+          <a:fontRef idx="minor">
+            <a:schemeClr val="lt1"/>
+          </a:fontRef>
+        </p:style>
+        <p:txBody>
+          <a:bodyPr rtlCol="0" anchor="ctr"/>
+          <a:lstStyle/>
+          <a:p>
+            <a:pPr algn="ctr"/>
+            <a:r>
+              <a:rPr lang="en-US" dirty="0">
+                <a:latin typeface="Arial" panose="020B0604020202020204" pitchFamily="34" charset="0"/>
+                <a:cs typeface="Arial" panose="020B0604020202020204" pitchFamily="34" charset="0"/>
+              </a:rPr>
+              <a:t>0, 1</a:t>
+            </a:r>
+          </a:p>
+        </p:txBody>
+      </p:sp>
+      <p:sp>
+        <p:nvSpPr>
+          <p:cNvPr id="32" name="Arrow: Right 31">
+            <a:extLst>
+              <a:ext uri="{FF2B5EF4-FFF2-40B4-BE49-F238E27FC236}">
+                <a16:creationId xmlns:a16="http://schemas.microsoft.com/office/drawing/2014/main" id="{42ABD1FA-6D6E-C954-C1D1-72C5592ADA38}"/>
+              </a:ext>
+            </a:extLst>
+          </p:cNvPr>
+          <p:cNvSpPr/>
+          <p:nvPr/>
+        </p:nvSpPr>
+        <p:spPr>
+          <a:xfrm>
+            <a:off x="1174087" y="3813702"/>
+            <a:ext cx="1255819" cy="835979"/>
+          </a:xfrm>
+          <a:prstGeom prst="rightArrow">
+            <a:avLst/>
+          </a:prstGeom>
+          <a:solidFill>
+            <a:schemeClr val="accent2">
+              <a:lumMod val="75000"/>
+            </a:schemeClr>
+          </a:solidFill>
+        </p:spPr>
+        <p:style>
+          <a:lnRef idx="2">
+            <a:schemeClr val="accent1">
+              <a:shade val="15000"/>
+            </a:schemeClr>
+          </a:lnRef>
+          <a:fillRef idx="1">
+            <a:schemeClr val="accent1"/>
+          </a:fillRef>
+          <a:effectRef idx="0">
+            <a:schemeClr val="accent1"/>
+          </a:effectRef>
+          <a:fontRef idx="minor">
+            <a:schemeClr val="lt1"/>
+          </a:fontRef>
+        </p:style>
+        <p:txBody>
+          <a:bodyPr rtlCol="0" anchor="ctr"/>
+          <a:lstStyle/>
+          <a:p>
+            <a:pPr algn="ctr"/>
+            <a:r>
+              <a:rPr lang="en-US" dirty="0">
+                <a:latin typeface="Arial" panose="020B0604020202020204" pitchFamily="34" charset="0"/>
+                <a:cs typeface="Arial" panose="020B0604020202020204" pitchFamily="34" charset="0"/>
+              </a:rPr>
+              <a:t>0~1</a:t>
+            </a:r>
+          </a:p>
+        </p:txBody>
+      </p:sp>
+      <p:sp>
+        <p:nvSpPr>
+          <p:cNvPr id="33" name="Arrow: Right 32">
+            <a:extLst>
+              <a:ext uri="{FF2B5EF4-FFF2-40B4-BE49-F238E27FC236}">
+                <a16:creationId xmlns:a16="http://schemas.microsoft.com/office/drawing/2014/main" id="{64C70515-D27C-9B96-9B50-3D997B6D95E8}"/>
+              </a:ext>
+            </a:extLst>
+          </p:cNvPr>
+          <p:cNvSpPr/>
+          <p:nvPr/>
+        </p:nvSpPr>
+        <p:spPr>
+          <a:xfrm>
+            <a:off x="10093168" y="3347621"/>
+            <a:ext cx="1255819" cy="835979"/>
+          </a:xfrm>
+          <a:prstGeom prst="rightArrow">
+            <a:avLst/>
+          </a:prstGeom>
+          <a:solidFill>
+            <a:schemeClr val="accent2">
+              <a:lumMod val="75000"/>
+            </a:schemeClr>
+          </a:solidFill>
+        </p:spPr>
+        <p:style>
+          <a:lnRef idx="2">
+            <a:schemeClr val="accent1">
+              <a:shade val="15000"/>
+            </a:schemeClr>
+          </a:lnRef>
+          <a:fillRef idx="1">
+            <a:schemeClr val="accent1"/>
+          </a:fillRef>
+          <a:effectRef idx="0">
+            <a:schemeClr val="accent1"/>
+          </a:effectRef>
+          <a:fontRef idx="minor">
+            <a:schemeClr val="lt1"/>
+          </a:fontRef>
+        </p:style>
+        <p:txBody>
+          <a:bodyPr rtlCol="0" anchor="ctr"/>
+          <a:lstStyle/>
+          <a:p>
+            <a:pPr algn="ctr"/>
+            <a:r>
+              <a:rPr lang="en-US" dirty="0">
+                <a:latin typeface="Arial" panose="020B0604020202020204" pitchFamily="34" charset="0"/>
+                <a:cs typeface="Arial" panose="020B0604020202020204" pitchFamily="34" charset="0"/>
+              </a:rPr>
+              <a:t>0,1,2,3</a:t>
+            </a:r>
+          </a:p>
+        </p:txBody>
+      </p:sp>
+      <p:sp>
+        <p:nvSpPr>
+          <p:cNvPr id="34" name="Arrow: Right 33">
+            <a:extLst>
+              <a:ext uri="{FF2B5EF4-FFF2-40B4-BE49-F238E27FC236}">
+                <a16:creationId xmlns:a16="http://schemas.microsoft.com/office/drawing/2014/main" id="{9CE8E511-DDA6-3F6A-6540-964518A20362}"/>
+              </a:ext>
+            </a:extLst>
+          </p:cNvPr>
+          <p:cNvSpPr/>
+          <p:nvPr/>
+        </p:nvSpPr>
+        <p:spPr>
+          <a:xfrm>
+            <a:off x="805655" y="4785804"/>
+            <a:ext cx="2549366" cy="1359760"/>
+          </a:xfrm>
+          <a:prstGeom prst="rightArrow">
+            <a:avLst/>
+          </a:prstGeom>
+          <a:solidFill>
+            <a:schemeClr val="accent2">
+              <a:lumMod val="75000"/>
+            </a:schemeClr>
+          </a:solidFill>
+        </p:spPr>
+        <p:style>
+          <a:lnRef idx="2">
+            <a:schemeClr val="accent1">
+              <a:shade val="15000"/>
+            </a:schemeClr>
+          </a:lnRef>
+          <a:fillRef idx="1">
+            <a:schemeClr val="accent1"/>
+          </a:fillRef>
+          <a:effectRef idx="0">
+            <a:schemeClr val="accent1"/>
+          </a:effectRef>
+          <a:fontRef idx="minor">
+            <a:schemeClr val="lt1"/>
+          </a:fontRef>
+        </p:style>
+        <p:txBody>
+          <a:bodyPr rtlCol="0" anchor="ctr"/>
+          <a:lstStyle/>
+          <a:p>
+            <a:pPr algn="ctr"/>
+            <a:r>
+              <a:rPr lang="en-US" dirty="0">
+                <a:latin typeface="Arial" panose="020B0604020202020204" pitchFamily="34" charset="0"/>
+                <a:cs typeface="Arial" panose="020B0604020202020204" pitchFamily="34" charset="0"/>
+              </a:rPr>
+              <a:t>[1,0,0,0]  [0,1,0,0]</a:t>
+            </a:r>
+          </a:p>
+        </p:txBody>
+      </p:sp>
+      <p:sp>
+        <p:nvSpPr>
+          <p:cNvPr id="36" name="TextBox 35">
+            <a:extLst>
+              <a:ext uri="{FF2B5EF4-FFF2-40B4-BE49-F238E27FC236}">
+                <a16:creationId xmlns:a16="http://schemas.microsoft.com/office/drawing/2014/main" id="{8473A78D-5F10-8E71-CDF4-0232F88CAF29}"/>
+              </a:ext>
+            </a:extLst>
+          </p:cNvPr>
+          <p:cNvSpPr txBox="1"/>
+          <p:nvPr/>
+        </p:nvSpPr>
+        <p:spPr>
+          <a:xfrm>
+            <a:off x="3583620" y="519613"/>
+            <a:ext cx="4916748" cy="646331"/>
+          </a:xfrm>
+          <a:prstGeom prst="rect">
+            <a:avLst/>
+          </a:prstGeom>
+          <a:noFill/>
+        </p:spPr>
+        <p:txBody>
+          <a:bodyPr wrap="square" rtlCol="0">
+            <a:spAutoFit/>
+          </a:bodyPr>
+          <a:lstStyle/>
+          <a:p>
+            <a:r>
+              <a:rPr lang="en-US" sz="3600" dirty="0"/>
+              <a:t>Fraud Risk Prediction</a:t>
+            </a:r>
+          </a:p>
+        </p:txBody>
+      </p:sp>
+    </p:spTree>
+    <p:extLst>
+      <p:ext uri="{BB962C8B-B14F-4D97-AF65-F5344CB8AC3E}">
+        <p14:creationId xmlns:p14="http://schemas.microsoft.com/office/powerpoint/2010/main" val="3490861430"/>
+      </p:ext>
+    </p:extLst>
+  </p:cSld>
+  <p:clrMapOvr>
+    <a:masterClrMapping/>
+  </p:clrMapOvr>
+</p:sld>
+</file>
+
+<file path=ppt/slides/slide9.xml><?xml version="1.0" encoding="utf-8"?>
+<p:sld xmlns:a="http://schemas.openxmlformats.org/drawingml/2006/main" xmlns:r="http://schemas.openxmlformats.org/officeDocument/2006/relationships" xmlns:p="http://schemas.openxmlformats.org/presentationml/2006/main">
+  <p:cSld>
+    <p:spTree>
+      <p:nvGrpSpPr>
+        <p:cNvPr id="1" name=""/>
+        <p:cNvGrpSpPr/>
+        <p:nvPr/>
+      </p:nvGrpSpPr>
+      <p:grpSpPr>
+        <a:xfrm>
+          <a:off x="0" y="0"/>
+          <a:ext cx="0" cy="0"/>
+          <a:chOff x="0" y="0"/>
+          <a:chExt cx="0" cy="0"/>
+        </a:xfrm>
+      </p:grpSpPr>
+      <p:sp>
+        <p:nvSpPr>
+          <p:cNvPr id="2" name="Oval 1">
+            <a:extLst>
+              <a:ext uri="{FF2B5EF4-FFF2-40B4-BE49-F238E27FC236}">
+                <a16:creationId xmlns:a16="http://schemas.microsoft.com/office/drawing/2014/main" id="{C47BEC8E-3358-804B-05C4-7BCE2660B3DE}"/>
+              </a:ext>
+            </a:extLst>
+          </p:cNvPr>
+          <p:cNvSpPr/>
+          <p:nvPr/>
+        </p:nvSpPr>
+        <p:spPr>
+          <a:xfrm>
+            <a:off x="4908610" y="5020323"/>
+            <a:ext cx="1677880" cy="1171852"/>
+          </a:xfrm>
+          <a:prstGeom prst="ellipse">
+            <a:avLst/>
+          </a:prstGeom>
+          <a:solidFill>
+            <a:schemeClr val="tx2">
+              <a:lumMod val="40000"/>
+              <a:lumOff val="60000"/>
+            </a:schemeClr>
+          </a:solidFill>
+        </p:spPr>
+        <p:style>
+          <a:lnRef idx="2">
+            <a:schemeClr val="accent1">
+              <a:shade val="15000"/>
+            </a:schemeClr>
+          </a:lnRef>
+          <a:fillRef idx="1">
+            <a:schemeClr val="accent1"/>
+          </a:fillRef>
+          <a:effectRef idx="0">
+            <a:schemeClr val="accent1"/>
+          </a:effectRef>
+          <a:fontRef idx="minor">
+            <a:schemeClr val="lt1"/>
+          </a:fontRef>
+        </p:style>
+        <p:txBody>
+          <a:bodyPr rtlCol="0" anchor="ctr"/>
+          <a:lstStyle/>
+          <a:p>
+            <a:pPr algn="ctr"/>
+            <a:r>
+              <a:rPr lang="en-US" dirty="0">
+                <a:solidFill>
+                  <a:schemeClr val="tx1"/>
+                </a:solidFill>
+              </a:rPr>
+              <a:t>start</a:t>
+            </a:r>
+          </a:p>
+        </p:txBody>
+      </p:sp>
+      <p:sp>
+        <p:nvSpPr>
+          <p:cNvPr id="3" name="Oval 2">
+            <a:extLst>
+              <a:ext uri="{FF2B5EF4-FFF2-40B4-BE49-F238E27FC236}">
+                <a16:creationId xmlns:a16="http://schemas.microsoft.com/office/drawing/2014/main" id="{6D35FBDD-90AF-5B98-D0D4-96B7FBE1E728}"/>
+              </a:ext>
+            </a:extLst>
+          </p:cNvPr>
+          <p:cNvSpPr/>
+          <p:nvPr/>
+        </p:nvSpPr>
+        <p:spPr>
+          <a:xfrm>
+            <a:off x="7401017" y="559293"/>
+            <a:ext cx="2394011" cy="1544715"/>
+          </a:xfrm>
+          <a:prstGeom prst="ellipse">
+            <a:avLst/>
+          </a:prstGeom>
+          <a:solidFill>
+            <a:schemeClr val="tx2">
+              <a:lumMod val="40000"/>
+              <a:lumOff val="60000"/>
+            </a:schemeClr>
+          </a:solidFill>
+        </p:spPr>
+        <p:style>
+          <a:lnRef idx="2">
+            <a:schemeClr val="accent1">
+              <a:shade val="15000"/>
+            </a:schemeClr>
+          </a:lnRef>
+          <a:fillRef idx="1">
+            <a:schemeClr val="accent1"/>
+          </a:fillRef>
+          <a:effectRef idx="0">
+            <a:schemeClr val="accent1"/>
+          </a:effectRef>
+          <a:fontRef idx="minor">
+            <a:schemeClr val="lt1"/>
+          </a:fontRef>
+        </p:style>
+        <p:txBody>
+          <a:bodyPr rtlCol="0" anchor="ctr"/>
+          <a:lstStyle/>
+          <a:p>
+            <a:pPr algn="ctr"/>
+            <a:r>
+              <a:rPr lang="en-US" dirty="0">
+                <a:solidFill>
+                  <a:schemeClr val="tx1"/>
+                </a:solidFill>
+              </a:rPr>
+              <a:t>Request for more evidence</a:t>
+            </a:r>
+          </a:p>
+        </p:txBody>
+      </p:sp>
+      <p:sp>
+        <p:nvSpPr>
+          <p:cNvPr id="4" name="Oval 3">
+            <a:extLst>
+              <a:ext uri="{FF2B5EF4-FFF2-40B4-BE49-F238E27FC236}">
+                <a16:creationId xmlns:a16="http://schemas.microsoft.com/office/drawing/2014/main" id="{CF35327D-A77B-D44F-C0E0-F3D9E097D19F}"/>
+              </a:ext>
+            </a:extLst>
+          </p:cNvPr>
+          <p:cNvSpPr/>
+          <p:nvPr/>
+        </p:nvSpPr>
+        <p:spPr>
+          <a:xfrm>
+            <a:off x="1929413" y="2988445"/>
+            <a:ext cx="1775534" cy="1278385"/>
+          </a:xfrm>
+          <a:prstGeom prst="ellipse">
+            <a:avLst/>
+          </a:prstGeom>
+          <a:solidFill>
+            <a:schemeClr val="tx2">
+              <a:lumMod val="40000"/>
+              <a:lumOff val="60000"/>
+            </a:schemeClr>
+          </a:solidFill>
+        </p:spPr>
+        <p:style>
+          <a:lnRef idx="2">
+            <a:schemeClr val="accent1">
+              <a:shade val="15000"/>
+            </a:schemeClr>
+          </a:lnRef>
+          <a:fillRef idx="1">
+            <a:schemeClr val="accent1"/>
+          </a:fillRef>
+          <a:effectRef idx="0">
+            <a:schemeClr val="accent1"/>
+          </a:effectRef>
+          <a:fontRef idx="minor">
+            <a:schemeClr val="lt1"/>
+          </a:fontRef>
+        </p:style>
+        <p:txBody>
+          <a:bodyPr rtlCol="0" anchor="ctr"/>
+          <a:lstStyle/>
+          <a:p>
+            <a:pPr algn="ctr"/>
+            <a:r>
+              <a:rPr lang="en-US" dirty="0">
+                <a:solidFill>
+                  <a:schemeClr val="tx1"/>
+                </a:solidFill>
+              </a:rPr>
+              <a:t>Approve</a:t>
+            </a:r>
+          </a:p>
+        </p:txBody>
+      </p:sp>
+      <p:sp>
+        <p:nvSpPr>
+          <p:cNvPr id="5" name="Oval 4">
+            <a:extLst>
+              <a:ext uri="{FF2B5EF4-FFF2-40B4-BE49-F238E27FC236}">
+                <a16:creationId xmlns:a16="http://schemas.microsoft.com/office/drawing/2014/main" id="{8218EE8D-18B7-3557-5C9F-4FCCBFB2D8A9}"/>
+              </a:ext>
+            </a:extLst>
+          </p:cNvPr>
+          <p:cNvSpPr/>
+          <p:nvPr/>
+        </p:nvSpPr>
+        <p:spPr>
+          <a:xfrm>
+            <a:off x="1624615" y="665825"/>
+            <a:ext cx="2321507" cy="1278385"/>
+          </a:xfrm>
+          <a:prstGeom prst="ellipse">
+            <a:avLst/>
+          </a:prstGeom>
+          <a:solidFill>
+            <a:schemeClr val="tx2">
+              <a:lumMod val="40000"/>
+              <a:lumOff val="60000"/>
+            </a:schemeClr>
+          </a:solidFill>
+        </p:spPr>
+        <p:style>
+          <a:lnRef idx="2">
+            <a:schemeClr val="accent1">
+              <a:shade val="15000"/>
+            </a:schemeClr>
+          </a:lnRef>
+          <a:fillRef idx="1">
+            <a:schemeClr val="accent1"/>
+          </a:fillRef>
+          <a:effectRef idx="0">
+            <a:schemeClr val="accent1"/>
+          </a:effectRef>
+          <a:fontRef idx="minor">
+            <a:schemeClr val="lt1"/>
+          </a:fontRef>
+        </p:style>
+        <p:txBody>
+          <a:bodyPr rtlCol="0" anchor="ctr"/>
+          <a:lstStyle/>
+          <a:p>
+            <a:pPr algn="ctr"/>
+            <a:r>
+              <a:rPr lang="en-US" dirty="0">
+                <a:solidFill>
+                  <a:schemeClr val="tx1"/>
+                </a:solidFill>
+              </a:rPr>
+              <a:t>Submit for further review</a:t>
+            </a:r>
+          </a:p>
+        </p:txBody>
+      </p:sp>
+      <p:sp>
+        <p:nvSpPr>
+          <p:cNvPr id="6" name="Oval 5">
+            <a:extLst>
+              <a:ext uri="{FF2B5EF4-FFF2-40B4-BE49-F238E27FC236}">
+                <a16:creationId xmlns:a16="http://schemas.microsoft.com/office/drawing/2014/main" id="{B3041787-9100-7040-5D51-00A67806A745}"/>
+              </a:ext>
+            </a:extLst>
+          </p:cNvPr>
+          <p:cNvSpPr/>
+          <p:nvPr/>
+        </p:nvSpPr>
+        <p:spPr>
+          <a:xfrm>
+            <a:off x="7599288" y="3038380"/>
+            <a:ext cx="1775534" cy="1278385"/>
+          </a:xfrm>
+          <a:prstGeom prst="ellipse">
+            <a:avLst/>
+          </a:prstGeom>
+          <a:solidFill>
+            <a:schemeClr val="tx2">
+              <a:lumMod val="40000"/>
+              <a:lumOff val="60000"/>
+            </a:schemeClr>
+          </a:solidFill>
+        </p:spPr>
+        <p:style>
+          <a:lnRef idx="2">
+            <a:schemeClr val="accent1">
+              <a:shade val="15000"/>
+            </a:schemeClr>
+          </a:lnRef>
+          <a:fillRef idx="1">
+            <a:schemeClr val="accent1"/>
+          </a:fillRef>
+          <a:effectRef idx="0">
+            <a:schemeClr val="accent1"/>
+          </a:effectRef>
+          <a:fontRef idx="minor">
+            <a:schemeClr val="lt1"/>
+          </a:fontRef>
+        </p:style>
+        <p:txBody>
+          <a:bodyPr rtlCol="0" anchor="ctr"/>
+          <a:lstStyle/>
+          <a:p>
+            <a:pPr algn="ctr"/>
+            <a:r>
+              <a:rPr lang="en-US" dirty="0">
+                <a:solidFill>
+                  <a:schemeClr val="tx1"/>
+                </a:solidFill>
+              </a:rPr>
+              <a:t>Deny</a:t>
+            </a:r>
+          </a:p>
+        </p:txBody>
+      </p:sp>
+      <p:cxnSp>
+        <p:nvCxnSpPr>
+          <p:cNvPr id="26" name="Straight Arrow Connector 25">
+            <a:extLst>
+              <a:ext uri="{FF2B5EF4-FFF2-40B4-BE49-F238E27FC236}">
+                <a16:creationId xmlns:a16="http://schemas.microsoft.com/office/drawing/2014/main" id="{8E05D952-2C90-273F-F999-281E9CE8BC0C}"/>
+              </a:ext>
+            </a:extLst>
+          </p:cNvPr>
+          <p:cNvCxnSpPr/>
+          <p:nvPr/>
+        </p:nvCxnSpPr>
+        <p:spPr>
+          <a:xfrm flipH="1">
+            <a:off x="4145871" y="1251751"/>
+            <a:ext cx="2920754" cy="0"/>
+          </a:xfrm>
+          <a:prstGeom prst="straightConnector1">
+            <a:avLst/>
+          </a:prstGeom>
+          <a:ln>
+            <a:tailEnd type="triangle"/>
+          </a:ln>
+        </p:spPr>
+        <p:style>
+          <a:lnRef idx="3">
+            <a:schemeClr val="accent5"/>
+          </a:lnRef>
+          <a:fillRef idx="0">
+            <a:schemeClr val="accent5"/>
+          </a:fillRef>
+          <a:effectRef idx="2">
+            <a:schemeClr val="accent5"/>
+          </a:effectRef>
+          <a:fontRef idx="minor">
+            <a:schemeClr val="tx1"/>
+          </a:fontRef>
+        </p:style>
+      </p:cxnSp>
+      <p:cxnSp>
+        <p:nvCxnSpPr>
+          <p:cNvPr id="44" name="Straight Arrow Connector 43">
+            <a:extLst>
+              <a:ext uri="{FF2B5EF4-FFF2-40B4-BE49-F238E27FC236}">
+                <a16:creationId xmlns:a16="http://schemas.microsoft.com/office/drawing/2014/main" id="{849FE9B2-4B70-C012-4701-EA3DFD96C17A}"/>
+              </a:ext>
+            </a:extLst>
+          </p:cNvPr>
+          <p:cNvCxnSpPr/>
+          <p:nvPr/>
+        </p:nvCxnSpPr>
+        <p:spPr>
+          <a:xfrm flipH="1" flipV="1">
+            <a:off x="3613212" y="4119239"/>
+            <a:ext cx="1367161" cy="1029810"/>
+          </a:xfrm>
+          <a:prstGeom prst="straightConnector1">
+            <a:avLst/>
+          </a:prstGeom>
+          <a:ln>
+            <a:tailEnd type="triangle"/>
+          </a:ln>
+        </p:spPr>
+        <p:style>
+          <a:lnRef idx="3">
+            <a:schemeClr val="accent5"/>
+          </a:lnRef>
+          <a:fillRef idx="0">
+            <a:schemeClr val="accent5"/>
+          </a:fillRef>
+          <a:effectRef idx="2">
+            <a:schemeClr val="accent5"/>
+          </a:effectRef>
+          <a:fontRef idx="minor">
+            <a:schemeClr val="tx1"/>
+          </a:fontRef>
+        </p:style>
+      </p:cxnSp>
+      <p:cxnSp>
+        <p:nvCxnSpPr>
+          <p:cNvPr id="46" name="Straight Arrow Connector 45">
+            <a:extLst>
+              <a:ext uri="{FF2B5EF4-FFF2-40B4-BE49-F238E27FC236}">
+                <a16:creationId xmlns:a16="http://schemas.microsoft.com/office/drawing/2014/main" id="{51FB64B4-D316-C37C-A034-E72146B8F5CE}"/>
+              </a:ext>
+            </a:extLst>
+          </p:cNvPr>
+          <p:cNvCxnSpPr/>
+          <p:nvPr/>
+        </p:nvCxnSpPr>
+        <p:spPr>
+          <a:xfrm flipV="1">
+            <a:off x="6480699" y="4119239"/>
+            <a:ext cx="1118589" cy="901084"/>
+          </a:xfrm>
+          <a:prstGeom prst="straightConnector1">
+            <a:avLst/>
+          </a:prstGeom>
+          <a:ln>
+            <a:tailEnd type="triangle"/>
+          </a:ln>
+        </p:spPr>
+        <p:style>
+          <a:lnRef idx="3">
+            <a:schemeClr val="accent5"/>
+          </a:lnRef>
+          <a:fillRef idx="0">
+            <a:schemeClr val="accent5"/>
+          </a:fillRef>
+          <a:effectRef idx="2">
+            <a:schemeClr val="accent5"/>
+          </a:effectRef>
+          <a:fontRef idx="minor">
+            <a:schemeClr val="tx1"/>
+          </a:fontRef>
+        </p:style>
+      </p:cxnSp>
+      <p:cxnSp>
+        <p:nvCxnSpPr>
+          <p:cNvPr id="48" name="Straight Arrow Connector 47">
+            <a:extLst>
+              <a:ext uri="{FF2B5EF4-FFF2-40B4-BE49-F238E27FC236}">
+                <a16:creationId xmlns:a16="http://schemas.microsoft.com/office/drawing/2014/main" id="{78B6A52F-26B4-C930-B8F3-13F7E258A9C7}"/>
+              </a:ext>
+            </a:extLst>
+          </p:cNvPr>
+          <p:cNvCxnSpPr/>
+          <p:nvPr/>
+        </p:nvCxnSpPr>
+        <p:spPr>
+          <a:xfrm flipH="1" flipV="1">
+            <a:off x="3704947" y="1864311"/>
+            <a:ext cx="1648288" cy="3000652"/>
+          </a:xfrm>
+          <a:prstGeom prst="straightConnector1">
+            <a:avLst/>
+          </a:prstGeom>
+          <a:ln>
+            <a:tailEnd type="triangle"/>
+          </a:ln>
+        </p:spPr>
+        <p:style>
+          <a:lnRef idx="3">
+            <a:schemeClr val="accent5"/>
+          </a:lnRef>
+          <a:fillRef idx="0">
+            <a:schemeClr val="accent5"/>
+          </a:fillRef>
+          <a:effectRef idx="2">
+            <a:schemeClr val="accent5"/>
+          </a:effectRef>
+          <a:fontRef idx="minor">
+            <a:schemeClr val="tx1"/>
+          </a:fontRef>
+        </p:style>
+      </p:cxnSp>
+      <p:cxnSp>
+        <p:nvCxnSpPr>
+          <p:cNvPr id="50" name="Straight Arrow Connector 49">
+            <a:extLst>
+              <a:ext uri="{FF2B5EF4-FFF2-40B4-BE49-F238E27FC236}">
+                <a16:creationId xmlns:a16="http://schemas.microsoft.com/office/drawing/2014/main" id="{AB3662FF-1AFC-A5A1-F39B-C27560135D5B}"/>
+              </a:ext>
+            </a:extLst>
+          </p:cNvPr>
+          <p:cNvCxnSpPr/>
+          <p:nvPr/>
+        </p:nvCxnSpPr>
+        <p:spPr>
+          <a:xfrm flipV="1">
+            <a:off x="6096000" y="1944210"/>
+            <a:ext cx="1441142" cy="2982897"/>
+          </a:xfrm>
+          <a:prstGeom prst="straightConnector1">
+            <a:avLst/>
+          </a:prstGeom>
+          <a:ln>
+            <a:tailEnd type="triangle"/>
+          </a:ln>
+        </p:spPr>
+        <p:style>
+          <a:lnRef idx="3">
+            <a:schemeClr val="accent5"/>
+          </a:lnRef>
+          <a:fillRef idx="0">
+            <a:schemeClr val="accent5"/>
+          </a:fillRef>
+          <a:effectRef idx="2">
+            <a:schemeClr val="accent5"/>
+          </a:effectRef>
+          <a:fontRef idx="minor">
+            <a:schemeClr val="tx1"/>
+          </a:fontRef>
+        </p:style>
+      </p:cxnSp>
+      <p:cxnSp>
+        <p:nvCxnSpPr>
+          <p:cNvPr id="52" name="Straight Arrow Connector 51">
+            <a:extLst>
+              <a:ext uri="{FF2B5EF4-FFF2-40B4-BE49-F238E27FC236}">
+                <a16:creationId xmlns:a16="http://schemas.microsoft.com/office/drawing/2014/main" id="{E7A298CC-1384-1AF8-5856-14AC17A4EDFC}"/>
+              </a:ext>
+            </a:extLst>
+          </p:cNvPr>
+          <p:cNvCxnSpPr/>
+          <p:nvPr/>
+        </p:nvCxnSpPr>
+        <p:spPr>
+          <a:xfrm>
+            <a:off x="2817180" y="2104008"/>
+            <a:ext cx="0" cy="701336"/>
+          </a:xfrm>
+          <a:prstGeom prst="straightConnector1">
+            <a:avLst/>
+          </a:prstGeom>
+          <a:ln>
+            <a:tailEnd type="triangle"/>
+          </a:ln>
+        </p:spPr>
+        <p:style>
+          <a:lnRef idx="3">
+            <a:schemeClr val="accent5"/>
+          </a:lnRef>
+          <a:fillRef idx="0">
+            <a:schemeClr val="accent5"/>
+          </a:fillRef>
+          <a:effectRef idx="2">
+            <a:schemeClr val="accent5"/>
+          </a:effectRef>
+          <a:fontRef idx="minor">
+            <a:schemeClr val="tx1"/>
+          </a:fontRef>
+        </p:style>
+      </p:cxnSp>
+      <p:cxnSp>
+        <p:nvCxnSpPr>
+          <p:cNvPr id="54" name="Straight Arrow Connector 53">
+            <a:extLst>
+              <a:ext uri="{FF2B5EF4-FFF2-40B4-BE49-F238E27FC236}">
+                <a16:creationId xmlns:a16="http://schemas.microsoft.com/office/drawing/2014/main" id="{B5C440D5-DDB0-0FF0-9422-07497E331038}"/>
+              </a:ext>
+            </a:extLst>
+          </p:cNvPr>
+          <p:cNvCxnSpPr/>
+          <p:nvPr/>
+        </p:nvCxnSpPr>
+        <p:spPr>
+          <a:xfrm>
+            <a:off x="3946122" y="1660124"/>
+            <a:ext cx="3759695" cy="1518082"/>
+          </a:xfrm>
+          <a:prstGeom prst="straightConnector1">
+            <a:avLst/>
+          </a:prstGeom>
+          <a:ln>
+            <a:tailEnd type="triangle"/>
+          </a:ln>
+        </p:spPr>
+        <p:style>
+          <a:lnRef idx="3">
+            <a:schemeClr val="accent5"/>
+          </a:lnRef>
+          <a:fillRef idx="0">
+            <a:schemeClr val="accent5"/>
+          </a:fillRef>
+          <a:effectRef idx="2">
+            <a:schemeClr val="accent5"/>
+          </a:effectRef>
+          <a:fontRef idx="minor">
+            <a:schemeClr val="tx1"/>
+          </a:fontRef>
+        </p:style>
+      </p:cxnSp>
+      <p:cxnSp>
+        <p:nvCxnSpPr>
+          <p:cNvPr id="56" name="Straight Arrow Connector 55">
+            <a:extLst>
+              <a:ext uri="{FF2B5EF4-FFF2-40B4-BE49-F238E27FC236}">
+                <a16:creationId xmlns:a16="http://schemas.microsoft.com/office/drawing/2014/main" id="{C6677B56-369A-ED0A-0F57-EB3944B6570D}"/>
+              </a:ext>
+            </a:extLst>
+          </p:cNvPr>
+          <p:cNvCxnSpPr/>
+          <p:nvPr/>
+        </p:nvCxnSpPr>
+        <p:spPr>
+          <a:xfrm flipH="1">
+            <a:off x="3435658" y="1864311"/>
+            <a:ext cx="3861787" cy="1124134"/>
+          </a:xfrm>
+          <a:prstGeom prst="straightConnector1">
+            <a:avLst/>
+          </a:prstGeom>
+          <a:ln>
+            <a:tailEnd type="triangle"/>
+          </a:ln>
+        </p:spPr>
+        <p:style>
+          <a:lnRef idx="3">
+            <a:schemeClr val="accent5"/>
+          </a:lnRef>
+          <a:fillRef idx="0">
+            <a:schemeClr val="accent5"/>
+          </a:fillRef>
+          <a:effectRef idx="2">
+            <a:schemeClr val="accent5"/>
+          </a:effectRef>
+          <a:fontRef idx="minor">
+            <a:schemeClr val="tx1"/>
+          </a:fontRef>
+        </p:style>
+      </p:cxnSp>
+      <p:cxnSp>
+        <p:nvCxnSpPr>
+          <p:cNvPr id="58" name="Straight Arrow Connector 57">
+            <a:extLst>
+              <a:ext uri="{FF2B5EF4-FFF2-40B4-BE49-F238E27FC236}">
+                <a16:creationId xmlns:a16="http://schemas.microsoft.com/office/drawing/2014/main" id="{7435CB57-D786-285D-0491-24C6BBD84B4D}"/>
+              </a:ext>
+            </a:extLst>
+          </p:cNvPr>
+          <p:cNvCxnSpPr/>
+          <p:nvPr/>
+        </p:nvCxnSpPr>
+        <p:spPr>
+          <a:xfrm>
+            <a:off x="8487055" y="2246050"/>
+            <a:ext cx="0" cy="665826"/>
+          </a:xfrm>
+          <a:prstGeom prst="straightConnector1">
+            <a:avLst/>
+          </a:prstGeom>
+          <a:ln>
+            <a:tailEnd type="triangle"/>
+          </a:ln>
+        </p:spPr>
+        <p:style>
+          <a:lnRef idx="3">
+            <a:schemeClr val="accent5"/>
+          </a:lnRef>
+          <a:fillRef idx="0">
+            <a:schemeClr val="accent5"/>
+          </a:fillRef>
+          <a:effectRef idx="2">
+            <a:schemeClr val="accent5"/>
+          </a:effectRef>
+          <a:fontRef idx="minor">
+            <a:schemeClr val="tx1"/>
+          </a:fontRef>
+        </p:style>
+      </p:cxnSp>
+    </p:spTree>
+    <p:extLst>
+      <p:ext uri="{BB962C8B-B14F-4D97-AF65-F5344CB8AC3E}">
+        <p14:creationId xmlns:p14="http://schemas.microsoft.com/office/powerpoint/2010/main" val="3572374604"/>
       </p:ext>
     </p:extLst>
   </p:cSld>
@@ -4417,108 +7406,58 @@
 </file>
 
 <file path=ppt/theme/theme1.xml><?xml version="1.0" encoding="utf-8"?>
-<a:theme xmlns:a="http://schemas.openxmlformats.org/drawingml/2006/main" name="Office Theme">
+<a:theme xmlns:a="http://schemas.openxmlformats.org/drawingml/2006/main" name="Parcel">
   <a:themeElements>
-    <a:clrScheme name="Office">
+    <a:clrScheme name="Parcel">
       <a:dk1>
-        <a:sysClr val="windowText" lastClr="000000"/>
+        <a:srgbClr val="000000"/>
       </a:dk1>
       <a:lt1>
-        <a:sysClr val="window" lastClr="FFFFFF"/>
+        <a:srgbClr val="FFFFFF"/>
       </a:lt1>
       <a:dk2>
-        <a:srgbClr val="44546A"/>
+        <a:srgbClr val="4A5356"/>
       </a:dk2>
       <a:lt2>
-        <a:srgbClr val="E7E6E6"/>
+        <a:srgbClr val="E8E3CE"/>
       </a:lt2>
       <a:accent1>
-        <a:srgbClr val="4472C4"/>
+        <a:srgbClr val="F6A21D"/>
       </a:accent1>
       <a:accent2>
-        <a:srgbClr val="ED7D31"/>
+        <a:srgbClr val="9BAFB5"/>
       </a:accent2>
       <a:accent3>
-        <a:srgbClr val="A5A5A5"/>
+        <a:srgbClr val="C96731"/>
       </a:accent3>
       <a:accent4>
-        <a:srgbClr val="FFC000"/>
+        <a:srgbClr val="9CA383"/>
       </a:accent4>
       <a:accent5>
-        <a:srgbClr val="5B9BD5"/>
+        <a:srgbClr val="87795D"/>
       </a:accent5>
       <a:accent6>
-        <a:srgbClr val="70AD47"/>
+        <a:srgbClr val="A0988C"/>
       </a:accent6>
       <a:hlink>
-        <a:srgbClr val="0563C1"/>
+        <a:srgbClr val="00B0F0"/>
       </a:hlink>
       <a:folHlink>
-        <a:srgbClr val="954F72"/>
+        <a:srgbClr val="738F97"/>
       </a:folHlink>
     </a:clrScheme>
-    <a:fontScheme name="Office">
+    <a:fontScheme name="Parcel">
       <a:majorFont>
-        <a:latin typeface="Calibri Light" panose="020F0302020204030204"/>
+        <a:latin typeface="Gill Sans MT" panose="020B0502020104020203"/>
         <a:ea typeface=""/>
         <a:cs typeface=""/>
-        <a:font script="Jpan" typeface="游ゴシック Light"/>
-        <a:font script="Hang" typeface="맑은 고딕"/>
-        <a:font script="Hans" typeface="等线 Light"/>
-        <a:font script="Hant" typeface="新細明體"/>
-        <a:font script="Arab" typeface="Times New Roman"/>
-        <a:font script="Hebr" typeface="Times New Roman"/>
-        <a:font script="Thai" typeface="Angsana New"/>
-        <a:font script="Ethi" typeface="Nyala"/>
-        <a:font script="Beng" typeface="Vrinda"/>
-        <a:font script="Gujr" typeface="Shruti"/>
-        <a:font script="Khmr" typeface="MoolBoran"/>
-        <a:font script="Knda" typeface="Tunga"/>
-        <a:font script="Guru" typeface="Raavi"/>
-        <a:font script="Cans" typeface="Euphemia"/>
-        <a:font script="Cher" typeface="Plantagenet Cherokee"/>
-        <a:font script="Yiii" typeface="Microsoft Yi Baiti"/>
-        <a:font script="Tibt" typeface="Microsoft Himalaya"/>
-        <a:font script="Thaa" typeface="MV Boli"/>
-        <a:font script="Deva" typeface="Mangal"/>
-        <a:font script="Telu" typeface="Gautami"/>
-        <a:font script="Taml" typeface="Latha"/>
-        <a:font script="Syrc" typeface="Estrangelo Edessa"/>
-        <a:font script="Orya" typeface="Kalinga"/>
-        <a:font script="Mlym" typeface="Kartika"/>
-        <a:font script="Laoo" typeface="DokChampa"/>
-        <a:font script="Sinh" typeface="Iskoola Pota"/>
-        <a:font script="Mong" typeface="Mongolian Baiti"/>
-        <a:font script="Viet" typeface="Times New Roman"/>
-        <a:font script="Uigh" typeface="Microsoft Uighur"/>
-        <a:font script="Geor" typeface="Sylfaen"/>
-        <a:font script="Armn" typeface="Arial"/>
-        <a:font script="Bugi" typeface="Leelawadee UI"/>
-        <a:font script="Bopo" typeface="Microsoft JhengHei"/>
-        <a:font script="Java" typeface="Javanese Text"/>
-        <a:font script="Lisu" typeface="Segoe UI"/>
-        <a:font script="Mymr" typeface="Myanmar Text"/>
-        <a:font script="Nkoo" typeface="Ebrima"/>
-        <a:font script="Olck" typeface="Nirmala UI"/>
-        <a:font script="Osma" typeface="Ebrima"/>
-        <a:font script="Phag" typeface="Phagspa"/>
-        <a:font script="Syrn" typeface="Estrangelo Edessa"/>
-        <a:font script="Syrj" typeface="Estrangelo Edessa"/>
-        <a:font script="Syre" typeface="Estrangelo Edessa"/>
-        <a:font script="Sora" typeface="Nirmala UI"/>
-        <a:font script="Tale" typeface="Microsoft Tai Le"/>
-        <a:font script="Talu" typeface="Microsoft New Tai Lue"/>
-        <a:font script="Tfng" typeface="Ebrima"/>
-      </a:majorFont>
-      <a:minorFont>
-        <a:latin typeface="Calibri" panose="020F0502020204030204"/>
-        <a:ea typeface=""/>
-        <a:cs typeface=""/>
-        <a:font script="Jpan" typeface="游ゴシック"/>
-        <a:font script="Hang" typeface="맑은 고딕"/>
-        <a:font script="Hans" typeface="等线"/>
-        <a:font script="Hant" typeface="新細明體"/>
-        <a:font script="Arab" typeface="Arial"/>
+        <a:font script="Grek" typeface="Corbel"/>
+        <a:font script="Cyrl" typeface="Corbel"/>
+        <a:font script="Jpan" typeface="HGｺﾞｼｯｸE"/>
+        <a:font script="Hang" typeface="휴먼매직체"/>
+        <a:font script="Hans" typeface="华文中宋"/>
+        <a:font script="Hant" typeface="微軟正黑體"/>
+        <a:font script="Arab" typeface="Majalla UI"/>
         <a:font script="Hebr" typeface="Arial"/>
         <a:font script="Thai" typeface="Cordia New"/>
         <a:font script="Ethi" typeface="Nyala"/>
@@ -4541,29 +7480,49 @@
         <a:font script="Laoo" typeface="DokChampa"/>
         <a:font script="Sinh" typeface="Iskoola Pota"/>
         <a:font script="Mong" typeface="Mongolian Baiti"/>
-        <a:font script="Viet" typeface="Arial"/>
+        <a:font script="Viet" typeface="Tahoma"/>
         <a:font script="Uigh" typeface="Microsoft Uighur"/>
         <a:font script="Geor" typeface="Sylfaen"/>
-        <a:font script="Armn" typeface="Arial"/>
-        <a:font script="Bugi" typeface="Leelawadee UI"/>
-        <a:font script="Bopo" typeface="Microsoft JhengHei"/>
-        <a:font script="Java" typeface="Javanese Text"/>
-        <a:font script="Lisu" typeface="Segoe UI"/>
-        <a:font script="Mymr" typeface="Myanmar Text"/>
-        <a:font script="Nkoo" typeface="Ebrima"/>
-        <a:font script="Olck" typeface="Nirmala UI"/>
-        <a:font script="Osma" typeface="Ebrima"/>
-        <a:font script="Phag" typeface="Phagspa"/>
-        <a:font script="Syrn" typeface="Estrangelo Edessa"/>
-        <a:font script="Syrj" typeface="Estrangelo Edessa"/>
-        <a:font script="Syre" typeface="Estrangelo Edessa"/>
-        <a:font script="Sora" typeface="Nirmala UI"/>
-        <a:font script="Tale" typeface="Microsoft Tai Le"/>
-        <a:font script="Talu" typeface="Microsoft New Tai Lue"/>
-        <a:font script="Tfng" typeface="Ebrima"/>
+      </a:majorFont>
+      <a:minorFont>
+        <a:latin typeface="Gill Sans MT" panose="020B0502020104020203"/>
+        <a:ea typeface=""/>
+        <a:cs typeface=""/>
+        <a:font script="Grek" typeface="Corbel"/>
+        <a:font script="Cyrl" typeface="Corbel"/>
+        <a:font script="Jpan" typeface="HGｺﾞｼｯｸE"/>
+        <a:font script="Hang" typeface="휴먼매직체"/>
+        <a:font script="Hans" typeface="华文中宋"/>
+        <a:font script="Hant" typeface="微軟正黑體"/>
+        <a:font script="Arab" typeface="Majalla UI"/>
+        <a:font script="Hebr" typeface="Arial"/>
+        <a:font script="Thai" typeface="Cordia New"/>
+        <a:font script="Ethi" typeface="Nyala"/>
+        <a:font script="Beng" typeface="Vrinda"/>
+        <a:font script="Gujr" typeface="Shruti"/>
+        <a:font script="Khmr" typeface="DaunPenh"/>
+        <a:font script="Knda" typeface="Tunga"/>
+        <a:font script="Guru" typeface="Raavi"/>
+        <a:font script="Cans" typeface="Euphemia"/>
+        <a:font script="Cher" typeface="Plantagenet Cherokee"/>
+        <a:font script="Yiii" typeface="Microsoft Yi Baiti"/>
+        <a:font script="Tibt" typeface="Microsoft Himalaya"/>
+        <a:font script="Thaa" typeface="MV Boli"/>
+        <a:font script="Deva" typeface="Mangal"/>
+        <a:font script="Telu" typeface="Gautami"/>
+        <a:font script="Taml" typeface="Latha"/>
+        <a:font script="Syrc" typeface="Estrangelo Edessa"/>
+        <a:font script="Orya" typeface="Kalinga"/>
+        <a:font script="Mlym" typeface="Kartika"/>
+        <a:font script="Laoo" typeface="DokChampa"/>
+        <a:font script="Sinh" typeface="Iskoola Pota"/>
+        <a:font script="Mong" typeface="Mongolian Baiti"/>
+        <a:font script="Viet" typeface="Tahoma"/>
+        <a:font script="Uigh" typeface="Microsoft Uighur"/>
+        <a:font script="Geor" typeface="Sylfaen"/>
       </a:minorFont>
     </a:fontScheme>
-    <a:fmtScheme name="Office">
+    <a:fmtScheme name="Parcel">
       <a:fillStyleLst>
         <a:solidFill>
           <a:schemeClr val="phClr"/>
@@ -4572,23 +7531,16 @@
           <a:gsLst>
             <a:gs pos="0">
               <a:schemeClr val="phClr">
-                <a:lumMod val="110000"/>
-                <a:satMod val="105000"/>
-                <a:tint val="67000"/>
-              </a:schemeClr>
-            </a:gs>
-            <a:gs pos="50000">
-              <a:schemeClr val="phClr">
-                <a:lumMod val="105000"/>
-                <a:satMod val="103000"/>
-                <a:tint val="73000"/>
+                <a:tint val="80000"/>
+                <a:satMod val="107000"/>
+                <a:lumMod val="103000"/>
               </a:schemeClr>
             </a:gs>
             <a:gs pos="100000">
               <a:schemeClr val="phClr">
-                <a:lumMod val="105000"/>
+                <a:tint val="82000"/>
                 <a:satMod val="109000"/>
-                <a:tint val="81000"/>
+                <a:lumMod val="103000"/>
               </a:schemeClr>
             </a:gs>
           </a:gsLst>
@@ -4598,23 +7550,23 @@
           <a:gsLst>
             <a:gs pos="0">
               <a:schemeClr val="phClr">
-                <a:satMod val="103000"/>
+                <a:tint val="97000"/>
+                <a:satMod val="100000"/>
                 <a:lumMod val="102000"/>
-                <a:tint val="94000"/>
               </a:schemeClr>
             </a:gs>
             <a:gs pos="50000">
               <a:schemeClr val="phClr">
-                <a:satMod val="110000"/>
+                <a:shade val="100000"/>
+                <a:satMod val="103000"/>
                 <a:lumMod val="100000"/>
-                <a:shade val="100000"/>
               </a:schemeClr>
             </a:gs>
             <a:gs pos="100000">
               <a:schemeClr val="phClr">
+                <a:shade val="93000"/>
+                <a:satMod val="110000"/>
                 <a:lumMod val="99000"/>
-                <a:satMod val="120000"/>
-                <a:shade val="78000"/>
               </a:schemeClr>
             </a:gs>
           </a:gsLst>
@@ -4627,21 +7579,18 @@
             <a:schemeClr val="phClr"/>
           </a:solidFill>
           <a:prstDash val="solid"/>
-          <a:miter lim="800000"/>
         </a:ln>
         <a:ln w="12700" cap="flat" cmpd="sng" algn="ctr">
           <a:solidFill>
             <a:schemeClr val="phClr"/>
           </a:solidFill>
           <a:prstDash val="solid"/>
-          <a:miter lim="800000"/>
         </a:ln>
-        <a:ln w="19050" cap="flat" cmpd="sng" algn="ctr">
+        <a:ln w="31750" cap="flat" cmpd="sng" algn="ctr">
           <a:solidFill>
             <a:schemeClr val="phClr"/>
           </a:solidFill>
           <a:prstDash val="solid"/>
-          <a:miter lim="800000"/>
         </a:ln>
       </a:lnStyleLst>
       <a:effectStyleLst>
@@ -4653,12 +7602,21 @@
         </a:effectStyle>
         <a:effectStyle>
           <a:effectLst>
-            <a:outerShdw blurRad="57150" dist="19050" dir="5400000" algn="ctr" rotWithShape="0">
+            <a:outerShdw blurRad="55880" dist="15240" dir="5400000" algn="ctr" rotWithShape="0">
               <a:srgbClr val="000000">
-                <a:alpha val="63000"/>
+                <a:alpha val="45000"/>
               </a:srgbClr>
             </a:outerShdw>
           </a:effectLst>
+          <a:scene3d>
+            <a:camera prst="orthographicFront">
+              <a:rot lat="0" lon="0" rev="0"/>
+            </a:camera>
+            <a:lightRig rig="brightRoom" dir="tl"/>
+          </a:scene3d>
+          <a:sp3d prstMaterial="dkEdge">
+            <a:bevelT w="0" h="0"/>
+          </a:sp3d>
         </a:effectStyle>
       </a:effectStyleLst>
       <a:bgFillStyleLst>
@@ -4675,28 +7633,24 @@
           <a:gsLst>
             <a:gs pos="0">
               <a:schemeClr val="phClr">
-                <a:tint val="93000"/>
-                <a:satMod val="150000"/>
-                <a:shade val="98000"/>
-                <a:lumMod val="102000"/>
-              </a:schemeClr>
-            </a:gs>
-            <a:gs pos="50000">
-              <a:schemeClr val="phClr">
-                <a:tint val="98000"/>
-                <a:satMod val="130000"/>
-                <a:shade val="90000"/>
-                <a:lumMod val="103000"/>
+                <a:tint val="97000"/>
+                <a:shade val="100000"/>
+                <a:satMod val="185000"/>
+                <a:lumMod val="120000"/>
               </a:schemeClr>
             </a:gs>
             <a:gs pos="100000">
               <a:schemeClr val="phClr">
-                <a:shade val="63000"/>
-                <a:satMod val="120000"/>
+                <a:tint val="96000"/>
+                <a:shade val="95000"/>
+                <a:satMod val="215000"/>
+                <a:lumMod val="80000"/>
               </a:schemeClr>
             </a:gs>
           </a:gsLst>
-          <a:lin ang="5400000" scaled="0"/>
+          <a:path path="circle">
+            <a:fillToRect l="50000" t="55000" r="125000" b="100000"/>
+          </a:path>
         </a:gradFill>
       </a:bgFillStyleLst>
     </a:fmtScheme>
@@ -4705,7 +7659,7 @@
   <a:extraClrSchemeLst/>
   <a:extLst>
     <a:ext uri="{05A4C25C-085E-4340-85A3-A5531E510DB2}">
-      <thm15:themeFamily xmlns:thm15="http://schemas.microsoft.com/office/thememl/2012/main" name="Office Theme" id="{62F939B6-93AF-4DB8-9C6B-D6C7DFDC589F}" vid="{4A3C46E8-61CC-4603-A589-7422A47A8E4A}"/>
+      <thm15:themeFamily xmlns:thm15="http://schemas.microsoft.com/office/thememl/2012/main" name="Parcel" id="{8BEC4385-4EB9-4D53-BFB5-0EA123736B6D}" vid="{4DB32801-28C0-48B0-8C1D-A9A58613615A}"/>
     </a:ext>
   </a:extLst>
 </a:theme>

--- a/AI Empowered Automated Employee Expense Reimbursement Process.pptx
+++ b/AI Empowered Automated Employee Expense Reimbursement Process.pptx
@@ -11,12 +11,14 @@
     <p:sldId id="259" r:id="rId5"/>
     <p:sldId id="265" r:id="rId6"/>
     <p:sldId id="267" r:id="rId7"/>
-    <p:sldId id="268" r:id="rId8"/>
-    <p:sldId id="266" r:id="rId9"/>
-    <p:sldId id="264" r:id="rId10"/>
-    <p:sldId id="260" r:id="rId11"/>
-    <p:sldId id="261" r:id="rId12"/>
-    <p:sldId id="262" r:id="rId13"/>
+    <p:sldId id="269" r:id="rId8"/>
+    <p:sldId id="268" r:id="rId9"/>
+    <p:sldId id="266" r:id="rId10"/>
+    <p:sldId id="264" r:id="rId11"/>
+    <p:sldId id="260" r:id="rId12"/>
+    <p:sldId id="270" r:id="rId13"/>
+    <p:sldId id="261" r:id="rId14"/>
+    <p:sldId id="262" r:id="rId15"/>
   </p:sldIdLst>
   <p:sldSz cx="12192000" cy="6858000"/>
   <p:notesSz cx="6858000" cy="9144000"/>
@@ -286,7 +288,7 @@
           <a:p>
             <a:fld id="{48C94CA2-74DA-4280-AF68-7BD807AD46B3}" type="datetimeFigureOut">
               <a:rPr lang="en-US" smtClean="0"/>
-              <a:t>12/4/2023</a:t>
+              <a:t>12/5/2023</a:t>
             </a:fld>
             <a:endParaRPr lang="en-US"/>
           </a:p>
@@ -456,7 +458,7 @@
           <a:p>
             <a:fld id="{48C94CA2-74DA-4280-AF68-7BD807AD46B3}" type="datetimeFigureOut">
               <a:rPr lang="en-US" smtClean="0"/>
-              <a:t>12/4/2023</a:t>
+              <a:t>12/5/2023</a:t>
             </a:fld>
             <a:endParaRPr lang="en-US"/>
           </a:p>
@@ -636,7 +638,7 @@
           <a:p>
             <a:fld id="{48C94CA2-74DA-4280-AF68-7BD807AD46B3}" type="datetimeFigureOut">
               <a:rPr lang="en-US" smtClean="0"/>
-              <a:t>12/4/2023</a:t>
+              <a:t>12/5/2023</a:t>
             </a:fld>
             <a:endParaRPr lang="en-US"/>
           </a:p>
@@ -806,7 +808,7 @@
           <a:p>
             <a:fld id="{48C94CA2-74DA-4280-AF68-7BD807AD46B3}" type="datetimeFigureOut">
               <a:rPr lang="en-US" smtClean="0"/>
-              <a:t>12/4/2023</a:t>
+              <a:t>12/5/2023</a:t>
             </a:fld>
             <a:endParaRPr lang="en-US"/>
           </a:p>
@@ -1074,7 +1076,7 @@
           <a:p>
             <a:fld id="{48C94CA2-74DA-4280-AF68-7BD807AD46B3}" type="datetimeFigureOut">
               <a:rPr lang="en-US" smtClean="0"/>
-              <a:t>12/4/2023</a:t>
+              <a:t>12/5/2023</a:t>
             </a:fld>
             <a:endParaRPr lang="en-US"/>
           </a:p>
@@ -1306,7 +1308,7 @@
           <a:p>
             <a:fld id="{48C94CA2-74DA-4280-AF68-7BD807AD46B3}" type="datetimeFigureOut">
               <a:rPr lang="en-US" smtClean="0"/>
-              <a:t>12/4/2023</a:t>
+              <a:t>12/5/2023</a:t>
             </a:fld>
             <a:endParaRPr lang="en-US"/>
           </a:p>
@@ -1665,7 +1667,7 @@
           <a:p>
             <a:fld id="{48C94CA2-74DA-4280-AF68-7BD807AD46B3}" type="datetimeFigureOut">
               <a:rPr lang="en-US" smtClean="0"/>
-              <a:t>12/4/2023</a:t>
+              <a:t>12/5/2023</a:t>
             </a:fld>
             <a:endParaRPr lang="en-US"/>
           </a:p>
@@ -1806,7 +1808,7 @@
           <a:p>
             <a:fld id="{48C94CA2-74DA-4280-AF68-7BD807AD46B3}" type="datetimeFigureOut">
               <a:rPr lang="en-US" smtClean="0"/>
-              <a:t>12/4/2023</a:t>
+              <a:t>12/5/2023</a:t>
             </a:fld>
             <a:endParaRPr lang="en-US"/>
           </a:p>
@@ -1901,7 +1903,7 @@
           <a:p>
             <a:fld id="{48C94CA2-74DA-4280-AF68-7BD807AD46B3}" type="datetimeFigureOut">
               <a:rPr lang="en-US" smtClean="0"/>
-              <a:t>12/4/2023</a:t>
+              <a:t>12/5/2023</a:t>
             </a:fld>
             <a:endParaRPr lang="en-US"/>
           </a:p>
@@ -2258,7 +2260,7 @@
           <a:p>
             <a:fld id="{48C94CA2-74DA-4280-AF68-7BD807AD46B3}" type="datetimeFigureOut">
               <a:rPr lang="en-US" smtClean="0"/>
-              <a:t>12/4/2023</a:t>
+              <a:t>12/5/2023</a:t>
             </a:fld>
             <a:endParaRPr lang="en-US"/>
           </a:p>
@@ -2615,7 +2617,7 @@
           <a:p>
             <a:fld id="{48C94CA2-74DA-4280-AF68-7BD807AD46B3}" type="datetimeFigureOut">
               <a:rPr lang="en-US" smtClean="0"/>
-              <a:t>12/4/2023</a:t>
+              <a:t>12/5/2023</a:t>
             </a:fld>
             <a:endParaRPr lang="en-US"/>
           </a:p>
@@ -2857,7 +2859,7 @@
           <a:p>
             <a:fld id="{48C94CA2-74DA-4280-AF68-7BD807AD46B3}" type="datetimeFigureOut">
               <a:rPr lang="en-US" smtClean="0"/>
-              <a:t>12/4/2023</a:t>
+              <a:t>12/5/2023</a:t>
             </a:fld>
             <a:endParaRPr lang="en-US"/>
           </a:p>
@@ -3309,6 +3311,53 @@
           <a:chExt cx="0" cy="0"/>
         </a:xfrm>
       </p:grpSpPr>
+      <p:pic>
+        <p:nvPicPr>
+          <p:cNvPr id="1026" name="Picture 2" descr="Expense Recognition Principle: What It Is &amp; How It Works">
+            <a:extLst>
+              <a:ext uri="{FF2B5EF4-FFF2-40B4-BE49-F238E27FC236}">
+                <a16:creationId xmlns:a16="http://schemas.microsoft.com/office/drawing/2014/main" id="{BF2DC261-6EFF-66E4-6D68-ED1B146B97B2}"/>
+              </a:ext>
+            </a:extLst>
+          </p:cNvPr>
+          <p:cNvPicPr>
+            <a:picLocks noChangeAspect="1" noChangeArrowheads="1"/>
+          </p:cNvPicPr>
+          <p:nvPr/>
+        </p:nvPicPr>
+        <p:blipFill>
+          <a:blip r:embed="rId2">
+            <a:extLst>
+              <a:ext uri="{28A0092B-C50C-407E-A947-70E740481C1C}">
+                <a14:useLocalDpi xmlns:a14="http://schemas.microsoft.com/office/drawing/2010/main" val="0"/>
+              </a:ext>
+            </a:extLst>
+          </a:blip>
+          <a:srcRect/>
+          <a:stretch>
+            <a:fillRect/>
+          </a:stretch>
+        </p:blipFill>
+        <p:spPr bwMode="auto">
+          <a:xfrm>
+            <a:off x="-699858" y="0"/>
+            <a:ext cx="12891858" cy="6858000"/>
+          </a:xfrm>
+          <a:prstGeom prst="rect">
+            <a:avLst/>
+          </a:prstGeom>
+          <a:noFill/>
+          <a:extLst>
+            <a:ext uri="{909E8E84-426E-40DD-AFC4-6F175D3DCCD1}">
+              <a14:hiddenFill xmlns:a14="http://schemas.microsoft.com/office/drawing/2010/main">
+                <a:solidFill>
+                  <a:srgbClr val="FFFFFF"/>
+                </a:solidFill>
+              </a14:hiddenFill>
+            </a:ext>
+          </a:extLst>
+        </p:spPr>
+      </p:pic>
       <p:sp>
         <p:nvSpPr>
           <p:cNvPr id="3" name="Subtitle 2">
@@ -3327,7 +3376,7 @@
         </p:nvSpPr>
         <p:spPr>
           <a:xfrm>
-            <a:off x="1673439" y="3837700"/>
+            <a:off x="1929413" y="3214848"/>
             <a:ext cx="8664607" cy="2521257"/>
           </a:xfrm>
         </p:spPr>
@@ -3341,7 +3390,13 @@
               <a:buNone/>
             </a:pPr>
             <a:r>
-              <a:rPr lang="en-US" sz="3200" dirty="0"/>
+              <a:rPr lang="en-US" sz="3200" b="1" dirty="0">
+                <a:solidFill>
+                  <a:srgbClr val="7030A0"/>
+                </a:solidFill>
+                <a:latin typeface="Calibri Light" panose="020F0302020204030204" pitchFamily="34" charset="0"/>
+                <a:cs typeface="Calibri Light" panose="020F0302020204030204" pitchFamily="34" charset="0"/>
+              </a:rPr>
               <a:t>Team 13</a:t>
             </a:r>
           </a:p>
@@ -3350,11 +3405,17 @@
               <a:buNone/>
             </a:pPr>
             <a:r>
-              <a:rPr lang="en-US" dirty="0" err="1"/>
+              <a:rPr lang="en-US" dirty="0" err="1">
+                <a:latin typeface="Calibri Light" panose="020F0302020204030204" pitchFamily="34" charset="0"/>
+                <a:cs typeface="Calibri Light" panose="020F0302020204030204" pitchFamily="34" charset="0"/>
+              </a:rPr>
               <a:t>Yiwei</a:t>
             </a:r>
             <a:r>
-              <a:rPr lang="en-US" dirty="0"/>
+              <a:rPr lang="en-US" dirty="0">
+                <a:latin typeface="Calibri Light" panose="020F0302020204030204" pitchFamily="34" charset="0"/>
+                <a:cs typeface="Calibri Light" panose="020F0302020204030204" pitchFamily="34" charset="0"/>
+              </a:rPr>
               <a:t> Wang</a:t>
             </a:r>
           </a:p>
@@ -3363,11 +3424,17 @@
               <a:buNone/>
             </a:pPr>
             <a:r>
-              <a:rPr lang="en-US" dirty="0" err="1"/>
+              <a:rPr lang="en-US" dirty="0" err="1">
+                <a:latin typeface="Calibri Light" panose="020F0302020204030204" pitchFamily="34" charset="0"/>
+                <a:cs typeface="Calibri Light" panose="020F0302020204030204" pitchFamily="34" charset="0"/>
+              </a:rPr>
               <a:t>Bingyang</a:t>
             </a:r>
             <a:r>
-              <a:rPr lang="en-US" dirty="0"/>
+              <a:rPr lang="en-US" dirty="0">
+                <a:latin typeface="Calibri Light" panose="020F0302020204030204" pitchFamily="34" charset="0"/>
+                <a:cs typeface="Calibri Light" panose="020F0302020204030204" pitchFamily="34" charset="0"/>
+              </a:rPr>
               <a:t> Ke</a:t>
             </a:r>
           </a:p>
@@ -3376,11 +3443,17 @@
               <a:buNone/>
             </a:pPr>
             <a:r>
-              <a:rPr lang="en-US" dirty="0" err="1"/>
+              <a:rPr lang="en-US" dirty="0" err="1">
+                <a:latin typeface="Calibri Light" panose="020F0302020204030204" pitchFamily="34" charset="0"/>
+                <a:cs typeface="Calibri Light" panose="020F0302020204030204" pitchFamily="34" charset="0"/>
+              </a:rPr>
               <a:t>Pengkun</a:t>
             </a:r>
             <a:r>
-              <a:rPr lang="en-US" dirty="0"/>
+              <a:rPr lang="en-US" dirty="0">
+                <a:latin typeface="Calibri Light" panose="020F0302020204030204" pitchFamily="34" charset="0"/>
+                <a:cs typeface="Calibri Light" panose="020F0302020204030204" pitchFamily="34" charset="0"/>
+              </a:rPr>
               <a:t> Ma</a:t>
             </a:r>
           </a:p>
@@ -3389,11 +3462,17 @@
               <a:buNone/>
             </a:pPr>
             <a:r>
-              <a:rPr lang="en-US" dirty="0" err="1"/>
+              <a:rPr lang="en-US" dirty="0" err="1">
+                <a:latin typeface="Calibri Light" panose="020F0302020204030204" pitchFamily="34" charset="0"/>
+                <a:cs typeface="Calibri Light" panose="020F0302020204030204" pitchFamily="34" charset="0"/>
+              </a:rPr>
               <a:t>Nanxiang</a:t>
             </a:r>
             <a:r>
-              <a:rPr lang="en-US" dirty="0"/>
+              <a:rPr lang="en-US" dirty="0">
+                <a:latin typeface="Calibri Light" panose="020F0302020204030204" pitchFamily="34" charset="0"/>
+                <a:cs typeface="Calibri Light" panose="020F0302020204030204" pitchFamily="34" charset="0"/>
+              </a:rPr>
               <a:t> Zhao</a:t>
             </a:r>
           </a:p>
@@ -3418,7 +3497,7 @@
         <p:spPr>
           <a:xfrm>
             <a:off x="1597980" y="843677"/>
-            <a:ext cx="8815526" cy="2585323"/>
+            <a:ext cx="10594020" cy="2893100"/>
           </a:xfrm>
           <a:prstGeom prst="rect">
             <a:avLst/>
@@ -3431,17 +3510,58 @@
           </a:bodyPr>
           <a:lstStyle/>
           <a:p>
+            <a:r>
+              <a:rPr lang="en-US" sz="6000" b="1" dirty="0">
+                <a:solidFill>
+                  <a:srgbClr val="7030A0"/>
+                </a:solidFill>
+                <a:latin typeface="Calibri Light" panose="020F0302020204030204" pitchFamily="34" charset="0"/>
+                <a:cs typeface="Calibri Light" panose="020F0302020204030204" pitchFamily="34" charset="0"/>
+              </a:rPr>
+              <a:t>							Expense AI</a:t>
+            </a:r>
+          </a:p>
+          <a:p>
             <a:pPr algn="ctr"/>
             <a:r>
-              <a:rPr lang="en-US" sz="5400" b="0" i="0" u="none" strike="noStrike" dirty="0">
+              <a:rPr lang="en-US" sz="3400" b="1" dirty="0">
+                <a:solidFill>
+                  <a:srgbClr val="000000"/>
+                </a:solidFill>
+                <a:latin typeface="Calibri Light" panose="020F0302020204030204" pitchFamily="34" charset="0"/>
+                <a:cs typeface="Calibri Light" panose="020F0302020204030204" pitchFamily="34" charset="0"/>
+              </a:rPr>
+              <a:t>       </a:t>
+            </a:r>
+            <a:r>
+              <a:rPr lang="en-US" sz="3400" b="1" i="0" u="none" strike="noStrike" dirty="0">
+                <a:solidFill>
+                  <a:srgbClr val="00B050"/>
+                </a:solidFill>
+                <a:effectLst/>
+                <a:latin typeface="Calibri Light" panose="020F0302020204030204" pitchFamily="34" charset="0"/>
+                <a:cs typeface="Calibri Light" panose="020F0302020204030204" pitchFamily="34" charset="0"/>
+              </a:rPr>
+              <a:t>AI Empowered </a:t>
+            </a:r>
+            <a:r>
+              <a:rPr lang="en-US" sz="3400" i="0" u="none" strike="noStrike" dirty="0">
                 <a:solidFill>
                   <a:srgbClr val="000000"/>
                 </a:solidFill>
                 <a:effectLst/>
-                <a:latin typeface="Rockwell" panose="02060603020205020403" pitchFamily="18" charset="0"/>
+                <a:latin typeface="Calibri Light" panose="020F0302020204030204" pitchFamily="34" charset="0"/>
+                <a:cs typeface="Calibri Light" panose="020F0302020204030204" pitchFamily="34" charset="0"/>
               </a:rPr>
-              <a:t>AI Empowered Automated Employee Expense Reimbursement Process</a:t>
-            </a:r>
+              <a:t>Automated Employee Expense Reimbursement Process</a:t>
+            </a:r>
+            <a:endParaRPr lang="en-US" sz="3400" dirty="0">
+              <a:latin typeface="Calibri Light" panose="020F0302020204030204" pitchFamily="34" charset="0"/>
+              <a:cs typeface="Calibri Light" panose="020F0302020204030204" pitchFamily="34" charset="0"/>
+            </a:endParaRPr>
+          </a:p>
+          <a:p>
+            <a:pPr algn="ctr"/>
             <a:endParaRPr lang="en-US" sz="5400" dirty="0">
               <a:latin typeface="Rockwell" panose="02060603020205020403" pitchFamily="18" charset="0"/>
             </a:endParaRPr>
@@ -3480,37 +3600,684 @@
       </p:grpSpPr>
       <p:sp>
         <p:nvSpPr>
-          <p:cNvPr id="2" name="Title 1">
-            <a:extLst>
-              <a:ext uri="{FF2B5EF4-FFF2-40B4-BE49-F238E27FC236}">
-                <a16:creationId xmlns:a16="http://schemas.microsoft.com/office/drawing/2014/main" id="{7B230317-815C-CA00-0A4E-4E21E5FAFD98}"/>
-              </a:ext>
-            </a:extLst>
-          </p:cNvPr>
-          <p:cNvSpPr>
-            <a:spLocks noGrp="1"/>
-          </p:cNvSpPr>
-          <p:nvPr>
-            <p:ph type="title"/>
-          </p:nvPr>
-        </p:nvSpPr>
-        <p:spPr/>
-        <p:txBody>
-          <a:bodyPr/>
-          <a:lstStyle/>
-          <a:p>
-            <a:r>
-              <a:rPr lang="en-US" altLang="zh-CN" dirty="0"/>
-              <a:t>Demo</a:t>
-            </a:r>
-            <a:endParaRPr lang="en-US" dirty="0"/>
-          </a:p>
-        </p:txBody>
-      </p:sp>
+          <p:cNvPr id="2" name="Oval 1">
+            <a:extLst>
+              <a:ext uri="{FF2B5EF4-FFF2-40B4-BE49-F238E27FC236}">
+                <a16:creationId xmlns:a16="http://schemas.microsoft.com/office/drawing/2014/main" id="{C47BEC8E-3358-804B-05C4-7BCE2660B3DE}"/>
+              </a:ext>
+            </a:extLst>
+          </p:cNvPr>
+          <p:cNvSpPr/>
+          <p:nvPr/>
+        </p:nvSpPr>
+        <p:spPr>
+          <a:xfrm>
+            <a:off x="4908610" y="5020323"/>
+            <a:ext cx="1677880" cy="1171852"/>
+          </a:xfrm>
+          <a:prstGeom prst="ellipse">
+            <a:avLst/>
+          </a:prstGeom>
+          <a:solidFill>
+            <a:schemeClr val="tx2">
+              <a:lumMod val="40000"/>
+              <a:lumOff val="60000"/>
+            </a:schemeClr>
+          </a:solidFill>
+        </p:spPr>
+        <p:style>
+          <a:lnRef idx="2">
+            <a:schemeClr val="accent1">
+              <a:shade val="15000"/>
+            </a:schemeClr>
+          </a:lnRef>
+          <a:fillRef idx="1">
+            <a:schemeClr val="accent1"/>
+          </a:fillRef>
+          <a:effectRef idx="0">
+            <a:schemeClr val="accent1"/>
+          </a:effectRef>
+          <a:fontRef idx="minor">
+            <a:schemeClr val="lt1"/>
+          </a:fontRef>
+        </p:style>
+        <p:txBody>
+          <a:bodyPr rtlCol="0" anchor="ctr"/>
+          <a:lstStyle/>
+          <a:p>
+            <a:pPr algn="ctr"/>
+            <a:r>
+              <a:rPr lang="en-US" dirty="0">
+                <a:solidFill>
+                  <a:schemeClr val="tx1"/>
+                </a:solidFill>
+              </a:rPr>
+              <a:t>start</a:t>
+            </a:r>
+          </a:p>
+        </p:txBody>
+      </p:sp>
+      <p:sp>
+        <p:nvSpPr>
+          <p:cNvPr id="3" name="Oval 2">
+            <a:extLst>
+              <a:ext uri="{FF2B5EF4-FFF2-40B4-BE49-F238E27FC236}">
+                <a16:creationId xmlns:a16="http://schemas.microsoft.com/office/drawing/2014/main" id="{6D35FBDD-90AF-5B98-D0D4-96B7FBE1E728}"/>
+              </a:ext>
+            </a:extLst>
+          </p:cNvPr>
+          <p:cNvSpPr/>
+          <p:nvPr/>
+        </p:nvSpPr>
+        <p:spPr>
+          <a:xfrm>
+            <a:off x="7401017" y="559293"/>
+            <a:ext cx="2394011" cy="1544715"/>
+          </a:xfrm>
+          <a:prstGeom prst="ellipse">
+            <a:avLst/>
+          </a:prstGeom>
+          <a:solidFill>
+            <a:schemeClr val="tx2">
+              <a:lumMod val="40000"/>
+              <a:lumOff val="60000"/>
+            </a:schemeClr>
+          </a:solidFill>
+        </p:spPr>
+        <p:style>
+          <a:lnRef idx="2">
+            <a:schemeClr val="accent1">
+              <a:shade val="15000"/>
+            </a:schemeClr>
+          </a:lnRef>
+          <a:fillRef idx="1">
+            <a:schemeClr val="accent1"/>
+          </a:fillRef>
+          <a:effectRef idx="0">
+            <a:schemeClr val="accent1"/>
+          </a:effectRef>
+          <a:fontRef idx="minor">
+            <a:schemeClr val="lt1"/>
+          </a:fontRef>
+        </p:style>
+        <p:txBody>
+          <a:bodyPr rtlCol="0" anchor="ctr"/>
+          <a:lstStyle/>
+          <a:p>
+            <a:pPr algn="ctr"/>
+            <a:r>
+              <a:rPr lang="en-US" dirty="0">
+                <a:solidFill>
+                  <a:schemeClr val="tx1"/>
+                </a:solidFill>
+              </a:rPr>
+              <a:t>Request for more evidence</a:t>
+            </a:r>
+          </a:p>
+        </p:txBody>
+      </p:sp>
+      <p:sp>
+        <p:nvSpPr>
+          <p:cNvPr id="4" name="Oval 3">
+            <a:extLst>
+              <a:ext uri="{FF2B5EF4-FFF2-40B4-BE49-F238E27FC236}">
+                <a16:creationId xmlns:a16="http://schemas.microsoft.com/office/drawing/2014/main" id="{CF35327D-A77B-D44F-C0E0-F3D9E097D19F}"/>
+              </a:ext>
+            </a:extLst>
+          </p:cNvPr>
+          <p:cNvSpPr/>
+          <p:nvPr/>
+        </p:nvSpPr>
+        <p:spPr>
+          <a:xfrm>
+            <a:off x="1929413" y="2988445"/>
+            <a:ext cx="1775534" cy="1278385"/>
+          </a:xfrm>
+          <a:prstGeom prst="ellipse">
+            <a:avLst/>
+          </a:prstGeom>
+          <a:solidFill>
+            <a:schemeClr val="tx2">
+              <a:lumMod val="40000"/>
+              <a:lumOff val="60000"/>
+            </a:schemeClr>
+          </a:solidFill>
+        </p:spPr>
+        <p:style>
+          <a:lnRef idx="2">
+            <a:schemeClr val="accent1">
+              <a:shade val="15000"/>
+            </a:schemeClr>
+          </a:lnRef>
+          <a:fillRef idx="1">
+            <a:schemeClr val="accent1"/>
+          </a:fillRef>
+          <a:effectRef idx="0">
+            <a:schemeClr val="accent1"/>
+          </a:effectRef>
+          <a:fontRef idx="minor">
+            <a:schemeClr val="lt1"/>
+          </a:fontRef>
+        </p:style>
+        <p:txBody>
+          <a:bodyPr rtlCol="0" anchor="ctr"/>
+          <a:lstStyle/>
+          <a:p>
+            <a:pPr algn="ctr"/>
+            <a:r>
+              <a:rPr lang="en-US" dirty="0">
+                <a:solidFill>
+                  <a:schemeClr val="tx1"/>
+                </a:solidFill>
+              </a:rPr>
+              <a:t>Approve</a:t>
+            </a:r>
+          </a:p>
+        </p:txBody>
+      </p:sp>
+      <p:sp>
+        <p:nvSpPr>
+          <p:cNvPr id="5" name="Oval 4">
+            <a:extLst>
+              <a:ext uri="{FF2B5EF4-FFF2-40B4-BE49-F238E27FC236}">
+                <a16:creationId xmlns:a16="http://schemas.microsoft.com/office/drawing/2014/main" id="{8218EE8D-18B7-3557-5C9F-4FCCBFB2D8A9}"/>
+              </a:ext>
+            </a:extLst>
+          </p:cNvPr>
+          <p:cNvSpPr/>
+          <p:nvPr/>
+        </p:nvSpPr>
+        <p:spPr>
+          <a:xfrm>
+            <a:off x="1624615" y="665825"/>
+            <a:ext cx="2321507" cy="1278385"/>
+          </a:xfrm>
+          <a:prstGeom prst="ellipse">
+            <a:avLst/>
+          </a:prstGeom>
+          <a:solidFill>
+            <a:schemeClr val="tx2">
+              <a:lumMod val="40000"/>
+              <a:lumOff val="60000"/>
+            </a:schemeClr>
+          </a:solidFill>
+        </p:spPr>
+        <p:style>
+          <a:lnRef idx="2">
+            <a:schemeClr val="accent1">
+              <a:shade val="15000"/>
+            </a:schemeClr>
+          </a:lnRef>
+          <a:fillRef idx="1">
+            <a:schemeClr val="accent1"/>
+          </a:fillRef>
+          <a:effectRef idx="0">
+            <a:schemeClr val="accent1"/>
+          </a:effectRef>
+          <a:fontRef idx="minor">
+            <a:schemeClr val="lt1"/>
+          </a:fontRef>
+        </p:style>
+        <p:txBody>
+          <a:bodyPr rtlCol="0" anchor="ctr"/>
+          <a:lstStyle/>
+          <a:p>
+            <a:pPr algn="ctr"/>
+            <a:r>
+              <a:rPr lang="en-US" dirty="0">
+                <a:solidFill>
+                  <a:schemeClr val="tx1"/>
+                </a:solidFill>
+              </a:rPr>
+              <a:t>Submit for further review</a:t>
+            </a:r>
+          </a:p>
+        </p:txBody>
+      </p:sp>
+      <p:sp>
+        <p:nvSpPr>
+          <p:cNvPr id="6" name="Oval 5">
+            <a:extLst>
+              <a:ext uri="{FF2B5EF4-FFF2-40B4-BE49-F238E27FC236}">
+                <a16:creationId xmlns:a16="http://schemas.microsoft.com/office/drawing/2014/main" id="{B3041787-9100-7040-5D51-00A67806A745}"/>
+              </a:ext>
+            </a:extLst>
+          </p:cNvPr>
+          <p:cNvSpPr/>
+          <p:nvPr/>
+        </p:nvSpPr>
+        <p:spPr>
+          <a:xfrm>
+            <a:off x="7599288" y="3038380"/>
+            <a:ext cx="1775534" cy="1278385"/>
+          </a:xfrm>
+          <a:prstGeom prst="ellipse">
+            <a:avLst/>
+          </a:prstGeom>
+          <a:solidFill>
+            <a:schemeClr val="tx2">
+              <a:lumMod val="40000"/>
+              <a:lumOff val="60000"/>
+            </a:schemeClr>
+          </a:solidFill>
+        </p:spPr>
+        <p:style>
+          <a:lnRef idx="2">
+            <a:schemeClr val="accent1">
+              <a:shade val="15000"/>
+            </a:schemeClr>
+          </a:lnRef>
+          <a:fillRef idx="1">
+            <a:schemeClr val="accent1"/>
+          </a:fillRef>
+          <a:effectRef idx="0">
+            <a:schemeClr val="accent1"/>
+          </a:effectRef>
+          <a:fontRef idx="minor">
+            <a:schemeClr val="lt1"/>
+          </a:fontRef>
+        </p:style>
+        <p:txBody>
+          <a:bodyPr rtlCol="0" anchor="ctr"/>
+          <a:lstStyle/>
+          <a:p>
+            <a:pPr algn="ctr"/>
+            <a:r>
+              <a:rPr lang="en-US" dirty="0">
+                <a:solidFill>
+                  <a:schemeClr val="tx1"/>
+                </a:solidFill>
+              </a:rPr>
+              <a:t>Deny</a:t>
+            </a:r>
+          </a:p>
+        </p:txBody>
+      </p:sp>
+      <p:cxnSp>
+        <p:nvCxnSpPr>
+          <p:cNvPr id="26" name="Straight Arrow Connector 25">
+            <a:extLst>
+              <a:ext uri="{FF2B5EF4-FFF2-40B4-BE49-F238E27FC236}">
+                <a16:creationId xmlns:a16="http://schemas.microsoft.com/office/drawing/2014/main" id="{8E05D952-2C90-273F-F999-281E9CE8BC0C}"/>
+              </a:ext>
+            </a:extLst>
+          </p:cNvPr>
+          <p:cNvCxnSpPr/>
+          <p:nvPr/>
+        </p:nvCxnSpPr>
+        <p:spPr>
+          <a:xfrm flipH="1">
+            <a:off x="4145871" y="1251751"/>
+            <a:ext cx="2920754" cy="0"/>
+          </a:xfrm>
+          <a:prstGeom prst="straightConnector1">
+            <a:avLst/>
+          </a:prstGeom>
+          <a:ln>
+            <a:tailEnd type="triangle"/>
+          </a:ln>
+        </p:spPr>
+        <p:style>
+          <a:lnRef idx="3">
+            <a:schemeClr val="accent5"/>
+          </a:lnRef>
+          <a:fillRef idx="0">
+            <a:schemeClr val="accent5"/>
+          </a:fillRef>
+          <a:effectRef idx="2">
+            <a:schemeClr val="accent5"/>
+          </a:effectRef>
+          <a:fontRef idx="minor">
+            <a:schemeClr val="tx1"/>
+          </a:fontRef>
+        </p:style>
+      </p:cxnSp>
+      <p:cxnSp>
+        <p:nvCxnSpPr>
+          <p:cNvPr id="44" name="Straight Arrow Connector 43">
+            <a:extLst>
+              <a:ext uri="{FF2B5EF4-FFF2-40B4-BE49-F238E27FC236}">
+                <a16:creationId xmlns:a16="http://schemas.microsoft.com/office/drawing/2014/main" id="{849FE9B2-4B70-C012-4701-EA3DFD96C17A}"/>
+              </a:ext>
+            </a:extLst>
+          </p:cNvPr>
+          <p:cNvCxnSpPr/>
+          <p:nvPr/>
+        </p:nvCxnSpPr>
+        <p:spPr>
+          <a:xfrm flipH="1" flipV="1">
+            <a:off x="3613212" y="4119239"/>
+            <a:ext cx="1367161" cy="1029810"/>
+          </a:xfrm>
+          <a:prstGeom prst="straightConnector1">
+            <a:avLst/>
+          </a:prstGeom>
+          <a:ln>
+            <a:tailEnd type="triangle"/>
+          </a:ln>
+        </p:spPr>
+        <p:style>
+          <a:lnRef idx="3">
+            <a:schemeClr val="accent5"/>
+          </a:lnRef>
+          <a:fillRef idx="0">
+            <a:schemeClr val="accent5"/>
+          </a:fillRef>
+          <a:effectRef idx="2">
+            <a:schemeClr val="accent5"/>
+          </a:effectRef>
+          <a:fontRef idx="minor">
+            <a:schemeClr val="tx1"/>
+          </a:fontRef>
+        </p:style>
+      </p:cxnSp>
+      <p:cxnSp>
+        <p:nvCxnSpPr>
+          <p:cNvPr id="46" name="Straight Arrow Connector 45">
+            <a:extLst>
+              <a:ext uri="{FF2B5EF4-FFF2-40B4-BE49-F238E27FC236}">
+                <a16:creationId xmlns:a16="http://schemas.microsoft.com/office/drawing/2014/main" id="{51FB64B4-D316-C37C-A034-E72146B8F5CE}"/>
+              </a:ext>
+            </a:extLst>
+          </p:cNvPr>
+          <p:cNvCxnSpPr/>
+          <p:nvPr/>
+        </p:nvCxnSpPr>
+        <p:spPr>
+          <a:xfrm flipV="1">
+            <a:off x="6480699" y="4119239"/>
+            <a:ext cx="1118589" cy="901084"/>
+          </a:xfrm>
+          <a:prstGeom prst="straightConnector1">
+            <a:avLst/>
+          </a:prstGeom>
+          <a:ln>
+            <a:tailEnd type="triangle"/>
+          </a:ln>
+        </p:spPr>
+        <p:style>
+          <a:lnRef idx="3">
+            <a:schemeClr val="accent5"/>
+          </a:lnRef>
+          <a:fillRef idx="0">
+            <a:schemeClr val="accent5"/>
+          </a:fillRef>
+          <a:effectRef idx="2">
+            <a:schemeClr val="accent5"/>
+          </a:effectRef>
+          <a:fontRef idx="minor">
+            <a:schemeClr val="tx1"/>
+          </a:fontRef>
+        </p:style>
+      </p:cxnSp>
+      <p:cxnSp>
+        <p:nvCxnSpPr>
+          <p:cNvPr id="48" name="Straight Arrow Connector 47">
+            <a:extLst>
+              <a:ext uri="{FF2B5EF4-FFF2-40B4-BE49-F238E27FC236}">
+                <a16:creationId xmlns:a16="http://schemas.microsoft.com/office/drawing/2014/main" id="{78B6A52F-26B4-C930-B8F3-13F7E258A9C7}"/>
+              </a:ext>
+            </a:extLst>
+          </p:cNvPr>
+          <p:cNvCxnSpPr/>
+          <p:nvPr/>
+        </p:nvCxnSpPr>
+        <p:spPr>
+          <a:xfrm flipH="1" flipV="1">
+            <a:off x="3704947" y="1864311"/>
+            <a:ext cx="1648288" cy="3000652"/>
+          </a:xfrm>
+          <a:prstGeom prst="straightConnector1">
+            <a:avLst/>
+          </a:prstGeom>
+          <a:ln>
+            <a:tailEnd type="triangle"/>
+          </a:ln>
+        </p:spPr>
+        <p:style>
+          <a:lnRef idx="3">
+            <a:schemeClr val="accent5"/>
+          </a:lnRef>
+          <a:fillRef idx="0">
+            <a:schemeClr val="accent5"/>
+          </a:fillRef>
+          <a:effectRef idx="2">
+            <a:schemeClr val="accent5"/>
+          </a:effectRef>
+          <a:fontRef idx="minor">
+            <a:schemeClr val="tx1"/>
+          </a:fontRef>
+        </p:style>
+      </p:cxnSp>
+      <p:cxnSp>
+        <p:nvCxnSpPr>
+          <p:cNvPr id="50" name="Straight Arrow Connector 49">
+            <a:extLst>
+              <a:ext uri="{FF2B5EF4-FFF2-40B4-BE49-F238E27FC236}">
+                <a16:creationId xmlns:a16="http://schemas.microsoft.com/office/drawing/2014/main" id="{AB3662FF-1AFC-A5A1-F39B-C27560135D5B}"/>
+              </a:ext>
+            </a:extLst>
+          </p:cNvPr>
+          <p:cNvCxnSpPr/>
+          <p:nvPr/>
+        </p:nvCxnSpPr>
+        <p:spPr>
+          <a:xfrm flipV="1">
+            <a:off x="6096000" y="1944210"/>
+            <a:ext cx="1441142" cy="2982897"/>
+          </a:xfrm>
+          <a:prstGeom prst="straightConnector1">
+            <a:avLst/>
+          </a:prstGeom>
+          <a:ln>
+            <a:tailEnd type="triangle"/>
+          </a:ln>
+        </p:spPr>
+        <p:style>
+          <a:lnRef idx="3">
+            <a:schemeClr val="accent5"/>
+          </a:lnRef>
+          <a:fillRef idx="0">
+            <a:schemeClr val="accent5"/>
+          </a:fillRef>
+          <a:effectRef idx="2">
+            <a:schemeClr val="accent5"/>
+          </a:effectRef>
+          <a:fontRef idx="minor">
+            <a:schemeClr val="tx1"/>
+          </a:fontRef>
+        </p:style>
+      </p:cxnSp>
+      <p:cxnSp>
+        <p:nvCxnSpPr>
+          <p:cNvPr id="52" name="Straight Arrow Connector 51">
+            <a:extLst>
+              <a:ext uri="{FF2B5EF4-FFF2-40B4-BE49-F238E27FC236}">
+                <a16:creationId xmlns:a16="http://schemas.microsoft.com/office/drawing/2014/main" id="{E7A298CC-1384-1AF8-5856-14AC17A4EDFC}"/>
+              </a:ext>
+            </a:extLst>
+          </p:cNvPr>
+          <p:cNvCxnSpPr/>
+          <p:nvPr/>
+        </p:nvCxnSpPr>
+        <p:spPr>
+          <a:xfrm>
+            <a:off x="2817180" y="2104008"/>
+            <a:ext cx="0" cy="701336"/>
+          </a:xfrm>
+          <a:prstGeom prst="straightConnector1">
+            <a:avLst/>
+          </a:prstGeom>
+          <a:ln>
+            <a:tailEnd type="triangle"/>
+          </a:ln>
+        </p:spPr>
+        <p:style>
+          <a:lnRef idx="3">
+            <a:schemeClr val="accent5"/>
+          </a:lnRef>
+          <a:fillRef idx="0">
+            <a:schemeClr val="accent5"/>
+          </a:fillRef>
+          <a:effectRef idx="2">
+            <a:schemeClr val="accent5"/>
+          </a:effectRef>
+          <a:fontRef idx="minor">
+            <a:schemeClr val="tx1"/>
+          </a:fontRef>
+        </p:style>
+      </p:cxnSp>
+      <p:cxnSp>
+        <p:nvCxnSpPr>
+          <p:cNvPr id="54" name="Straight Arrow Connector 53">
+            <a:extLst>
+              <a:ext uri="{FF2B5EF4-FFF2-40B4-BE49-F238E27FC236}">
+                <a16:creationId xmlns:a16="http://schemas.microsoft.com/office/drawing/2014/main" id="{B5C440D5-DDB0-0FF0-9422-07497E331038}"/>
+              </a:ext>
+            </a:extLst>
+          </p:cNvPr>
+          <p:cNvCxnSpPr/>
+          <p:nvPr/>
+        </p:nvCxnSpPr>
+        <p:spPr>
+          <a:xfrm>
+            <a:off x="3946122" y="1660124"/>
+            <a:ext cx="3759695" cy="1518082"/>
+          </a:xfrm>
+          <a:prstGeom prst="straightConnector1">
+            <a:avLst/>
+          </a:prstGeom>
+          <a:ln>
+            <a:tailEnd type="triangle"/>
+          </a:ln>
+        </p:spPr>
+        <p:style>
+          <a:lnRef idx="3">
+            <a:schemeClr val="accent5"/>
+          </a:lnRef>
+          <a:fillRef idx="0">
+            <a:schemeClr val="accent5"/>
+          </a:fillRef>
+          <a:effectRef idx="2">
+            <a:schemeClr val="accent5"/>
+          </a:effectRef>
+          <a:fontRef idx="minor">
+            <a:schemeClr val="tx1"/>
+          </a:fontRef>
+        </p:style>
+      </p:cxnSp>
+      <p:cxnSp>
+        <p:nvCxnSpPr>
+          <p:cNvPr id="56" name="Straight Arrow Connector 55">
+            <a:extLst>
+              <a:ext uri="{FF2B5EF4-FFF2-40B4-BE49-F238E27FC236}">
+                <a16:creationId xmlns:a16="http://schemas.microsoft.com/office/drawing/2014/main" id="{C6677B56-369A-ED0A-0F57-EB3944B6570D}"/>
+              </a:ext>
+            </a:extLst>
+          </p:cNvPr>
+          <p:cNvCxnSpPr/>
+          <p:nvPr/>
+        </p:nvCxnSpPr>
+        <p:spPr>
+          <a:xfrm flipH="1">
+            <a:off x="3435658" y="1864311"/>
+            <a:ext cx="3861787" cy="1124134"/>
+          </a:xfrm>
+          <a:prstGeom prst="straightConnector1">
+            <a:avLst/>
+          </a:prstGeom>
+          <a:ln>
+            <a:tailEnd type="triangle"/>
+          </a:ln>
+        </p:spPr>
+        <p:style>
+          <a:lnRef idx="3">
+            <a:schemeClr val="accent5"/>
+          </a:lnRef>
+          <a:fillRef idx="0">
+            <a:schemeClr val="accent5"/>
+          </a:fillRef>
+          <a:effectRef idx="2">
+            <a:schemeClr val="accent5"/>
+          </a:effectRef>
+          <a:fontRef idx="minor">
+            <a:schemeClr val="tx1"/>
+          </a:fontRef>
+        </p:style>
+      </p:cxnSp>
+      <p:cxnSp>
+        <p:nvCxnSpPr>
+          <p:cNvPr id="58" name="Straight Arrow Connector 57">
+            <a:extLst>
+              <a:ext uri="{FF2B5EF4-FFF2-40B4-BE49-F238E27FC236}">
+                <a16:creationId xmlns:a16="http://schemas.microsoft.com/office/drawing/2014/main" id="{7435CB57-D786-285D-0491-24C6BBD84B4D}"/>
+              </a:ext>
+            </a:extLst>
+          </p:cNvPr>
+          <p:cNvCxnSpPr/>
+          <p:nvPr/>
+        </p:nvCxnSpPr>
+        <p:spPr>
+          <a:xfrm>
+            <a:off x="8487055" y="2246050"/>
+            <a:ext cx="0" cy="665826"/>
+          </a:xfrm>
+          <a:prstGeom prst="straightConnector1">
+            <a:avLst/>
+          </a:prstGeom>
+          <a:ln>
+            <a:tailEnd type="triangle"/>
+          </a:ln>
+        </p:spPr>
+        <p:style>
+          <a:lnRef idx="3">
+            <a:schemeClr val="accent5"/>
+          </a:lnRef>
+          <a:fillRef idx="0">
+            <a:schemeClr val="accent5"/>
+          </a:fillRef>
+          <a:effectRef idx="2">
+            <a:schemeClr val="accent5"/>
+          </a:effectRef>
+          <a:fontRef idx="minor">
+            <a:schemeClr val="tx1"/>
+          </a:fontRef>
+        </p:style>
+      </p:cxnSp>
+      <p:pic>
+        <p:nvPicPr>
+          <p:cNvPr id="8" name="Picture 7">
+            <a:extLst>
+              <a:ext uri="{FF2B5EF4-FFF2-40B4-BE49-F238E27FC236}">
+                <a16:creationId xmlns:a16="http://schemas.microsoft.com/office/drawing/2014/main" id="{2E4B6932-1E58-9C96-BF77-D43E38E95F56}"/>
+              </a:ext>
+            </a:extLst>
+          </p:cNvPr>
+          <p:cNvPicPr>
+            <a:picLocks noChangeAspect="1"/>
+          </p:cNvPicPr>
+          <p:nvPr/>
+        </p:nvPicPr>
+        <p:blipFill>
+          <a:blip r:embed="rId2"/>
+          <a:stretch>
+            <a:fillRect/>
+          </a:stretch>
+        </p:blipFill>
+        <p:spPr>
+          <a:xfrm>
+            <a:off x="0" y="-12299"/>
+            <a:ext cx="12192000" cy="6704648"/>
+          </a:xfrm>
+          <a:prstGeom prst="rect">
+            <a:avLst/>
+          </a:prstGeom>
+        </p:spPr>
+      </p:pic>
     </p:spTree>
     <p:extLst>
       <p:ext uri="{BB962C8B-B14F-4D97-AF65-F5344CB8AC3E}">
-        <p14:creationId xmlns:p14="http://schemas.microsoft.com/office/powerpoint/2010/main" val="274022295"/>
+        <p14:creationId xmlns:p14="http://schemas.microsoft.com/office/powerpoint/2010/main" val="3572374604"/>
       </p:ext>
     </p:extLst>
   </p:cSld>
@@ -3537,35 +4304,80 @@
           <a:chExt cx="0" cy="0"/>
         </a:xfrm>
       </p:grpSpPr>
-      <p:sp>
-        <p:nvSpPr>
-          <p:cNvPr id="2" name="Title 1">
-            <a:extLst>
-              <a:ext uri="{FF2B5EF4-FFF2-40B4-BE49-F238E27FC236}">
-                <a16:creationId xmlns:a16="http://schemas.microsoft.com/office/drawing/2014/main" id="{65227450-8B75-7118-73F3-27C1203AD7AD}"/>
-              </a:ext>
-            </a:extLst>
-          </p:cNvPr>
-          <p:cNvSpPr>
-            <a:spLocks noGrp="1"/>
-          </p:cNvSpPr>
-          <p:nvPr>
-            <p:ph type="ctrTitle" idx="4294967295"/>
-          </p:nvPr>
-        </p:nvSpPr>
-        <p:spPr>
-          <a:xfrm>
-            <a:off x="1331650" y="2605881"/>
-            <a:ext cx="8991600" cy="1646237"/>
-          </a:xfrm>
-        </p:spPr>
-        <p:txBody>
-          <a:bodyPr/>
-          <a:lstStyle/>
-          <a:p>
-            <a:r>
-              <a:rPr lang="en-US" dirty="0"/>
-              <a:t>Questions?</a:t>
+      <p:pic>
+        <p:nvPicPr>
+          <p:cNvPr id="3" name="Picture 2">
+            <a:extLst>
+              <a:ext uri="{FF2B5EF4-FFF2-40B4-BE49-F238E27FC236}">
+                <a16:creationId xmlns:a16="http://schemas.microsoft.com/office/drawing/2014/main" id="{61B70546-50C1-B165-C277-596306FBAE81}"/>
+              </a:ext>
+            </a:extLst>
+          </p:cNvPr>
+          <p:cNvPicPr>
+            <a:picLocks noChangeAspect="1"/>
+          </p:cNvPicPr>
+          <p:nvPr/>
+        </p:nvPicPr>
+        <p:blipFill>
+          <a:blip r:embed="rId2"/>
+          <a:stretch>
+            <a:fillRect/>
+          </a:stretch>
+        </p:blipFill>
+        <p:spPr>
+          <a:xfrm>
+            <a:off x="-40142" y="0"/>
+            <a:ext cx="12272284" cy="6858000"/>
+          </a:xfrm>
+          <a:prstGeom prst="rect">
+            <a:avLst/>
+          </a:prstGeom>
+        </p:spPr>
+      </p:pic>
+      <p:sp>
+        <p:nvSpPr>
+          <p:cNvPr id="4" name="Rectangle 3">
+            <a:extLst>
+              <a:ext uri="{FF2B5EF4-FFF2-40B4-BE49-F238E27FC236}">
+                <a16:creationId xmlns:a16="http://schemas.microsoft.com/office/drawing/2014/main" id="{E08E0FF3-60DF-0F05-79F4-B69FA09E5D0D}"/>
+              </a:ext>
+            </a:extLst>
+          </p:cNvPr>
+          <p:cNvSpPr/>
+          <p:nvPr/>
+        </p:nvSpPr>
+        <p:spPr>
+          <a:xfrm>
+            <a:off x="3634017" y="2844224"/>
+            <a:ext cx="5004249" cy="1169551"/>
+          </a:xfrm>
+          <a:prstGeom prst="rect">
+            <a:avLst/>
+          </a:prstGeom>
+          <a:noFill/>
+        </p:spPr>
+        <p:txBody>
+          <a:bodyPr wrap="square" lIns="91440" tIns="45720" rIns="91440" bIns="45720">
+            <a:spAutoFit/>
+          </a:bodyPr>
+          <a:lstStyle/>
+          <a:p>
+            <a:pPr algn="ctr"/>
+            <a:r>
+              <a:rPr lang="en-US" sz="7000" b="0" cap="none" spc="0" dirty="0">
+                <a:ln w="0"/>
+                <a:solidFill>
+                  <a:srgbClr val="00B050"/>
+                </a:solidFill>
+                <a:effectLst>
+                  <a:outerShdw blurRad="38100" dist="19050" dir="2700000" algn="tl" rotWithShape="0">
+                    <a:schemeClr val="dk1">
+                      <a:alpha val="40000"/>
+                    </a:schemeClr>
+                  </a:outerShdw>
+                </a:effectLst>
+              </a:rPr>
+              <a:t>Demo</a:t>
             </a:r>
           </a:p>
         </p:txBody>
@@ -3573,7 +4385,7 @@
     </p:spTree>
     <p:extLst>
       <p:ext uri="{BB962C8B-B14F-4D97-AF65-F5344CB8AC3E}">
-        <p14:creationId xmlns:p14="http://schemas.microsoft.com/office/powerpoint/2010/main" val="3085860992"/>
+        <p14:creationId xmlns:p14="http://schemas.microsoft.com/office/powerpoint/2010/main" val="274022295"/>
       </p:ext>
     </p:extLst>
   </p:cSld>
@@ -3602,28 +4414,299 @@
       </p:grpSpPr>
       <p:sp>
         <p:nvSpPr>
-          <p:cNvPr id="4" name="Title 3">
-            <a:extLst>
-              <a:ext uri="{FF2B5EF4-FFF2-40B4-BE49-F238E27FC236}">
-                <a16:creationId xmlns:a16="http://schemas.microsoft.com/office/drawing/2014/main" id="{353278C8-9AB8-A130-31EF-11B5C6420AE3}"/>
-              </a:ext>
-            </a:extLst>
-          </p:cNvPr>
-          <p:cNvSpPr>
-            <a:spLocks noGrp="1"/>
-          </p:cNvSpPr>
-          <p:nvPr>
-            <p:ph type="title"/>
-          </p:nvPr>
-        </p:nvSpPr>
-        <p:spPr/>
-        <p:txBody>
-          <a:bodyPr/>
-          <a:lstStyle/>
-          <a:p>
-            <a:r>
-              <a:rPr lang="en-US" dirty="0"/>
-              <a:t>Thank you!</a:t>
+          <p:cNvPr id="4" name="TextBox 3">
+            <a:extLst>
+              <a:ext uri="{FF2B5EF4-FFF2-40B4-BE49-F238E27FC236}">
+                <a16:creationId xmlns:a16="http://schemas.microsoft.com/office/drawing/2014/main" id="{A6C5D26B-A360-1E3B-94A6-56DA83BB1C8D}"/>
+              </a:ext>
+            </a:extLst>
+          </p:cNvPr>
+          <p:cNvSpPr txBox="1"/>
+          <p:nvPr/>
+        </p:nvSpPr>
+        <p:spPr>
+          <a:xfrm>
+            <a:off x="503582" y="2585037"/>
+            <a:ext cx="9700591" cy="1338828"/>
+          </a:xfrm>
+          <a:prstGeom prst="rect">
+            <a:avLst/>
+          </a:prstGeom>
+          <a:noFill/>
+        </p:spPr>
+        <p:txBody>
+          <a:bodyPr wrap="square">
+            <a:spAutoFit/>
+          </a:bodyPr>
+          <a:lstStyle/>
+          <a:p>
+            <a:r>
+              <a:rPr lang="en-US" sz="2700" dirty="0"/>
+              <a:t>Training labels can come from real management’s decisions  - Can learn through increased transactions from management’s further review decisions overtime</a:t>
+            </a:r>
+          </a:p>
+        </p:txBody>
+      </p:sp>
+      <p:sp>
+        <p:nvSpPr>
+          <p:cNvPr id="5" name="Rectangle 4">
+            <a:extLst>
+              <a:ext uri="{FF2B5EF4-FFF2-40B4-BE49-F238E27FC236}">
+                <a16:creationId xmlns:a16="http://schemas.microsoft.com/office/drawing/2014/main" id="{F5669615-F8D1-00F8-7C1F-AB5F2A681594}"/>
+              </a:ext>
+            </a:extLst>
+          </p:cNvPr>
+          <p:cNvSpPr/>
+          <p:nvPr/>
+        </p:nvSpPr>
+        <p:spPr>
+          <a:xfrm>
+            <a:off x="2873782" y="992527"/>
+            <a:ext cx="6232412" cy="923330"/>
+          </a:xfrm>
+          <a:prstGeom prst="rect">
+            <a:avLst/>
+          </a:prstGeom>
+          <a:noFill/>
+        </p:spPr>
+        <p:txBody>
+          <a:bodyPr wrap="none" lIns="91440" tIns="45720" rIns="91440" bIns="45720">
+            <a:spAutoFit/>
+          </a:bodyPr>
+          <a:lstStyle/>
+          <a:p>
+            <a:pPr algn="ctr"/>
+            <a:r>
+              <a:rPr lang="en-US" sz="5400" dirty="0">
+                <a:ln w="0"/>
+                <a:effectLst>
+                  <a:outerShdw blurRad="38100" dist="19050" dir="2700000" algn="tl" rotWithShape="0">
+                    <a:schemeClr val="dk1">
+                      <a:alpha val="40000"/>
+                    </a:schemeClr>
+                  </a:outerShdw>
+                </a:effectLst>
+              </a:rPr>
+              <a:t>Future Improvements</a:t>
+            </a:r>
+            <a:endParaRPr lang="en-US" sz="5400" b="0" cap="none" spc="0" dirty="0">
+              <a:ln w="0"/>
+              <a:solidFill>
+                <a:schemeClr val="tx1"/>
+              </a:solidFill>
+              <a:effectLst>
+                <a:outerShdw blurRad="38100" dist="19050" dir="2700000" algn="tl" rotWithShape="0">
+                  <a:schemeClr val="dk1">
+                    <a:alpha val="40000"/>
+                  </a:schemeClr>
+                </a:outerShdw>
+              </a:effectLst>
+            </a:endParaRPr>
+          </a:p>
+        </p:txBody>
+      </p:sp>
+      <p:sp>
+        <p:nvSpPr>
+          <p:cNvPr id="6" name="TextBox 5">
+            <a:extLst>
+              <a:ext uri="{FF2B5EF4-FFF2-40B4-BE49-F238E27FC236}">
+                <a16:creationId xmlns:a16="http://schemas.microsoft.com/office/drawing/2014/main" id="{DF8C070C-E381-EA5E-EB7B-DB5AF7D03497}"/>
+              </a:ext>
+            </a:extLst>
+          </p:cNvPr>
+          <p:cNvSpPr txBox="1"/>
+          <p:nvPr/>
+        </p:nvSpPr>
+        <p:spPr>
+          <a:xfrm>
+            <a:off x="503582" y="4338896"/>
+            <a:ext cx="9700591" cy="1754326"/>
+          </a:xfrm>
+          <a:prstGeom prst="rect">
+            <a:avLst/>
+          </a:prstGeom>
+          <a:noFill/>
+        </p:spPr>
+        <p:txBody>
+          <a:bodyPr wrap="square">
+            <a:spAutoFit/>
+          </a:bodyPr>
+          <a:lstStyle/>
+          <a:p>
+            <a:r>
+              <a:rPr lang="en-US" sz="2700" dirty="0"/>
+              <a:t>More factors can influence decision making.</a:t>
+            </a:r>
+          </a:p>
+          <a:p>
+            <a:endParaRPr lang="en-US" sz="2700" dirty="0"/>
+          </a:p>
+          <a:p>
+            <a:r>
+              <a:rPr lang="en-US" sz="2700" dirty="0"/>
+              <a:t>Predictions of future invoice amounts can be more complicated.     </a:t>
+            </a:r>
+          </a:p>
+          <a:p>
+            <a:r>
+              <a:rPr lang="en-US" sz="2700" dirty="0"/>
+              <a:t> </a:t>
+            </a:r>
+          </a:p>
+        </p:txBody>
+      </p:sp>
+    </p:spTree>
+    <p:extLst>
+      <p:ext uri="{BB962C8B-B14F-4D97-AF65-F5344CB8AC3E}">
+        <p14:creationId xmlns:p14="http://schemas.microsoft.com/office/powerpoint/2010/main" val="4045787815"/>
+      </p:ext>
+    </p:extLst>
+  </p:cSld>
+  <p:clrMapOvr>
+    <a:masterClrMapping/>
+  </p:clrMapOvr>
+</p:sld>
+</file>
+
+<file path=ppt/slides/slide13.xml><?xml version="1.0" encoding="utf-8"?>
+<p:sld xmlns:a="http://schemas.openxmlformats.org/drawingml/2006/main" xmlns:r="http://schemas.openxmlformats.org/officeDocument/2006/relationships" xmlns:p="http://schemas.openxmlformats.org/presentationml/2006/main">
+  <p:cSld>
+    <p:spTree>
+      <p:nvGrpSpPr>
+        <p:cNvPr id="1" name=""/>
+        <p:cNvGrpSpPr/>
+        <p:nvPr/>
+      </p:nvGrpSpPr>
+      <p:grpSpPr>
+        <a:xfrm>
+          <a:off x="0" y="0"/>
+          <a:ext cx="0" cy="0"/>
+          <a:chOff x="0" y="0"/>
+          <a:chExt cx="0" cy="0"/>
+        </a:xfrm>
+      </p:grpSpPr>
+      <p:sp>
+        <p:nvSpPr>
+          <p:cNvPr id="3" name="Rectangle 2">
+            <a:extLst>
+              <a:ext uri="{FF2B5EF4-FFF2-40B4-BE49-F238E27FC236}">
+                <a16:creationId xmlns:a16="http://schemas.microsoft.com/office/drawing/2014/main" id="{44ECDDEA-D3C4-9F04-1987-9D3F892AF309}"/>
+              </a:ext>
+            </a:extLst>
+          </p:cNvPr>
+          <p:cNvSpPr/>
+          <p:nvPr/>
+        </p:nvSpPr>
+        <p:spPr>
+          <a:xfrm>
+            <a:off x="4346163" y="2967335"/>
+            <a:ext cx="3499676" cy="923330"/>
+          </a:xfrm>
+          <a:prstGeom prst="rect">
+            <a:avLst/>
+          </a:prstGeom>
+          <a:noFill/>
+        </p:spPr>
+        <p:txBody>
+          <a:bodyPr wrap="none" lIns="91440" tIns="45720" rIns="91440" bIns="45720">
+            <a:spAutoFit/>
+          </a:bodyPr>
+          <a:lstStyle/>
+          <a:p>
+            <a:pPr algn="ctr"/>
+            <a:r>
+              <a:rPr lang="en-US" sz="5400" b="0" cap="none" spc="0" dirty="0">
+                <a:ln w="0"/>
+                <a:solidFill>
+                  <a:schemeClr val="tx1"/>
+                </a:solidFill>
+                <a:effectLst>
+                  <a:outerShdw blurRad="38100" dist="19050" dir="2700000" algn="tl" rotWithShape="0">
+                    <a:schemeClr val="dk1">
+                      <a:alpha val="40000"/>
+                    </a:schemeClr>
+                  </a:outerShdw>
+                </a:effectLst>
+              </a:rPr>
+              <a:t>Questions ?</a:t>
+            </a:r>
+          </a:p>
+        </p:txBody>
+      </p:sp>
+    </p:spTree>
+    <p:extLst>
+      <p:ext uri="{BB962C8B-B14F-4D97-AF65-F5344CB8AC3E}">
+        <p14:creationId xmlns:p14="http://schemas.microsoft.com/office/powerpoint/2010/main" val="3085860992"/>
+      </p:ext>
+    </p:extLst>
+  </p:cSld>
+  <p:clrMapOvr>
+    <a:masterClrMapping/>
+  </p:clrMapOvr>
+</p:sld>
+</file>
+
+<file path=ppt/slides/slide14.xml><?xml version="1.0" encoding="utf-8"?>
+<p:sld xmlns:a="http://schemas.openxmlformats.org/drawingml/2006/main" xmlns:r="http://schemas.openxmlformats.org/officeDocument/2006/relationships" xmlns:p="http://schemas.openxmlformats.org/presentationml/2006/main">
+  <p:cSld>
+    <p:spTree>
+      <p:nvGrpSpPr>
+        <p:cNvPr id="1" name=""/>
+        <p:cNvGrpSpPr/>
+        <p:nvPr/>
+      </p:nvGrpSpPr>
+      <p:grpSpPr>
+        <a:xfrm>
+          <a:off x="0" y="0"/>
+          <a:ext cx="0" cy="0"/>
+          <a:chOff x="0" y="0"/>
+          <a:chExt cx="0" cy="0"/>
+        </a:xfrm>
+      </p:grpSpPr>
+      <p:sp>
+        <p:nvSpPr>
+          <p:cNvPr id="5" name="Rectangle 4">
+            <a:extLst>
+              <a:ext uri="{FF2B5EF4-FFF2-40B4-BE49-F238E27FC236}">
+                <a16:creationId xmlns:a16="http://schemas.microsoft.com/office/drawing/2014/main" id="{FB645710-FC98-DFA2-883D-97DB378B95B9}"/>
+              </a:ext>
+            </a:extLst>
+          </p:cNvPr>
+          <p:cNvSpPr/>
+          <p:nvPr/>
+        </p:nvSpPr>
+        <p:spPr>
+          <a:xfrm>
+            <a:off x="4340264" y="2967335"/>
+            <a:ext cx="3511475" cy="923330"/>
+          </a:xfrm>
+          <a:prstGeom prst="rect">
+            <a:avLst/>
+          </a:prstGeom>
+          <a:noFill/>
+        </p:spPr>
+        <p:txBody>
+          <a:bodyPr wrap="none" lIns="91440" tIns="45720" rIns="91440" bIns="45720">
+            <a:spAutoFit/>
+          </a:bodyPr>
+          <a:lstStyle/>
+          <a:p>
+            <a:pPr algn="ctr"/>
+            <a:r>
+              <a:rPr lang="en-US" sz="5400" b="0" cap="none" spc="0" dirty="0">
+                <a:ln w="0"/>
+                <a:solidFill>
+                  <a:schemeClr val="tx1"/>
+                </a:solidFill>
+                <a:effectLst>
+                  <a:outerShdw blurRad="38100" dist="19050" dir="2700000" algn="tl" rotWithShape="0">
+                    <a:schemeClr val="dk1">
+                      <a:alpha val="40000"/>
+                    </a:schemeClr>
+                  </a:outerShdw>
+                </a:effectLst>
+              </a:rPr>
+              <a:t>Thank you !</a:t>
             </a:r>
           </a:p>
         </p:txBody>
@@ -3644,6 +4727,40 @@
 <file path=ppt/slides/slide2.xml><?xml version="1.0" encoding="utf-8"?>
 <p:sld xmlns:a="http://schemas.openxmlformats.org/drawingml/2006/main" xmlns:r="http://schemas.openxmlformats.org/officeDocument/2006/relationships" xmlns:p="http://schemas.openxmlformats.org/presentationml/2006/main">
   <p:cSld>
+    <p:bg>
+      <p:bgPr>
+        <a:gradFill>
+          <a:gsLst>
+            <a:gs pos="0">
+              <a:schemeClr val="accent1">
+                <a:lumMod val="5000"/>
+                <a:lumOff val="95000"/>
+              </a:schemeClr>
+            </a:gs>
+            <a:gs pos="74000">
+              <a:schemeClr val="accent1">
+                <a:lumMod val="45000"/>
+                <a:lumOff val="55000"/>
+              </a:schemeClr>
+            </a:gs>
+            <a:gs pos="83000">
+              <a:schemeClr val="accent1">
+                <a:lumMod val="45000"/>
+                <a:lumOff val="55000"/>
+              </a:schemeClr>
+            </a:gs>
+            <a:gs pos="100000">
+              <a:schemeClr val="accent1">
+                <a:lumMod val="30000"/>
+                <a:lumOff val="70000"/>
+              </a:schemeClr>
+            </a:gs>
+          </a:gsLst>
+          <a:lin ang="5400000" scaled="1"/>
+        </a:gradFill>
+        <a:effectLst/>
+      </p:bgPr>
+    </p:bg>
     <p:spTree>
       <p:nvGrpSpPr>
         <p:cNvPr id="1" name=""/>
@@ -3660,10 +4777,83 @@
       </p:grpSpPr>
       <p:sp>
         <p:nvSpPr>
-          <p:cNvPr id="3" name="Content Placeholder 2">
-            <a:extLst>
-              <a:ext uri="{FF2B5EF4-FFF2-40B4-BE49-F238E27FC236}">
-                <a16:creationId xmlns:a16="http://schemas.microsoft.com/office/drawing/2014/main" id="{1D97D7FF-8961-3AA6-5EA4-09216F2EBADE}"/>
+          <p:cNvPr id="7" name="TextBox 6">
+            <a:extLst>
+              <a:ext uri="{FF2B5EF4-FFF2-40B4-BE49-F238E27FC236}">
+                <a16:creationId xmlns:a16="http://schemas.microsoft.com/office/drawing/2014/main" id="{0E7F6493-914B-984D-565D-76E0626C2563}"/>
+              </a:ext>
+            </a:extLst>
+          </p:cNvPr>
+          <p:cNvSpPr txBox="1"/>
+          <p:nvPr/>
+        </p:nvSpPr>
+        <p:spPr>
+          <a:xfrm>
+            <a:off x="1046922" y="580521"/>
+            <a:ext cx="11052313" cy="1615827"/>
+          </a:xfrm>
+          <a:prstGeom prst="rect">
+            <a:avLst/>
+          </a:prstGeom>
+          <a:noFill/>
+        </p:spPr>
+        <p:txBody>
+          <a:bodyPr wrap="square" rtlCol="0">
+            <a:spAutoFit/>
+          </a:bodyPr>
+          <a:lstStyle/>
+          <a:p>
+            <a:r>
+              <a:rPr lang="en-US" sz="5400" dirty="0">
+                <a:latin typeface="Gill Sans MT (Body)"/>
+              </a:rPr>
+              <a:t>Why </a:t>
+            </a:r>
+            <a:r>
+              <a:rPr lang="en-US" sz="3000" b="1" i="0" u="none" strike="noStrike" dirty="0">
+                <a:solidFill>
+                  <a:srgbClr val="00B050"/>
+                </a:solidFill>
+                <a:effectLst/>
+                <a:latin typeface="Gill Sans MT (Body)"/>
+                <a:cs typeface="Calibri Light" panose="020F0302020204030204" pitchFamily="34" charset="0"/>
+              </a:rPr>
+              <a:t>AI Empowered </a:t>
+            </a:r>
+            <a:r>
+              <a:rPr lang="en-US" sz="3000" b="1" i="0" u="none" strike="noStrike" dirty="0">
+                <a:solidFill>
+                  <a:srgbClr val="000000"/>
+                </a:solidFill>
+                <a:effectLst/>
+                <a:latin typeface="Gill Sans MT (Body)"/>
+                <a:cs typeface="Calibri Light" panose="020F0302020204030204" pitchFamily="34" charset="0"/>
+              </a:rPr>
+              <a:t>Automated Employee Expense Reimbursement Process </a:t>
+            </a:r>
+            <a:r>
+              <a:rPr lang="en-US" sz="4500" i="0" u="none" strike="noStrike" dirty="0">
+                <a:solidFill>
+                  <a:srgbClr val="000000"/>
+                </a:solidFill>
+                <a:effectLst/>
+                <a:latin typeface="Gill Sans MT (Body)"/>
+                <a:cs typeface="Calibri Light" panose="020F0302020204030204" pitchFamily="34" charset="0"/>
+              </a:rPr>
+              <a:t>?</a:t>
+            </a:r>
+            <a:endParaRPr lang="en-US" sz="4500" dirty="0">
+              <a:latin typeface="Gill Sans MT (Body)"/>
+            </a:endParaRPr>
+          </a:p>
+        </p:txBody>
+      </p:sp>
+      <p:sp>
+        <p:nvSpPr>
+          <p:cNvPr id="2" name="Content Placeholder 1">
+            <a:extLst>
+              <a:ext uri="{FF2B5EF4-FFF2-40B4-BE49-F238E27FC236}">
+                <a16:creationId xmlns:a16="http://schemas.microsoft.com/office/drawing/2014/main" id="{5278FC45-6B42-283F-F8F8-985D42AA618B}"/>
               </a:ext>
             </a:extLst>
           </p:cNvPr>
@@ -3676,52 +4866,40 @@
         </p:nvSpPr>
         <p:spPr/>
         <p:txBody>
-          <a:bodyPr>
-            <a:normAutofit/>
-          </a:bodyPr>
-          <a:lstStyle/>
-          <a:p>
-            <a:r>
-              <a:rPr lang="en-US" sz="3600" dirty="0"/>
-              <a:t>Reimbursement takes time, so…..</a:t>
-            </a:r>
-          </a:p>
-        </p:txBody>
-      </p:sp>
-      <p:sp>
-        <p:nvSpPr>
-          <p:cNvPr id="7" name="TextBox 6">
-            <a:extLst>
-              <a:ext uri="{FF2B5EF4-FFF2-40B4-BE49-F238E27FC236}">
-                <a16:creationId xmlns:a16="http://schemas.microsoft.com/office/drawing/2014/main" id="{0E7F6493-914B-984D-565D-76E0626C2563}"/>
-              </a:ext>
-            </a:extLst>
-          </p:cNvPr>
-          <p:cNvSpPr txBox="1"/>
-          <p:nvPr/>
-        </p:nvSpPr>
-        <p:spPr>
-          <a:xfrm>
-            <a:off x="4071891" y="951582"/>
-            <a:ext cx="4048218" cy="923330"/>
-          </a:xfrm>
-          <a:prstGeom prst="rect">
-            <a:avLst/>
-          </a:prstGeom>
-          <a:noFill/>
-        </p:spPr>
-        <p:txBody>
-          <a:bodyPr wrap="square" rtlCol="0">
-            <a:spAutoFit/>
-          </a:bodyPr>
-          <a:lstStyle/>
-          <a:p>
-            <a:r>
-              <a:rPr lang="en-US" sz="5400" dirty="0">
-                <a:latin typeface="Rockwell" panose="02060603020205020403" pitchFamily="18" charset="0"/>
-              </a:rPr>
-              <a:t>Background</a:t>
-            </a:r>
+          <a:bodyPr/>
+          <a:lstStyle/>
+          <a:p>
+            <a:r>
+              <a:rPr lang="en-US" sz="2400" dirty="0"/>
+              <a:t>Reduce human work </a:t>
+            </a:r>
+          </a:p>
+          <a:p>
+            <a:r>
+              <a:rPr lang="en-US" sz="2400" dirty="0"/>
+              <a:t>Reduce time cost</a:t>
+            </a:r>
+          </a:p>
+          <a:p>
+            <a:r>
+              <a:rPr lang="en-US" sz="2400" dirty="0"/>
+              <a:t>Discover fraud</a:t>
+            </a:r>
+          </a:p>
+          <a:p>
+            <a:r>
+              <a:rPr lang="en-US" sz="2400" dirty="0"/>
+              <a:t>Faster and smarter decision making framework</a:t>
+            </a:r>
+          </a:p>
+          <a:p>
+            <a:endParaRPr lang="en-US" dirty="0"/>
+          </a:p>
+          <a:p>
+            <a:endParaRPr lang="en-US" dirty="0"/>
+          </a:p>
+          <a:p>
+            <a:endParaRPr lang="en-US" dirty="0"/>
           </a:p>
         </p:txBody>
       </p:sp>
@@ -3771,9 +4949,16 @@
             <p:ph idx="1"/>
           </p:nvPr>
         </p:nvSpPr>
-        <p:spPr/>
-        <p:txBody>
-          <a:bodyPr/>
+        <p:spPr>
+          <a:xfrm>
+            <a:off x="1418412" y="2384548"/>
+            <a:ext cx="6214840" cy="3418041"/>
+          </a:xfrm>
+        </p:spPr>
+        <p:txBody>
+          <a:bodyPr>
+            <a:normAutofit/>
+          </a:bodyPr>
           <a:lstStyle/>
           <a:p>
             <a:r>
@@ -3841,6 +5026,53 @@
           </a:p>
         </p:txBody>
       </p:sp>
+      <p:pic>
+        <p:nvPicPr>
+          <p:cNvPr id="3074" name="Picture 2" descr="Cute Robot Pets for Kids and Adults, Your Perfect Interactive Companion at Home or Workspace, Unique Gifts for Girls &amp;amp; Boys.">
+            <a:extLst>
+              <a:ext uri="{FF2B5EF4-FFF2-40B4-BE49-F238E27FC236}">
+                <a16:creationId xmlns:a16="http://schemas.microsoft.com/office/drawing/2014/main" id="{89CA1983-050C-FB1C-BBE3-354CBF4FF4A8}"/>
+              </a:ext>
+            </a:extLst>
+          </p:cNvPr>
+          <p:cNvPicPr>
+            <a:picLocks noChangeAspect="1" noChangeArrowheads="1"/>
+          </p:cNvPicPr>
+          <p:nvPr/>
+        </p:nvPicPr>
+        <p:blipFill>
+          <a:blip r:embed="rId2">
+            <a:extLst>
+              <a:ext uri="{28A0092B-C50C-407E-A947-70E740481C1C}">
+                <a14:useLocalDpi xmlns:a14="http://schemas.microsoft.com/office/drawing/2010/main" val="0"/>
+              </a:ext>
+            </a:extLst>
+          </a:blip>
+          <a:srcRect/>
+          <a:stretch>
+            <a:fillRect/>
+          </a:stretch>
+        </p:blipFill>
+        <p:spPr bwMode="auto">
+          <a:xfrm>
+            <a:off x="7493883" y="2384548"/>
+            <a:ext cx="3279705" cy="3418041"/>
+          </a:xfrm>
+          <a:prstGeom prst="rect">
+            <a:avLst/>
+          </a:prstGeom>
+          <a:noFill/>
+          <a:extLst>
+            <a:ext uri="{909E8E84-426E-40DD-AFC4-6F175D3DCCD1}">
+              <a14:hiddenFill xmlns:a14="http://schemas.microsoft.com/office/drawing/2010/main">
+                <a:solidFill>
+                  <a:srgbClr val="FFFFFF"/>
+                </a:solidFill>
+              </a14:hiddenFill>
+            </a:ext>
+          </a:extLst>
+        </p:spPr>
+      </p:pic>
     </p:spTree>
     <p:extLst>
       <p:ext uri="{BB962C8B-B14F-4D97-AF65-F5344CB8AC3E}">
@@ -4115,6 +5347,13 @@
             <a:pPr algn="ctr"/>
             <a:r>
               <a:rPr lang="en-US" dirty="0"/>
+              <a:t>Customized Feature Extraction / with </a:t>
+            </a:r>
+          </a:p>
+          <a:p>
+            <a:pPr algn="ctr"/>
+            <a:r>
+              <a:rPr lang="en-US" dirty="0"/>
               <a:t>Neural Network</a:t>
             </a:r>
           </a:p>
@@ -5396,120 +6635,20 @@
       </p:grpSpPr>
       <p:sp>
         <p:nvSpPr>
-          <p:cNvPr id="8" name="Text Placeholder 7">
-            <a:extLst>
-              <a:ext uri="{FF2B5EF4-FFF2-40B4-BE49-F238E27FC236}">
-                <a16:creationId xmlns:a16="http://schemas.microsoft.com/office/drawing/2014/main" id="{4D2B0BF5-4149-1B58-5B95-C9A8A270905B}"/>
-              </a:ext>
-            </a:extLst>
-          </p:cNvPr>
-          <p:cNvSpPr>
-            <a:spLocks noGrp="1"/>
-          </p:cNvSpPr>
-          <p:nvPr>
-            <p:ph type="body" idx="1"/>
-          </p:nvPr>
-        </p:nvSpPr>
-        <p:spPr/>
-        <p:txBody>
-          <a:bodyPr/>
-          <a:lstStyle/>
-          <a:p>
-            <a:endParaRPr lang="en-US" dirty="0"/>
-          </a:p>
-        </p:txBody>
-      </p:sp>
-      <p:sp>
-        <p:nvSpPr>
-          <p:cNvPr id="9" name="Content Placeholder 8">
-            <a:extLst>
-              <a:ext uri="{FF2B5EF4-FFF2-40B4-BE49-F238E27FC236}">
-                <a16:creationId xmlns:a16="http://schemas.microsoft.com/office/drawing/2014/main" id="{D88C1D3B-9467-88A1-B638-7FC8F43F90A1}"/>
-              </a:ext>
-            </a:extLst>
-          </p:cNvPr>
-          <p:cNvSpPr>
-            <a:spLocks noGrp="1"/>
-          </p:cNvSpPr>
-          <p:nvPr>
-            <p:ph sz="half" idx="2"/>
-          </p:nvPr>
-        </p:nvSpPr>
-        <p:spPr/>
-        <p:txBody>
-          <a:bodyPr/>
-          <a:lstStyle/>
-          <a:p>
-            <a:endParaRPr lang="en-US" dirty="0"/>
-          </a:p>
-        </p:txBody>
-      </p:sp>
-      <p:sp>
-        <p:nvSpPr>
-          <p:cNvPr id="10" name="Content Placeholder 9">
-            <a:extLst>
-              <a:ext uri="{FF2B5EF4-FFF2-40B4-BE49-F238E27FC236}">
-                <a16:creationId xmlns:a16="http://schemas.microsoft.com/office/drawing/2014/main" id="{D193E1F4-CB06-8197-AA47-F1349553A775}"/>
-              </a:ext>
-            </a:extLst>
-          </p:cNvPr>
-          <p:cNvSpPr>
-            <a:spLocks noGrp="1"/>
-          </p:cNvSpPr>
-          <p:nvPr>
-            <p:ph sz="quarter" idx="4"/>
-          </p:nvPr>
-        </p:nvSpPr>
-        <p:spPr/>
-        <p:txBody>
-          <a:bodyPr/>
-          <a:lstStyle/>
-          <a:p>
-            <a:endParaRPr lang="en-US"/>
-          </a:p>
-        </p:txBody>
-      </p:sp>
-      <p:sp>
-        <p:nvSpPr>
-          <p:cNvPr id="11" name="Text Placeholder 10">
-            <a:extLst>
-              <a:ext uri="{FF2B5EF4-FFF2-40B4-BE49-F238E27FC236}">
-                <a16:creationId xmlns:a16="http://schemas.microsoft.com/office/drawing/2014/main" id="{B0F76C65-F065-43C7-C4D8-F6960A1A5DE2}"/>
-              </a:ext>
-            </a:extLst>
-          </p:cNvPr>
-          <p:cNvSpPr>
-            <a:spLocks noGrp="1"/>
-          </p:cNvSpPr>
-          <p:nvPr>
-            <p:ph type="body" sz="quarter" idx="13"/>
-          </p:nvPr>
-        </p:nvSpPr>
-        <p:spPr/>
-        <p:txBody>
-          <a:bodyPr/>
-          <a:lstStyle/>
-          <a:p>
-            <a:endParaRPr lang="en-US"/>
-          </a:p>
-        </p:txBody>
-      </p:sp>
-      <p:sp>
-        <p:nvSpPr>
-          <p:cNvPr id="12" name="TextBox 11">
-            <a:extLst>
-              <a:ext uri="{FF2B5EF4-FFF2-40B4-BE49-F238E27FC236}">
-                <a16:creationId xmlns:a16="http://schemas.microsoft.com/office/drawing/2014/main" id="{EDB2B722-783E-6D70-056C-8F16C963FA56}"/>
-              </a:ext>
-            </a:extLst>
-          </p:cNvPr>
-          <p:cNvSpPr txBox="1"/>
+          <p:cNvPr id="4" name="Rectangle 3">
+            <a:extLst>
+              <a:ext uri="{FF2B5EF4-FFF2-40B4-BE49-F238E27FC236}">
+                <a16:creationId xmlns:a16="http://schemas.microsoft.com/office/drawing/2014/main" id="{BBF363FB-F812-870F-614F-3663D2464447}"/>
+              </a:ext>
+            </a:extLst>
+          </p:cNvPr>
+          <p:cNvSpPr/>
           <p:nvPr/>
         </p:nvSpPr>
         <p:spPr>
           <a:xfrm>
-            <a:off x="3771100" y="967053"/>
-            <a:ext cx="4649799" cy="646331"/>
+            <a:off x="1721684" y="411049"/>
+            <a:ext cx="8460265" cy="1754326"/>
           </a:xfrm>
           <a:prstGeom prst="rect">
             <a:avLst/>
@@ -5517,22 +6656,295 @@
           <a:noFill/>
         </p:spPr>
         <p:txBody>
-          <a:bodyPr wrap="none" rtlCol="0">
+          <a:bodyPr wrap="none" lIns="91440" tIns="45720" rIns="91440" bIns="45720">
             <a:spAutoFit/>
           </a:bodyPr>
           <a:lstStyle/>
           <a:p>
-            <a:r>
-              <a:rPr lang="en-US" sz="3600" dirty="0"/>
-              <a:t>Predict Future Spending</a:t>
-            </a:r>
+            <a:pPr algn="ctr"/>
+            <a:r>
+              <a:rPr lang="en-US" sz="5400" cap="none" spc="0" dirty="0">
+                <a:ln w="0"/>
+                <a:effectLst>
+                  <a:outerShdw blurRad="38100" dist="19050" dir="2700000" algn="tl" rotWithShape="0">
+                    <a:schemeClr val="dk1">
+                      <a:alpha val="40000"/>
+                    </a:schemeClr>
+                  </a:outerShdw>
+                </a:effectLst>
+              </a:rPr>
+              <a:t>Accessing</a:t>
+            </a:r>
+            <a:r>
+              <a:rPr lang="en-US" sz="5400" b="1" cap="none" spc="0" dirty="0">
+                <a:ln w="0"/>
+                <a:solidFill>
+                  <a:srgbClr val="9900CC"/>
+                </a:solidFill>
+                <a:effectLst>
+                  <a:outerShdw blurRad="38100" dist="19050" dir="2700000" algn="tl" rotWithShape="0">
+                    <a:schemeClr val="dk1">
+                      <a:alpha val="40000"/>
+                    </a:schemeClr>
+                  </a:outerShdw>
+                </a:effectLst>
+              </a:rPr>
+              <a:t> </a:t>
+            </a:r>
+            <a:r>
+              <a:rPr lang="en-US" sz="5400" b="1" cap="none" spc="0" dirty="0">
+                <a:ln w="0"/>
+                <a:solidFill>
+                  <a:srgbClr val="FF9933"/>
+                </a:solidFill>
+                <a:effectLst>
+                  <a:outerShdw blurRad="38100" dist="19050" dir="2700000" algn="tl" rotWithShape="0">
+                    <a:schemeClr val="dk1">
+                      <a:alpha val="40000"/>
+                    </a:schemeClr>
+                  </a:outerShdw>
+                </a:effectLst>
+              </a:rPr>
+              <a:t>Fraud Risk Score</a:t>
+            </a:r>
+          </a:p>
+          <a:p>
+            <a:pPr algn="ctr"/>
+            <a:r>
+              <a:rPr lang="en-US" sz="5400" dirty="0">
+                <a:ln w="0"/>
+                <a:effectLst>
+                  <a:outerShdw blurRad="38100" dist="19050" dir="2700000" algn="tl" rotWithShape="0">
+                    <a:schemeClr val="dk1">
+                      <a:alpha val="40000"/>
+                    </a:schemeClr>
+                  </a:outerShdw>
+                </a:effectLst>
+              </a:rPr>
+              <a:t>f</a:t>
+            </a:r>
+            <a:r>
+              <a:rPr lang="en-US" sz="5400" cap="none" spc="0" dirty="0">
+                <a:ln w="0"/>
+                <a:effectLst>
+                  <a:outerShdw blurRad="38100" dist="19050" dir="2700000" algn="tl" rotWithShape="0">
+                    <a:schemeClr val="dk1">
+                      <a:alpha val="40000"/>
+                    </a:schemeClr>
+                  </a:outerShdw>
+                </a:effectLst>
+              </a:rPr>
+              <a:t>rom invoice text ?</a:t>
+            </a:r>
+          </a:p>
+        </p:txBody>
+      </p:sp>
+      <p:sp>
+        <p:nvSpPr>
+          <p:cNvPr id="5" name="Rectangle 4">
+            <a:extLst>
+              <a:ext uri="{FF2B5EF4-FFF2-40B4-BE49-F238E27FC236}">
+                <a16:creationId xmlns:a16="http://schemas.microsoft.com/office/drawing/2014/main" id="{538FC552-15E3-38B1-5267-0415711A6860}"/>
+              </a:ext>
+            </a:extLst>
+          </p:cNvPr>
+          <p:cNvSpPr/>
+          <p:nvPr/>
+        </p:nvSpPr>
+        <p:spPr>
+          <a:xfrm>
+            <a:off x="231742" y="2165375"/>
+            <a:ext cx="11728516" cy="5293757"/>
+          </a:xfrm>
+          <a:prstGeom prst="rect">
+            <a:avLst/>
+          </a:prstGeom>
+          <a:noFill/>
+        </p:spPr>
+        <p:txBody>
+          <a:bodyPr wrap="square" lIns="91440" tIns="45720" rIns="91440" bIns="45720">
+            <a:spAutoFit/>
+          </a:bodyPr>
+          <a:lstStyle/>
+          <a:p>
+            <a:r>
+              <a:rPr lang="en-US" sz="2800" b="1" dirty="0">
+                <a:latin typeface="Calibri" panose="020F0502020204030204" pitchFamily="34" charset="0"/>
+              </a:rPr>
+              <a:t>Consider fraud risk factors from invoices                                          Feature Value</a:t>
+            </a:r>
+          </a:p>
+          <a:p>
+            <a:r>
+              <a:rPr lang="en-US" sz="2800" dirty="0">
+                <a:latin typeface="Calibri" panose="020F0502020204030204" pitchFamily="34" charset="0"/>
+              </a:rPr>
+              <a:t>W</a:t>
+            </a:r>
+            <a:r>
+              <a:rPr lang="en-US" sz="2800" i="0" u="none" strike="noStrike" baseline="0" dirty="0">
+                <a:latin typeface="Calibri" panose="020F0502020204030204" pitchFamily="34" charset="0"/>
+              </a:rPr>
+              <a:t>eekend or </a:t>
+            </a:r>
+            <a:r>
+              <a:rPr lang="en-US" sz="2800" dirty="0">
+                <a:latin typeface="Calibri" panose="020F0502020204030204" pitchFamily="34" charset="0"/>
+              </a:rPr>
+              <a:t>h</a:t>
+            </a:r>
+            <a:r>
+              <a:rPr lang="en-US" sz="2800" i="0" u="none" strike="noStrike" baseline="0" dirty="0">
+                <a:latin typeface="Calibri" panose="020F0502020204030204" pitchFamily="34" charset="0"/>
+              </a:rPr>
+              <a:t>oliday expenses?	                                                               0 / 1                   </a:t>
+            </a:r>
+            <a:endParaRPr lang="en-US" sz="2800" dirty="0">
+              <a:latin typeface="Calibri" panose="020F0502020204030204" pitchFamily="34" charset="0"/>
+            </a:endParaRPr>
+          </a:p>
+          <a:p>
+            <a:r>
+              <a:rPr lang="en-US" sz="2800" i="0" u="none" strike="noStrike" baseline="0" dirty="0">
+                <a:latin typeface="Calibri" panose="020F0502020204030204" pitchFamily="34" charset="0"/>
+              </a:rPr>
+              <a:t>Submitting the same </a:t>
+            </a:r>
+            <a:r>
+              <a:rPr lang="en-US" sz="2800" dirty="0">
+                <a:latin typeface="Calibri" panose="020F0502020204030204" pitchFamily="34" charset="0"/>
+              </a:rPr>
+              <a:t>i</a:t>
+            </a:r>
+            <a:r>
+              <a:rPr lang="en-US" sz="2800" i="0" u="none" strike="noStrike" baseline="0" dirty="0">
+                <a:latin typeface="Calibri" panose="020F0502020204030204" pitchFamily="34" charset="0"/>
+              </a:rPr>
+              <a:t>nvoice </a:t>
+            </a:r>
+            <a:r>
+              <a:rPr lang="en-US" sz="2800" dirty="0">
+                <a:latin typeface="Calibri" panose="020F0502020204030204" pitchFamily="34" charset="0"/>
+              </a:rPr>
+              <a:t>m</a:t>
+            </a:r>
+            <a:r>
+              <a:rPr lang="en-US" sz="2800" i="0" u="none" strike="noStrike" baseline="0" dirty="0">
+                <a:latin typeface="Calibri" panose="020F0502020204030204" pitchFamily="34" charset="0"/>
+              </a:rPr>
+              <a:t>ultiple </a:t>
+            </a:r>
+            <a:r>
+              <a:rPr lang="en-US" sz="2800" dirty="0">
+                <a:latin typeface="Calibri" panose="020F0502020204030204" pitchFamily="34" charset="0"/>
+              </a:rPr>
+              <a:t>t</a:t>
+            </a:r>
+            <a:r>
+              <a:rPr lang="en-US" sz="2800" i="0" u="none" strike="noStrike" baseline="0" dirty="0">
+                <a:latin typeface="Calibri" panose="020F0502020204030204" pitchFamily="34" charset="0"/>
+              </a:rPr>
+              <a:t>imes? 	</a:t>
+            </a:r>
+            <a:r>
+              <a:rPr lang="en-US" sz="2800" dirty="0">
+                <a:latin typeface="Calibri" panose="020F0502020204030204" pitchFamily="34" charset="0"/>
+              </a:rPr>
+              <a:t>				            0 /  1 </a:t>
+            </a:r>
+            <a:endParaRPr lang="en-US" sz="2800" i="0" u="none" strike="noStrike" baseline="0" dirty="0">
+              <a:latin typeface="Calibri" panose="020F0502020204030204" pitchFamily="34" charset="0"/>
+            </a:endParaRPr>
+          </a:p>
+          <a:p>
+            <a:r>
+              <a:rPr lang="en-US" sz="2800" i="0" u="none" strike="noStrike" baseline="0" dirty="0">
+                <a:latin typeface="Calibri" panose="020F0502020204030204" pitchFamily="34" charset="0"/>
+              </a:rPr>
+              <a:t>unusual spending -  person is not associated on that project?	      0 /  1</a:t>
+            </a:r>
+          </a:p>
+          <a:p>
+            <a:r>
+              <a:rPr lang="en-US" sz="2800" i="0" u="none" strike="noStrike" baseline="0" dirty="0">
+                <a:latin typeface="Calibri" panose="020F0502020204030204" pitchFamily="34" charset="0"/>
+              </a:rPr>
+              <a:t>amount overclaim ?  	                                                                                0 / 1</a:t>
+            </a:r>
+          </a:p>
+          <a:p>
+            <a:r>
+              <a:rPr lang="en-US" sz="2800" i="0" u="none" strike="noStrike" baseline="0" dirty="0">
+                <a:latin typeface="Calibri" panose="020F0502020204030204" pitchFamily="34" charset="0"/>
+              </a:rPr>
+              <a:t>amount is multiple of 100?	                                                                     0 / 1</a:t>
+            </a:r>
+          </a:p>
+          <a:p>
+            <a:r>
+              <a:rPr lang="en-US" sz="2800" i="0" u="none" strike="noStrike" baseline="0" dirty="0">
+                <a:latin typeface="Calibri" panose="020F0502020204030204" pitchFamily="34" charset="0"/>
+              </a:rPr>
+              <a:t>contain personal expense words	                                                          0 / 1</a:t>
+            </a:r>
+          </a:p>
+          <a:p>
+            <a:r>
+              <a:rPr lang="en-US" sz="2800" i="0" u="none" strike="noStrike" baseline="0" dirty="0">
+                <a:latin typeface="Calibri" panose="020F0502020204030204" pitchFamily="34" charset="0"/>
+              </a:rPr>
+              <a:t>Invoice Date falls outside of Project Duration Dates	                              0 / 1</a:t>
+            </a:r>
+          </a:p>
+          <a:p>
+            <a:r>
+              <a:rPr lang="en-US" sz="2800" i="0" u="none" strike="noStrike" baseline="0" dirty="0">
+                <a:latin typeface="Calibri" panose="020F0502020204030204" pitchFamily="34" charset="0"/>
+              </a:rPr>
+              <a:t>rounding amounts repeatedly claimed by same person?	                   0 --1</a:t>
+            </a:r>
+          </a:p>
+          <a:p>
+            <a:r>
+              <a:rPr lang="en-US" sz="2800" i="0" u="none" strike="noStrike" baseline="0" dirty="0">
+                <a:latin typeface="Calibri" panose="020F0502020204030204" pitchFamily="34" charset="0"/>
+              </a:rPr>
+              <a:t>sudden change in behavior	?	                                                                0 – 1</a:t>
+            </a:r>
+          </a:p>
+          <a:p>
+            <a:r>
+              <a:rPr lang="en-US" sz="2800" dirty="0">
+                <a:latin typeface="Calibri" panose="020F0502020204030204" pitchFamily="34" charset="0"/>
+              </a:rPr>
+              <a:t>And More……..</a:t>
+            </a:r>
+            <a:endParaRPr lang="en-US" sz="2800" i="0" u="none" strike="noStrike" baseline="0" dirty="0">
+              <a:latin typeface="Calibri" panose="020F0502020204030204" pitchFamily="34" charset="0"/>
+            </a:endParaRPr>
+          </a:p>
+          <a:p>
+            <a:pPr algn="ctr"/>
+            <a:endParaRPr lang="en-US" sz="3000" b="0" cap="none" spc="0" dirty="0">
+              <a:ln w="0"/>
+              <a:solidFill>
+                <a:schemeClr val="tx1"/>
+              </a:solidFill>
+              <a:effectLst>
+                <a:outerShdw blurRad="38100" dist="19050" dir="2700000" algn="tl" rotWithShape="0">
+                  <a:schemeClr val="dk1">
+                    <a:alpha val="40000"/>
+                  </a:schemeClr>
+                </a:outerShdw>
+              </a:effectLst>
+            </a:endParaRPr>
           </a:p>
         </p:txBody>
       </p:sp>
     </p:spTree>
     <p:extLst>
       <p:ext uri="{BB962C8B-B14F-4D97-AF65-F5344CB8AC3E}">
-        <p14:creationId xmlns:p14="http://schemas.microsoft.com/office/powerpoint/2010/main" val="283610973"/>
+        <p14:creationId xmlns:p14="http://schemas.microsoft.com/office/powerpoint/2010/main" val="460321572"/>
       </p:ext>
     </p:extLst>
   </p:cSld>
@@ -5561,869 +6973,110 @@
       </p:grpSpPr>
       <p:sp>
         <p:nvSpPr>
-          <p:cNvPr id="2" name="Oval 1">
-            <a:extLst>
-              <a:ext uri="{FF2B5EF4-FFF2-40B4-BE49-F238E27FC236}">
-                <a16:creationId xmlns:a16="http://schemas.microsoft.com/office/drawing/2014/main" id="{AFEA6ABB-6D5F-C69B-4B3D-D6AF0F06D70F}"/>
-              </a:ext>
-            </a:extLst>
-          </p:cNvPr>
-          <p:cNvSpPr/>
-          <p:nvPr/>
-        </p:nvSpPr>
-        <p:spPr>
-          <a:xfrm>
-            <a:off x="2775884" y="3832935"/>
-            <a:ext cx="772358" cy="719091"/>
-          </a:xfrm>
-          <a:prstGeom prst="ellipse">
-            <a:avLst/>
-          </a:prstGeom>
-          <a:solidFill>
-            <a:srgbClr val="96AED2"/>
-          </a:solidFill>
-        </p:spPr>
-        <p:style>
-          <a:lnRef idx="2">
-            <a:schemeClr val="accent1">
-              <a:shade val="15000"/>
-            </a:schemeClr>
-          </a:lnRef>
-          <a:fillRef idx="1">
-            <a:schemeClr val="accent1"/>
-          </a:fillRef>
-          <a:effectRef idx="0">
-            <a:schemeClr val="accent1"/>
-          </a:effectRef>
-          <a:fontRef idx="minor">
-            <a:schemeClr val="lt1"/>
-          </a:fontRef>
-        </p:style>
-        <p:txBody>
-          <a:bodyPr rtlCol="0" anchor="ctr"/>
-          <a:lstStyle/>
-          <a:p>
-            <a:pPr algn="ctr"/>
+          <p:cNvPr id="8" name="Text Placeholder 7">
+            <a:extLst>
+              <a:ext uri="{FF2B5EF4-FFF2-40B4-BE49-F238E27FC236}">
+                <a16:creationId xmlns:a16="http://schemas.microsoft.com/office/drawing/2014/main" id="{4D2B0BF5-4149-1B58-5B95-C9A8A270905B}"/>
+              </a:ext>
+            </a:extLst>
+          </p:cNvPr>
+          <p:cNvSpPr>
+            <a:spLocks noGrp="1"/>
+          </p:cNvSpPr>
+          <p:nvPr>
+            <p:ph type="body" idx="1"/>
+          </p:nvPr>
+        </p:nvSpPr>
+        <p:spPr/>
+        <p:txBody>
+          <a:bodyPr/>
+          <a:lstStyle/>
+          <a:p>
+            <a:endParaRPr lang="en-US" dirty="0"/>
+          </a:p>
+        </p:txBody>
+      </p:sp>
+      <p:sp>
+        <p:nvSpPr>
+          <p:cNvPr id="9" name="Content Placeholder 8">
+            <a:extLst>
+              <a:ext uri="{FF2B5EF4-FFF2-40B4-BE49-F238E27FC236}">
+                <a16:creationId xmlns:a16="http://schemas.microsoft.com/office/drawing/2014/main" id="{D88C1D3B-9467-88A1-B638-7FC8F43F90A1}"/>
+              </a:ext>
+            </a:extLst>
+          </p:cNvPr>
+          <p:cNvSpPr>
+            <a:spLocks noGrp="1"/>
+          </p:cNvSpPr>
+          <p:nvPr>
+            <p:ph sz="half" idx="2"/>
+          </p:nvPr>
+        </p:nvSpPr>
+        <p:spPr/>
+        <p:txBody>
+          <a:bodyPr/>
+          <a:lstStyle/>
+          <a:p>
+            <a:endParaRPr lang="en-US" dirty="0"/>
+          </a:p>
+        </p:txBody>
+      </p:sp>
+      <p:sp>
+        <p:nvSpPr>
+          <p:cNvPr id="10" name="Content Placeholder 9">
+            <a:extLst>
+              <a:ext uri="{FF2B5EF4-FFF2-40B4-BE49-F238E27FC236}">
+                <a16:creationId xmlns:a16="http://schemas.microsoft.com/office/drawing/2014/main" id="{D193E1F4-CB06-8197-AA47-F1349553A775}"/>
+              </a:ext>
+            </a:extLst>
+          </p:cNvPr>
+          <p:cNvSpPr>
+            <a:spLocks noGrp="1"/>
+          </p:cNvSpPr>
+          <p:nvPr>
+            <p:ph sz="quarter" idx="4"/>
+          </p:nvPr>
+        </p:nvSpPr>
+        <p:spPr/>
+        <p:txBody>
+          <a:bodyPr/>
+          <a:lstStyle/>
+          <a:p>
             <a:endParaRPr lang="en-US"/>
           </a:p>
         </p:txBody>
       </p:sp>
       <p:sp>
         <p:nvSpPr>
-          <p:cNvPr id="5" name="Oval 4">
-            <a:extLst>
-              <a:ext uri="{FF2B5EF4-FFF2-40B4-BE49-F238E27FC236}">
-                <a16:creationId xmlns:a16="http://schemas.microsoft.com/office/drawing/2014/main" id="{563BE5EF-8FE7-9350-8740-6B17BF31FA43}"/>
-              </a:ext>
-            </a:extLst>
-          </p:cNvPr>
-          <p:cNvSpPr/>
-          <p:nvPr/>
-        </p:nvSpPr>
-        <p:spPr>
-          <a:xfrm>
-            <a:off x="2775884" y="2675879"/>
-            <a:ext cx="772358" cy="719091"/>
-          </a:xfrm>
-          <a:prstGeom prst="ellipse">
-            <a:avLst/>
-          </a:prstGeom>
-          <a:solidFill>
-            <a:srgbClr val="96AED2"/>
-          </a:solidFill>
-        </p:spPr>
-        <p:style>
-          <a:lnRef idx="2">
-            <a:schemeClr val="accent1">
-              <a:shade val="15000"/>
-            </a:schemeClr>
-          </a:lnRef>
-          <a:fillRef idx="1">
-            <a:schemeClr val="accent1"/>
-          </a:fillRef>
-          <a:effectRef idx="0">
-            <a:schemeClr val="accent1"/>
-          </a:effectRef>
-          <a:fontRef idx="minor">
-            <a:schemeClr val="lt1"/>
-          </a:fontRef>
-        </p:style>
-        <p:txBody>
-          <a:bodyPr rtlCol="0" anchor="ctr"/>
-          <a:lstStyle/>
-          <a:p>
-            <a:pPr algn="ctr"/>
+          <p:cNvPr id="11" name="Text Placeholder 10">
+            <a:extLst>
+              <a:ext uri="{FF2B5EF4-FFF2-40B4-BE49-F238E27FC236}">
+                <a16:creationId xmlns:a16="http://schemas.microsoft.com/office/drawing/2014/main" id="{B0F76C65-F065-43C7-C4D8-F6960A1A5DE2}"/>
+              </a:ext>
+            </a:extLst>
+          </p:cNvPr>
+          <p:cNvSpPr>
+            <a:spLocks noGrp="1"/>
+          </p:cNvSpPr>
+          <p:nvPr>
+            <p:ph type="body" sz="quarter" idx="13"/>
+          </p:nvPr>
+        </p:nvSpPr>
+        <p:spPr/>
+        <p:txBody>
+          <a:bodyPr/>
+          <a:lstStyle/>
+          <a:p>
             <a:endParaRPr lang="en-US"/>
           </a:p>
         </p:txBody>
       </p:sp>
       <p:sp>
         <p:nvSpPr>
-          <p:cNvPr id="7" name="Oval 6">
-            <a:extLst>
-              <a:ext uri="{FF2B5EF4-FFF2-40B4-BE49-F238E27FC236}">
-                <a16:creationId xmlns:a16="http://schemas.microsoft.com/office/drawing/2014/main" id="{C035665D-9367-22D4-20D1-D5A9AD45C24E}"/>
-              </a:ext>
-            </a:extLst>
-          </p:cNvPr>
-          <p:cNvSpPr/>
-          <p:nvPr/>
-        </p:nvSpPr>
-        <p:spPr>
-          <a:xfrm>
-            <a:off x="4822186" y="1940512"/>
-            <a:ext cx="772358" cy="719091"/>
-          </a:xfrm>
-          <a:prstGeom prst="ellipse">
-            <a:avLst/>
-          </a:prstGeom>
-          <a:solidFill>
-            <a:srgbClr val="96AED2"/>
-          </a:solidFill>
-        </p:spPr>
-        <p:style>
-          <a:lnRef idx="2">
-            <a:schemeClr val="accent1">
-              <a:shade val="15000"/>
-            </a:schemeClr>
-          </a:lnRef>
-          <a:fillRef idx="1">
-            <a:schemeClr val="accent1"/>
-          </a:fillRef>
-          <a:effectRef idx="0">
-            <a:schemeClr val="accent1"/>
-          </a:effectRef>
-          <a:fontRef idx="minor">
-            <a:schemeClr val="lt1"/>
-          </a:fontRef>
-        </p:style>
-        <p:txBody>
-          <a:bodyPr rtlCol="0" anchor="ctr"/>
-          <a:lstStyle/>
-          <a:p>
-            <a:pPr algn="ctr"/>
-            <a:endParaRPr lang="en-US"/>
-          </a:p>
-        </p:txBody>
-      </p:sp>
-      <p:sp>
-        <p:nvSpPr>
-          <p:cNvPr id="8" name="Oval 7">
-            <a:extLst>
-              <a:ext uri="{FF2B5EF4-FFF2-40B4-BE49-F238E27FC236}">
-                <a16:creationId xmlns:a16="http://schemas.microsoft.com/office/drawing/2014/main" id="{CD0896F1-5689-DB02-E1A6-F84F44574309}"/>
-              </a:ext>
-            </a:extLst>
-          </p:cNvPr>
-          <p:cNvSpPr/>
-          <p:nvPr/>
-        </p:nvSpPr>
-        <p:spPr>
-          <a:xfrm>
-            <a:off x="4822186" y="3288439"/>
-            <a:ext cx="772358" cy="719091"/>
-          </a:xfrm>
-          <a:prstGeom prst="ellipse">
-            <a:avLst/>
-          </a:prstGeom>
-          <a:solidFill>
-            <a:srgbClr val="96AED2"/>
-          </a:solidFill>
-        </p:spPr>
-        <p:style>
-          <a:lnRef idx="2">
-            <a:schemeClr val="accent1">
-              <a:shade val="15000"/>
-            </a:schemeClr>
-          </a:lnRef>
-          <a:fillRef idx="1">
-            <a:schemeClr val="accent1"/>
-          </a:fillRef>
-          <a:effectRef idx="0">
-            <a:schemeClr val="accent1"/>
-          </a:effectRef>
-          <a:fontRef idx="minor">
-            <a:schemeClr val="lt1"/>
-          </a:fontRef>
-        </p:style>
-        <p:txBody>
-          <a:bodyPr rtlCol="0" anchor="ctr"/>
-          <a:lstStyle/>
-          <a:p>
-            <a:pPr algn="ctr"/>
-            <a:endParaRPr lang="en-US"/>
-          </a:p>
-        </p:txBody>
-      </p:sp>
-      <p:sp>
-        <p:nvSpPr>
-          <p:cNvPr id="9" name="Oval 8">
-            <a:extLst>
-              <a:ext uri="{FF2B5EF4-FFF2-40B4-BE49-F238E27FC236}">
-                <a16:creationId xmlns:a16="http://schemas.microsoft.com/office/drawing/2014/main" id="{35E1B97D-B4EF-3DB4-EAA6-8A11C0E61599}"/>
-              </a:ext>
-            </a:extLst>
-          </p:cNvPr>
-          <p:cNvSpPr/>
-          <p:nvPr/>
-        </p:nvSpPr>
-        <p:spPr>
-          <a:xfrm>
-            <a:off x="4822186" y="4472128"/>
-            <a:ext cx="772358" cy="719091"/>
-          </a:xfrm>
-          <a:prstGeom prst="ellipse">
-            <a:avLst/>
-          </a:prstGeom>
-          <a:solidFill>
-            <a:srgbClr val="96AED2"/>
-          </a:solidFill>
-        </p:spPr>
-        <p:style>
-          <a:lnRef idx="2">
-            <a:schemeClr val="accent1">
-              <a:shade val="15000"/>
-            </a:schemeClr>
-          </a:lnRef>
-          <a:fillRef idx="1">
-            <a:schemeClr val="accent1"/>
-          </a:fillRef>
-          <a:effectRef idx="0">
-            <a:schemeClr val="accent1"/>
-          </a:effectRef>
-          <a:fontRef idx="minor">
-            <a:schemeClr val="lt1"/>
-          </a:fontRef>
-        </p:style>
-        <p:txBody>
-          <a:bodyPr rtlCol="0" anchor="ctr"/>
-          <a:lstStyle/>
-          <a:p>
-            <a:pPr algn="ctr"/>
-            <a:endParaRPr lang="en-US"/>
-          </a:p>
-        </p:txBody>
-      </p:sp>
-      <p:sp>
-        <p:nvSpPr>
-          <p:cNvPr id="11" name="Oval 10">
-            <a:extLst>
-              <a:ext uri="{FF2B5EF4-FFF2-40B4-BE49-F238E27FC236}">
-                <a16:creationId xmlns:a16="http://schemas.microsoft.com/office/drawing/2014/main" id="{87EE65B7-3B4C-D236-3DD7-FC7ABD1A1242}"/>
-              </a:ext>
-            </a:extLst>
-          </p:cNvPr>
-          <p:cNvSpPr/>
-          <p:nvPr/>
-        </p:nvSpPr>
-        <p:spPr>
-          <a:xfrm>
-            <a:off x="6739024" y="2511641"/>
-            <a:ext cx="772358" cy="719091"/>
-          </a:xfrm>
-          <a:prstGeom prst="ellipse">
-            <a:avLst/>
-          </a:prstGeom>
-          <a:solidFill>
-            <a:srgbClr val="96AED2"/>
-          </a:solidFill>
-        </p:spPr>
-        <p:style>
-          <a:lnRef idx="2">
-            <a:schemeClr val="accent1">
-              <a:shade val="15000"/>
-            </a:schemeClr>
-          </a:lnRef>
-          <a:fillRef idx="1">
-            <a:schemeClr val="accent1"/>
-          </a:fillRef>
-          <a:effectRef idx="0">
-            <a:schemeClr val="accent1"/>
-          </a:effectRef>
-          <a:fontRef idx="minor">
-            <a:schemeClr val="lt1"/>
-          </a:fontRef>
-        </p:style>
-        <p:txBody>
-          <a:bodyPr rtlCol="0" anchor="ctr"/>
-          <a:lstStyle/>
-          <a:p>
-            <a:pPr algn="ctr"/>
-            <a:endParaRPr lang="en-US"/>
-          </a:p>
-        </p:txBody>
-      </p:sp>
-      <p:sp>
-        <p:nvSpPr>
-          <p:cNvPr id="12" name="Oval 11">
-            <a:extLst>
-              <a:ext uri="{FF2B5EF4-FFF2-40B4-BE49-F238E27FC236}">
-                <a16:creationId xmlns:a16="http://schemas.microsoft.com/office/drawing/2014/main" id="{51293DB7-D914-D9C8-384F-27FD3F42D232}"/>
-              </a:ext>
-            </a:extLst>
-          </p:cNvPr>
-          <p:cNvSpPr/>
-          <p:nvPr/>
-        </p:nvSpPr>
-        <p:spPr>
-          <a:xfrm>
-            <a:off x="6766394" y="3883241"/>
-            <a:ext cx="772358" cy="719091"/>
-          </a:xfrm>
-          <a:prstGeom prst="ellipse">
-            <a:avLst/>
-          </a:prstGeom>
-          <a:solidFill>
-            <a:srgbClr val="96AED2"/>
-          </a:solidFill>
-        </p:spPr>
-        <p:style>
-          <a:lnRef idx="2">
-            <a:schemeClr val="accent1">
-              <a:shade val="15000"/>
-            </a:schemeClr>
-          </a:lnRef>
-          <a:fillRef idx="1">
-            <a:schemeClr val="accent1"/>
-          </a:fillRef>
-          <a:effectRef idx="0">
-            <a:schemeClr val="accent1"/>
-          </a:effectRef>
-          <a:fontRef idx="minor">
-            <a:schemeClr val="lt1"/>
-          </a:fontRef>
-        </p:style>
-        <p:txBody>
-          <a:bodyPr rtlCol="0" anchor="ctr"/>
-          <a:lstStyle/>
-          <a:p>
-            <a:pPr algn="ctr"/>
-            <a:endParaRPr lang="en-US"/>
-          </a:p>
-        </p:txBody>
-      </p:sp>
-      <p:sp>
-        <p:nvSpPr>
-          <p:cNvPr id="15" name="Oval 14">
-            <a:extLst>
-              <a:ext uri="{FF2B5EF4-FFF2-40B4-BE49-F238E27FC236}">
-                <a16:creationId xmlns:a16="http://schemas.microsoft.com/office/drawing/2014/main" id="{0E266FF6-113D-713F-12D1-F4DDB756834C}"/>
-              </a:ext>
-            </a:extLst>
-          </p:cNvPr>
-          <p:cNvSpPr/>
-          <p:nvPr/>
-        </p:nvSpPr>
-        <p:spPr>
-          <a:xfrm>
-            <a:off x="8978652" y="2740862"/>
-            <a:ext cx="772358" cy="719091"/>
-          </a:xfrm>
-          <a:prstGeom prst="ellipse">
-            <a:avLst/>
-          </a:prstGeom>
-          <a:solidFill>
-            <a:srgbClr val="96AED2"/>
-          </a:solidFill>
-        </p:spPr>
-        <p:style>
-          <a:lnRef idx="2">
-            <a:schemeClr val="accent1">
-              <a:shade val="15000"/>
-            </a:schemeClr>
-          </a:lnRef>
-          <a:fillRef idx="1">
-            <a:schemeClr val="accent1"/>
-          </a:fillRef>
-          <a:effectRef idx="0">
-            <a:schemeClr val="accent1"/>
-          </a:effectRef>
-          <a:fontRef idx="minor">
-            <a:schemeClr val="lt1"/>
-          </a:fontRef>
-        </p:style>
-        <p:txBody>
-          <a:bodyPr rtlCol="0" anchor="ctr"/>
-          <a:lstStyle/>
-          <a:p>
-            <a:pPr algn="ctr"/>
-            <a:endParaRPr lang="en-US"/>
-          </a:p>
-        </p:txBody>
-      </p:sp>
-      <p:sp>
-        <p:nvSpPr>
-          <p:cNvPr id="16" name="Oval 15">
-            <a:extLst>
-              <a:ext uri="{FF2B5EF4-FFF2-40B4-BE49-F238E27FC236}">
-                <a16:creationId xmlns:a16="http://schemas.microsoft.com/office/drawing/2014/main" id="{22F1CD57-2241-3F22-E6FF-17C8BCABEEDF}"/>
-              </a:ext>
-            </a:extLst>
-          </p:cNvPr>
-          <p:cNvSpPr/>
-          <p:nvPr/>
-        </p:nvSpPr>
-        <p:spPr>
-          <a:xfrm>
-            <a:off x="8978652" y="3914194"/>
-            <a:ext cx="772358" cy="719091"/>
-          </a:xfrm>
-          <a:prstGeom prst="ellipse">
-            <a:avLst/>
-          </a:prstGeom>
-          <a:solidFill>
-            <a:srgbClr val="96AED2"/>
-          </a:solidFill>
-        </p:spPr>
-        <p:style>
-          <a:lnRef idx="2">
-            <a:schemeClr val="accent1">
-              <a:shade val="15000"/>
-            </a:schemeClr>
-          </a:lnRef>
-          <a:fillRef idx="1">
-            <a:schemeClr val="accent1"/>
-          </a:fillRef>
-          <a:effectRef idx="0">
-            <a:schemeClr val="accent1"/>
-          </a:effectRef>
-          <a:fontRef idx="minor">
-            <a:schemeClr val="lt1"/>
-          </a:fontRef>
-        </p:style>
-        <p:txBody>
-          <a:bodyPr rtlCol="0" anchor="ctr"/>
-          <a:lstStyle/>
-          <a:p>
-            <a:pPr algn="ctr"/>
-            <a:endParaRPr lang="en-US"/>
-          </a:p>
-        </p:txBody>
-      </p:sp>
-      <p:sp>
-        <p:nvSpPr>
-          <p:cNvPr id="17" name="Oval 16">
-            <a:extLst>
-              <a:ext uri="{FF2B5EF4-FFF2-40B4-BE49-F238E27FC236}">
-                <a16:creationId xmlns:a16="http://schemas.microsoft.com/office/drawing/2014/main" id="{A1F3AFE9-E9F0-C837-0667-671FD5F4C5E9}"/>
-              </a:ext>
-            </a:extLst>
-          </p:cNvPr>
-          <p:cNvSpPr/>
-          <p:nvPr/>
-        </p:nvSpPr>
-        <p:spPr>
-          <a:xfrm>
-            <a:off x="8978652" y="5074209"/>
-            <a:ext cx="772358" cy="719091"/>
-          </a:xfrm>
-          <a:prstGeom prst="ellipse">
-            <a:avLst/>
-          </a:prstGeom>
-          <a:solidFill>
-            <a:srgbClr val="96AED2"/>
-          </a:solidFill>
-        </p:spPr>
-        <p:style>
-          <a:lnRef idx="2">
-            <a:schemeClr val="accent1">
-              <a:shade val="15000"/>
-            </a:schemeClr>
-          </a:lnRef>
-          <a:fillRef idx="1">
-            <a:schemeClr val="accent1"/>
-          </a:fillRef>
-          <a:effectRef idx="0">
-            <a:schemeClr val="accent1"/>
-          </a:effectRef>
-          <a:fontRef idx="minor">
-            <a:schemeClr val="lt1"/>
-          </a:fontRef>
-        </p:style>
-        <p:txBody>
-          <a:bodyPr rtlCol="0" anchor="ctr"/>
-          <a:lstStyle/>
-          <a:p>
-            <a:pPr algn="ctr"/>
-            <a:endParaRPr lang="en-US"/>
-          </a:p>
-        </p:txBody>
-      </p:sp>
-      <p:sp>
-        <p:nvSpPr>
-          <p:cNvPr id="18" name="Oval 17">
-            <a:extLst>
-              <a:ext uri="{FF2B5EF4-FFF2-40B4-BE49-F238E27FC236}">
-                <a16:creationId xmlns:a16="http://schemas.microsoft.com/office/drawing/2014/main" id="{465F2296-F56F-5DBB-15A8-0EA0AD22F47E}"/>
-              </a:ext>
-            </a:extLst>
-          </p:cNvPr>
-          <p:cNvSpPr/>
-          <p:nvPr/>
-        </p:nvSpPr>
-        <p:spPr>
-          <a:xfrm>
-            <a:off x="8978652" y="1583806"/>
-            <a:ext cx="772358" cy="719091"/>
-          </a:xfrm>
-          <a:prstGeom prst="ellipse">
-            <a:avLst/>
-          </a:prstGeom>
-          <a:solidFill>
-            <a:srgbClr val="96AED2"/>
-          </a:solidFill>
-        </p:spPr>
-        <p:style>
-          <a:lnRef idx="2">
-            <a:schemeClr val="accent1">
-              <a:shade val="15000"/>
-            </a:schemeClr>
-          </a:lnRef>
-          <a:fillRef idx="1">
-            <a:schemeClr val="accent1"/>
-          </a:fillRef>
-          <a:effectRef idx="0">
-            <a:schemeClr val="accent1"/>
-          </a:effectRef>
-          <a:fontRef idx="minor">
-            <a:schemeClr val="lt1"/>
-          </a:fontRef>
-        </p:style>
-        <p:txBody>
-          <a:bodyPr rtlCol="0" anchor="ctr"/>
-          <a:lstStyle/>
-          <a:p>
-            <a:pPr algn="ctr"/>
-            <a:endParaRPr lang="en-US"/>
-          </a:p>
-        </p:txBody>
-      </p:sp>
-      <p:cxnSp>
-        <p:nvCxnSpPr>
-          <p:cNvPr id="20" name="Straight Arrow Connector 19">
-            <a:extLst>
-              <a:ext uri="{FF2B5EF4-FFF2-40B4-BE49-F238E27FC236}">
-                <a16:creationId xmlns:a16="http://schemas.microsoft.com/office/drawing/2014/main" id="{6BF00BF5-9791-9550-7B71-3D8EB1A18091}"/>
-              </a:ext>
-            </a:extLst>
-          </p:cNvPr>
-          <p:cNvCxnSpPr/>
-          <p:nvPr/>
-        </p:nvCxnSpPr>
-        <p:spPr>
-          <a:xfrm flipV="1">
-            <a:off x="3674748" y="2453937"/>
-            <a:ext cx="1020932" cy="443884"/>
-          </a:xfrm>
-          <a:prstGeom prst="straightConnector1">
-            <a:avLst/>
-          </a:prstGeom>
-          <a:ln>
-            <a:tailEnd type="triangle"/>
-          </a:ln>
-        </p:spPr>
-        <p:style>
-          <a:lnRef idx="3">
-            <a:schemeClr val="dk1"/>
-          </a:lnRef>
-          <a:fillRef idx="0">
-            <a:schemeClr val="dk1"/>
-          </a:fillRef>
-          <a:effectRef idx="2">
-            <a:schemeClr val="dk1"/>
-          </a:effectRef>
-          <a:fontRef idx="minor">
-            <a:schemeClr val="tx1"/>
-          </a:fontRef>
-        </p:style>
-      </p:cxnSp>
-      <p:cxnSp>
-        <p:nvCxnSpPr>
-          <p:cNvPr id="21" name="Straight Arrow Connector 20">
-            <a:extLst>
-              <a:ext uri="{FF2B5EF4-FFF2-40B4-BE49-F238E27FC236}">
-                <a16:creationId xmlns:a16="http://schemas.microsoft.com/office/drawing/2014/main" id="{D07FB22C-C0EC-D505-BB83-B5B2228732B7}"/>
-              </a:ext>
-            </a:extLst>
-          </p:cNvPr>
-          <p:cNvCxnSpPr/>
-          <p:nvPr/>
-        </p:nvCxnSpPr>
-        <p:spPr>
-          <a:xfrm flipV="1">
-            <a:off x="3659212" y="3704208"/>
-            <a:ext cx="1020932" cy="443884"/>
-          </a:xfrm>
-          <a:prstGeom prst="straightConnector1">
-            <a:avLst/>
-          </a:prstGeom>
-          <a:ln>
-            <a:tailEnd type="triangle"/>
-          </a:ln>
-        </p:spPr>
-        <p:style>
-          <a:lnRef idx="3">
-            <a:schemeClr val="dk1"/>
-          </a:lnRef>
-          <a:fillRef idx="0">
-            <a:schemeClr val="dk1"/>
-          </a:fillRef>
-          <a:effectRef idx="2">
-            <a:schemeClr val="dk1"/>
-          </a:effectRef>
-          <a:fontRef idx="minor">
-            <a:schemeClr val="tx1"/>
-          </a:fontRef>
-        </p:style>
-      </p:cxnSp>
-      <p:cxnSp>
-        <p:nvCxnSpPr>
-          <p:cNvPr id="22" name="Straight Arrow Connector 21">
-            <a:extLst>
-              <a:ext uri="{FF2B5EF4-FFF2-40B4-BE49-F238E27FC236}">
-                <a16:creationId xmlns:a16="http://schemas.microsoft.com/office/drawing/2014/main" id="{77AB4D8D-BCDD-D6C0-1E06-F703726976AA}"/>
-              </a:ext>
-            </a:extLst>
-          </p:cNvPr>
-          <p:cNvCxnSpPr>
-            <a:cxnSpLocks/>
-          </p:cNvCxnSpPr>
-          <p:nvPr/>
-        </p:nvCxnSpPr>
-        <p:spPr>
-          <a:xfrm>
-            <a:off x="3659212" y="3093130"/>
-            <a:ext cx="1036468" cy="372860"/>
-          </a:xfrm>
-          <a:prstGeom prst="straightConnector1">
-            <a:avLst/>
-          </a:prstGeom>
-          <a:ln>
-            <a:tailEnd type="triangle"/>
-          </a:ln>
-        </p:spPr>
-        <p:style>
-          <a:lnRef idx="3">
-            <a:schemeClr val="dk1"/>
-          </a:lnRef>
-          <a:fillRef idx="0">
-            <a:schemeClr val="dk1"/>
-          </a:fillRef>
-          <a:effectRef idx="2">
-            <a:schemeClr val="dk1"/>
-          </a:effectRef>
-          <a:fontRef idx="minor">
-            <a:schemeClr val="tx1"/>
-          </a:fontRef>
-        </p:style>
-      </p:cxnSp>
-      <p:cxnSp>
-        <p:nvCxnSpPr>
-          <p:cNvPr id="25" name="Straight Arrow Connector 24">
-            <a:extLst>
-              <a:ext uri="{FF2B5EF4-FFF2-40B4-BE49-F238E27FC236}">
-                <a16:creationId xmlns:a16="http://schemas.microsoft.com/office/drawing/2014/main" id="{3639C514-6929-16F5-48E9-799D35FA9E36}"/>
-              </a:ext>
-            </a:extLst>
-          </p:cNvPr>
-          <p:cNvCxnSpPr>
-            <a:cxnSpLocks/>
-          </p:cNvCxnSpPr>
-          <p:nvPr/>
-        </p:nvCxnSpPr>
-        <p:spPr>
-          <a:xfrm>
-            <a:off x="3666980" y="4353761"/>
-            <a:ext cx="1036468" cy="372860"/>
-          </a:xfrm>
-          <a:prstGeom prst="straightConnector1">
-            <a:avLst/>
-          </a:prstGeom>
-          <a:ln>
-            <a:tailEnd type="triangle"/>
-          </a:ln>
-        </p:spPr>
-        <p:style>
-          <a:lnRef idx="3">
-            <a:schemeClr val="dk1"/>
-          </a:lnRef>
-          <a:fillRef idx="0">
-            <a:schemeClr val="dk1"/>
-          </a:fillRef>
-          <a:effectRef idx="2">
-            <a:schemeClr val="dk1"/>
-          </a:effectRef>
-          <a:fontRef idx="minor">
-            <a:schemeClr val="tx1"/>
-          </a:fontRef>
-        </p:style>
-      </p:cxnSp>
-      <p:cxnSp>
-        <p:nvCxnSpPr>
-          <p:cNvPr id="26" name="Straight Arrow Connector 25">
-            <a:extLst>
-              <a:ext uri="{FF2B5EF4-FFF2-40B4-BE49-F238E27FC236}">
-                <a16:creationId xmlns:a16="http://schemas.microsoft.com/office/drawing/2014/main" id="{77448078-4F6A-506B-DF9B-04C41991D01B}"/>
-              </a:ext>
-            </a:extLst>
-          </p:cNvPr>
-          <p:cNvCxnSpPr/>
-          <p:nvPr/>
-        </p:nvCxnSpPr>
-        <p:spPr>
-          <a:xfrm flipV="1">
-            <a:off x="5670003" y="3095349"/>
-            <a:ext cx="1020932" cy="443884"/>
-          </a:xfrm>
-          <a:prstGeom prst="straightConnector1">
-            <a:avLst/>
-          </a:prstGeom>
-          <a:ln>
-            <a:tailEnd type="triangle"/>
-          </a:ln>
-        </p:spPr>
-        <p:style>
-          <a:lnRef idx="3">
-            <a:schemeClr val="dk1"/>
-          </a:lnRef>
-          <a:fillRef idx="0">
-            <a:schemeClr val="dk1"/>
-          </a:fillRef>
-          <a:effectRef idx="2">
-            <a:schemeClr val="dk1"/>
-          </a:effectRef>
-          <a:fontRef idx="minor">
-            <a:schemeClr val="tx1"/>
-          </a:fontRef>
-        </p:style>
-      </p:cxnSp>
-      <p:cxnSp>
-        <p:nvCxnSpPr>
-          <p:cNvPr id="27" name="Straight Arrow Connector 26">
-            <a:extLst>
-              <a:ext uri="{FF2B5EF4-FFF2-40B4-BE49-F238E27FC236}">
-                <a16:creationId xmlns:a16="http://schemas.microsoft.com/office/drawing/2014/main" id="{ED84A60C-461A-957F-84E6-8628188EEB91}"/>
-              </a:ext>
-            </a:extLst>
-          </p:cNvPr>
-          <p:cNvCxnSpPr>
-            <a:cxnSpLocks/>
-          </p:cNvCxnSpPr>
-          <p:nvPr/>
-        </p:nvCxnSpPr>
-        <p:spPr>
-          <a:xfrm>
-            <a:off x="5654467" y="3734542"/>
-            <a:ext cx="1036468" cy="372860"/>
-          </a:xfrm>
-          <a:prstGeom prst="straightConnector1">
-            <a:avLst/>
-          </a:prstGeom>
-          <a:ln>
-            <a:tailEnd type="triangle"/>
-          </a:ln>
-        </p:spPr>
-        <p:style>
-          <a:lnRef idx="3">
-            <a:schemeClr val="dk1"/>
-          </a:lnRef>
-          <a:fillRef idx="0">
-            <a:schemeClr val="dk1"/>
-          </a:fillRef>
-          <a:effectRef idx="2">
-            <a:schemeClr val="dk1"/>
-          </a:effectRef>
-          <a:fontRef idx="minor">
-            <a:schemeClr val="tx1"/>
-          </a:fontRef>
-        </p:style>
-      </p:cxnSp>
-      <p:cxnSp>
-        <p:nvCxnSpPr>
-          <p:cNvPr id="28" name="Straight Arrow Connector 27">
-            <a:extLst>
-              <a:ext uri="{FF2B5EF4-FFF2-40B4-BE49-F238E27FC236}">
-                <a16:creationId xmlns:a16="http://schemas.microsoft.com/office/drawing/2014/main" id="{3B0C1E89-3129-65B0-C726-C380C72C70B2}"/>
-              </a:ext>
-            </a:extLst>
-          </p:cNvPr>
-          <p:cNvCxnSpPr>
-            <a:cxnSpLocks/>
-          </p:cNvCxnSpPr>
-          <p:nvPr/>
-        </p:nvCxnSpPr>
-        <p:spPr>
-          <a:xfrm>
-            <a:off x="5670003" y="2366641"/>
-            <a:ext cx="1036468" cy="372860"/>
-          </a:xfrm>
-          <a:prstGeom prst="straightConnector1">
-            <a:avLst/>
-          </a:prstGeom>
-          <a:ln>
-            <a:tailEnd type="triangle"/>
-          </a:ln>
-        </p:spPr>
-        <p:style>
-          <a:lnRef idx="3">
-            <a:schemeClr val="dk1"/>
-          </a:lnRef>
-          <a:fillRef idx="0">
-            <a:schemeClr val="dk1"/>
-          </a:fillRef>
-          <a:effectRef idx="2">
-            <a:schemeClr val="dk1"/>
-          </a:effectRef>
-          <a:fontRef idx="minor">
-            <a:schemeClr val="tx1"/>
-          </a:fontRef>
-        </p:style>
-      </p:cxnSp>
-      <p:cxnSp>
-        <p:nvCxnSpPr>
-          <p:cNvPr id="29" name="Straight Arrow Connector 28">
-            <a:extLst>
-              <a:ext uri="{FF2B5EF4-FFF2-40B4-BE49-F238E27FC236}">
-                <a16:creationId xmlns:a16="http://schemas.microsoft.com/office/drawing/2014/main" id="{2CEA7466-C5CC-1852-37F5-C7152B87CBF2}"/>
-              </a:ext>
-            </a:extLst>
-          </p:cNvPr>
-          <p:cNvCxnSpPr/>
-          <p:nvPr/>
-        </p:nvCxnSpPr>
-        <p:spPr>
-          <a:xfrm flipV="1">
-            <a:off x="5670003" y="4380390"/>
-            <a:ext cx="1020932" cy="443884"/>
-          </a:xfrm>
-          <a:prstGeom prst="straightConnector1">
-            <a:avLst/>
-          </a:prstGeom>
-          <a:ln>
-            <a:tailEnd type="triangle"/>
-          </a:ln>
-        </p:spPr>
-        <p:style>
-          <a:lnRef idx="3">
-            <a:schemeClr val="dk1"/>
-          </a:lnRef>
-          <a:fillRef idx="0">
-            <a:schemeClr val="dk1"/>
-          </a:fillRef>
-          <a:effectRef idx="2">
-            <a:schemeClr val="dk1"/>
-          </a:effectRef>
-          <a:fontRef idx="minor">
-            <a:schemeClr val="tx1"/>
-          </a:fontRef>
-        </p:style>
-      </p:cxnSp>
-      <p:sp>
-        <p:nvSpPr>
-          <p:cNvPr id="30" name="TextBox 29">
-            <a:extLst>
-              <a:ext uri="{FF2B5EF4-FFF2-40B4-BE49-F238E27FC236}">
-                <a16:creationId xmlns:a16="http://schemas.microsoft.com/office/drawing/2014/main" id="{9478C2E9-EA37-650E-9DE8-529973AAB963}"/>
+          <p:cNvPr id="12" name="TextBox 11">
+            <a:extLst>
+              <a:ext uri="{FF2B5EF4-FFF2-40B4-BE49-F238E27FC236}">
+                <a16:creationId xmlns:a16="http://schemas.microsoft.com/office/drawing/2014/main" id="{EDB2B722-783E-6D70-056C-8F16C963FA56}"/>
               </a:ext>
             </a:extLst>
           </p:cNvPr>
@@ -6432,8 +7085,8 @@
         </p:nvSpPr>
         <p:spPr>
           <a:xfrm>
-            <a:off x="7550087" y="2793623"/>
-            <a:ext cx="1031051" cy="1107996"/>
+            <a:off x="310181" y="794808"/>
+            <a:ext cx="7342138" cy="1215717"/>
           </a:xfrm>
           <a:prstGeom prst="rect">
             <a:avLst/>
@@ -6447,279 +7100,56 @@
           <a:lstStyle/>
           <a:p>
             <a:r>
-              <a:rPr lang="en-US" sz="6600" dirty="0"/>
-              <a:t>…</a:t>
-            </a:r>
-          </a:p>
-        </p:txBody>
-      </p:sp>
-      <p:sp>
-        <p:nvSpPr>
-          <p:cNvPr id="31" name="Arrow: Right 30">
-            <a:extLst>
-              <a:ext uri="{FF2B5EF4-FFF2-40B4-BE49-F238E27FC236}">
-                <a16:creationId xmlns:a16="http://schemas.microsoft.com/office/drawing/2014/main" id="{C2DE4C8F-66DE-E0EE-D5E3-9BD69D74B383}"/>
-              </a:ext>
-            </a:extLst>
-          </p:cNvPr>
-          <p:cNvSpPr/>
+              <a:rPr lang="en-US" sz="2800" dirty="0">
+                <a:solidFill>
+                  <a:srgbClr val="9900CC"/>
+                </a:solidFill>
+              </a:rPr>
+              <a:t>Feature element 8- Sudden change in Behavior?   </a:t>
+            </a:r>
+          </a:p>
+          <a:p>
+            <a:r>
+              <a:rPr lang="en-US" sz="4500" dirty="0"/>
+              <a:t>Predict Future Spending</a:t>
+            </a:r>
+          </a:p>
+        </p:txBody>
+      </p:sp>
+      <p:pic>
+        <p:nvPicPr>
+          <p:cNvPr id="2" name="Picture 1">
+            <a:extLst>
+              <a:ext uri="{FF2B5EF4-FFF2-40B4-BE49-F238E27FC236}">
+                <a16:creationId xmlns:a16="http://schemas.microsoft.com/office/drawing/2014/main" id="{274AB336-A6D3-5094-3F0A-187815B82117}"/>
+              </a:ext>
+            </a:extLst>
+          </p:cNvPr>
+          <p:cNvPicPr>
+            <a:picLocks noChangeAspect="1"/>
+          </p:cNvPicPr>
           <p:nvPr/>
-        </p:nvSpPr>
-        <p:spPr>
-          <a:xfrm>
-            <a:off x="1166319" y="2595977"/>
-            <a:ext cx="1255819" cy="798993"/>
-          </a:xfrm>
-          <a:prstGeom prst="rightArrow">
-            <a:avLst/>
-          </a:prstGeom>
-          <a:solidFill>
-            <a:schemeClr val="accent2">
-              <a:lumMod val="75000"/>
-            </a:schemeClr>
-          </a:solidFill>
-        </p:spPr>
-        <p:style>
-          <a:lnRef idx="2">
-            <a:schemeClr val="accent1">
-              <a:shade val="15000"/>
-            </a:schemeClr>
-          </a:lnRef>
-          <a:fillRef idx="1">
-            <a:schemeClr val="accent1"/>
-          </a:fillRef>
-          <a:effectRef idx="0">
-            <a:schemeClr val="accent1"/>
-          </a:effectRef>
-          <a:fontRef idx="minor">
-            <a:schemeClr val="lt1"/>
-          </a:fontRef>
-        </p:style>
-        <p:txBody>
-          <a:bodyPr rtlCol="0" anchor="ctr"/>
-          <a:lstStyle/>
-          <a:p>
-            <a:pPr algn="ctr"/>
-            <a:r>
-              <a:rPr lang="en-US" dirty="0">
-                <a:latin typeface="Arial" panose="020B0604020202020204" pitchFamily="34" charset="0"/>
-                <a:cs typeface="Arial" panose="020B0604020202020204" pitchFamily="34" charset="0"/>
-              </a:rPr>
-              <a:t>0, 1</a:t>
-            </a:r>
-          </a:p>
-        </p:txBody>
-      </p:sp>
-      <p:sp>
-        <p:nvSpPr>
-          <p:cNvPr id="32" name="Arrow: Right 31">
-            <a:extLst>
-              <a:ext uri="{FF2B5EF4-FFF2-40B4-BE49-F238E27FC236}">
-                <a16:creationId xmlns:a16="http://schemas.microsoft.com/office/drawing/2014/main" id="{42ABD1FA-6D6E-C954-C1D1-72C5592ADA38}"/>
-              </a:ext>
-            </a:extLst>
-          </p:cNvPr>
-          <p:cNvSpPr/>
-          <p:nvPr/>
-        </p:nvSpPr>
-        <p:spPr>
-          <a:xfrm>
-            <a:off x="1174087" y="3813702"/>
-            <a:ext cx="1255819" cy="835979"/>
-          </a:xfrm>
-          <a:prstGeom prst="rightArrow">
-            <a:avLst/>
-          </a:prstGeom>
-          <a:solidFill>
-            <a:schemeClr val="accent2">
-              <a:lumMod val="75000"/>
-            </a:schemeClr>
-          </a:solidFill>
-        </p:spPr>
-        <p:style>
-          <a:lnRef idx="2">
-            <a:schemeClr val="accent1">
-              <a:shade val="15000"/>
-            </a:schemeClr>
-          </a:lnRef>
-          <a:fillRef idx="1">
-            <a:schemeClr val="accent1"/>
-          </a:fillRef>
-          <a:effectRef idx="0">
-            <a:schemeClr val="accent1"/>
-          </a:effectRef>
-          <a:fontRef idx="minor">
-            <a:schemeClr val="lt1"/>
-          </a:fontRef>
-        </p:style>
-        <p:txBody>
-          <a:bodyPr rtlCol="0" anchor="ctr"/>
-          <a:lstStyle/>
-          <a:p>
-            <a:pPr algn="ctr"/>
-            <a:r>
-              <a:rPr lang="en-US" dirty="0">
-                <a:latin typeface="Arial" panose="020B0604020202020204" pitchFamily="34" charset="0"/>
-                <a:cs typeface="Arial" panose="020B0604020202020204" pitchFamily="34" charset="0"/>
-              </a:rPr>
-              <a:t>0~1</a:t>
-            </a:r>
-          </a:p>
-        </p:txBody>
-      </p:sp>
-      <p:sp>
-        <p:nvSpPr>
-          <p:cNvPr id="33" name="Arrow: Right 32">
-            <a:extLst>
-              <a:ext uri="{FF2B5EF4-FFF2-40B4-BE49-F238E27FC236}">
-                <a16:creationId xmlns:a16="http://schemas.microsoft.com/office/drawing/2014/main" id="{64C70515-D27C-9B96-9B50-3D997B6D95E8}"/>
-              </a:ext>
-            </a:extLst>
-          </p:cNvPr>
-          <p:cNvSpPr/>
-          <p:nvPr/>
-        </p:nvSpPr>
-        <p:spPr>
-          <a:xfrm>
-            <a:off x="10093168" y="3347621"/>
-            <a:ext cx="1255819" cy="835979"/>
-          </a:xfrm>
-          <a:prstGeom prst="rightArrow">
-            <a:avLst/>
-          </a:prstGeom>
-          <a:solidFill>
-            <a:schemeClr val="accent2">
-              <a:lumMod val="75000"/>
-            </a:schemeClr>
-          </a:solidFill>
-        </p:spPr>
-        <p:style>
-          <a:lnRef idx="2">
-            <a:schemeClr val="accent1">
-              <a:shade val="15000"/>
-            </a:schemeClr>
-          </a:lnRef>
-          <a:fillRef idx="1">
-            <a:schemeClr val="accent1"/>
-          </a:fillRef>
-          <a:effectRef idx="0">
-            <a:schemeClr val="accent1"/>
-          </a:effectRef>
-          <a:fontRef idx="minor">
-            <a:schemeClr val="lt1"/>
-          </a:fontRef>
-        </p:style>
-        <p:txBody>
-          <a:bodyPr rtlCol="0" anchor="ctr"/>
-          <a:lstStyle/>
-          <a:p>
-            <a:pPr algn="ctr"/>
-            <a:r>
-              <a:rPr lang="en-US" dirty="0">
-                <a:latin typeface="Arial" panose="020B0604020202020204" pitchFamily="34" charset="0"/>
-                <a:cs typeface="Arial" panose="020B0604020202020204" pitchFamily="34" charset="0"/>
-              </a:rPr>
-              <a:t>0,1,2,3</a:t>
-            </a:r>
-          </a:p>
-        </p:txBody>
-      </p:sp>
-      <p:sp>
-        <p:nvSpPr>
-          <p:cNvPr id="34" name="Arrow: Right 33">
-            <a:extLst>
-              <a:ext uri="{FF2B5EF4-FFF2-40B4-BE49-F238E27FC236}">
-                <a16:creationId xmlns:a16="http://schemas.microsoft.com/office/drawing/2014/main" id="{9CE8E511-DDA6-3F6A-6540-964518A20362}"/>
-              </a:ext>
-            </a:extLst>
-          </p:cNvPr>
-          <p:cNvSpPr/>
-          <p:nvPr/>
-        </p:nvSpPr>
-        <p:spPr>
-          <a:xfrm>
-            <a:off x="805655" y="4785804"/>
-            <a:ext cx="2549366" cy="1359760"/>
-          </a:xfrm>
-          <a:prstGeom prst="rightArrow">
-            <a:avLst/>
-          </a:prstGeom>
-          <a:solidFill>
-            <a:schemeClr val="accent2">
-              <a:lumMod val="75000"/>
-            </a:schemeClr>
-          </a:solidFill>
-        </p:spPr>
-        <p:style>
-          <a:lnRef idx="2">
-            <a:schemeClr val="accent1">
-              <a:shade val="15000"/>
-            </a:schemeClr>
-          </a:lnRef>
-          <a:fillRef idx="1">
-            <a:schemeClr val="accent1"/>
-          </a:fillRef>
-          <a:effectRef idx="0">
-            <a:schemeClr val="accent1"/>
-          </a:effectRef>
-          <a:fontRef idx="minor">
-            <a:schemeClr val="lt1"/>
-          </a:fontRef>
-        </p:style>
-        <p:txBody>
-          <a:bodyPr rtlCol="0" anchor="ctr"/>
-          <a:lstStyle/>
-          <a:p>
-            <a:pPr algn="ctr"/>
-            <a:r>
-              <a:rPr lang="en-US" dirty="0">
-                <a:latin typeface="Arial" panose="020B0604020202020204" pitchFamily="34" charset="0"/>
-                <a:cs typeface="Arial" panose="020B0604020202020204" pitchFamily="34" charset="0"/>
-              </a:rPr>
-              <a:t>[1,0,0,0]  [0,1,0,0]</a:t>
-            </a:r>
-          </a:p>
-        </p:txBody>
-      </p:sp>
-      <p:sp>
-        <p:nvSpPr>
-          <p:cNvPr id="36" name="TextBox 35">
-            <a:extLst>
-              <a:ext uri="{FF2B5EF4-FFF2-40B4-BE49-F238E27FC236}">
-                <a16:creationId xmlns:a16="http://schemas.microsoft.com/office/drawing/2014/main" id="{8473A78D-5F10-8E71-CDF4-0232F88CAF29}"/>
-              </a:ext>
-            </a:extLst>
-          </p:cNvPr>
-          <p:cNvSpPr txBox="1"/>
-          <p:nvPr/>
-        </p:nvSpPr>
-        <p:spPr>
-          <a:xfrm>
-            <a:off x="3583620" y="519613"/>
-            <a:ext cx="4916748" cy="646331"/>
+        </p:nvPicPr>
+        <p:blipFill>
+          <a:blip r:embed="rId2"/>
+          <a:stretch>
+            <a:fillRect/>
+          </a:stretch>
+        </p:blipFill>
+        <p:spPr>
+          <a:xfrm>
+            <a:off x="177659" y="2136255"/>
+            <a:ext cx="6028135" cy="3800719"/>
           </a:xfrm>
           <a:prstGeom prst="rect">
             <a:avLst/>
           </a:prstGeom>
-          <a:noFill/>
-        </p:spPr>
-        <p:txBody>
-          <a:bodyPr wrap="square" rtlCol="0">
-            <a:spAutoFit/>
-          </a:bodyPr>
-          <a:lstStyle/>
-          <a:p>
-            <a:r>
-              <a:rPr lang="en-US" sz="3600" dirty="0"/>
-              <a:t>Fraud Risk Prediction</a:t>
-            </a:r>
-          </a:p>
-        </p:txBody>
-      </p:sp>
+        </p:spPr>
+      </p:pic>
     </p:spTree>
     <p:extLst>
       <p:ext uri="{BB962C8B-B14F-4D97-AF65-F5344CB8AC3E}">
-        <p14:creationId xmlns:p14="http://schemas.microsoft.com/office/powerpoint/2010/main" val="3490861430"/>
+        <p14:creationId xmlns:p14="http://schemas.microsoft.com/office/powerpoint/2010/main" val="283610973"/>
       </p:ext>
     </p:extLst>
   </p:cSld>
@@ -6751,7 +7181,7 @@
           <p:cNvPr id="2" name="Oval 1">
             <a:extLst>
               <a:ext uri="{FF2B5EF4-FFF2-40B4-BE49-F238E27FC236}">
-                <a16:creationId xmlns:a16="http://schemas.microsoft.com/office/drawing/2014/main" id="{C47BEC8E-3358-804B-05C4-7BCE2660B3DE}"/>
+                <a16:creationId xmlns:a16="http://schemas.microsoft.com/office/drawing/2014/main" id="{AFEA6ABB-6D5F-C69B-4B3D-D6AF0F06D70F}"/>
               </a:ext>
             </a:extLst>
           </p:cNvPr>
@@ -6760,17 +7190,14 @@
         </p:nvSpPr>
         <p:spPr>
           <a:xfrm>
-            <a:off x="4908610" y="5020323"/>
-            <a:ext cx="1677880" cy="1171852"/>
+            <a:off x="2723755" y="3265136"/>
+            <a:ext cx="548938" cy="520826"/>
           </a:xfrm>
           <a:prstGeom prst="ellipse">
             <a:avLst/>
           </a:prstGeom>
           <a:solidFill>
-            <a:schemeClr val="tx2">
-              <a:lumMod val="40000"/>
-              <a:lumOff val="60000"/>
-            </a:schemeClr>
+            <a:srgbClr val="96AED2"/>
           </a:solidFill>
         </p:spPr>
         <p:style>
@@ -6794,23 +7221,16 @@
           <a:lstStyle/>
           <a:p>
             <a:pPr algn="ctr"/>
-            <a:r>
-              <a:rPr lang="en-US" dirty="0">
-                <a:solidFill>
-                  <a:schemeClr val="tx1"/>
-                </a:solidFill>
-              </a:rPr>
-              <a:t>start</a:t>
-            </a:r>
-          </a:p>
-        </p:txBody>
-      </p:sp>
-      <p:sp>
-        <p:nvSpPr>
-          <p:cNvPr id="3" name="Oval 2">
-            <a:extLst>
-              <a:ext uri="{FF2B5EF4-FFF2-40B4-BE49-F238E27FC236}">
-                <a16:creationId xmlns:a16="http://schemas.microsoft.com/office/drawing/2014/main" id="{6D35FBDD-90AF-5B98-D0D4-96B7FBE1E728}"/>
+            <a:endParaRPr lang="en-US"/>
+          </a:p>
+        </p:txBody>
+      </p:sp>
+      <p:sp>
+        <p:nvSpPr>
+          <p:cNvPr id="5" name="Oval 4">
+            <a:extLst>
+              <a:ext uri="{FF2B5EF4-FFF2-40B4-BE49-F238E27FC236}">
+                <a16:creationId xmlns:a16="http://schemas.microsoft.com/office/drawing/2014/main" id="{563BE5EF-8FE7-9350-8740-6B17BF31FA43}"/>
               </a:ext>
             </a:extLst>
           </p:cNvPr>
@@ -6819,17 +7239,14 @@
         </p:nvSpPr>
         <p:spPr>
           <a:xfrm>
-            <a:off x="7401017" y="559293"/>
-            <a:ext cx="2394011" cy="1544715"/>
+            <a:off x="2709432" y="2449110"/>
+            <a:ext cx="579137" cy="491565"/>
           </a:xfrm>
           <a:prstGeom prst="ellipse">
             <a:avLst/>
           </a:prstGeom>
           <a:solidFill>
-            <a:schemeClr val="tx2">
-              <a:lumMod val="40000"/>
-              <a:lumOff val="60000"/>
-            </a:schemeClr>
+            <a:srgbClr val="96AED2"/>
           </a:solidFill>
         </p:spPr>
         <p:style>
@@ -6853,23 +7270,16 @@
           <a:lstStyle/>
           <a:p>
             <a:pPr algn="ctr"/>
-            <a:r>
-              <a:rPr lang="en-US" dirty="0">
-                <a:solidFill>
-                  <a:schemeClr val="tx1"/>
-                </a:solidFill>
-              </a:rPr>
-              <a:t>Request for more evidence</a:t>
-            </a:r>
-          </a:p>
-        </p:txBody>
-      </p:sp>
-      <p:sp>
-        <p:nvSpPr>
-          <p:cNvPr id="4" name="Oval 3">
-            <a:extLst>
-              <a:ext uri="{FF2B5EF4-FFF2-40B4-BE49-F238E27FC236}">
-                <a16:creationId xmlns:a16="http://schemas.microsoft.com/office/drawing/2014/main" id="{CF35327D-A77B-D44F-C0E0-F3D9E097D19F}"/>
+            <a:endParaRPr lang="en-US"/>
+          </a:p>
+        </p:txBody>
+      </p:sp>
+      <p:sp>
+        <p:nvSpPr>
+          <p:cNvPr id="7" name="Oval 6">
+            <a:extLst>
+              <a:ext uri="{FF2B5EF4-FFF2-40B4-BE49-F238E27FC236}">
+                <a16:creationId xmlns:a16="http://schemas.microsoft.com/office/drawing/2014/main" id="{C035665D-9367-22D4-20D1-D5A9AD45C24E}"/>
               </a:ext>
             </a:extLst>
           </p:cNvPr>
@@ -6878,17 +7288,14 @@
         </p:nvSpPr>
         <p:spPr>
           <a:xfrm>
-            <a:off x="1929413" y="2988445"/>
-            <a:ext cx="1775534" cy="1278385"/>
+            <a:off x="4822186" y="1940512"/>
+            <a:ext cx="772358" cy="719091"/>
           </a:xfrm>
           <a:prstGeom prst="ellipse">
             <a:avLst/>
           </a:prstGeom>
           <a:solidFill>
-            <a:schemeClr val="tx2">
-              <a:lumMod val="40000"/>
-              <a:lumOff val="60000"/>
-            </a:schemeClr>
+            <a:srgbClr val="96AED2"/>
           </a:solidFill>
         </p:spPr>
         <p:style>
@@ -6912,23 +7319,16 @@
           <a:lstStyle/>
           <a:p>
             <a:pPr algn="ctr"/>
-            <a:r>
-              <a:rPr lang="en-US" dirty="0">
-                <a:solidFill>
-                  <a:schemeClr val="tx1"/>
-                </a:solidFill>
-              </a:rPr>
-              <a:t>Approve</a:t>
-            </a:r>
-          </a:p>
-        </p:txBody>
-      </p:sp>
-      <p:sp>
-        <p:nvSpPr>
-          <p:cNvPr id="5" name="Oval 4">
-            <a:extLst>
-              <a:ext uri="{FF2B5EF4-FFF2-40B4-BE49-F238E27FC236}">
-                <a16:creationId xmlns:a16="http://schemas.microsoft.com/office/drawing/2014/main" id="{8218EE8D-18B7-3557-5C9F-4FCCBFB2D8A9}"/>
+            <a:endParaRPr lang="en-US"/>
+          </a:p>
+        </p:txBody>
+      </p:sp>
+      <p:sp>
+        <p:nvSpPr>
+          <p:cNvPr id="8" name="Oval 7">
+            <a:extLst>
+              <a:ext uri="{FF2B5EF4-FFF2-40B4-BE49-F238E27FC236}">
+                <a16:creationId xmlns:a16="http://schemas.microsoft.com/office/drawing/2014/main" id="{CD0896F1-5689-DB02-E1A6-F84F44574309}"/>
               </a:ext>
             </a:extLst>
           </p:cNvPr>
@@ -6937,17 +7337,14 @@
         </p:nvSpPr>
         <p:spPr>
           <a:xfrm>
-            <a:off x="1624615" y="665825"/>
-            <a:ext cx="2321507" cy="1278385"/>
+            <a:off x="4822186" y="3288439"/>
+            <a:ext cx="772358" cy="719091"/>
           </a:xfrm>
           <a:prstGeom prst="ellipse">
             <a:avLst/>
           </a:prstGeom>
           <a:solidFill>
-            <a:schemeClr val="tx2">
-              <a:lumMod val="40000"/>
-              <a:lumOff val="60000"/>
-            </a:schemeClr>
+            <a:srgbClr val="96AED2"/>
           </a:solidFill>
         </p:spPr>
         <p:style>
@@ -6971,23 +7368,16 @@
           <a:lstStyle/>
           <a:p>
             <a:pPr algn="ctr"/>
-            <a:r>
-              <a:rPr lang="en-US" dirty="0">
-                <a:solidFill>
-                  <a:schemeClr val="tx1"/>
-                </a:solidFill>
-              </a:rPr>
-              <a:t>Submit for further review</a:t>
-            </a:r>
-          </a:p>
-        </p:txBody>
-      </p:sp>
-      <p:sp>
-        <p:nvSpPr>
-          <p:cNvPr id="6" name="Oval 5">
-            <a:extLst>
-              <a:ext uri="{FF2B5EF4-FFF2-40B4-BE49-F238E27FC236}">
-                <a16:creationId xmlns:a16="http://schemas.microsoft.com/office/drawing/2014/main" id="{B3041787-9100-7040-5D51-00A67806A745}"/>
+            <a:endParaRPr lang="en-US"/>
+          </a:p>
+        </p:txBody>
+      </p:sp>
+      <p:sp>
+        <p:nvSpPr>
+          <p:cNvPr id="9" name="Oval 8">
+            <a:extLst>
+              <a:ext uri="{FF2B5EF4-FFF2-40B4-BE49-F238E27FC236}">
+                <a16:creationId xmlns:a16="http://schemas.microsoft.com/office/drawing/2014/main" id="{35E1B97D-B4EF-3DB4-EAA6-8A11C0E61599}"/>
               </a:ext>
             </a:extLst>
           </p:cNvPr>
@@ -6996,17 +7386,14 @@
         </p:nvSpPr>
         <p:spPr>
           <a:xfrm>
-            <a:off x="7599288" y="3038380"/>
-            <a:ext cx="1775534" cy="1278385"/>
+            <a:off x="4822186" y="4472128"/>
+            <a:ext cx="772358" cy="719091"/>
           </a:xfrm>
           <a:prstGeom prst="ellipse">
             <a:avLst/>
           </a:prstGeom>
           <a:solidFill>
-            <a:schemeClr val="tx2">
-              <a:lumMod val="40000"/>
-              <a:lumOff val="60000"/>
-            </a:schemeClr>
+            <a:srgbClr val="96AED2"/>
           </a:solidFill>
         </p:spPr>
         <p:style>
@@ -7030,33 +7417,322 @@
           <a:lstStyle/>
           <a:p>
             <a:pPr algn="ctr"/>
-            <a:r>
-              <a:rPr lang="en-US" dirty="0">
-                <a:solidFill>
-                  <a:schemeClr val="tx1"/>
-                </a:solidFill>
-              </a:rPr>
-              <a:t>Deny</a:t>
-            </a:r>
+            <a:endParaRPr lang="en-US"/>
+          </a:p>
+        </p:txBody>
+      </p:sp>
+      <p:sp>
+        <p:nvSpPr>
+          <p:cNvPr id="11" name="Oval 10">
+            <a:extLst>
+              <a:ext uri="{FF2B5EF4-FFF2-40B4-BE49-F238E27FC236}">
+                <a16:creationId xmlns:a16="http://schemas.microsoft.com/office/drawing/2014/main" id="{87EE65B7-3B4C-D236-3DD7-FC7ABD1A1242}"/>
+              </a:ext>
+            </a:extLst>
+          </p:cNvPr>
+          <p:cNvSpPr/>
+          <p:nvPr/>
+        </p:nvSpPr>
+        <p:spPr>
+          <a:xfrm>
+            <a:off x="6739024" y="2511641"/>
+            <a:ext cx="772358" cy="719091"/>
+          </a:xfrm>
+          <a:prstGeom prst="ellipse">
+            <a:avLst/>
+          </a:prstGeom>
+          <a:solidFill>
+            <a:srgbClr val="96AED2"/>
+          </a:solidFill>
+        </p:spPr>
+        <p:style>
+          <a:lnRef idx="2">
+            <a:schemeClr val="accent1">
+              <a:shade val="15000"/>
+            </a:schemeClr>
+          </a:lnRef>
+          <a:fillRef idx="1">
+            <a:schemeClr val="accent1"/>
+          </a:fillRef>
+          <a:effectRef idx="0">
+            <a:schemeClr val="accent1"/>
+          </a:effectRef>
+          <a:fontRef idx="minor">
+            <a:schemeClr val="lt1"/>
+          </a:fontRef>
+        </p:style>
+        <p:txBody>
+          <a:bodyPr rtlCol="0" anchor="ctr"/>
+          <a:lstStyle/>
+          <a:p>
+            <a:pPr algn="ctr"/>
+            <a:endParaRPr lang="en-US"/>
+          </a:p>
+        </p:txBody>
+      </p:sp>
+      <p:sp>
+        <p:nvSpPr>
+          <p:cNvPr id="12" name="Oval 11">
+            <a:extLst>
+              <a:ext uri="{FF2B5EF4-FFF2-40B4-BE49-F238E27FC236}">
+                <a16:creationId xmlns:a16="http://schemas.microsoft.com/office/drawing/2014/main" id="{51293DB7-D914-D9C8-384F-27FD3F42D232}"/>
+              </a:ext>
+            </a:extLst>
+          </p:cNvPr>
+          <p:cNvSpPr/>
+          <p:nvPr/>
+        </p:nvSpPr>
+        <p:spPr>
+          <a:xfrm>
+            <a:off x="6766394" y="3883241"/>
+            <a:ext cx="772358" cy="719091"/>
+          </a:xfrm>
+          <a:prstGeom prst="ellipse">
+            <a:avLst/>
+          </a:prstGeom>
+          <a:solidFill>
+            <a:srgbClr val="96AED2"/>
+          </a:solidFill>
+        </p:spPr>
+        <p:style>
+          <a:lnRef idx="2">
+            <a:schemeClr val="accent1">
+              <a:shade val="15000"/>
+            </a:schemeClr>
+          </a:lnRef>
+          <a:fillRef idx="1">
+            <a:schemeClr val="accent1"/>
+          </a:fillRef>
+          <a:effectRef idx="0">
+            <a:schemeClr val="accent1"/>
+          </a:effectRef>
+          <a:fontRef idx="minor">
+            <a:schemeClr val="lt1"/>
+          </a:fontRef>
+        </p:style>
+        <p:txBody>
+          <a:bodyPr rtlCol="0" anchor="ctr"/>
+          <a:lstStyle/>
+          <a:p>
+            <a:pPr algn="ctr"/>
+            <a:endParaRPr lang="en-US"/>
+          </a:p>
+        </p:txBody>
+      </p:sp>
+      <p:sp>
+        <p:nvSpPr>
+          <p:cNvPr id="15" name="Oval 14">
+            <a:extLst>
+              <a:ext uri="{FF2B5EF4-FFF2-40B4-BE49-F238E27FC236}">
+                <a16:creationId xmlns:a16="http://schemas.microsoft.com/office/drawing/2014/main" id="{0E266FF6-113D-713F-12D1-F4DDB756834C}"/>
+              </a:ext>
+            </a:extLst>
+          </p:cNvPr>
+          <p:cNvSpPr/>
+          <p:nvPr/>
+        </p:nvSpPr>
+        <p:spPr>
+          <a:xfrm>
+            <a:off x="8978652" y="2740862"/>
+            <a:ext cx="772358" cy="719091"/>
+          </a:xfrm>
+          <a:prstGeom prst="ellipse">
+            <a:avLst/>
+          </a:prstGeom>
+          <a:solidFill>
+            <a:srgbClr val="96AED2"/>
+          </a:solidFill>
+        </p:spPr>
+        <p:style>
+          <a:lnRef idx="2">
+            <a:schemeClr val="accent1">
+              <a:shade val="15000"/>
+            </a:schemeClr>
+          </a:lnRef>
+          <a:fillRef idx="1">
+            <a:schemeClr val="accent1"/>
+          </a:fillRef>
+          <a:effectRef idx="0">
+            <a:schemeClr val="accent1"/>
+          </a:effectRef>
+          <a:fontRef idx="minor">
+            <a:schemeClr val="lt1"/>
+          </a:fontRef>
+        </p:style>
+        <p:txBody>
+          <a:bodyPr rtlCol="0" anchor="ctr"/>
+          <a:lstStyle/>
+          <a:p>
+            <a:pPr algn="ctr"/>
+            <a:endParaRPr lang="en-US"/>
+          </a:p>
+        </p:txBody>
+      </p:sp>
+      <p:sp>
+        <p:nvSpPr>
+          <p:cNvPr id="16" name="Oval 15">
+            <a:extLst>
+              <a:ext uri="{FF2B5EF4-FFF2-40B4-BE49-F238E27FC236}">
+                <a16:creationId xmlns:a16="http://schemas.microsoft.com/office/drawing/2014/main" id="{22F1CD57-2241-3F22-E6FF-17C8BCABEEDF}"/>
+              </a:ext>
+            </a:extLst>
+          </p:cNvPr>
+          <p:cNvSpPr/>
+          <p:nvPr/>
+        </p:nvSpPr>
+        <p:spPr>
+          <a:xfrm>
+            <a:off x="8978652" y="3914194"/>
+            <a:ext cx="772358" cy="719091"/>
+          </a:xfrm>
+          <a:prstGeom prst="ellipse">
+            <a:avLst/>
+          </a:prstGeom>
+          <a:solidFill>
+            <a:srgbClr val="96AED2"/>
+          </a:solidFill>
+        </p:spPr>
+        <p:style>
+          <a:lnRef idx="2">
+            <a:schemeClr val="accent1">
+              <a:shade val="15000"/>
+            </a:schemeClr>
+          </a:lnRef>
+          <a:fillRef idx="1">
+            <a:schemeClr val="accent1"/>
+          </a:fillRef>
+          <a:effectRef idx="0">
+            <a:schemeClr val="accent1"/>
+          </a:effectRef>
+          <a:fontRef idx="minor">
+            <a:schemeClr val="lt1"/>
+          </a:fontRef>
+        </p:style>
+        <p:txBody>
+          <a:bodyPr rtlCol="0" anchor="ctr"/>
+          <a:lstStyle/>
+          <a:p>
+            <a:pPr algn="ctr"/>
+            <a:endParaRPr lang="en-US"/>
+          </a:p>
+        </p:txBody>
+      </p:sp>
+      <p:sp>
+        <p:nvSpPr>
+          <p:cNvPr id="17" name="Oval 16">
+            <a:extLst>
+              <a:ext uri="{FF2B5EF4-FFF2-40B4-BE49-F238E27FC236}">
+                <a16:creationId xmlns:a16="http://schemas.microsoft.com/office/drawing/2014/main" id="{A1F3AFE9-E9F0-C837-0667-671FD5F4C5E9}"/>
+              </a:ext>
+            </a:extLst>
+          </p:cNvPr>
+          <p:cNvSpPr/>
+          <p:nvPr/>
+        </p:nvSpPr>
+        <p:spPr>
+          <a:xfrm>
+            <a:off x="8978652" y="5074209"/>
+            <a:ext cx="772358" cy="719091"/>
+          </a:xfrm>
+          <a:prstGeom prst="ellipse">
+            <a:avLst/>
+          </a:prstGeom>
+          <a:solidFill>
+            <a:srgbClr val="96AED2"/>
+          </a:solidFill>
+        </p:spPr>
+        <p:style>
+          <a:lnRef idx="2">
+            <a:schemeClr val="accent1">
+              <a:shade val="15000"/>
+            </a:schemeClr>
+          </a:lnRef>
+          <a:fillRef idx="1">
+            <a:schemeClr val="accent1"/>
+          </a:fillRef>
+          <a:effectRef idx="0">
+            <a:schemeClr val="accent1"/>
+          </a:effectRef>
+          <a:fontRef idx="minor">
+            <a:schemeClr val="lt1"/>
+          </a:fontRef>
+        </p:style>
+        <p:txBody>
+          <a:bodyPr rtlCol="0" anchor="ctr"/>
+          <a:lstStyle/>
+          <a:p>
+            <a:pPr algn="ctr"/>
+            <a:endParaRPr lang="en-US"/>
+          </a:p>
+        </p:txBody>
+      </p:sp>
+      <p:sp>
+        <p:nvSpPr>
+          <p:cNvPr id="18" name="Oval 17">
+            <a:extLst>
+              <a:ext uri="{FF2B5EF4-FFF2-40B4-BE49-F238E27FC236}">
+                <a16:creationId xmlns:a16="http://schemas.microsoft.com/office/drawing/2014/main" id="{465F2296-F56F-5DBB-15A8-0EA0AD22F47E}"/>
+              </a:ext>
+            </a:extLst>
+          </p:cNvPr>
+          <p:cNvSpPr/>
+          <p:nvPr/>
+        </p:nvSpPr>
+        <p:spPr>
+          <a:xfrm>
+            <a:off x="8978652" y="1583806"/>
+            <a:ext cx="772358" cy="719091"/>
+          </a:xfrm>
+          <a:prstGeom prst="ellipse">
+            <a:avLst/>
+          </a:prstGeom>
+          <a:solidFill>
+            <a:srgbClr val="96AED2"/>
+          </a:solidFill>
+        </p:spPr>
+        <p:style>
+          <a:lnRef idx="2">
+            <a:schemeClr val="accent1">
+              <a:shade val="15000"/>
+            </a:schemeClr>
+          </a:lnRef>
+          <a:fillRef idx="1">
+            <a:schemeClr val="accent1"/>
+          </a:fillRef>
+          <a:effectRef idx="0">
+            <a:schemeClr val="accent1"/>
+          </a:effectRef>
+          <a:fontRef idx="minor">
+            <a:schemeClr val="lt1"/>
+          </a:fontRef>
+        </p:style>
+        <p:txBody>
+          <a:bodyPr rtlCol="0" anchor="ctr"/>
+          <a:lstStyle/>
+          <a:p>
+            <a:pPr algn="ctr"/>
+            <a:endParaRPr lang="en-US"/>
           </a:p>
         </p:txBody>
       </p:sp>
       <p:cxnSp>
         <p:nvCxnSpPr>
-          <p:cNvPr id="26" name="Straight Arrow Connector 25">
-            <a:extLst>
-              <a:ext uri="{FF2B5EF4-FFF2-40B4-BE49-F238E27FC236}">
-                <a16:creationId xmlns:a16="http://schemas.microsoft.com/office/drawing/2014/main" id="{8E05D952-2C90-273F-F999-281E9CE8BC0C}"/>
-              </a:ext>
-            </a:extLst>
-          </p:cNvPr>
-          <p:cNvCxnSpPr/>
+          <p:cNvPr id="20" name="Straight Arrow Connector 19">
+            <a:extLst>
+              <a:ext uri="{FF2B5EF4-FFF2-40B4-BE49-F238E27FC236}">
+                <a16:creationId xmlns:a16="http://schemas.microsoft.com/office/drawing/2014/main" id="{6BF00BF5-9791-9550-7B71-3D8EB1A18091}"/>
+              </a:ext>
+            </a:extLst>
+          </p:cNvPr>
+          <p:cNvCxnSpPr>
+            <a:cxnSpLocks/>
+          </p:cNvCxnSpPr>
           <p:nvPr/>
         </p:nvCxnSpPr>
         <p:spPr>
-          <a:xfrm flipH="1">
-            <a:off x="4145871" y="1251751"/>
-            <a:ext cx="2920754" cy="0"/>
+          <a:xfrm flipV="1">
+            <a:off x="3434310" y="2453937"/>
+            <a:ext cx="1261370" cy="205666"/>
           </a:xfrm>
           <a:prstGeom prst="straightConnector1">
             <a:avLst/>
@@ -7067,13 +7743,13 @@
         </p:spPr>
         <p:style>
           <a:lnRef idx="3">
-            <a:schemeClr val="accent5"/>
+            <a:schemeClr val="dk1"/>
           </a:lnRef>
           <a:fillRef idx="0">
-            <a:schemeClr val="accent5"/>
+            <a:schemeClr val="dk1"/>
           </a:fillRef>
           <a:effectRef idx="2">
-            <a:schemeClr val="accent5"/>
+            <a:schemeClr val="dk1"/>
           </a:effectRef>
           <a:fontRef idx="minor">
             <a:schemeClr val="tx1"/>
@@ -7082,20 +7758,22 @@
       </p:cxnSp>
       <p:cxnSp>
         <p:nvCxnSpPr>
-          <p:cNvPr id="44" name="Straight Arrow Connector 43">
-            <a:extLst>
-              <a:ext uri="{FF2B5EF4-FFF2-40B4-BE49-F238E27FC236}">
-                <a16:creationId xmlns:a16="http://schemas.microsoft.com/office/drawing/2014/main" id="{849FE9B2-4B70-C012-4701-EA3DFD96C17A}"/>
-              </a:ext>
-            </a:extLst>
-          </p:cNvPr>
-          <p:cNvCxnSpPr/>
+          <p:cNvPr id="21" name="Straight Arrow Connector 20">
+            <a:extLst>
+              <a:ext uri="{FF2B5EF4-FFF2-40B4-BE49-F238E27FC236}">
+                <a16:creationId xmlns:a16="http://schemas.microsoft.com/office/drawing/2014/main" id="{D07FB22C-C0EC-D505-BB83-B5B2228732B7}"/>
+              </a:ext>
+            </a:extLst>
+          </p:cNvPr>
+          <p:cNvCxnSpPr>
+            <a:cxnSpLocks/>
+          </p:cNvCxnSpPr>
           <p:nvPr/>
         </p:nvCxnSpPr>
         <p:spPr>
-          <a:xfrm flipH="1" flipV="1">
-            <a:off x="3613212" y="4119239"/>
-            <a:ext cx="1367161" cy="1029810"/>
+          <a:xfrm flipV="1">
+            <a:off x="3410290" y="3704208"/>
+            <a:ext cx="1269854" cy="403194"/>
           </a:xfrm>
           <a:prstGeom prst="straightConnector1">
             <a:avLst/>
@@ -7106,13 +7784,13 @@
         </p:spPr>
         <p:style>
           <a:lnRef idx="3">
-            <a:schemeClr val="accent5"/>
+            <a:schemeClr val="dk1"/>
           </a:lnRef>
           <a:fillRef idx="0">
-            <a:schemeClr val="accent5"/>
+            <a:schemeClr val="dk1"/>
           </a:fillRef>
           <a:effectRef idx="2">
-            <a:schemeClr val="accent5"/>
+            <a:schemeClr val="dk1"/>
           </a:effectRef>
           <a:fontRef idx="minor">
             <a:schemeClr val="tx1"/>
@@ -7121,20 +7799,22 @@
       </p:cxnSp>
       <p:cxnSp>
         <p:nvCxnSpPr>
-          <p:cNvPr id="46" name="Straight Arrow Connector 45">
-            <a:extLst>
-              <a:ext uri="{FF2B5EF4-FFF2-40B4-BE49-F238E27FC236}">
-                <a16:creationId xmlns:a16="http://schemas.microsoft.com/office/drawing/2014/main" id="{51FB64B4-D316-C37C-A034-E72146B8F5CE}"/>
-              </a:ext>
-            </a:extLst>
-          </p:cNvPr>
-          <p:cNvCxnSpPr/>
+          <p:cNvPr id="22" name="Straight Arrow Connector 21">
+            <a:extLst>
+              <a:ext uri="{FF2B5EF4-FFF2-40B4-BE49-F238E27FC236}">
+                <a16:creationId xmlns:a16="http://schemas.microsoft.com/office/drawing/2014/main" id="{77AB4D8D-BCDD-D6C0-1E06-F703726976AA}"/>
+              </a:ext>
+            </a:extLst>
+          </p:cNvPr>
+          <p:cNvCxnSpPr>
+            <a:cxnSpLocks/>
+          </p:cNvCxnSpPr>
           <p:nvPr/>
         </p:nvCxnSpPr>
         <p:spPr>
-          <a:xfrm flipV="1">
-            <a:off x="6480699" y="4119239"/>
-            <a:ext cx="1118589" cy="901084"/>
+          <a:xfrm>
+            <a:off x="3414735" y="3429000"/>
+            <a:ext cx="1280945" cy="36990"/>
           </a:xfrm>
           <a:prstGeom prst="straightConnector1">
             <a:avLst/>
@@ -7145,13 +7825,13 @@
         </p:spPr>
         <p:style>
           <a:lnRef idx="3">
-            <a:schemeClr val="accent5"/>
+            <a:schemeClr val="dk1"/>
           </a:lnRef>
           <a:fillRef idx="0">
-            <a:schemeClr val="accent5"/>
+            <a:schemeClr val="dk1"/>
           </a:fillRef>
           <a:effectRef idx="2">
-            <a:schemeClr val="accent5"/>
+            <a:schemeClr val="dk1"/>
           </a:effectRef>
           <a:fontRef idx="minor">
             <a:schemeClr val="tx1"/>
@@ -7160,20 +7840,23 @@
       </p:cxnSp>
       <p:cxnSp>
         <p:nvCxnSpPr>
-          <p:cNvPr id="48" name="Straight Arrow Connector 47">
-            <a:extLst>
-              <a:ext uri="{FF2B5EF4-FFF2-40B4-BE49-F238E27FC236}">
-                <a16:creationId xmlns:a16="http://schemas.microsoft.com/office/drawing/2014/main" id="{78B6A52F-26B4-C930-B8F3-13F7E258A9C7}"/>
-              </a:ext>
-            </a:extLst>
-          </p:cNvPr>
-          <p:cNvCxnSpPr/>
+          <p:cNvPr id="25" name="Straight Arrow Connector 24">
+            <a:extLst>
+              <a:ext uri="{FF2B5EF4-FFF2-40B4-BE49-F238E27FC236}">
+                <a16:creationId xmlns:a16="http://schemas.microsoft.com/office/drawing/2014/main" id="{3639C514-6929-16F5-48E9-799D35FA9E36}"/>
+              </a:ext>
+            </a:extLst>
+          </p:cNvPr>
+          <p:cNvCxnSpPr>
+            <a:cxnSpLocks/>
+            <a:endCxn id="9" idx="2"/>
+          </p:cNvCxnSpPr>
           <p:nvPr/>
         </p:nvCxnSpPr>
         <p:spPr>
-          <a:xfrm flipH="1" flipV="1">
-            <a:off x="3704947" y="1864311"/>
-            <a:ext cx="1648288" cy="3000652"/>
+          <a:xfrm>
+            <a:off x="3410290" y="4314981"/>
+            <a:ext cx="1411896" cy="516693"/>
           </a:xfrm>
           <a:prstGeom prst="straightConnector1">
             <a:avLst/>
@@ -7184,13 +7867,13 @@
         </p:spPr>
         <p:style>
           <a:lnRef idx="3">
-            <a:schemeClr val="accent5"/>
+            <a:schemeClr val="dk1"/>
           </a:lnRef>
           <a:fillRef idx="0">
-            <a:schemeClr val="accent5"/>
+            <a:schemeClr val="dk1"/>
           </a:fillRef>
           <a:effectRef idx="2">
-            <a:schemeClr val="accent5"/>
+            <a:schemeClr val="dk1"/>
           </a:effectRef>
           <a:fontRef idx="minor">
             <a:schemeClr val="tx1"/>
@@ -7199,10 +7882,10 @@
       </p:cxnSp>
       <p:cxnSp>
         <p:nvCxnSpPr>
-          <p:cNvPr id="50" name="Straight Arrow Connector 49">
-            <a:extLst>
-              <a:ext uri="{FF2B5EF4-FFF2-40B4-BE49-F238E27FC236}">
-                <a16:creationId xmlns:a16="http://schemas.microsoft.com/office/drawing/2014/main" id="{AB3662FF-1AFC-A5A1-F39B-C27560135D5B}"/>
+          <p:cNvPr id="26" name="Straight Arrow Connector 25">
+            <a:extLst>
+              <a:ext uri="{FF2B5EF4-FFF2-40B4-BE49-F238E27FC236}">
+                <a16:creationId xmlns:a16="http://schemas.microsoft.com/office/drawing/2014/main" id="{77448078-4F6A-506B-DF9B-04C41991D01B}"/>
               </a:ext>
             </a:extLst>
           </p:cNvPr>
@@ -7211,8 +7894,8 @@
         </p:nvCxnSpPr>
         <p:spPr>
           <a:xfrm flipV="1">
-            <a:off x="6096000" y="1944210"/>
-            <a:ext cx="1441142" cy="2982897"/>
+            <a:off x="5670003" y="3095349"/>
+            <a:ext cx="1020932" cy="443884"/>
           </a:xfrm>
           <a:prstGeom prst="straightConnector1">
             <a:avLst/>
@@ -7223,13 +7906,13 @@
         </p:spPr>
         <p:style>
           <a:lnRef idx="3">
-            <a:schemeClr val="accent5"/>
+            <a:schemeClr val="dk1"/>
           </a:lnRef>
           <a:fillRef idx="0">
-            <a:schemeClr val="accent5"/>
+            <a:schemeClr val="dk1"/>
           </a:fillRef>
           <a:effectRef idx="2">
-            <a:schemeClr val="accent5"/>
+            <a:schemeClr val="dk1"/>
           </a:effectRef>
           <a:fontRef idx="minor">
             <a:schemeClr val="tx1"/>
@@ -7238,20 +7921,22 @@
       </p:cxnSp>
       <p:cxnSp>
         <p:nvCxnSpPr>
-          <p:cNvPr id="52" name="Straight Arrow Connector 51">
-            <a:extLst>
-              <a:ext uri="{FF2B5EF4-FFF2-40B4-BE49-F238E27FC236}">
-                <a16:creationId xmlns:a16="http://schemas.microsoft.com/office/drawing/2014/main" id="{E7A298CC-1384-1AF8-5856-14AC17A4EDFC}"/>
-              </a:ext>
-            </a:extLst>
-          </p:cNvPr>
-          <p:cNvCxnSpPr/>
+          <p:cNvPr id="27" name="Straight Arrow Connector 26">
+            <a:extLst>
+              <a:ext uri="{FF2B5EF4-FFF2-40B4-BE49-F238E27FC236}">
+                <a16:creationId xmlns:a16="http://schemas.microsoft.com/office/drawing/2014/main" id="{ED84A60C-461A-957F-84E6-8628188EEB91}"/>
+              </a:ext>
+            </a:extLst>
+          </p:cNvPr>
+          <p:cNvCxnSpPr>
+            <a:cxnSpLocks/>
+          </p:cNvCxnSpPr>
           <p:nvPr/>
         </p:nvCxnSpPr>
         <p:spPr>
           <a:xfrm>
-            <a:off x="2817180" y="2104008"/>
-            <a:ext cx="0" cy="701336"/>
+            <a:off x="5654467" y="3734542"/>
+            <a:ext cx="1036468" cy="372860"/>
           </a:xfrm>
           <a:prstGeom prst="straightConnector1">
             <a:avLst/>
@@ -7262,13 +7947,13 @@
         </p:spPr>
         <p:style>
           <a:lnRef idx="3">
-            <a:schemeClr val="accent5"/>
+            <a:schemeClr val="dk1"/>
           </a:lnRef>
           <a:fillRef idx="0">
-            <a:schemeClr val="accent5"/>
+            <a:schemeClr val="dk1"/>
           </a:fillRef>
           <a:effectRef idx="2">
-            <a:schemeClr val="accent5"/>
+            <a:schemeClr val="dk1"/>
           </a:effectRef>
           <a:fontRef idx="minor">
             <a:schemeClr val="tx1"/>
@@ -7277,20 +7962,22 @@
       </p:cxnSp>
       <p:cxnSp>
         <p:nvCxnSpPr>
-          <p:cNvPr id="54" name="Straight Arrow Connector 53">
-            <a:extLst>
-              <a:ext uri="{FF2B5EF4-FFF2-40B4-BE49-F238E27FC236}">
-                <a16:creationId xmlns:a16="http://schemas.microsoft.com/office/drawing/2014/main" id="{B5C440D5-DDB0-0FF0-9422-07497E331038}"/>
-              </a:ext>
-            </a:extLst>
-          </p:cNvPr>
-          <p:cNvCxnSpPr/>
+          <p:cNvPr id="28" name="Straight Arrow Connector 27">
+            <a:extLst>
+              <a:ext uri="{FF2B5EF4-FFF2-40B4-BE49-F238E27FC236}">
+                <a16:creationId xmlns:a16="http://schemas.microsoft.com/office/drawing/2014/main" id="{3B0C1E89-3129-65B0-C726-C380C72C70B2}"/>
+              </a:ext>
+            </a:extLst>
+          </p:cNvPr>
+          <p:cNvCxnSpPr>
+            <a:cxnSpLocks/>
+          </p:cNvCxnSpPr>
           <p:nvPr/>
         </p:nvCxnSpPr>
         <p:spPr>
           <a:xfrm>
-            <a:off x="3946122" y="1660124"/>
-            <a:ext cx="3759695" cy="1518082"/>
+            <a:off x="5670003" y="2366641"/>
+            <a:ext cx="1036468" cy="372860"/>
           </a:xfrm>
           <a:prstGeom prst="straightConnector1">
             <a:avLst/>
@@ -7301,13 +7988,13 @@
         </p:spPr>
         <p:style>
           <a:lnRef idx="3">
-            <a:schemeClr val="accent5"/>
+            <a:schemeClr val="dk1"/>
           </a:lnRef>
           <a:fillRef idx="0">
-            <a:schemeClr val="accent5"/>
+            <a:schemeClr val="dk1"/>
           </a:fillRef>
           <a:effectRef idx="2">
-            <a:schemeClr val="accent5"/>
+            <a:schemeClr val="dk1"/>
           </a:effectRef>
           <a:fontRef idx="minor">
             <a:schemeClr val="tx1"/>
@@ -7316,10 +8003,10 @@
       </p:cxnSp>
       <p:cxnSp>
         <p:nvCxnSpPr>
-          <p:cNvPr id="56" name="Straight Arrow Connector 55">
-            <a:extLst>
-              <a:ext uri="{FF2B5EF4-FFF2-40B4-BE49-F238E27FC236}">
-                <a16:creationId xmlns:a16="http://schemas.microsoft.com/office/drawing/2014/main" id="{C6677B56-369A-ED0A-0F57-EB3944B6570D}"/>
+          <p:cNvPr id="29" name="Straight Arrow Connector 28">
+            <a:extLst>
+              <a:ext uri="{FF2B5EF4-FFF2-40B4-BE49-F238E27FC236}">
+                <a16:creationId xmlns:a16="http://schemas.microsoft.com/office/drawing/2014/main" id="{2CEA7466-C5CC-1852-37F5-C7152B87CBF2}"/>
               </a:ext>
             </a:extLst>
           </p:cNvPr>
@@ -7327,9 +8014,9 @@
           <p:nvPr/>
         </p:nvCxnSpPr>
         <p:spPr>
-          <a:xfrm flipH="1">
-            <a:off x="3435658" y="1864311"/>
-            <a:ext cx="3861787" cy="1124134"/>
+          <a:xfrm flipV="1">
+            <a:off x="5670003" y="4380390"/>
+            <a:ext cx="1020932" cy="443884"/>
           </a:xfrm>
           <a:prstGeom prst="straightConnector1">
             <a:avLst/>
@@ -7340,13 +8027,696 @@
         </p:spPr>
         <p:style>
           <a:lnRef idx="3">
-            <a:schemeClr val="accent5"/>
+            <a:schemeClr val="dk1"/>
           </a:lnRef>
           <a:fillRef idx="0">
-            <a:schemeClr val="accent5"/>
+            <a:schemeClr val="dk1"/>
           </a:fillRef>
           <a:effectRef idx="2">
-            <a:schemeClr val="accent5"/>
+            <a:schemeClr val="dk1"/>
+          </a:effectRef>
+          <a:fontRef idx="minor">
+            <a:schemeClr val="tx1"/>
+          </a:fontRef>
+        </p:style>
+      </p:cxnSp>
+      <p:sp>
+        <p:nvSpPr>
+          <p:cNvPr id="30" name="TextBox 29">
+            <a:extLst>
+              <a:ext uri="{FF2B5EF4-FFF2-40B4-BE49-F238E27FC236}">
+                <a16:creationId xmlns:a16="http://schemas.microsoft.com/office/drawing/2014/main" id="{9478C2E9-EA37-650E-9DE8-529973AAB963}"/>
+              </a:ext>
+            </a:extLst>
+          </p:cNvPr>
+          <p:cNvSpPr txBox="1"/>
+          <p:nvPr/>
+        </p:nvSpPr>
+        <p:spPr>
+          <a:xfrm>
+            <a:off x="7550087" y="2793623"/>
+            <a:ext cx="1031051" cy="1107996"/>
+          </a:xfrm>
+          <a:prstGeom prst="rect">
+            <a:avLst/>
+          </a:prstGeom>
+          <a:noFill/>
+        </p:spPr>
+        <p:txBody>
+          <a:bodyPr wrap="none" rtlCol="0">
+            <a:spAutoFit/>
+          </a:bodyPr>
+          <a:lstStyle/>
+          <a:p>
+            <a:r>
+              <a:rPr lang="en-US" sz="6600" dirty="0"/>
+              <a:t>…</a:t>
+            </a:r>
+          </a:p>
+        </p:txBody>
+      </p:sp>
+      <p:sp>
+        <p:nvSpPr>
+          <p:cNvPr id="31" name="Arrow: Right 30">
+            <a:extLst>
+              <a:ext uri="{FF2B5EF4-FFF2-40B4-BE49-F238E27FC236}">
+                <a16:creationId xmlns:a16="http://schemas.microsoft.com/office/drawing/2014/main" id="{C2DE4C8F-66DE-E0EE-D5E3-9BD69D74B383}"/>
+              </a:ext>
+            </a:extLst>
+          </p:cNvPr>
+          <p:cNvSpPr/>
+          <p:nvPr/>
+        </p:nvSpPr>
+        <p:spPr>
+          <a:xfrm>
+            <a:off x="1166319" y="2595977"/>
+            <a:ext cx="1255819" cy="798993"/>
+          </a:xfrm>
+          <a:prstGeom prst="rightArrow">
+            <a:avLst/>
+          </a:prstGeom>
+          <a:solidFill>
+            <a:schemeClr val="accent2">
+              <a:lumMod val="75000"/>
+            </a:schemeClr>
+          </a:solidFill>
+        </p:spPr>
+        <p:style>
+          <a:lnRef idx="2">
+            <a:schemeClr val="accent1">
+              <a:shade val="15000"/>
+            </a:schemeClr>
+          </a:lnRef>
+          <a:fillRef idx="1">
+            <a:schemeClr val="accent1"/>
+          </a:fillRef>
+          <a:effectRef idx="0">
+            <a:schemeClr val="accent1"/>
+          </a:effectRef>
+          <a:fontRef idx="minor">
+            <a:schemeClr val="lt1"/>
+          </a:fontRef>
+        </p:style>
+        <p:txBody>
+          <a:bodyPr rtlCol="0" anchor="ctr"/>
+          <a:lstStyle/>
+          <a:p>
+            <a:pPr algn="ctr"/>
+            <a:r>
+              <a:rPr lang="en-US" dirty="0">
+                <a:latin typeface="Arial" panose="020B0604020202020204" pitchFamily="34" charset="0"/>
+                <a:cs typeface="Arial" panose="020B0604020202020204" pitchFamily="34" charset="0"/>
+              </a:rPr>
+              <a:t>0, 1</a:t>
+            </a:r>
+          </a:p>
+        </p:txBody>
+      </p:sp>
+      <p:sp>
+        <p:nvSpPr>
+          <p:cNvPr id="32" name="Arrow: Right 31">
+            <a:extLst>
+              <a:ext uri="{FF2B5EF4-FFF2-40B4-BE49-F238E27FC236}">
+                <a16:creationId xmlns:a16="http://schemas.microsoft.com/office/drawing/2014/main" id="{42ABD1FA-6D6E-C954-C1D1-72C5592ADA38}"/>
+              </a:ext>
+            </a:extLst>
+          </p:cNvPr>
+          <p:cNvSpPr/>
+          <p:nvPr/>
+        </p:nvSpPr>
+        <p:spPr>
+          <a:xfrm>
+            <a:off x="1174087" y="3813702"/>
+            <a:ext cx="1255819" cy="835979"/>
+          </a:xfrm>
+          <a:prstGeom prst="rightArrow">
+            <a:avLst/>
+          </a:prstGeom>
+          <a:solidFill>
+            <a:schemeClr val="accent2">
+              <a:lumMod val="75000"/>
+            </a:schemeClr>
+          </a:solidFill>
+        </p:spPr>
+        <p:style>
+          <a:lnRef idx="2">
+            <a:schemeClr val="accent1">
+              <a:shade val="15000"/>
+            </a:schemeClr>
+          </a:lnRef>
+          <a:fillRef idx="1">
+            <a:schemeClr val="accent1"/>
+          </a:fillRef>
+          <a:effectRef idx="0">
+            <a:schemeClr val="accent1"/>
+          </a:effectRef>
+          <a:fontRef idx="minor">
+            <a:schemeClr val="lt1"/>
+          </a:fontRef>
+        </p:style>
+        <p:txBody>
+          <a:bodyPr rtlCol="0" anchor="ctr"/>
+          <a:lstStyle/>
+          <a:p>
+            <a:pPr algn="ctr"/>
+            <a:r>
+              <a:rPr lang="en-US" dirty="0">
+                <a:latin typeface="Arial" panose="020B0604020202020204" pitchFamily="34" charset="0"/>
+                <a:cs typeface="Arial" panose="020B0604020202020204" pitchFamily="34" charset="0"/>
+              </a:rPr>
+              <a:t>0~1</a:t>
+            </a:r>
+          </a:p>
+        </p:txBody>
+      </p:sp>
+      <p:sp>
+        <p:nvSpPr>
+          <p:cNvPr id="33" name="Arrow: Right 32">
+            <a:extLst>
+              <a:ext uri="{FF2B5EF4-FFF2-40B4-BE49-F238E27FC236}">
+                <a16:creationId xmlns:a16="http://schemas.microsoft.com/office/drawing/2014/main" id="{64C70515-D27C-9B96-9B50-3D997B6D95E8}"/>
+              </a:ext>
+            </a:extLst>
+          </p:cNvPr>
+          <p:cNvSpPr/>
+          <p:nvPr/>
+        </p:nvSpPr>
+        <p:spPr>
+          <a:xfrm>
+            <a:off x="10093168" y="3347621"/>
+            <a:ext cx="1255819" cy="835979"/>
+          </a:xfrm>
+          <a:prstGeom prst="rightArrow">
+            <a:avLst/>
+          </a:prstGeom>
+          <a:solidFill>
+            <a:schemeClr val="accent2">
+              <a:lumMod val="75000"/>
+            </a:schemeClr>
+          </a:solidFill>
+        </p:spPr>
+        <p:style>
+          <a:lnRef idx="2">
+            <a:schemeClr val="accent1">
+              <a:shade val="15000"/>
+            </a:schemeClr>
+          </a:lnRef>
+          <a:fillRef idx="1">
+            <a:schemeClr val="accent1"/>
+          </a:fillRef>
+          <a:effectRef idx="0">
+            <a:schemeClr val="accent1"/>
+          </a:effectRef>
+          <a:fontRef idx="minor">
+            <a:schemeClr val="lt1"/>
+          </a:fontRef>
+        </p:style>
+        <p:txBody>
+          <a:bodyPr rtlCol="0" anchor="ctr"/>
+          <a:lstStyle/>
+          <a:p>
+            <a:pPr algn="ctr"/>
+            <a:r>
+              <a:rPr lang="en-US" dirty="0">
+                <a:latin typeface="Arial" panose="020B0604020202020204" pitchFamily="34" charset="0"/>
+                <a:cs typeface="Arial" panose="020B0604020202020204" pitchFamily="34" charset="0"/>
+              </a:rPr>
+              <a:t>0,1,2,3</a:t>
+            </a:r>
+          </a:p>
+        </p:txBody>
+      </p:sp>
+      <p:sp>
+        <p:nvSpPr>
+          <p:cNvPr id="34" name="Arrow: Right 33">
+            <a:extLst>
+              <a:ext uri="{FF2B5EF4-FFF2-40B4-BE49-F238E27FC236}">
+                <a16:creationId xmlns:a16="http://schemas.microsoft.com/office/drawing/2014/main" id="{9CE8E511-DDA6-3F6A-6540-964518A20362}"/>
+              </a:ext>
+            </a:extLst>
+          </p:cNvPr>
+          <p:cNvSpPr/>
+          <p:nvPr/>
+        </p:nvSpPr>
+        <p:spPr>
+          <a:xfrm>
+            <a:off x="140181" y="4824274"/>
+            <a:ext cx="2549366" cy="1359760"/>
+          </a:xfrm>
+          <a:prstGeom prst="rightArrow">
+            <a:avLst/>
+          </a:prstGeom>
+          <a:solidFill>
+            <a:schemeClr val="accent2">
+              <a:lumMod val="75000"/>
+            </a:schemeClr>
+          </a:solidFill>
+        </p:spPr>
+        <p:style>
+          <a:lnRef idx="2">
+            <a:schemeClr val="accent1">
+              <a:shade val="15000"/>
+            </a:schemeClr>
+          </a:lnRef>
+          <a:fillRef idx="1">
+            <a:schemeClr val="accent1"/>
+          </a:fillRef>
+          <a:effectRef idx="0">
+            <a:schemeClr val="accent1"/>
+          </a:effectRef>
+          <a:fontRef idx="minor">
+            <a:schemeClr val="lt1"/>
+          </a:fontRef>
+        </p:style>
+        <p:txBody>
+          <a:bodyPr rtlCol="0" anchor="ctr"/>
+          <a:lstStyle/>
+          <a:p>
+            <a:pPr algn="ctr"/>
+            <a:r>
+              <a:rPr lang="en-US" dirty="0">
+                <a:latin typeface="Arial" panose="020B0604020202020204" pitchFamily="34" charset="0"/>
+                <a:cs typeface="Arial" panose="020B0604020202020204" pitchFamily="34" charset="0"/>
+              </a:rPr>
+              <a:t>[1,0,0,0]  [0,1,0,0]</a:t>
+            </a:r>
+          </a:p>
+        </p:txBody>
+      </p:sp>
+      <p:sp>
+        <p:nvSpPr>
+          <p:cNvPr id="36" name="TextBox 35">
+            <a:extLst>
+              <a:ext uri="{FF2B5EF4-FFF2-40B4-BE49-F238E27FC236}">
+                <a16:creationId xmlns:a16="http://schemas.microsoft.com/office/drawing/2014/main" id="{8473A78D-5F10-8E71-CDF4-0232F88CAF29}"/>
+              </a:ext>
+            </a:extLst>
+          </p:cNvPr>
+          <p:cNvSpPr txBox="1"/>
+          <p:nvPr/>
+        </p:nvSpPr>
+        <p:spPr>
+          <a:xfrm>
+            <a:off x="4148053" y="398651"/>
+            <a:ext cx="4916748" cy="646331"/>
+          </a:xfrm>
+          <a:prstGeom prst="rect">
+            <a:avLst/>
+          </a:prstGeom>
+          <a:noFill/>
+        </p:spPr>
+        <p:txBody>
+          <a:bodyPr wrap="square" rtlCol="0">
+            <a:spAutoFit/>
+          </a:bodyPr>
+          <a:lstStyle/>
+          <a:p>
+            <a:r>
+              <a:rPr lang="en-US" sz="3600" dirty="0"/>
+              <a:t>Fraud Risk Prediction</a:t>
+            </a:r>
+          </a:p>
+        </p:txBody>
+      </p:sp>
+      <p:sp>
+        <p:nvSpPr>
+          <p:cNvPr id="3" name="Oval 2">
+            <a:extLst>
+              <a:ext uri="{FF2B5EF4-FFF2-40B4-BE49-F238E27FC236}">
+                <a16:creationId xmlns:a16="http://schemas.microsoft.com/office/drawing/2014/main" id="{A82F948B-D0B6-89FC-3016-0CF3169DA9EC}"/>
+              </a:ext>
+            </a:extLst>
+          </p:cNvPr>
+          <p:cNvSpPr/>
+          <p:nvPr/>
+        </p:nvSpPr>
+        <p:spPr>
+          <a:xfrm>
+            <a:off x="2732922" y="1647550"/>
+            <a:ext cx="530604" cy="530219"/>
+          </a:xfrm>
+          <a:prstGeom prst="ellipse">
+            <a:avLst/>
+          </a:prstGeom>
+          <a:solidFill>
+            <a:srgbClr val="96AED2"/>
+          </a:solidFill>
+        </p:spPr>
+        <p:style>
+          <a:lnRef idx="2">
+            <a:schemeClr val="accent1">
+              <a:shade val="15000"/>
+            </a:schemeClr>
+          </a:lnRef>
+          <a:fillRef idx="1">
+            <a:schemeClr val="accent1"/>
+          </a:fillRef>
+          <a:effectRef idx="0">
+            <a:schemeClr val="accent1"/>
+          </a:effectRef>
+          <a:fontRef idx="minor">
+            <a:schemeClr val="lt1"/>
+          </a:fontRef>
+        </p:style>
+        <p:txBody>
+          <a:bodyPr rtlCol="0" anchor="ctr"/>
+          <a:lstStyle/>
+          <a:p>
+            <a:pPr algn="ctr"/>
+            <a:endParaRPr lang="en-US"/>
+          </a:p>
+        </p:txBody>
+      </p:sp>
+      <p:sp>
+        <p:nvSpPr>
+          <p:cNvPr id="4" name="Oval 3">
+            <a:extLst>
+              <a:ext uri="{FF2B5EF4-FFF2-40B4-BE49-F238E27FC236}">
+                <a16:creationId xmlns:a16="http://schemas.microsoft.com/office/drawing/2014/main" id="{67B2A51F-D07C-0A6D-5CE4-46D81141DBD8}"/>
+              </a:ext>
+            </a:extLst>
+          </p:cNvPr>
+          <p:cNvSpPr/>
+          <p:nvPr/>
+        </p:nvSpPr>
+        <p:spPr>
+          <a:xfrm>
+            <a:off x="2692172" y="773840"/>
+            <a:ext cx="571354" cy="530219"/>
+          </a:xfrm>
+          <a:prstGeom prst="ellipse">
+            <a:avLst/>
+          </a:prstGeom>
+          <a:solidFill>
+            <a:srgbClr val="96AED2"/>
+          </a:solidFill>
+        </p:spPr>
+        <p:style>
+          <a:lnRef idx="2">
+            <a:schemeClr val="accent1">
+              <a:shade val="15000"/>
+            </a:schemeClr>
+          </a:lnRef>
+          <a:fillRef idx="1">
+            <a:schemeClr val="accent1"/>
+          </a:fillRef>
+          <a:effectRef idx="0">
+            <a:schemeClr val="accent1"/>
+          </a:effectRef>
+          <a:fontRef idx="minor">
+            <a:schemeClr val="lt1"/>
+          </a:fontRef>
+        </p:style>
+        <p:txBody>
+          <a:bodyPr rtlCol="0" anchor="ctr"/>
+          <a:lstStyle/>
+          <a:p>
+            <a:pPr algn="ctr"/>
+            <a:endParaRPr lang="en-US"/>
+          </a:p>
+        </p:txBody>
+      </p:sp>
+      <p:sp>
+        <p:nvSpPr>
+          <p:cNvPr id="6" name="Oval 5">
+            <a:extLst>
+              <a:ext uri="{FF2B5EF4-FFF2-40B4-BE49-F238E27FC236}">
+                <a16:creationId xmlns:a16="http://schemas.microsoft.com/office/drawing/2014/main" id="{35D55AEF-5A20-A181-BEA9-AF94CBDD0BE9}"/>
+              </a:ext>
+            </a:extLst>
+          </p:cNvPr>
+          <p:cNvSpPr/>
+          <p:nvPr/>
+        </p:nvSpPr>
+        <p:spPr>
+          <a:xfrm>
+            <a:off x="2719834" y="4007530"/>
+            <a:ext cx="579137" cy="443884"/>
+          </a:xfrm>
+          <a:prstGeom prst="ellipse">
+            <a:avLst/>
+          </a:prstGeom>
+          <a:solidFill>
+            <a:srgbClr val="96AED2"/>
+          </a:solidFill>
+        </p:spPr>
+        <p:style>
+          <a:lnRef idx="2">
+            <a:schemeClr val="accent1">
+              <a:shade val="15000"/>
+            </a:schemeClr>
+          </a:lnRef>
+          <a:fillRef idx="1">
+            <a:schemeClr val="accent1"/>
+          </a:fillRef>
+          <a:effectRef idx="0">
+            <a:schemeClr val="accent1"/>
+          </a:effectRef>
+          <a:fontRef idx="minor">
+            <a:schemeClr val="lt1"/>
+          </a:fontRef>
+        </p:style>
+        <p:txBody>
+          <a:bodyPr rtlCol="0" anchor="ctr"/>
+          <a:lstStyle/>
+          <a:p>
+            <a:pPr algn="ctr"/>
+            <a:endParaRPr lang="en-US"/>
+          </a:p>
+        </p:txBody>
+      </p:sp>
+      <p:sp>
+        <p:nvSpPr>
+          <p:cNvPr id="10" name="Oval 9">
+            <a:extLst>
+              <a:ext uri="{FF2B5EF4-FFF2-40B4-BE49-F238E27FC236}">
+                <a16:creationId xmlns:a16="http://schemas.microsoft.com/office/drawing/2014/main" id="{EDE57E73-0449-D601-D2DD-6813D11A4D03}"/>
+              </a:ext>
+            </a:extLst>
+          </p:cNvPr>
+          <p:cNvSpPr/>
+          <p:nvPr/>
+        </p:nvSpPr>
+        <p:spPr>
+          <a:xfrm>
+            <a:off x="2738152" y="4760040"/>
+            <a:ext cx="518859" cy="450410"/>
+          </a:xfrm>
+          <a:prstGeom prst="ellipse">
+            <a:avLst/>
+          </a:prstGeom>
+          <a:solidFill>
+            <a:srgbClr val="96AED2"/>
+          </a:solidFill>
+        </p:spPr>
+        <p:style>
+          <a:lnRef idx="2">
+            <a:schemeClr val="accent1">
+              <a:shade val="15000"/>
+            </a:schemeClr>
+          </a:lnRef>
+          <a:fillRef idx="1">
+            <a:schemeClr val="accent1"/>
+          </a:fillRef>
+          <a:effectRef idx="0">
+            <a:schemeClr val="accent1"/>
+          </a:effectRef>
+          <a:fontRef idx="minor">
+            <a:schemeClr val="lt1"/>
+          </a:fontRef>
+        </p:style>
+        <p:txBody>
+          <a:bodyPr rtlCol="0" anchor="ctr"/>
+          <a:lstStyle/>
+          <a:p>
+            <a:pPr algn="ctr"/>
+            <a:endParaRPr lang="en-US"/>
+          </a:p>
+        </p:txBody>
+      </p:sp>
+      <p:sp>
+        <p:nvSpPr>
+          <p:cNvPr id="13" name="Oval 12">
+            <a:extLst>
+              <a:ext uri="{FF2B5EF4-FFF2-40B4-BE49-F238E27FC236}">
+                <a16:creationId xmlns:a16="http://schemas.microsoft.com/office/drawing/2014/main" id="{16C2B612-EC0E-DA60-CF83-335E9E37AC74}"/>
+              </a:ext>
+            </a:extLst>
+          </p:cNvPr>
+          <p:cNvSpPr/>
+          <p:nvPr/>
+        </p:nvSpPr>
+        <p:spPr>
+          <a:xfrm>
+            <a:off x="2685657" y="137492"/>
+            <a:ext cx="571354" cy="530219"/>
+          </a:xfrm>
+          <a:prstGeom prst="ellipse">
+            <a:avLst/>
+          </a:prstGeom>
+          <a:solidFill>
+            <a:srgbClr val="96AED2"/>
+          </a:solidFill>
+        </p:spPr>
+        <p:style>
+          <a:lnRef idx="2">
+            <a:schemeClr val="accent1">
+              <a:shade val="15000"/>
+            </a:schemeClr>
+          </a:lnRef>
+          <a:fillRef idx="1">
+            <a:schemeClr val="accent1"/>
+          </a:fillRef>
+          <a:effectRef idx="0">
+            <a:schemeClr val="accent1"/>
+          </a:effectRef>
+          <a:fontRef idx="minor">
+            <a:schemeClr val="lt1"/>
+          </a:fontRef>
+        </p:style>
+        <p:txBody>
+          <a:bodyPr rtlCol="0" anchor="ctr"/>
+          <a:lstStyle/>
+          <a:p>
+            <a:pPr algn="ctr"/>
+            <a:endParaRPr lang="en-US"/>
+          </a:p>
+        </p:txBody>
+      </p:sp>
+      <p:sp>
+        <p:nvSpPr>
+          <p:cNvPr id="14" name="Oval 13">
+            <a:extLst>
+              <a:ext uri="{FF2B5EF4-FFF2-40B4-BE49-F238E27FC236}">
+                <a16:creationId xmlns:a16="http://schemas.microsoft.com/office/drawing/2014/main" id="{129E1299-6839-2300-EABF-229BB0D97AC0}"/>
+              </a:ext>
+            </a:extLst>
+          </p:cNvPr>
+          <p:cNvSpPr/>
+          <p:nvPr/>
+        </p:nvSpPr>
+        <p:spPr>
+          <a:xfrm>
+            <a:off x="2778457" y="5504154"/>
+            <a:ext cx="478554" cy="460864"/>
+          </a:xfrm>
+          <a:prstGeom prst="ellipse">
+            <a:avLst/>
+          </a:prstGeom>
+          <a:solidFill>
+            <a:srgbClr val="96AED2"/>
+          </a:solidFill>
+        </p:spPr>
+        <p:style>
+          <a:lnRef idx="2">
+            <a:schemeClr val="accent1">
+              <a:shade val="15000"/>
+            </a:schemeClr>
+          </a:lnRef>
+          <a:fillRef idx="1">
+            <a:schemeClr val="accent1"/>
+          </a:fillRef>
+          <a:effectRef idx="0">
+            <a:schemeClr val="accent1"/>
+          </a:effectRef>
+          <a:fontRef idx="minor">
+            <a:schemeClr val="lt1"/>
+          </a:fontRef>
+        </p:style>
+        <p:txBody>
+          <a:bodyPr rtlCol="0" anchor="ctr"/>
+          <a:lstStyle/>
+          <a:p>
+            <a:pPr algn="ctr"/>
+            <a:endParaRPr lang="en-US"/>
+          </a:p>
+        </p:txBody>
+      </p:sp>
+      <p:sp>
+        <p:nvSpPr>
+          <p:cNvPr id="19" name="Oval 18">
+            <a:extLst>
+              <a:ext uri="{FF2B5EF4-FFF2-40B4-BE49-F238E27FC236}">
+                <a16:creationId xmlns:a16="http://schemas.microsoft.com/office/drawing/2014/main" id="{4B30DBE8-FC77-BDB6-EC4E-53FDB581FFAE}"/>
+              </a:ext>
+            </a:extLst>
+          </p:cNvPr>
+          <p:cNvSpPr/>
+          <p:nvPr/>
+        </p:nvSpPr>
+        <p:spPr>
+          <a:xfrm>
+            <a:off x="2757914" y="6177322"/>
+            <a:ext cx="589757" cy="460864"/>
+          </a:xfrm>
+          <a:prstGeom prst="ellipse">
+            <a:avLst/>
+          </a:prstGeom>
+          <a:solidFill>
+            <a:srgbClr val="96AED2"/>
+          </a:solidFill>
+        </p:spPr>
+        <p:style>
+          <a:lnRef idx="2">
+            <a:schemeClr val="accent1">
+              <a:shade val="15000"/>
+            </a:schemeClr>
+          </a:lnRef>
+          <a:fillRef idx="1">
+            <a:schemeClr val="accent1"/>
+          </a:fillRef>
+          <a:effectRef idx="0">
+            <a:schemeClr val="accent1"/>
+          </a:effectRef>
+          <a:fontRef idx="minor">
+            <a:schemeClr val="lt1"/>
+          </a:fontRef>
+        </p:style>
+        <p:txBody>
+          <a:bodyPr rtlCol="0" anchor="ctr"/>
+          <a:lstStyle/>
+          <a:p>
+            <a:pPr algn="ctr"/>
+            <a:endParaRPr lang="en-US"/>
+          </a:p>
+        </p:txBody>
+      </p:sp>
+      <p:cxnSp>
+        <p:nvCxnSpPr>
+          <p:cNvPr id="24" name="Straight Arrow Connector 23">
+            <a:extLst>
+              <a:ext uri="{FF2B5EF4-FFF2-40B4-BE49-F238E27FC236}">
+                <a16:creationId xmlns:a16="http://schemas.microsoft.com/office/drawing/2014/main" id="{1CAA4BE3-9533-38A3-6991-B88599232C1A}"/>
+              </a:ext>
+            </a:extLst>
+          </p:cNvPr>
+          <p:cNvCxnSpPr>
+            <a:cxnSpLocks/>
+            <a:stCxn id="13" idx="6"/>
+          </p:cNvCxnSpPr>
+          <p:nvPr/>
+        </p:nvCxnSpPr>
+        <p:spPr>
+          <a:xfrm>
+            <a:off x="3257011" y="402602"/>
+            <a:ext cx="1558660" cy="1586737"/>
+          </a:xfrm>
+          <a:prstGeom prst="straightConnector1">
+            <a:avLst/>
+          </a:prstGeom>
+          <a:ln>
+            <a:tailEnd type="triangle"/>
+          </a:ln>
+        </p:spPr>
+        <p:style>
+          <a:lnRef idx="3">
+            <a:schemeClr val="dk1"/>
+          </a:lnRef>
+          <a:fillRef idx="0">
+            <a:schemeClr val="dk1"/>
+          </a:fillRef>
+          <a:effectRef idx="2">
+            <a:schemeClr val="dk1"/>
           </a:effectRef>
           <a:fontRef idx="minor">
             <a:schemeClr val="tx1"/>
@@ -7355,20 +8725,22 @@
       </p:cxnSp>
       <p:cxnSp>
         <p:nvCxnSpPr>
-          <p:cNvPr id="58" name="Straight Arrow Connector 57">
-            <a:extLst>
-              <a:ext uri="{FF2B5EF4-FFF2-40B4-BE49-F238E27FC236}">
-                <a16:creationId xmlns:a16="http://schemas.microsoft.com/office/drawing/2014/main" id="{7435CB57-D786-285D-0491-24C6BBD84B4D}"/>
-              </a:ext>
-            </a:extLst>
-          </p:cNvPr>
-          <p:cNvCxnSpPr/>
+          <p:cNvPr id="38" name="Straight Arrow Connector 37">
+            <a:extLst>
+              <a:ext uri="{FF2B5EF4-FFF2-40B4-BE49-F238E27FC236}">
+                <a16:creationId xmlns:a16="http://schemas.microsoft.com/office/drawing/2014/main" id="{3F309469-F06C-A1E7-D8FC-C7818C58FE6D}"/>
+              </a:ext>
+            </a:extLst>
+          </p:cNvPr>
+          <p:cNvCxnSpPr>
+            <a:cxnSpLocks/>
+          </p:cNvCxnSpPr>
           <p:nvPr/>
         </p:nvCxnSpPr>
         <p:spPr>
           <a:xfrm>
-            <a:off x="8487055" y="2246050"/>
-            <a:ext cx="0" cy="665826"/>
+            <a:off x="3298971" y="1186415"/>
+            <a:ext cx="1540055" cy="985201"/>
           </a:xfrm>
           <a:prstGeom prst="straightConnector1">
             <a:avLst/>
@@ -7379,13 +8751,178 @@
         </p:spPr>
         <p:style>
           <a:lnRef idx="3">
-            <a:schemeClr val="accent5"/>
+            <a:schemeClr val="dk1"/>
           </a:lnRef>
           <a:fillRef idx="0">
-            <a:schemeClr val="accent5"/>
+            <a:schemeClr val="dk1"/>
           </a:fillRef>
           <a:effectRef idx="2">
-            <a:schemeClr val="accent5"/>
+            <a:schemeClr val="dk1"/>
+          </a:effectRef>
+          <a:fontRef idx="minor">
+            <a:schemeClr val="tx1"/>
+          </a:fontRef>
+        </p:style>
+      </p:cxnSp>
+      <p:cxnSp>
+        <p:nvCxnSpPr>
+          <p:cNvPr id="40" name="Straight Arrow Connector 39">
+            <a:extLst>
+              <a:ext uri="{FF2B5EF4-FFF2-40B4-BE49-F238E27FC236}">
+                <a16:creationId xmlns:a16="http://schemas.microsoft.com/office/drawing/2014/main" id="{9EF0911A-5448-4358-6ECF-82D7374EC452}"/>
+              </a:ext>
+            </a:extLst>
+          </p:cNvPr>
+          <p:cNvCxnSpPr>
+            <a:cxnSpLocks/>
+            <a:endCxn id="7" idx="2"/>
+          </p:cNvCxnSpPr>
+          <p:nvPr/>
+        </p:nvCxnSpPr>
+        <p:spPr>
+          <a:xfrm>
+            <a:off x="3347671" y="2067869"/>
+            <a:ext cx="1474515" cy="232189"/>
+          </a:xfrm>
+          <a:prstGeom prst="straightConnector1">
+            <a:avLst/>
+          </a:prstGeom>
+          <a:ln>
+            <a:tailEnd type="triangle"/>
+          </a:ln>
+        </p:spPr>
+        <p:style>
+          <a:lnRef idx="3">
+            <a:schemeClr val="dk1"/>
+          </a:lnRef>
+          <a:fillRef idx="0">
+            <a:schemeClr val="dk1"/>
+          </a:fillRef>
+          <a:effectRef idx="2">
+            <a:schemeClr val="dk1"/>
+          </a:effectRef>
+          <a:fontRef idx="minor">
+            <a:schemeClr val="tx1"/>
+          </a:fontRef>
+        </p:style>
+      </p:cxnSp>
+      <p:cxnSp>
+        <p:nvCxnSpPr>
+          <p:cNvPr id="43" name="Straight Arrow Connector 42">
+            <a:extLst>
+              <a:ext uri="{FF2B5EF4-FFF2-40B4-BE49-F238E27FC236}">
+                <a16:creationId xmlns:a16="http://schemas.microsoft.com/office/drawing/2014/main" id="{67D3B134-CC3F-B66F-A7F6-BA48056F8791}"/>
+              </a:ext>
+            </a:extLst>
+          </p:cNvPr>
+          <p:cNvCxnSpPr>
+            <a:cxnSpLocks/>
+          </p:cNvCxnSpPr>
+          <p:nvPr/>
+        </p:nvCxnSpPr>
+        <p:spPr>
+          <a:xfrm flipV="1">
+            <a:off x="3347671" y="4985245"/>
+            <a:ext cx="1468000" cy="102065"/>
+          </a:xfrm>
+          <a:prstGeom prst="straightConnector1">
+            <a:avLst/>
+          </a:prstGeom>
+          <a:ln>
+            <a:tailEnd type="triangle"/>
+          </a:ln>
+        </p:spPr>
+        <p:style>
+          <a:lnRef idx="3">
+            <a:schemeClr val="dk1"/>
+          </a:lnRef>
+          <a:fillRef idx="0">
+            <a:schemeClr val="dk1"/>
+          </a:fillRef>
+          <a:effectRef idx="2">
+            <a:schemeClr val="dk1"/>
+          </a:effectRef>
+          <a:fontRef idx="minor">
+            <a:schemeClr val="tx1"/>
+          </a:fontRef>
+        </p:style>
+      </p:cxnSp>
+      <p:cxnSp>
+        <p:nvCxnSpPr>
+          <p:cNvPr id="45" name="Straight Arrow Connector 44">
+            <a:extLst>
+              <a:ext uri="{FF2B5EF4-FFF2-40B4-BE49-F238E27FC236}">
+                <a16:creationId xmlns:a16="http://schemas.microsoft.com/office/drawing/2014/main" id="{BCFAE883-5007-6AB1-28A2-D7BCC57E731E}"/>
+              </a:ext>
+            </a:extLst>
+          </p:cNvPr>
+          <p:cNvCxnSpPr>
+            <a:cxnSpLocks/>
+          </p:cNvCxnSpPr>
+          <p:nvPr/>
+        </p:nvCxnSpPr>
+        <p:spPr>
+          <a:xfrm flipV="1">
+            <a:off x="3480435" y="5087310"/>
+            <a:ext cx="1283184" cy="715842"/>
+          </a:xfrm>
+          <a:prstGeom prst="straightConnector1">
+            <a:avLst/>
+          </a:prstGeom>
+          <a:ln>
+            <a:tailEnd type="triangle"/>
+          </a:ln>
+        </p:spPr>
+        <p:style>
+          <a:lnRef idx="3">
+            <a:schemeClr val="dk1"/>
+          </a:lnRef>
+          <a:fillRef idx="0">
+            <a:schemeClr val="dk1"/>
+          </a:fillRef>
+          <a:effectRef idx="2">
+            <a:schemeClr val="dk1"/>
+          </a:effectRef>
+          <a:fontRef idx="minor">
+            <a:schemeClr val="tx1"/>
+          </a:fontRef>
+        </p:style>
+      </p:cxnSp>
+      <p:cxnSp>
+        <p:nvCxnSpPr>
+          <p:cNvPr id="47" name="Straight Arrow Connector 46">
+            <a:extLst>
+              <a:ext uri="{FF2B5EF4-FFF2-40B4-BE49-F238E27FC236}">
+                <a16:creationId xmlns:a16="http://schemas.microsoft.com/office/drawing/2014/main" id="{C6C06077-06A3-B401-F134-6033215E2B84}"/>
+              </a:ext>
+            </a:extLst>
+          </p:cNvPr>
+          <p:cNvCxnSpPr>
+            <a:cxnSpLocks/>
+          </p:cNvCxnSpPr>
+          <p:nvPr/>
+        </p:nvCxnSpPr>
+        <p:spPr>
+          <a:xfrm flipV="1">
+            <a:off x="3480435" y="5345934"/>
+            <a:ext cx="1335236" cy="1061820"/>
+          </a:xfrm>
+          <a:prstGeom prst="straightConnector1">
+            <a:avLst/>
+          </a:prstGeom>
+          <a:ln>
+            <a:tailEnd type="triangle"/>
+          </a:ln>
+        </p:spPr>
+        <p:style>
+          <a:lnRef idx="3">
+            <a:schemeClr val="dk1"/>
+          </a:lnRef>
+          <a:fillRef idx="0">
+            <a:schemeClr val="dk1"/>
+          </a:fillRef>
+          <a:effectRef idx="2">
+            <a:schemeClr val="dk1"/>
           </a:effectRef>
           <a:fontRef idx="minor">
             <a:schemeClr val="tx1"/>
@@ -7395,7 +8932,7 @@
     </p:spTree>
     <p:extLst>
       <p:ext uri="{BB962C8B-B14F-4D97-AF65-F5344CB8AC3E}">
-        <p14:creationId xmlns:p14="http://schemas.microsoft.com/office/powerpoint/2010/main" val="3572374604"/>
+        <p14:creationId xmlns:p14="http://schemas.microsoft.com/office/powerpoint/2010/main" val="3490861430"/>
       </p:ext>
     </p:extLst>
   </p:cSld>
